--- a/SLIDES.pptx
+++ b/SLIDES.pptx
@@ -205,7 +205,7 @@
           <a:p>
             <a:fld id="{35331B00-C35B-416A-9DC1-A7D344549158}" type="datetimeFigureOut">
               <a:rPr lang="zh-CN" altLang="en-US" smtClean="0"/>
-              <a:t>2020/11/28</a:t>
+              <a:t>2020/12/1</a:t>
             </a:fld>
             <a:endParaRPr lang="zh-CN" altLang="en-US"/>
           </a:p>
@@ -269,38 +269,37 @@
           <a:p>
             <a:pPr lvl="0"/>
             <a:r>
-              <a:rPr lang="zh-CN" altLang="en-US" smtClean="0"/>
+              <a:rPr lang="zh-CN" altLang="en-US"/>
               <a:t>编辑母版文本样式</a:t>
             </a:r>
           </a:p>
           <a:p>
             <a:pPr lvl="1"/>
             <a:r>
-              <a:rPr lang="zh-CN" altLang="en-US" smtClean="0"/>
+              <a:rPr lang="zh-CN" altLang="en-US"/>
               <a:t>第二级</a:t>
             </a:r>
           </a:p>
           <a:p>
             <a:pPr lvl="2"/>
             <a:r>
-              <a:rPr lang="zh-CN" altLang="en-US" smtClean="0"/>
+              <a:rPr lang="zh-CN" altLang="en-US"/>
               <a:t>第三级</a:t>
             </a:r>
           </a:p>
           <a:p>
             <a:pPr lvl="3"/>
             <a:r>
-              <a:rPr lang="zh-CN" altLang="en-US" smtClean="0"/>
+              <a:rPr lang="zh-CN" altLang="en-US"/>
               <a:t>第四级</a:t>
             </a:r>
           </a:p>
           <a:p>
             <a:pPr lvl="4"/>
             <a:r>
-              <a:rPr lang="zh-CN" altLang="en-US" smtClean="0"/>
+              <a:rPr lang="zh-CN" altLang="en-US"/>
               <a:t>第五级</a:t>
             </a:r>
-            <a:endParaRPr lang="zh-CN" altLang="en-US"/>
           </a:p>
         </p:txBody>
       </p:sp>
@@ -515,10 +514,9 @@
           </a:lstStyle>
           <a:p>
             <a:r>
-              <a:rPr lang="zh-CN" altLang="en-US" smtClean="0"/>
+              <a:rPr lang="zh-CN" altLang="en-US"/>
               <a:t>单击此处编辑母版标题样式</a:t>
             </a:r>
-            <a:endParaRPr lang="zh-CN" altLang="en-US"/>
           </a:p>
         </p:txBody>
       </p:sp>
@@ -580,10 +578,9 @@
           </a:lstStyle>
           <a:p>
             <a:r>
-              <a:rPr lang="zh-CN" altLang="en-US" smtClean="0"/>
+              <a:rPr lang="zh-CN" altLang="en-US"/>
               <a:t>单击以编辑母版副标题样式</a:t>
             </a:r>
-            <a:endParaRPr lang="zh-CN" altLang="en-US"/>
           </a:p>
         </p:txBody>
       </p:sp>
@@ -604,7 +601,7 @@
           <a:p>
             <a:fld id="{05681765-A027-410D-AE76-F44A96EAD522}" type="datetimeFigureOut">
               <a:rPr lang="zh-CN" altLang="en-US" smtClean="0"/>
-              <a:t>2020/11/28</a:t>
+              <a:t>2020/12/1</a:t>
             </a:fld>
             <a:endParaRPr lang="zh-CN" altLang="en-US"/>
           </a:p>
@@ -698,10 +695,9 @@
           <a:lstStyle/>
           <a:p>
             <a:r>
-              <a:rPr lang="zh-CN" altLang="en-US" smtClean="0"/>
+              <a:rPr lang="zh-CN" altLang="en-US"/>
               <a:t>单击此处编辑母版标题样式</a:t>
             </a:r>
-            <a:endParaRPr lang="zh-CN" altLang="en-US"/>
           </a:p>
         </p:txBody>
       </p:sp>
@@ -722,38 +718,37 @@
           <a:p>
             <a:pPr lvl="0"/>
             <a:r>
-              <a:rPr lang="zh-CN" altLang="en-US" smtClean="0"/>
+              <a:rPr lang="zh-CN" altLang="en-US"/>
               <a:t>编辑母版文本样式</a:t>
             </a:r>
           </a:p>
           <a:p>
             <a:pPr lvl="1"/>
             <a:r>
-              <a:rPr lang="zh-CN" altLang="en-US" smtClean="0"/>
+              <a:rPr lang="zh-CN" altLang="en-US"/>
               <a:t>第二级</a:t>
             </a:r>
           </a:p>
           <a:p>
             <a:pPr lvl="2"/>
             <a:r>
-              <a:rPr lang="zh-CN" altLang="en-US" smtClean="0"/>
+              <a:rPr lang="zh-CN" altLang="en-US"/>
               <a:t>第三级</a:t>
             </a:r>
           </a:p>
           <a:p>
             <a:pPr lvl="3"/>
             <a:r>
-              <a:rPr lang="zh-CN" altLang="en-US" smtClean="0"/>
+              <a:rPr lang="zh-CN" altLang="en-US"/>
               <a:t>第四级</a:t>
             </a:r>
           </a:p>
           <a:p>
             <a:pPr lvl="4"/>
             <a:r>
-              <a:rPr lang="zh-CN" altLang="en-US" smtClean="0"/>
+              <a:rPr lang="zh-CN" altLang="en-US"/>
               <a:t>第五级</a:t>
             </a:r>
-            <a:endParaRPr lang="zh-CN" altLang="en-US"/>
           </a:p>
         </p:txBody>
       </p:sp>
@@ -774,7 +769,7 @@
           <a:p>
             <a:fld id="{05681765-A027-410D-AE76-F44A96EAD522}" type="datetimeFigureOut">
               <a:rPr lang="zh-CN" altLang="en-US" smtClean="0"/>
-              <a:t>2020/11/28</a:t>
+              <a:t>2020/12/1</a:t>
             </a:fld>
             <a:endParaRPr lang="zh-CN" altLang="en-US"/>
           </a:p>
@@ -873,10 +868,9 @@
           <a:lstStyle/>
           <a:p>
             <a:r>
-              <a:rPr lang="zh-CN" altLang="en-US" smtClean="0"/>
+              <a:rPr lang="zh-CN" altLang="en-US"/>
               <a:t>单击此处编辑母版标题样式</a:t>
             </a:r>
-            <a:endParaRPr lang="zh-CN" altLang="en-US"/>
           </a:p>
         </p:txBody>
       </p:sp>
@@ -902,38 +896,37 @@
           <a:p>
             <a:pPr lvl="0"/>
             <a:r>
-              <a:rPr lang="zh-CN" altLang="en-US" smtClean="0"/>
+              <a:rPr lang="zh-CN" altLang="en-US"/>
               <a:t>编辑母版文本样式</a:t>
             </a:r>
           </a:p>
           <a:p>
             <a:pPr lvl="1"/>
             <a:r>
-              <a:rPr lang="zh-CN" altLang="en-US" smtClean="0"/>
+              <a:rPr lang="zh-CN" altLang="en-US"/>
               <a:t>第二级</a:t>
             </a:r>
           </a:p>
           <a:p>
             <a:pPr lvl="2"/>
             <a:r>
-              <a:rPr lang="zh-CN" altLang="en-US" smtClean="0"/>
+              <a:rPr lang="zh-CN" altLang="en-US"/>
               <a:t>第三级</a:t>
             </a:r>
           </a:p>
           <a:p>
             <a:pPr lvl="3"/>
             <a:r>
-              <a:rPr lang="zh-CN" altLang="en-US" smtClean="0"/>
+              <a:rPr lang="zh-CN" altLang="en-US"/>
               <a:t>第四级</a:t>
             </a:r>
           </a:p>
           <a:p>
             <a:pPr lvl="4"/>
             <a:r>
-              <a:rPr lang="zh-CN" altLang="en-US" smtClean="0"/>
+              <a:rPr lang="zh-CN" altLang="en-US"/>
               <a:t>第五级</a:t>
             </a:r>
-            <a:endParaRPr lang="zh-CN" altLang="en-US"/>
           </a:p>
         </p:txBody>
       </p:sp>
@@ -954,7 +947,7 @@
           <a:p>
             <a:fld id="{05681765-A027-410D-AE76-F44A96EAD522}" type="datetimeFigureOut">
               <a:rPr lang="zh-CN" altLang="en-US" smtClean="0"/>
-              <a:t>2020/11/28</a:t>
+              <a:t>2020/12/1</a:t>
             </a:fld>
             <a:endParaRPr lang="zh-CN" altLang="en-US"/>
           </a:p>
@@ -1048,10 +1041,9 @@
           <a:lstStyle/>
           <a:p>
             <a:r>
-              <a:rPr lang="zh-CN" altLang="en-US" smtClean="0"/>
+              <a:rPr lang="zh-CN" altLang="en-US"/>
               <a:t>单击此处编辑母版标题样式</a:t>
             </a:r>
-            <a:endParaRPr lang="zh-CN" altLang="en-US"/>
           </a:p>
         </p:txBody>
       </p:sp>
@@ -1072,38 +1064,37 @@
           <a:p>
             <a:pPr lvl="0"/>
             <a:r>
-              <a:rPr lang="zh-CN" altLang="en-US" smtClean="0"/>
+              <a:rPr lang="zh-CN" altLang="en-US"/>
               <a:t>编辑母版文本样式</a:t>
             </a:r>
           </a:p>
           <a:p>
             <a:pPr lvl="1"/>
             <a:r>
-              <a:rPr lang="zh-CN" altLang="en-US" smtClean="0"/>
+              <a:rPr lang="zh-CN" altLang="en-US"/>
               <a:t>第二级</a:t>
             </a:r>
           </a:p>
           <a:p>
             <a:pPr lvl="2"/>
             <a:r>
-              <a:rPr lang="zh-CN" altLang="en-US" smtClean="0"/>
+              <a:rPr lang="zh-CN" altLang="en-US"/>
               <a:t>第三级</a:t>
             </a:r>
           </a:p>
           <a:p>
             <a:pPr lvl="3"/>
             <a:r>
-              <a:rPr lang="zh-CN" altLang="en-US" smtClean="0"/>
+              <a:rPr lang="zh-CN" altLang="en-US"/>
               <a:t>第四级</a:t>
             </a:r>
           </a:p>
           <a:p>
             <a:pPr lvl="4"/>
             <a:r>
-              <a:rPr lang="zh-CN" altLang="en-US" smtClean="0"/>
+              <a:rPr lang="zh-CN" altLang="en-US"/>
               <a:t>第五级</a:t>
             </a:r>
-            <a:endParaRPr lang="zh-CN" altLang="en-US"/>
           </a:p>
         </p:txBody>
       </p:sp>
@@ -1124,7 +1115,7 @@
           <a:p>
             <a:fld id="{05681765-A027-410D-AE76-F44A96EAD522}" type="datetimeFigureOut">
               <a:rPr lang="zh-CN" altLang="en-US" smtClean="0"/>
-              <a:t>2020/11/28</a:t>
+              <a:t>2020/12/1</a:t>
             </a:fld>
             <a:endParaRPr lang="zh-CN" altLang="en-US"/>
           </a:p>
@@ -1227,10 +1218,9 @@
           </a:lstStyle>
           <a:p>
             <a:r>
-              <a:rPr lang="zh-CN" altLang="en-US" smtClean="0"/>
+              <a:rPr lang="zh-CN" altLang="en-US"/>
               <a:t>单击此处编辑母版标题样式</a:t>
             </a:r>
-            <a:endParaRPr lang="zh-CN" altLang="en-US"/>
           </a:p>
         </p:txBody>
       </p:sp>
@@ -1347,7 +1337,7 @@
           <a:p>
             <a:pPr lvl="0"/>
             <a:r>
-              <a:rPr lang="zh-CN" altLang="en-US" smtClean="0"/>
+              <a:rPr lang="zh-CN" altLang="en-US"/>
               <a:t>编辑母版文本样式</a:t>
             </a:r>
           </a:p>
@@ -1370,7 +1360,7 @@
           <a:p>
             <a:fld id="{05681765-A027-410D-AE76-F44A96EAD522}" type="datetimeFigureOut">
               <a:rPr lang="zh-CN" altLang="en-US" smtClean="0"/>
-              <a:t>2020/11/28</a:t>
+              <a:t>2020/12/1</a:t>
             </a:fld>
             <a:endParaRPr lang="zh-CN" altLang="en-US"/>
           </a:p>
@@ -1464,10 +1454,9 @@
           <a:lstStyle/>
           <a:p>
             <a:r>
-              <a:rPr lang="zh-CN" altLang="en-US" smtClean="0"/>
+              <a:rPr lang="zh-CN" altLang="en-US"/>
               <a:t>单击此处编辑母版标题样式</a:t>
             </a:r>
-            <a:endParaRPr lang="zh-CN" altLang="en-US"/>
           </a:p>
         </p:txBody>
       </p:sp>
@@ -1493,38 +1482,37 @@
           <a:p>
             <a:pPr lvl="0"/>
             <a:r>
-              <a:rPr lang="zh-CN" altLang="en-US" smtClean="0"/>
+              <a:rPr lang="zh-CN" altLang="en-US"/>
               <a:t>编辑母版文本样式</a:t>
             </a:r>
           </a:p>
           <a:p>
             <a:pPr lvl="1"/>
             <a:r>
-              <a:rPr lang="zh-CN" altLang="en-US" smtClean="0"/>
+              <a:rPr lang="zh-CN" altLang="en-US"/>
               <a:t>第二级</a:t>
             </a:r>
           </a:p>
           <a:p>
             <a:pPr lvl="2"/>
             <a:r>
-              <a:rPr lang="zh-CN" altLang="en-US" smtClean="0"/>
+              <a:rPr lang="zh-CN" altLang="en-US"/>
               <a:t>第三级</a:t>
             </a:r>
           </a:p>
           <a:p>
             <a:pPr lvl="3"/>
             <a:r>
-              <a:rPr lang="zh-CN" altLang="en-US" smtClean="0"/>
+              <a:rPr lang="zh-CN" altLang="en-US"/>
               <a:t>第四级</a:t>
             </a:r>
           </a:p>
           <a:p>
             <a:pPr lvl="4"/>
             <a:r>
-              <a:rPr lang="zh-CN" altLang="en-US" smtClean="0"/>
+              <a:rPr lang="zh-CN" altLang="en-US"/>
               <a:t>第五级</a:t>
             </a:r>
-            <a:endParaRPr lang="zh-CN" altLang="en-US"/>
           </a:p>
         </p:txBody>
       </p:sp>
@@ -1550,38 +1538,37 @@
           <a:p>
             <a:pPr lvl="0"/>
             <a:r>
-              <a:rPr lang="zh-CN" altLang="en-US" smtClean="0"/>
+              <a:rPr lang="zh-CN" altLang="en-US"/>
               <a:t>编辑母版文本样式</a:t>
             </a:r>
           </a:p>
           <a:p>
             <a:pPr lvl="1"/>
             <a:r>
-              <a:rPr lang="zh-CN" altLang="en-US" smtClean="0"/>
+              <a:rPr lang="zh-CN" altLang="en-US"/>
               <a:t>第二级</a:t>
             </a:r>
           </a:p>
           <a:p>
             <a:pPr lvl="2"/>
             <a:r>
-              <a:rPr lang="zh-CN" altLang="en-US" smtClean="0"/>
+              <a:rPr lang="zh-CN" altLang="en-US"/>
               <a:t>第三级</a:t>
             </a:r>
           </a:p>
           <a:p>
             <a:pPr lvl="3"/>
             <a:r>
-              <a:rPr lang="zh-CN" altLang="en-US" smtClean="0"/>
+              <a:rPr lang="zh-CN" altLang="en-US"/>
               <a:t>第四级</a:t>
             </a:r>
           </a:p>
           <a:p>
             <a:pPr lvl="4"/>
             <a:r>
-              <a:rPr lang="zh-CN" altLang="en-US" smtClean="0"/>
+              <a:rPr lang="zh-CN" altLang="en-US"/>
               <a:t>第五级</a:t>
             </a:r>
-            <a:endParaRPr lang="zh-CN" altLang="en-US"/>
           </a:p>
         </p:txBody>
       </p:sp>
@@ -1602,7 +1589,7 @@
           <a:p>
             <a:fld id="{05681765-A027-410D-AE76-F44A96EAD522}" type="datetimeFigureOut">
               <a:rPr lang="zh-CN" altLang="en-US" smtClean="0"/>
-              <a:t>2020/11/28</a:t>
+              <a:t>2020/12/1</a:t>
             </a:fld>
             <a:endParaRPr lang="zh-CN" altLang="en-US"/>
           </a:p>
@@ -1701,10 +1688,9 @@
           <a:lstStyle/>
           <a:p>
             <a:r>
-              <a:rPr lang="zh-CN" altLang="en-US" smtClean="0"/>
+              <a:rPr lang="zh-CN" altLang="en-US"/>
               <a:t>单击此处编辑母版标题样式</a:t>
             </a:r>
-            <a:endParaRPr lang="zh-CN" altLang="en-US"/>
           </a:p>
         </p:txBody>
       </p:sp>
@@ -1767,7 +1753,7 @@
           <a:p>
             <a:pPr lvl="0"/>
             <a:r>
-              <a:rPr lang="zh-CN" altLang="en-US" smtClean="0"/>
+              <a:rPr lang="zh-CN" altLang="en-US"/>
               <a:t>编辑母版文本样式</a:t>
             </a:r>
           </a:p>
@@ -1795,38 +1781,37 @@
           <a:p>
             <a:pPr lvl="0"/>
             <a:r>
-              <a:rPr lang="zh-CN" altLang="en-US" smtClean="0"/>
+              <a:rPr lang="zh-CN" altLang="en-US"/>
               <a:t>编辑母版文本样式</a:t>
             </a:r>
           </a:p>
           <a:p>
             <a:pPr lvl="1"/>
             <a:r>
-              <a:rPr lang="zh-CN" altLang="en-US" smtClean="0"/>
+              <a:rPr lang="zh-CN" altLang="en-US"/>
               <a:t>第二级</a:t>
             </a:r>
           </a:p>
           <a:p>
             <a:pPr lvl="2"/>
             <a:r>
-              <a:rPr lang="zh-CN" altLang="en-US" smtClean="0"/>
+              <a:rPr lang="zh-CN" altLang="en-US"/>
               <a:t>第三级</a:t>
             </a:r>
           </a:p>
           <a:p>
             <a:pPr lvl="3"/>
             <a:r>
-              <a:rPr lang="zh-CN" altLang="en-US" smtClean="0"/>
+              <a:rPr lang="zh-CN" altLang="en-US"/>
               <a:t>第四级</a:t>
             </a:r>
           </a:p>
           <a:p>
             <a:pPr lvl="4"/>
             <a:r>
-              <a:rPr lang="zh-CN" altLang="en-US" smtClean="0"/>
+              <a:rPr lang="zh-CN" altLang="en-US"/>
               <a:t>第五级</a:t>
             </a:r>
-            <a:endParaRPr lang="zh-CN" altLang="en-US"/>
           </a:p>
         </p:txBody>
       </p:sp>
@@ -1889,7 +1874,7 @@
           <a:p>
             <a:pPr lvl="0"/>
             <a:r>
-              <a:rPr lang="zh-CN" altLang="en-US" smtClean="0"/>
+              <a:rPr lang="zh-CN" altLang="en-US"/>
               <a:t>编辑母版文本样式</a:t>
             </a:r>
           </a:p>
@@ -1917,38 +1902,37 @@
           <a:p>
             <a:pPr lvl="0"/>
             <a:r>
-              <a:rPr lang="zh-CN" altLang="en-US" smtClean="0"/>
+              <a:rPr lang="zh-CN" altLang="en-US"/>
               <a:t>编辑母版文本样式</a:t>
             </a:r>
           </a:p>
           <a:p>
             <a:pPr lvl="1"/>
             <a:r>
-              <a:rPr lang="zh-CN" altLang="en-US" smtClean="0"/>
+              <a:rPr lang="zh-CN" altLang="en-US"/>
               <a:t>第二级</a:t>
             </a:r>
           </a:p>
           <a:p>
             <a:pPr lvl="2"/>
             <a:r>
-              <a:rPr lang="zh-CN" altLang="en-US" smtClean="0"/>
+              <a:rPr lang="zh-CN" altLang="en-US"/>
               <a:t>第三级</a:t>
             </a:r>
           </a:p>
           <a:p>
             <a:pPr lvl="3"/>
             <a:r>
-              <a:rPr lang="zh-CN" altLang="en-US" smtClean="0"/>
+              <a:rPr lang="zh-CN" altLang="en-US"/>
               <a:t>第四级</a:t>
             </a:r>
           </a:p>
           <a:p>
             <a:pPr lvl="4"/>
             <a:r>
-              <a:rPr lang="zh-CN" altLang="en-US" smtClean="0"/>
+              <a:rPr lang="zh-CN" altLang="en-US"/>
               <a:t>第五级</a:t>
             </a:r>
-            <a:endParaRPr lang="zh-CN" altLang="en-US"/>
           </a:p>
         </p:txBody>
       </p:sp>
@@ -1969,7 +1953,7 @@
           <a:p>
             <a:fld id="{05681765-A027-410D-AE76-F44A96EAD522}" type="datetimeFigureOut">
               <a:rPr lang="zh-CN" altLang="en-US" smtClean="0"/>
-              <a:t>2020/11/28</a:t>
+              <a:t>2020/12/1</a:t>
             </a:fld>
             <a:endParaRPr lang="zh-CN" altLang="en-US"/>
           </a:p>
@@ -2063,10 +2047,9 @@
           <a:lstStyle/>
           <a:p>
             <a:r>
-              <a:rPr lang="zh-CN" altLang="en-US" smtClean="0"/>
+              <a:rPr lang="zh-CN" altLang="en-US"/>
               <a:t>单击此处编辑母版标题样式</a:t>
             </a:r>
-            <a:endParaRPr lang="zh-CN" altLang="en-US"/>
           </a:p>
         </p:txBody>
       </p:sp>
@@ -2087,7 +2070,7 @@
           <a:p>
             <a:fld id="{05681765-A027-410D-AE76-F44A96EAD522}" type="datetimeFigureOut">
               <a:rPr lang="zh-CN" altLang="en-US" smtClean="0"/>
-              <a:t>2020/11/28</a:t>
+              <a:t>2020/12/1</a:t>
             </a:fld>
             <a:endParaRPr lang="zh-CN" altLang="en-US"/>
           </a:p>
@@ -2182,7 +2165,7 @@
           <a:p>
             <a:fld id="{05681765-A027-410D-AE76-F44A96EAD522}" type="datetimeFigureOut">
               <a:rPr lang="zh-CN" altLang="en-US" smtClean="0"/>
-              <a:t>2020/11/28</a:t>
+              <a:t>2020/12/1</a:t>
             </a:fld>
             <a:endParaRPr lang="zh-CN" altLang="en-US"/>
           </a:p>
@@ -2285,10 +2268,9 @@
           </a:lstStyle>
           <a:p>
             <a:r>
-              <a:rPr lang="zh-CN" altLang="en-US" smtClean="0"/>
+              <a:rPr lang="zh-CN" altLang="en-US"/>
               <a:t>单击此处编辑母版标题样式</a:t>
             </a:r>
-            <a:endParaRPr lang="zh-CN" altLang="en-US"/>
           </a:p>
         </p:txBody>
       </p:sp>
@@ -2342,38 +2324,37 @@
           <a:p>
             <a:pPr lvl="0"/>
             <a:r>
-              <a:rPr lang="zh-CN" altLang="en-US" smtClean="0"/>
+              <a:rPr lang="zh-CN" altLang="en-US"/>
               <a:t>编辑母版文本样式</a:t>
             </a:r>
           </a:p>
           <a:p>
             <a:pPr lvl="1"/>
             <a:r>
-              <a:rPr lang="zh-CN" altLang="en-US" smtClean="0"/>
+              <a:rPr lang="zh-CN" altLang="en-US"/>
               <a:t>第二级</a:t>
             </a:r>
           </a:p>
           <a:p>
             <a:pPr lvl="2"/>
             <a:r>
-              <a:rPr lang="zh-CN" altLang="en-US" smtClean="0"/>
+              <a:rPr lang="zh-CN" altLang="en-US"/>
               <a:t>第三级</a:t>
             </a:r>
           </a:p>
           <a:p>
             <a:pPr lvl="3"/>
             <a:r>
-              <a:rPr lang="zh-CN" altLang="en-US" smtClean="0"/>
+              <a:rPr lang="zh-CN" altLang="en-US"/>
               <a:t>第四级</a:t>
             </a:r>
           </a:p>
           <a:p>
             <a:pPr lvl="4"/>
             <a:r>
-              <a:rPr lang="zh-CN" altLang="en-US" smtClean="0"/>
+              <a:rPr lang="zh-CN" altLang="en-US"/>
               <a:t>第五级</a:t>
             </a:r>
-            <a:endParaRPr lang="zh-CN" altLang="en-US"/>
           </a:p>
         </p:txBody>
       </p:sp>
@@ -2436,7 +2417,7 @@
           <a:p>
             <a:pPr lvl="0"/>
             <a:r>
-              <a:rPr lang="zh-CN" altLang="en-US" smtClean="0"/>
+              <a:rPr lang="zh-CN" altLang="en-US"/>
               <a:t>编辑母版文本样式</a:t>
             </a:r>
           </a:p>
@@ -2459,7 +2440,7 @@
           <a:p>
             <a:fld id="{05681765-A027-410D-AE76-F44A96EAD522}" type="datetimeFigureOut">
               <a:rPr lang="zh-CN" altLang="en-US" smtClean="0"/>
-              <a:t>2020/11/28</a:t>
+              <a:t>2020/12/1</a:t>
             </a:fld>
             <a:endParaRPr lang="zh-CN" altLang="en-US"/>
           </a:p>
@@ -2562,10 +2543,9 @@
           </a:lstStyle>
           <a:p>
             <a:r>
-              <a:rPr lang="zh-CN" altLang="en-US" smtClean="0"/>
+              <a:rPr lang="zh-CN" altLang="en-US"/>
               <a:t>单击此处编辑母版标题样式</a:t>
             </a:r>
-            <a:endParaRPr lang="zh-CN" altLang="en-US"/>
           </a:p>
         </p:txBody>
       </p:sp>
@@ -2689,7 +2669,7 @@
           <a:p>
             <a:pPr lvl="0"/>
             <a:r>
-              <a:rPr lang="zh-CN" altLang="en-US" smtClean="0"/>
+              <a:rPr lang="zh-CN" altLang="en-US"/>
               <a:t>编辑母版文本样式</a:t>
             </a:r>
           </a:p>
@@ -2712,7 +2692,7 @@
           <a:p>
             <a:fld id="{05681765-A027-410D-AE76-F44A96EAD522}" type="datetimeFigureOut">
               <a:rPr lang="zh-CN" altLang="en-US" smtClean="0"/>
-              <a:t>2020/11/28</a:t>
+              <a:t>2020/12/1</a:t>
             </a:fld>
             <a:endParaRPr lang="zh-CN" altLang="en-US"/>
           </a:p>
@@ -2821,10 +2801,9 @@
           <a:lstStyle/>
           <a:p>
             <a:r>
-              <a:rPr lang="zh-CN" altLang="en-US" smtClean="0"/>
+              <a:rPr lang="zh-CN" altLang="en-US"/>
               <a:t>单击此处编辑母版标题样式</a:t>
             </a:r>
-            <a:endParaRPr lang="zh-CN" altLang="en-US"/>
           </a:p>
         </p:txBody>
       </p:sp>
@@ -2855,38 +2834,37 @@
           <a:p>
             <a:pPr lvl="0"/>
             <a:r>
-              <a:rPr lang="zh-CN" altLang="en-US" smtClean="0"/>
+              <a:rPr lang="zh-CN" altLang="en-US"/>
               <a:t>编辑母版文本样式</a:t>
             </a:r>
           </a:p>
           <a:p>
             <a:pPr lvl="1"/>
             <a:r>
-              <a:rPr lang="zh-CN" altLang="en-US" smtClean="0"/>
+              <a:rPr lang="zh-CN" altLang="en-US"/>
               <a:t>第二级</a:t>
             </a:r>
           </a:p>
           <a:p>
             <a:pPr lvl="2"/>
             <a:r>
-              <a:rPr lang="zh-CN" altLang="en-US" smtClean="0"/>
+              <a:rPr lang="zh-CN" altLang="en-US"/>
               <a:t>第三级</a:t>
             </a:r>
           </a:p>
           <a:p>
             <a:pPr lvl="3"/>
             <a:r>
-              <a:rPr lang="zh-CN" altLang="en-US" smtClean="0"/>
+              <a:rPr lang="zh-CN" altLang="en-US"/>
               <a:t>第四级</a:t>
             </a:r>
           </a:p>
           <a:p>
             <a:pPr lvl="4"/>
             <a:r>
-              <a:rPr lang="zh-CN" altLang="en-US" smtClean="0"/>
+              <a:rPr lang="zh-CN" altLang="en-US"/>
               <a:t>第五级</a:t>
             </a:r>
-            <a:endParaRPr lang="zh-CN" altLang="en-US"/>
           </a:p>
         </p:txBody>
       </p:sp>
@@ -2925,7 +2903,7 @@
           <a:p>
             <a:fld id="{05681765-A027-410D-AE76-F44A96EAD522}" type="datetimeFigureOut">
               <a:rPr lang="zh-CN" altLang="en-US" smtClean="0"/>
-              <a:t>2020/11/28</a:t>
+              <a:t>2020/12/1</a:t>
             </a:fld>
             <a:endParaRPr lang="zh-CN" altLang="en-US"/>
           </a:p>
@@ -3353,21 +3331,16 @@
               </a:lnSpc>
             </a:pPr>
             <a:r>
-              <a:rPr lang="zh-CN" altLang="en-US" sz="4400" dirty="0" smtClean="0"/>
+              <a:rPr lang="zh-CN" altLang="en-US" sz="4400" dirty="0"/>
               <a:t>软件分析技术</a:t>
-            </a:r>
-            <a:r>
-              <a:rPr lang="en-US" altLang="zh-CN" dirty="0"/>
-              <a:t/>
             </a:r>
             <a:br>
               <a:rPr lang="en-US" altLang="zh-CN" dirty="0"/>
             </a:br>
             <a:r>
-              <a:rPr lang="zh-CN" altLang="en-US" dirty="0" smtClean="0"/>
+              <a:rPr lang="zh-CN" altLang="en-US" dirty="0"/>
               <a:t>一种流敏感指针分析的实现</a:t>
             </a:r>
-            <a:endParaRPr lang="zh-CN" altLang="en-US" dirty="0"/>
           </a:p>
         </p:txBody>
       </p:sp>
@@ -3387,25 +3360,21 @@
           <a:lstStyle/>
           <a:p>
             <a:r>
-              <a:rPr lang="zh-CN" altLang="en-US" dirty="0" smtClean="0"/>
+              <a:rPr lang="zh-CN" altLang="en-US" dirty="0"/>
               <a:t>何昊 </a:t>
             </a:r>
             <a:r>
-              <a:rPr lang="en-US" altLang="zh-CN" dirty="0" smtClean="0"/>
+              <a:rPr lang="en-US" altLang="zh-CN" dirty="0"/>
               <a:t>2001111320</a:t>
             </a:r>
           </a:p>
           <a:p>
             <a:r>
               <a:rPr lang="zh-CN" altLang="en-US" dirty="0"/>
-              <a:t>董谨</a:t>
-            </a:r>
-            <a:r>
-              <a:rPr lang="zh-CN" altLang="en-US" dirty="0" smtClean="0"/>
-              <a:t>豪 </a:t>
-            </a:r>
-            <a:r>
-              <a:rPr lang="en-US" altLang="zh-CN" dirty="0" smtClean="0"/>
+              <a:t>董谨豪 </a:t>
+            </a:r>
+            <a:r>
+              <a:rPr lang="en-US" altLang="zh-CN" dirty="0"/>
               <a:t>2001111316</a:t>
             </a:r>
             <a:endParaRPr lang="zh-CN" altLang="en-US" dirty="0"/>
@@ -3458,15 +3427,14 @@
           <a:lstStyle/>
           <a:p>
             <a:r>
-              <a:rPr lang="zh-CN" altLang="en-US" dirty="0" smtClean="0"/>
+              <a:rPr lang="zh-CN" altLang="en-US" dirty="0"/>
               <a:t>数据流分析：状态定义</a:t>
             </a:r>
-            <a:endParaRPr lang="zh-CN" altLang="en-US" dirty="0"/>
           </a:p>
         </p:txBody>
       </p:sp>
-      <mc:AlternateContent xmlns:mc="http://schemas.openxmlformats.org/markup-compatibility/2006">
-        <mc:Choice xmlns:a14="http://schemas.microsoft.com/office/drawing/2010/main" Requires="a14">
+      <mc:AlternateContent xmlns:mc="http://schemas.openxmlformats.org/markup-compatibility/2006" xmlns:a14="http://schemas.microsoft.com/office/drawing/2010/main">
+        <mc:Choice Requires="a14">
           <p:sp>
             <p:nvSpPr>
               <p:cNvPr id="3" name="内容占位符 2"/>
@@ -3485,19 +3453,15 @@
               <a:lstStyle/>
               <a:p>
                 <a:r>
-                  <a:rPr lang="zh-CN" altLang="en-US" dirty="0" smtClean="0"/>
+                  <a:rPr lang="zh-CN" altLang="en-US" dirty="0"/>
                   <a:t>我们使用数据流分析的框架来实现指针分析算法</a:t>
                 </a:r>
-                <a:endParaRPr lang="en-US" altLang="zh-CN" dirty="0" smtClean="0"/>
+                <a:endParaRPr lang="en-US" altLang="zh-CN" dirty="0"/>
               </a:p>
               <a:p>
                 <a:r>
-                  <a:rPr lang="zh-CN" altLang="en-US" dirty="0" smtClean="0"/>
-                  <a:t>在</a:t>
-                </a:r>
-                <a:r>
                   <a:rPr lang="zh-CN" altLang="en-US" dirty="0"/>
-                  <a:t>每个节点记录完整的</a:t>
+                  <a:t>在每个节点记录完整的</a:t>
                 </a:r>
                 <a:r>
                   <a:rPr lang="zh-CN" altLang="en-US" dirty="0">
@@ -3508,72 +3472,51 @@
                   <a:t>局部变量指向状态</a:t>
                 </a:r>
                 <a:r>
-                  <a:rPr lang="zh-CN" altLang="en-US" dirty="0" smtClean="0"/>
+                  <a:rPr lang="zh-CN" altLang="en-US" dirty="0"/>
                   <a:t>和</a:t>
                 </a:r>
                 <a:r>
-                  <a:rPr lang="zh-CN" altLang="en-US" dirty="0" smtClean="0">
+                  <a:rPr lang="zh-CN" altLang="en-US" dirty="0">
                     <a:solidFill>
                       <a:srgbClr val="FF0000"/>
                     </a:solidFill>
                   </a:rPr>
                   <a:t>堆变量指向状态</a:t>
                 </a:r>
-                <a:endParaRPr lang="zh-CN" altLang="en-US" dirty="0">
-                  <a:solidFill>
-                    <a:srgbClr val="FF0000"/>
-                  </a:solidFill>
-                </a:endParaRPr>
               </a:p>
               <a:p>
                 <a:r>
-                  <a:rPr lang="zh-CN" altLang="en-US" dirty="0" smtClean="0"/>
-                  <a:t>定义地址</a:t>
+                  <a:rPr lang="zh-CN" altLang="en-US" dirty="0"/>
+                  <a:t>定义地址集合为</a:t>
+                </a:r>
+                <a:r>
+                  <a:rPr lang="en-US" altLang="zh-CN" dirty="0"/>
+                  <a:t>A</a:t>
                 </a:r>
                 <a:r>
                   <a:rPr lang="zh-CN" altLang="en-US" dirty="0"/>
-                  <a:t>集合</a:t>
+                  <a:t>，我们定义每个节点的状态为</a:t>
                 </a:r>
-                <a:r>
-                  <a:rPr lang="zh-CN" altLang="en-US" dirty="0" smtClean="0"/>
-                  <a:t>为</a:t>
-                </a:r>
-                <a:r>
-                  <a:rPr lang="en-US" altLang="zh-CN" dirty="0" smtClean="0"/>
-                  <a:t>A</a:t>
-                </a:r>
-                <a:r>
-                  <a:rPr lang="zh-CN" altLang="en-US" dirty="0" smtClean="0"/>
-                  <a:t>，</a:t>
-                </a:r>
-                <a:r>
-                  <a:rPr lang="zh-CN" altLang="en-US" dirty="0"/>
-                  <a:t>我们定义每个节点的状态</a:t>
-                </a:r>
-                <a:r>
-                  <a:rPr lang="zh-CN" altLang="en-US" dirty="0" smtClean="0"/>
-                  <a:t>为</a:t>
-                </a:r>
-                <a:endParaRPr lang="en-US" altLang="zh-CN" dirty="0" smtClean="0"/>
+                <a:endParaRPr lang="en-US" altLang="zh-CN" dirty="0"/>
               </a:p>
               <a:p>
                 <a:endParaRPr lang="en-US" altLang="zh-CN" dirty="0"/>
               </a:p>
               <a:p>
-                <a:endParaRPr lang="en-US" altLang="zh-CN" dirty="0" smtClean="0"/>
+                <a:endParaRPr lang="en-US" altLang="zh-CN" dirty="0"/>
               </a:p>
               <a:p>
                 <a:pPr marL="0" indent="0">
                   <a:buNone/>
                 </a:pPr>
-                <a:endParaRPr lang="en-US" altLang="zh-CN" dirty="0" smtClean="0"/>
+                <a:endParaRPr lang="en-US" altLang="zh-CN" dirty="0"/>
               </a:p>
               <a:p>
-                <a:endParaRPr lang="en-US" altLang="zh-CN" dirty="0" smtClean="0"/>
+                <a:endParaRPr lang="en-US" altLang="zh-CN" dirty="0"/>
               </a:p>
               <a:p>
                 <a:r>
-                  <a:rPr lang="zh-CN" altLang="en-US" dirty="0" smtClean="0"/>
+                  <a:rPr lang="zh-CN" altLang="en-US" dirty="0"/>
                   <a:t>在堆变量指向表中，定义</a:t>
                 </a:r>
                 <a14:m>
@@ -3649,7 +3592,7 @@
                   </m:oMath>
                 </a14:m>
                 <a:r>
-                  <a:rPr lang="zh-CN" altLang="en-US" dirty="0" smtClean="0"/>
+                  <a:rPr lang="zh-CN" altLang="en-US" dirty="0"/>
                   <a:t>为</a:t>
                 </a:r>
                 <a14:m>
@@ -3682,15 +3625,14 @@
                   </m:oMath>
                 </a14:m>
                 <a:r>
-                  <a:rPr lang="zh-CN" altLang="en-US" dirty="0" smtClean="0"/>
+                  <a:rPr lang="zh-CN" altLang="en-US" dirty="0"/>
                   <a:t>自己可能指向的内存位置</a:t>
                 </a:r>
-                <a:endParaRPr lang="zh-CN" altLang="en-US" dirty="0"/>
               </a:p>
             </p:txBody>
           </p:sp>
         </mc:Choice>
-        <mc:Fallback>
+        <mc:Fallback xmlns="">
           <p:sp>
             <p:nvSpPr>
               <p:cNvPr id="3" name="内容占位符 2"/>
@@ -3758,13 +3700,6 @@
   <p:clrMapOvr>
     <a:masterClrMapping/>
   </p:clrMapOvr>
-  <p:timing>
-    <p:tnLst>
-      <p:par>
-        <p:cTn id="1" dur="indefinite" restart="never" nodeType="tmRoot"/>
-      </p:par>
-    </p:tnLst>
-  </p:timing>
 </p:sld>
 </file>
 
@@ -3795,7 +3730,12 @@
             <p:ph type="title"/>
           </p:nvPr>
         </p:nvSpPr>
-        <p:spPr/>
+        <p:spPr>
+          <a:xfrm>
+            <a:off x="5706762" y="18255"/>
+            <a:ext cx="5822092" cy="1325563"/>
+          </a:xfrm>
+        </p:spPr>
         <p:txBody>
           <a:bodyPr/>
           <a:lstStyle/>
@@ -3817,7 +3757,12 @@
             <p:ph sz="half" idx="1"/>
           </p:nvPr>
         </p:nvSpPr>
-        <p:spPr/>
+        <p:spPr>
+          <a:xfrm>
+            <a:off x="164736" y="234779"/>
+            <a:ext cx="5822092" cy="4669438"/>
+          </a:xfrm>
+        </p:spPr>
         <p:txBody>
           <a:bodyPr>
             <a:noAutofit/>
@@ -3826,30 +3771,24 @@
           <a:p>
             <a:pPr marL="0" indent="0">
               <a:lnSpc>
-                <a:spcPct val="100000"/>
+                <a:spcPts val="1300"/>
               </a:lnSpc>
               <a:buNone/>
             </a:pPr>
             <a:r>
-              <a:rPr lang="en-US" altLang="zh-CN" sz="1100" dirty="0" err="1">
-                <a:latin typeface="Consolas" panose="020B0609020204030204" pitchFamily="49" charset="0"/>
-              </a:rPr>
-              <a:t>def</a:t>
-            </a:r>
-            <a:r>
-              <a:rPr lang="en-US" altLang="zh-CN" sz="1100" dirty="0">
-                <a:latin typeface="Consolas" panose="020B0609020204030204" pitchFamily="49" charset="0"/>
-              </a:rPr>
-              <a:t> </a:t>
-            </a:r>
-            <a:r>
-              <a:rPr lang="zh-CN" altLang="en-US" sz="1100" dirty="0">
+              <a:rPr lang="en-US" altLang="zh-CN" sz="1800" dirty="0">
+                <a:latin typeface="Consolas" panose="020B0609020204030204" pitchFamily="49" charset="0"/>
+              </a:rPr>
+              <a:t>def </a:t>
+            </a:r>
+            <a:r>
+              <a:rPr lang="zh-CN" altLang="en-US" sz="1800" dirty="0">
                 <a:latin typeface="Consolas" panose="020B0609020204030204" pitchFamily="49" charset="0"/>
               </a:rPr>
               <a:t>数据流分析</a:t>
             </a:r>
             <a:r>
-              <a:rPr lang="en-US" altLang="zh-CN" sz="1100" dirty="0">
+              <a:rPr lang="en-US" altLang="zh-CN" sz="1800" dirty="0">
                 <a:latin typeface="Consolas" panose="020B0609020204030204" pitchFamily="49" charset="0"/>
               </a:rPr>
               <a:t>(m):</a:t>
@@ -3858,282 +3797,252 @@
           <a:p>
             <a:pPr marL="0" indent="0">
               <a:lnSpc>
-                <a:spcPct val="100000"/>
+                <a:spcPts val="1300"/>
               </a:lnSpc>
               <a:buNone/>
             </a:pPr>
             <a:r>
-              <a:rPr lang="en-US" altLang="zh-CN" sz="1100" dirty="0">
+              <a:rPr lang="en-US" altLang="zh-CN" sz="1800" dirty="0">
                 <a:latin typeface="Consolas" panose="020B0609020204030204" pitchFamily="49" charset="0"/>
               </a:rPr>
               <a:t>  </a:t>
             </a:r>
             <a:r>
-              <a:rPr lang="zh-CN" altLang="en-US" sz="1100" dirty="0">
+              <a:rPr lang="zh-CN" altLang="en-US" sz="1800" dirty="0">
                 <a:latin typeface="Consolas" panose="020B0609020204030204" pitchFamily="49" charset="0"/>
               </a:rPr>
               <a:t>初始状态 </a:t>
             </a:r>
             <a:r>
-              <a:rPr lang="en-US" altLang="zh-CN" sz="1100" dirty="0">
+              <a:rPr lang="en-US" altLang="zh-CN" sz="1800" dirty="0">
                 <a:latin typeface="Consolas" panose="020B0609020204030204" pitchFamily="49" charset="0"/>
               </a:rPr>
               <a:t>= {</a:t>
             </a:r>
             <a:r>
-              <a:rPr lang="zh-CN" altLang="en-US" sz="1100" dirty="0">
+              <a:rPr lang="zh-CN" altLang="en-US" sz="1800" dirty="0">
                 <a:latin typeface="Consolas" panose="020B0609020204030204" pitchFamily="49" charset="0"/>
               </a:rPr>
               <a:t>包含调用参数的局部变量指向表</a:t>
             </a:r>
             <a:r>
-              <a:rPr lang="en-US" altLang="zh-CN" sz="1100" dirty="0">
+              <a:rPr lang="en-US" altLang="zh-CN" sz="1800" dirty="0">
                 <a:latin typeface="Consolas" panose="020B0609020204030204" pitchFamily="49" charset="0"/>
               </a:rPr>
               <a:t>, </a:t>
-            </a:r>
-            <a:r>
-              <a:rPr lang="zh-CN" altLang="en-US" sz="1100" dirty="0">
-                <a:latin typeface="Consolas" panose="020B0609020204030204" pitchFamily="49" charset="0"/>
-              </a:rPr>
-              <a:t>调用</a:t>
-            </a:r>
-            <a:r>
-              <a:rPr lang="en-US" altLang="zh-CN" sz="1100" dirty="0">
-                <a:latin typeface="Consolas" panose="020B0609020204030204" pitchFamily="49" charset="0"/>
-              </a:rPr>
-              <a:t>m</a:t>
-            </a:r>
-            <a:r>
-              <a:rPr lang="zh-CN" altLang="en-US" sz="1100" dirty="0">
-                <a:latin typeface="Consolas" panose="020B0609020204030204" pitchFamily="49" charset="0"/>
-              </a:rPr>
-              <a:t>的函数的堆变量指向表</a:t>
-            </a:r>
-            <a:r>
-              <a:rPr lang="en-US" altLang="zh-CN" sz="1100" dirty="0">
-                <a:latin typeface="Consolas" panose="020B0609020204030204" pitchFamily="49" charset="0"/>
-              </a:rPr>
-              <a:t>}</a:t>
             </a:r>
           </a:p>
           <a:p>
             <a:pPr marL="0" indent="0">
               <a:lnSpc>
-                <a:spcPct val="100000"/>
+                <a:spcPts val="1300"/>
               </a:lnSpc>
               <a:buNone/>
             </a:pPr>
             <a:r>
-              <a:rPr lang="en-US" altLang="zh-CN" sz="1100" dirty="0">
-                <a:latin typeface="Consolas" panose="020B0609020204030204" pitchFamily="49" charset="0"/>
-              </a:rPr>
-              <a:t>  </a:t>
-            </a:r>
-            <a:r>
-              <a:rPr lang="zh-CN" altLang="en-US" sz="1100" dirty="0">
-                <a:latin typeface="Consolas" panose="020B0609020204030204" pitchFamily="49" charset="0"/>
-              </a:rPr>
-              <a:t>最终状态 </a:t>
-            </a:r>
-            <a:r>
-              <a:rPr lang="en-US" altLang="zh-CN" sz="1100" dirty="0">
-                <a:latin typeface="Consolas" panose="020B0609020204030204" pitchFamily="49" charset="0"/>
-              </a:rPr>
-              <a:t>= {}</a:t>
+              <a:rPr lang="zh-CN" altLang="en-US" sz="1800" dirty="0">
+                <a:latin typeface="Consolas" panose="020B0609020204030204" pitchFamily="49" charset="0"/>
+              </a:rPr>
+              <a:t>             调用</a:t>
+            </a:r>
+            <a:r>
+              <a:rPr lang="en-US" altLang="zh-CN" sz="1800" dirty="0">
+                <a:latin typeface="Consolas" panose="020B0609020204030204" pitchFamily="49" charset="0"/>
+              </a:rPr>
+              <a:t>m</a:t>
+            </a:r>
+            <a:r>
+              <a:rPr lang="zh-CN" altLang="en-US" sz="1800" dirty="0">
+                <a:latin typeface="Consolas" panose="020B0609020204030204" pitchFamily="49" charset="0"/>
+              </a:rPr>
+              <a:t>的函数的堆变量指向表</a:t>
+            </a:r>
+            <a:r>
+              <a:rPr lang="en-US" altLang="zh-CN" sz="1800" dirty="0">
+                <a:latin typeface="Consolas" panose="020B0609020204030204" pitchFamily="49" charset="0"/>
+              </a:rPr>
+              <a:t>}</a:t>
             </a:r>
           </a:p>
           <a:p>
             <a:pPr marL="0" indent="0">
               <a:lnSpc>
-                <a:spcPct val="100000"/>
+                <a:spcPts val="1300"/>
               </a:lnSpc>
               <a:buNone/>
             </a:pPr>
             <a:r>
-              <a:rPr lang="en-US" altLang="zh-CN" sz="1100" dirty="0">
+              <a:rPr lang="en-US" altLang="zh-CN" sz="1800" dirty="0">
                 <a:latin typeface="Consolas" panose="020B0609020204030204" pitchFamily="49" charset="0"/>
               </a:rPr>
               <a:t>  </a:t>
             </a:r>
             <a:r>
-              <a:rPr lang="en-US" altLang="zh-CN" sz="1100" dirty="0" err="1">
-                <a:latin typeface="Consolas" panose="020B0609020204030204" pitchFamily="49" charset="0"/>
-              </a:rPr>
-              <a:t>def</a:t>
-            </a:r>
-            <a:r>
-              <a:rPr lang="en-US" altLang="zh-CN" sz="1100" dirty="0">
-                <a:latin typeface="Consolas" panose="020B0609020204030204" pitchFamily="49" charset="0"/>
-              </a:rPr>
-              <a:t> </a:t>
-            </a:r>
-            <a:r>
-              <a:rPr lang="zh-CN" altLang="en-US" sz="1100" dirty="0">
-                <a:latin typeface="Consolas" panose="020B0609020204030204" pitchFamily="49" charset="0"/>
-              </a:rPr>
-              <a:t>合并</a:t>
-            </a:r>
-            <a:r>
-              <a:rPr lang="en-US" altLang="zh-CN" sz="1100" dirty="0">
-                <a:latin typeface="Consolas" panose="020B0609020204030204" pitchFamily="49" charset="0"/>
-              </a:rPr>
-              <a:t>(</a:t>
-            </a:r>
-            <a:r>
-              <a:rPr lang="zh-CN" altLang="en-US" sz="1100" dirty="0">
-                <a:latin typeface="Consolas" panose="020B0609020204030204" pitchFamily="49" charset="0"/>
-              </a:rPr>
-              <a:t>状态</a:t>
-            </a:r>
-            <a:r>
-              <a:rPr lang="en-US" altLang="zh-CN" sz="1100" dirty="0">
-                <a:latin typeface="Consolas" panose="020B0609020204030204" pitchFamily="49" charset="0"/>
-              </a:rPr>
-              <a:t>A, </a:t>
-            </a:r>
-            <a:r>
-              <a:rPr lang="zh-CN" altLang="en-US" sz="1100" dirty="0">
-                <a:latin typeface="Consolas" panose="020B0609020204030204" pitchFamily="49" charset="0"/>
-              </a:rPr>
-              <a:t>状态</a:t>
-            </a:r>
-            <a:r>
-              <a:rPr lang="en-US" altLang="zh-CN" sz="1100" dirty="0">
-                <a:latin typeface="Consolas" panose="020B0609020204030204" pitchFamily="49" charset="0"/>
-              </a:rPr>
-              <a:t>B): </a:t>
+              <a:rPr lang="zh-CN" altLang="en-US" sz="1800" dirty="0">
+                <a:latin typeface="Consolas" panose="020B0609020204030204" pitchFamily="49" charset="0"/>
+              </a:rPr>
+              <a:t>最终状态 </a:t>
+            </a:r>
+            <a:r>
+              <a:rPr lang="en-US" altLang="zh-CN" sz="1800" dirty="0">
+                <a:latin typeface="Consolas" panose="020B0609020204030204" pitchFamily="49" charset="0"/>
+              </a:rPr>
+              <a:t>= {}</a:t>
             </a:r>
           </a:p>
           <a:p>
             <a:pPr marL="0" indent="0">
               <a:lnSpc>
-                <a:spcPct val="100000"/>
+                <a:spcPts val="1300"/>
               </a:lnSpc>
               <a:buNone/>
             </a:pPr>
             <a:r>
-              <a:rPr lang="en-US" altLang="zh-CN" sz="1100" dirty="0">
-                <a:latin typeface="Consolas" panose="020B0609020204030204" pitchFamily="49" charset="0"/>
-              </a:rPr>
-              <a:t>    </a:t>
-            </a:r>
-            <a:r>
-              <a:rPr lang="zh-CN" altLang="en-US" sz="1100" dirty="0">
-                <a:latin typeface="Consolas" panose="020B0609020204030204" pitchFamily="49" charset="0"/>
-              </a:rPr>
-              <a:t>将局部变量指向表按照</a:t>
-            </a:r>
-            <a:r>
-              <a:rPr lang="en-US" altLang="zh-CN" sz="1100" dirty="0" err="1">
-                <a:latin typeface="Consolas" panose="020B0609020204030204" pitchFamily="49" charset="0"/>
-              </a:rPr>
-              <a:t>v_i</a:t>
-            </a:r>
-            <a:r>
-              <a:rPr lang="zh-CN" altLang="en-US" sz="1100" dirty="0">
+              <a:rPr lang="en-US" altLang="zh-CN" sz="1800" dirty="0">
+                <a:latin typeface="Consolas" panose="020B0609020204030204" pitchFamily="49" charset="0"/>
+              </a:rPr>
+              <a:t>  def </a:t>
+            </a:r>
+            <a:r>
+              <a:rPr lang="zh-CN" altLang="en-US" sz="1800" dirty="0">
                 <a:latin typeface="Consolas" panose="020B0609020204030204" pitchFamily="49" charset="0"/>
               </a:rPr>
               <a:t>合并</a:t>
+            </a:r>
+            <a:r>
+              <a:rPr lang="en-US" altLang="zh-CN" sz="1800" dirty="0">
+                <a:latin typeface="Consolas" panose="020B0609020204030204" pitchFamily="49" charset="0"/>
+              </a:rPr>
+              <a:t>(</a:t>
+            </a:r>
+            <a:r>
+              <a:rPr lang="zh-CN" altLang="en-US" sz="1800" dirty="0">
+                <a:latin typeface="Consolas" panose="020B0609020204030204" pitchFamily="49" charset="0"/>
+              </a:rPr>
+              <a:t>状态</a:t>
+            </a:r>
+            <a:r>
+              <a:rPr lang="en-US" altLang="zh-CN" sz="1800" dirty="0">
+                <a:latin typeface="Consolas" panose="020B0609020204030204" pitchFamily="49" charset="0"/>
+              </a:rPr>
+              <a:t>A, </a:t>
+            </a:r>
+            <a:r>
+              <a:rPr lang="zh-CN" altLang="en-US" sz="1800" dirty="0">
+                <a:latin typeface="Consolas" panose="020B0609020204030204" pitchFamily="49" charset="0"/>
+              </a:rPr>
+              <a:t>状态</a:t>
+            </a:r>
+            <a:r>
+              <a:rPr lang="en-US" altLang="zh-CN" sz="1800" dirty="0">
+                <a:latin typeface="Consolas" panose="020B0609020204030204" pitchFamily="49" charset="0"/>
+              </a:rPr>
+              <a:t>B): </a:t>
             </a:r>
           </a:p>
           <a:p>
             <a:pPr marL="0" indent="0">
               <a:lnSpc>
-                <a:spcPct val="100000"/>
+                <a:spcPts val="1300"/>
               </a:lnSpc>
               <a:buNone/>
             </a:pPr>
             <a:r>
-              <a:rPr lang="zh-CN" altLang="en-US" sz="1100" dirty="0">
-                <a:latin typeface="Consolas" panose="020B0609020204030204" pitchFamily="49" charset="0"/>
-              </a:rPr>
-              <a:t>    将堆变量指向表按照</a:t>
-            </a:r>
-            <a:r>
-              <a:rPr lang="en-US" altLang="zh-CN" sz="1100" dirty="0" err="1">
-                <a:latin typeface="Consolas" panose="020B0609020204030204" pitchFamily="49" charset="0"/>
-              </a:rPr>
-              <a:t>a_i</a:t>
-            </a:r>
-            <a:r>
-              <a:rPr lang="zh-CN" altLang="en-US" sz="1100" dirty="0">
-                <a:latin typeface="Consolas" panose="020B0609020204030204" pitchFamily="49" charset="0"/>
-              </a:rPr>
-              <a:t>和域合并</a:t>
+              <a:rPr lang="en-US" altLang="zh-CN" sz="1800" dirty="0">
+                <a:latin typeface="Consolas" panose="020B0609020204030204" pitchFamily="49" charset="0"/>
+              </a:rPr>
+              <a:t>    </a:t>
+            </a:r>
+            <a:r>
+              <a:rPr lang="zh-CN" altLang="en-US" sz="1800" dirty="0">
+                <a:latin typeface="Consolas" panose="020B0609020204030204" pitchFamily="49" charset="0"/>
+              </a:rPr>
+              <a:t>将局部变量指向表按照</a:t>
+            </a:r>
+            <a:r>
+              <a:rPr lang="en-US" altLang="zh-CN" sz="1800" dirty="0" err="1">
+                <a:latin typeface="Consolas" panose="020B0609020204030204" pitchFamily="49" charset="0"/>
+              </a:rPr>
+              <a:t>v_i</a:t>
+            </a:r>
+            <a:r>
+              <a:rPr lang="zh-CN" altLang="en-US" sz="1800" dirty="0">
+                <a:latin typeface="Consolas" panose="020B0609020204030204" pitchFamily="49" charset="0"/>
+              </a:rPr>
+              <a:t>合并</a:t>
             </a:r>
           </a:p>
           <a:p>
             <a:pPr marL="0" indent="0">
               <a:lnSpc>
-                <a:spcPct val="100000"/>
+                <a:spcPts val="1300"/>
               </a:lnSpc>
               <a:buNone/>
             </a:pPr>
             <a:r>
-              <a:rPr lang="zh-CN" altLang="en-US" sz="1100" dirty="0">
-                <a:latin typeface="Consolas" panose="020B0609020204030204" pitchFamily="49" charset="0"/>
-              </a:rPr>
-              <a:t>  </a:t>
-            </a:r>
-            <a:r>
-              <a:rPr lang="en-US" altLang="zh-CN" sz="1100" dirty="0" err="1">
-                <a:latin typeface="Consolas" panose="020B0609020204030204" pitchFamily="49" charset="0"/>
-              </a:rPr>
-              <a:t>def</a:t>
-            </a:r>
-            <a:r>
-              <a:rPr lang="en-US" altLang="zh-CN" sz="1100" dirty="0">
-                <a:latin typeface="Consolas" panose="020B0609020204030204" pitchFamily="49" charset="0"/>
-              </a:rPr>
-              <a:t> </a:t>
-            </a:r>
-            <a:r>
-              <a:rPr lang="zh-CN" altLang="en-US" sz="1100" dirty="0">
-                <a:latin typeface="Consolas" panose="020B0609020204030204" pitchFamily="49" charset="0"/>
-              </a:rPr>
-              <a:t>给定语句</a:t>
-            </a:r>
-            <a:r>
-              <a:rPr lang="en-US" altLang="zh-CN" sz="1100" dirty="0">
-                <a:latin typeface="Consolas" panose="020B0609020204030204" pitchFamily="49" charset="0"/>
-              </a:rPr>
-              <a:t>u</a:t>
-            </a:r>
-            <a:r>
-              <a:rPr lang="zh-CN" altLang="en-US" sz="1100" dirty="0">
-                <a:latin typeface="Consolas" panose="020B0609020204030204" pitchFamily="49" charset="0"/>
-              </a:rPr>
-              <a:t>和之前的状态，生成新的状态</a:t>
-            </a:r>
-            <a:r>
-              <a:rPr lang="en-US" altLang="zh-CN" sz="1100" dirty="0">
-                <a:latin typeface="Consolas" panose="020B0609020204030204" pitchFamily="49" charset="0"/>
-              </a:rPr>
-              <a:t>:</a:t>
+              <a:rPr lang="zh-CN" altLang="en-US" sz="1800" dirty="0">
+                <a:latin typeface="Consolas" panose="020B0609020204030204" pitchFamily="49" charset="0"/>
+              </a:rPr>
+              <a:t>    将堆变量指向表按照</a:t>
+            </a:r>
+            <a:r>
+              <a:rPr lang="en-US" altLang="zh-CN" sz="1800" dirty="0" err="1">
+                <a:latin typeface="Consolas" panose="020B0609020204030204" pitchFamily="49" charset="0"/>
+              </a:rPr>
+              <a:t>a_i</a:t>
+            </a:r>
+            <a:r>
+              <a:rPr lang="zh-CN" altLang="en-US" sz="1800" dirty="0">
+                <a:latin typeface="Consolas" panose="020B0609020204030204" pitchFamily="49" charset="0"/>
+              </a:rPr>
+              <a:t>和域合并</a:t>
             </a:r>
           </a:p>
           <a:p>
             <a:pPr marL="0" indent="0">
               <a:lnSpc>
-                <a:spcPct val="100000"/>
+                <a:spcPts val="1300"/>
               </a:lnSpc>
               <a:buNone/>
             </a:pPr>
             <a:r>
-              <a:rPr lang="en-US" altLang="zh-CN" sz="1100" dirty="0">
-                <a:latin typeface="Consolas" panose="020B0609020204030204" pitchFamily="49" charset="0"/>
-              </a:rPr>
-              <a:t>    if u</a:t>
-            </a:r>
-            <a:r>
-              <a:rPr lang="zh-CN" altLang="en-US" sz="1100" dirty="0">
-                <a:latin typeface="Consolas" panose="020B0609020204030204" pitchFamily="49" charset="0"/>
-              </a:rPr>
-              <a:t>是方法调用</a:t>
-            </a:r>
-            <a:r>
-              <a:rPr lang="en-US" altLang="zh-CN" sz="1100" dirty="0">
+              <a:rPr lang="zh-CN" altLang="en-US" sz="1800" dirty="0">
+                <a:latin typeface="Consolas" panose="020B0609020204030204" pitchFamily="49" charset="0"/>
+              </a:rPr>
+              <a:t>  </a:t>
+            </a:r>
+            <a:r>
+              <a:rPr lang="en-US" altLang="zh-CN" sz="1800" dirty="0" err="1">
+                <a:latin typeface="Consolas" panose="020B0609020204030204" pitchFamily="49" charset="0"/>
+              </a:rPr>
+              <a:t>def</a:t>
+            </a:r>
+            <a:r>
+              <a:rPr lang="en-US" altLang="zh-CN" sz="1800" dirty="0">
+                <a:latin typeface="Consolas" panose="020B0609020204030204" pitchFamily="49" charset="0"/>
+              </a:rPr>
+              <a:t> </a:t>
+            </a:r>
+            <a:r>
+              <a:rPr lang="zh-CN" altLang="en-US" sz="1800" dirty="0">
+                <a:latin typeface="Consolas" panose="020B0609020204030204" pitchFamily="49" charset="0"/>
+              </a:rPr>
+              <a:t>给定语句</a:t>
+            </a:r>
+            <a:r>
+              <a:rPr lang="en-US" altLang="zh-CN" sz="1800" dirty="0">
+                <a:latin typeface="Consolas" panose="020B0609020204030204" pitchFamily="49" charset="0"/>
+              </a:rPr>
+              <a:t>u</a:t>
+            </a:r>
+            <a:r>
+              <a:rPr lang="zh-CN" altLang="en-US" sz="1800" dirty="0">
+                <a:latin typeface="Consolas" panose="020B0609020204030204" pitchFamily="49" charset="0"/>
+              </a:rPr>
+              <a:t>和之前的状态，生成新的状态</a:t>
+            </a:r>
+            <a:r>
+              <a:rPr lang="en-US" altLang="zh-CN" sz="1800" dirty="0">
                 <a:latin typeface="Consolas" panose="020B0609020204030204" pitchFamily="49" charset="0"/>
               </a:rPr>
               <a:t>:</a:t>
@@ -4142,390 +4051,469 @@
           <a:p>
             <a:pPr marL="0" indent="0">
               <a:lnSpc>
-                <a:spcPct val="100000"/>
+                <a:spcPts val="1300"/>
               </a:lnSpc>
               <a:buNone/>
             </a:pPr>
             <a:r>
-              <a:rPr lang="en-US" altLang="zh-CN" sz="1100" dirty="0">
-                <a:latin typeface="Consolas" panose="020B0609020204030204" pitchFamily="49" charset="0"/>
-              </a:rPr>
-              <a:t>      if </a:t>
-            </a:r>
-            <a:r>
-              <a:rPr lang="zh-CN" altLang="en-US" sz="1100" dirty="0">
-                <a:latin typeface="Consolas" panose="020B0609020204030204" pitchFamily="49" charset="0"/>
-              </a:rPr>
-              <a:t>是</a:t>
-            </a:r>
-            <a:r>
-              <a:rPr lang="en-US" altLang="zh-CN" sz="1100" dirty="0" err="1">
-                <a:latin typeface="Consolas" panose="020B0609020204030204" pitchFamily="49" charset="0"/>
-              </a:rPr>
-              <a:t>benchmarkN.test</a:t>
-            </a:r>
-            <a:r>
-              <a:rPr lang="en-US" altLang="zh-CN" sz="1100" dirty="0">
-                <a:latin typeface="Consolas" panose="020B0609020204030204" pitchFamily="49" charset="0"/>
-              </a:rPr>
-              <a:t>: </a:t>
-            </a:r>
-            <a:r>
-              <a:rPr lang="zh-CN" altLang="en-US" sz="1100" dirty="0">
-                <a:latin typeface="Consolas" panose="020B0609020204030204" pitchFamily="49" charset="0"/>
-              </a:rPr>
-              <a:t>将当前分析结果保存</a:t>
+              <a:rPr lang="en-US" altLang="zh-CN" sz="1800" dirty="0">
+                <a:latin typeface="Consolas" panose="020B0609020204030204" pitchFamily="49" charset="0"/>
+              </a:rPr>
+              <a:t>    if u</a:t>
+            </a:r>
+            <a:r>
+              <a:rPr lang="zh-CN" altLang="en-US" sz="1800" dirty="0">
+                <a:latin typeface="Consolas" panose="020B0609020204030204" pitchFamily="49" charset="0"/>
+              </a:rPr>
+              <a:t>是方法调用</a:t>
+            </a:r>
+            <a:r>
+              <a:rPr lang="en-US" altLang="zh-CN" sz="1800" dirty="0">
+                <a:latin typeface="Consolas" panose="020B0609020204030204" pitchFamily="49" charset="0"/>
+              </a:rPr>
+              <a:t>:</a:t>
             </a:r>
           </a:p>
           <a:p>
             <a:pPr marL="0" indent="0">
               <a:lnSpc>
-                <a:spcPct val="100000"/>
+                <a:spcPts val="1300"/>
               </a:lnSpc>
               <a:buNone/>
             </a:pPr>
             <a:r>
-              <a:rPr lang="zh-CN" altLang="en-US" sz="1100" dirty="0">
-                <a:latin typeface="Consolas" panose="020B0609020204030204" pitchFamily="49" charset="0"/>
-              </a:rPr>
-              <a:t>      </a:t>
-            </a:r>
-            <a:r>
-              <a:rPr lang="en-US" altLang="zh-CN" sz="1100" dirty="0" err="1">
-                <a:latin typeface="Consolas" panose="020B0609020204030204" pitchFamily="49" charset="0"/>
-              </a:rPr>
-              <a:t>elif</a:t>
-            </a:r>
-            <a:r>
-              <a:rPr lang="en-US" altLang="zh-CN" sz="1100" dirty="0">
-                <a:latin typeface="Consolas" panose="020B0609020204030204" pitchFamily="49" charset="0"/>
-              </a:rPr>
-              <a:t> </a:t>
-            </a:r>
-            <a:r>
-              <a:rPr lang="zh-CN" altLang="en-US" sz="1100" dirty="0">
+              <a:rPr lang="en-US" altLang="zh-CN" sz="1800" dirty="0">
+                <a:latin typeface="Consolas" panose="020B0609020204030204" pitchFamily="49" charset="0"/>
+              </a:rPr>
+              <a:t>      if </a:t>
+            </a:r>
+            <a:r>
+              <a:rPr lang="zh-CN" altLang="en-US" sz="1800" dirty="0">
                 <a:latin typeface="Consolas" panose="020B0609020204030204" pitchFamily="49" charset="0"/>
               </a:rPr>
               <a:t>是</a:t>
             </a:r>
             <a:r>
-              <a:rPr lang="en-US" altLang="zh-CN" sz="1100" dirty="0" err="1">
-                <a:latin typeface="Consolas" panose="020B0609020204030204" pitchFamily="49" charset="0"/>
-              </a:rPr>
-              <a:t>benchmarkN.alloc</a:t>
-            </a:r>
-            <a:r>
-              <a:rPr lang="en-US" altLang="zh-CN" sz="1100" dirty="0">
+              <a:rPr lang="en-US" altLang="zh-CN" sz="1800" dirty="0" err="1">
+                <a:latin typeface="Consolas" panose="020B0609020204030204" pitchFamily="49" charset="0"/>
+              </a:rPr>
+              <a:t>benchmarkN.test</a:t>
+            </a:r>
+            <a:r>
+              <a:rPr lang="en-US" altLang="zh-CN" sz="1800" dirty="0">
                 <a:latin typeface="Consolas" panose="020B0609020204030204" pitchFamily="49" charset="0"/>
               </a:rPr>
               <a:t>: </a:t>
             </a:r>
-            <a:r>
-              <a:rPr lang="zh-CN" altLang="en-US" sz="1100" dirty="0">
-                <a:latin typeface="Consolas" panose="020B0609020204030204" pitchFamily="49" charset="0"/>
-              </a:rPr>
-              <a:t>获取当前</a:t>
-            </a:r>
-            <a:r>
-              <a:rPr lang="en-US" altLang="zh-CN" sz="1100" dirty="0" err="1">
-                <a:latin typeface="Consolas" panose="020B0609020204030204" pitchFamily="49" charset="0"/>
-              </a:rPr>
-              <a:t>allocId</a:t>
-            </a:r>
-            <a:endParaRPr lang="en-US" altLang="zh-CN" sz="1100" dirty="0">
-              <a:latin typeface="Consolas" panose="020B0609020204030204" pitchFamily="49" charset="0"/>
-            </a:endParaRPr>
           </a:p>
           <a:p>
             <a:pPr marL="0" indent="0">
               <a:lnSpc>
-                <a:spcPct val="100000"/>
+                <a:spcPts val="1300"/>
               </a:lnSpc>
               <a:buNone/>
             </a:pPr>
             <a:r>
-              <a:rPr lang="en-US" altLang="zh-CN" sz="1100" dirty="0">
-                <a:latin typeface="Consolas" panose="020B0609020204030204" pitchFamily="49" charset="0"/>
-              </a:rPr>
-              <a:t>      </a:t>
-            </a:r>
-            <a:r>
-              <a:rPr lang="en-US" altLang="zh-CN" sz="1100" dirty="0" err="1">
-                <a:latin typeface="Consolas" panose="020B0609020204030204" pitchFamily="49" charset="0"/>
-              </a:rPr>
-              <a:t>elif</a:t>
-            </a:r>
-            <a:r>
-              <a:rPr lang="en-US" altLang="zh-CN" sz="1100" dirty="0">
-                <a:latin typeface="Consolas" panose="020B0609020204030204" pitchFamily="49" charset="0"/>
-              </a:rPr>
-              <a:t> </a:t>
-            </a:r>
-            <a:r>
-              <a:rPr lang="zh-CN" altLang="en-US" sz="1100" dirty="0">
-                <a:latin typeface="Consolas" panose="020B0609020204030204" pitchFamily="49" charset="0"/>
-              </a:rPr>
-              <a:t>不是系统函数</a:t>
-            </a:r>
-            <a:r>
-              <a:rPr lang="en-US" altLang="zh-CN" sz="1100" dirty="0">
-                <a:latin typeface="Consolas" panose="020B0609020204030204" pitchFamily="49" charset="0"/>
-              </a:rPr>
-              <a:t>: </a:t>
+              <a:rPr lang="zh-CN" altLang="en-US" sz="1800" dirty="0">
+                <a:latin typeface="Consolas" panose="020B0609020204030204" pitchFamily="49" charset="0"/>
+              </a:rPr>
+              <a:t>        将当前分析结果保存</a:t>
             </a:r>
           </a:p>
           <a:p>
             <a:pPr marL="0" indent="0">
               <a:lnSpc>
-                <a:spcPct val="100000"/>
+                <a:spcPts val="1300"/>
               </a:lnSpc>
               <a:buNone/>
             </a:pPr>
             <a:r>
-              <a:rPr lang="en-US" altLang="zh-CN" sz="1100" dirty="0">
-                <a:latin typeface="Consolas" panose="020B0609020204030204" pitchFamily="49" charset="0"/>
-              </a:rPr>
-              <a:t>        </a:t>
-            </a:r>
-            <a:r>
-              <a:rPr lang="zh-CN" altLang="en-US" sz="1100" dirty="0">
-                <a:latin typeface="Consolas" panose="020B0609020204030204" pitchFamily="49" charset="0"/>
-              </a:rPr>
-              <a:t>状态</a:t>
-            </a:r>
-            <a:r>
-              <a:rPr lang="en-US" altLang="zh-CN" sz="1100" dirty="0">
-                <a:latin typeface="Consolas" panose="020B0609020204030204" pitchFamily="49" charset="0"/>
-              </a:rPr>
-              <a:t>X = </a:t>
-            </a:r>
-            <a:r>
-              <a:rPr lang="zh-CN" altLang="en-US" sz="1100" dirty="0">
-                <a:latin typeface="Consolas" panose="020B0609020204030204" pitchFamily="49" charset="0"/>
-              </a:rPr>
-              <a:t>数据流分析</a:t>
-            </a:r>
-            <a:r>
-              <a:rPr lang="en-US" altLang="zh-CN" sz="1100" dirty="0">
-                <a:latin typeface="Consolas" panose="020B0609020204030204" pitchFamily="49" charset="0"/>
-              </a:rPr>
-              <a:t>(u</a:t>
-            </a:r>
-            <a:r>
-              <a:rPr lang="zh-CN" altLang="en-US" sz="1100" dirty="0">
-                <a:latin typeface="Consolas" panose="020B0609020204030204" pitchFamily="49" charset="0"/>
-              </a:rPr>
-              <a:t>调用的方法</a:t>
-            </a:r>
-            <a:r>
-              <a:rPr lang="en-US" altLang="zh-CN" sz="1100" dirty="0">
-                <a:latin typeface="Consolas" panose="020B0609020204030204" pitchFamily="49" charset="0"/>
-              </a:rPr>
-              <a:t>)</a:t>
+              <a:rPr lang="zh-CN" altLang="en-US" sz="1800" dirty="0">
+                <a:latin typeface="Consolas" panose="020B0609020204030204" pitchFamily="49" charset="0"/>
+              </a:rPr>
+              <a:t>      </a:t>
+            </a:r>
+            <a:r>
+              <a:rPr lang="en-US" altLang="zh-CN" sz="1800" dirty="0" err="1">
+                <a:latin typeface="Consolas" panose="020B0609020204030204" pitchFamily="49" charset="0"/>
+              </a:rPr>
+              <a:t>elif</a:t>
+            </a:r>
+            <a:r>
+              <a:rPr lang="en-US" altLang="zh-CN" sz="1800" dirty="0">
+                <a:latin typeface="Consolas" panose="020B0609020204030204" pitchFamily="49" charset="0"/>
+              </a:rPr>
+              <a:t> </a:t>
+            </a:r>
+            <a:r>
+              <a:rPr lang="zh-CN" altLang="en-US" sz="1800" dirty="0">
+                <a:latin typeface="Consolas" panose="020B0609020204030204" pitchFamily="49" charset="0"/>
+              </a:rPr>
+              <a:t>是</a:t>
+            </a:r>
+            <a:r>
+              <a:rPr lang="en-US" altLang="zh-CN" sz="1800" dirty="0" err="1">
+                <a:latin typeface="Consolas" panose="020B0609020204030204" pitchFamily="49" charset="0"/>
+              </a:rPr>
+              <a:t>benchmarkN.alloc</a:t>
+            </a:r>
+            <a:r>
+              <a:rPr lang="en-US" altLang="zh-CN" sz="1800" dirty="0">
+                <a:latin typeface="Consolas" panose="020B0609020204030204" pitchFamily="49" charset="0"/>
+              </a:rPr>
+              <a:t>: </a:t>
             </a:r>
           </a:p>
           <a:p>
             <a:pPr marL="0" indent="0">
               <a:lnSpc>
-                <a:spcPct val="100000"/>
+                <a:spcPts val="1300"/>
               </a:lnSpc>
               <a:buNone/>
             </a:pPr>
             <a:r>
-              <a:rPr lang="en-US" altLang="zh-CN" sz="1100" dirty="0">
-                <a:latin typeface="Consolas" panose="020B0609020204030204" pitchFamily="49" charset="0"/>
-              </a:rPr>
-              <a:t>        </a:t>
-            </a:r>
-            <a:r>
-              <a:rPr lang="zh-CN" altLang="en-US" sz="1100" dirty="0">
-                <a:latin typeface="Consolas" panose="020B0609020204030204" pitchFamily="49" charset="0"/>
-              </a:rPr>
-              <a:t>局部变量指向表</a:t>
-            </a:r>
-            <a:r>
-              <a:rPr lang="en-US" altLang="zh-CN" sz="1100" dirty="0">
-                <a:latin typeface="Consolas" panose="020B0609020204030204" pitchFamily="49" charset="0"/>
-              </a:rPr>
-              <a:t>.</a:t>
-            </a:r>
-            <a:r>
-              <a:rPr lang="zh-CN" altLang="en-US" sz="1100" dirty="0">
-                <a:latin typeface="Consolas" panose="020B0609020204030204" pitchFamily="49" charset="0"/>
-              </a:rPr>
-              <a:t>返回值变量 </a:t>
-            </a:r>
-            <a:r>
-              <a:rPr lang="en-US" altLang="zh-CN" sz="1100" dirty="0">
-                <a:latin typeface="Consolas" panose="020B0609020204030204" pitchFamily="49" charset="0"/>
-              </a:rPr>
-              <a:t>= </a:t>
-            </a:r>
-            <a:r>
-              <a:rPr lang="zh-CN" altLang="en-US" sz="1100" dirty="0">
-                <a:latin typeface="Consolas" panose="020B0609020204030204" pitchFamily="49" charset="0"/>
-              </a:rPr>
-              <a:t>状态</a:t>
-            </a:r>
-            <a:r>
-              <a:rPr lang="en-US" altLang="zh-CN" sz="1100" dirty="0">
-                <a:latin typeface="Consolas" panose="020B0609020204030204" pitchFamily="49" charset="0"/>
-              </a:rPr>
-              <a:t>X.</a:t>
-            </a:r>
-            <a:r>
-              <a:rPr lang="zh-CN" altLang="en-US" sz="1100" dirty="0">
-                <a:latin typeface="Consolas" panose="020B0609020204030204" pitchFamily="49" charset="0"/>
-              </a:rPr>
-              <a:t>局部变量指向表</a:t>
-            </a:r>
-            <a:r>
-              <a:rPr lang="en-US" altLang="zh-CN" sz="1100" dirty="0">
-                <a:latin typeface="Consolas" panose="020B0609020204030204" pitchFamily="49" charset="0"/>
-              </a:rPr>
-              <a:t>.ret</a:t>
-            </a:r>
+              <a:rPr lang="zh-CN" altLang="en-US" sz="1800" dirty="0">
+                <a:latin typeface="Consolas" panose="020B0609020204030204" pitchFamily="49" charset="0"/>
+              </a:rPr>
+              <a:t>        获取当前</a:t>
+            </a:r>
+            <a:r>
+              <a:rPr lang="en-US" altLang="zh-CN" sz="1800" dirty="0" err="1">
+                <a:latin typeface="Consolas" panose="020B0609020204030204" pitchFamily="49" charset="0"/>
+              </a:rPr>
+              <a:t>allocId</a:t>
+            </a:r>
+            <a:endParaRPr lang="en-US" altLang="zh-CN" sz="1800" dirty="0">
+              <a:latin typeface="Consolas" panose="020B0609020204030204" pitchFamily="49" charset="0"/>
+            </a:endParaRPr>
           </a:p>
           <a:p>
             <a:pPr marL="0" indent="0">
               <a:lnSpc>
-                <a:spcPct val="100000"/>
+                <a:spcPts val="1300"/>
               </a:lnSpc>
               <a:buNone/>
             </a:pPr>
             <a:r>
-              <a:rPr lang="en-US" altLang="zh-CN" sz="1100" dirty="0">
-                <a:latin typeface="Consolas" panose="020B0609020204030204" pitchFamily="49" charset="0"/>
-              </a:rPr>
-              <a:t>        </a:t>
-            </a:r>
-            <a:r>
-              <a:rPr lang="zh-CN" altLang="en-US" sz="1100" dirty="0">
-                <a:latin typeface="Consolas" panose="020B0609020204030204" pitchFamily="49" charset="0"/>
-              </a:rPr>
-              <a:t>堆变量指向表与状态</a:t>
-            </a:r>
-            <a:r>
-              <a:rPr lang="en-US" altLang="zh-CN" sz="1100" dirty="0">
-                <a:latin typeface="Consolas" panose="020B0609020204030204" pitchFamily="49" charset="0"/>
-              </a:rPr>
-              <a:t>X</a:t>
-            </a:r>
-            <a:r>
-              <a:rPr lang="zh-CN" altLang="en-US" sz="1100" dirty="0">
-                <a:latin typeface="Consolas" panose="020B0609020204030204" pitchFamily="49" charset="0"/>
-              </a:rPr>
-              <a:t>的堆变量指向表合并</a:t>
+              <a:rPr lang="en-US" altLang="zh-CN" sz="1800" dirty="0">
+                <a:latin typeface="Consolas" panose="020B0609020204030204" pitchFamily="49" charset="0"/>
+              </a:rPr>
+              <a:t>      </a:t>
+            </a:r>
+            <a:r>
+              <a:rPr lang="en-US" altLang="zh-CN" sz="1800" dirty="0" err="1">
+                <a:latin typeface="Consolas" panose="020B0609020204030204" pitchFamily="49" charset="0"/>
+              </a:rPr>
+              <a:t>elif</a:t>
+            </a:r>
+            <a:r>
+              <a:rPr lang="en-US" altLang="zh-CN" sz="1800" dirty="0">
+                <a:latin typeface="Consolas" panose="020B0609020204030204" pitchFamily="49" charset="0"/>
+              </a:rPr>
+              <a:t> </a:t>
+            </a:r>
+            <a:r>
+              <a:rPr lang="zh-CN" altLang="en-US" sz="1800" dirty="0">
+                <a:latin typeface="Consolas" panose="020B0609020204030204" pitchFamily="49" charset="0"/>
+              </a:rPr>
+              <a:t>不是系统函数</a:t>
+            </a:r>
+            <a:r>
+              <a:rPr lang="en-US" altLang="zh-CN" sz="1800" dirty="0">
+                <a:latin typeface="Consolas" panose="020B0609020204030204" pitchFamily="49" charset="0"/>
+              </a:rPr>
+              <a:t>: </a:t>
             </a:r>
           </a:p>
           <a:p>
             <a:pPr marL="0" indent="0">
               <a:lnSpc>
-                <a:spcPct val="100000"/>
+                <a:spcPts val="1300"/>
               </a:lnSpc>
               <a:buNone/>
             </a:pPr>
             <a:r>
-              <a:rPr lang="zh-CN" altLang="en-US" sz="1100" dirty="0">
-                <a:latin typeface="Consolas" panose="020B0609020204030204" pitchFamily="49" charset="0"/>
-              </a:rPr>
-              <a:t>    </a:t>
-            </a:r>
-            <a:r>
-              <a:rPr lang="en-US" altLang="zh-CN" sz="1100" dirty="0" err="1">
-                <a:latin typeface="Consolas" panose="020B0609020204030204" pitchFamily="49" charset="0"/>
-              </a:rPr>
-              <a:t>elif</a:t>
-            </a:r>
-            <a:r>
-              <a:rPr lang="en-US" altLang="zh-CN" sz="1100" dirty="0">
-                <a:latin typeface="Consolas" panose="020B0609020204030204" pitchFamily="49" charset="0"/>
-              </a:rPr>
-              <a:t> u</a:t>
-            </a:r>
-            <a:r>
-              <a:rPr lang="zh-CN" altLang="en-US" sz="1100" dirty="0">
-                <a:latin typeface="Consolas" panose="020B0609020204030204" pitchFamily="49" charset="0"/>
-              </a:rPr>
-              <a:t>是返回语句</a:t>
-            </a:r>
-            <a:r>
-              <a:rPr lang="en-US" altLang="zh-CN" sz="1100" dirty="0">
-                <a:latin typeface="Consolas" panose="020B0609020204030204" pitchFamily="49" charset="0"/>
-              </a:rPr>
-              <a:t>:</a:t>
+              <a:rPr lang="en-US" altLang="zh-CN" sz="1800" dirty="0">
+                <a:latin typeface="Consolas" panose="020B0609020204030204" pitchFamily="49" charset="0"/>
+              </a:rPr>
+              <a:t>        </a:t>
+            </a:r>
+            <a:r>
+              <a:rPr lang="zh-CN" altLang="en-US" sz="1800" dirty="0">
+                <a:latin typeface="Consolas" panose="020B0609020204030204" pitchFamily="49" charset="0"/>
+              </a:rPr>
+              <a:t>状态</a:t>
+            </a:r>
+            <a:r>
+              <a:rPr lang="en-US" altLang="zh-CN" sz="1800" dirty="0">
+                <a:latin typeface="Consolas" panose="020B0609020204030204" pitchFamily="49" charset="0"/>
+              </a:rPr>
+              <a:t>X = </a:t>
+            </a:r>
+            <a:r>
+              <a:rPr lang="zh-CN" altLang="en-US" sz="1800" dirty="0">
+                <a:latin typeface="Consolas" panose="020B0609020204030204" pitchFamily="49" charset="0"/>
+              </a:rPr>
+              <a:t>数据流分析</a:t>
+            </a:r>
+            <a:r>
+              <a:rPr lang="en-US" altLang="zh-CN" sz="1800" dirty="0">
+                <a:latin typeface="Consolas" panose="020B0609020204030204" pitchFamily="49" charset="0"/>
+              </a:rPr>
+              <a:t>(u</a:t>
+            </a:r>
+            <a:r>
+              <a:rPr lang="zh-CN" altLang="en-US" sz="1800" dirty="0">
+                <a:latin typeface="Consolas" panose="020B0609020204030204" pitchFamily="49" charset="0"/>
+              </a:rPr>
+              <a:t>调用的方法</a:t>
+            </a:r>
+            <a:r>
+              <a:rPr lang="en-US" altLang="zh-CN" sz="1800" dirty="0">
+                <a:latin typeface="Consolas" panose="020B0609020204030204" pitchFamily="49" charset="0"/>
+              </a:rPr>
+              <a:t>)</a:t>
             </a:r>
           </a:p>
           <a:p>
             <a:pPr marL="0" indent="0">
               <a:lnSpc>
-                <a:spcPct val="100000"/>
+                <a:spcPts val="1300"/>
               </a:lnSpc>
               <a:buNone/>
             </a:pPr>
             <a:r>
-              <a:rPr lang="en-US" altLang="zh-CN" sz="1100" dirty="0">
-                <a:latin typeface="Consolas" panose="020B0609020204030204" pitchFamily="49" charset="0"/>
-              </a:rPr>
-              <a:t>      </a:t>
-            </a:r>
-            <a:r>
-              <a:rPr lang="zh-CN" altLang="en-US" sz="1100" dirty="0">
-                <a:latin typeface="Consolas" panose="020B0609020204030204" pitchFamily="49" charset="0"/>
-              </a:rPr>
-              <a:t>状态</a:t>
-            </a:r>
-            <a:r>
-              <a:rPr lang="en-US" altLang="zh-CN" sz="1100" dirty="0">
-                <a:latin typeface="Consolas" panose="020B0609020204030204" pitchFamily="49" charset="0"/>
-              </a:rPr>
-              <a:t>A.</a:t>
-            </a:r>
-            <a:r>
-              <a:rPr lang="zh-CN" altLang="en-US" sz="1100" dirty="0">
+              <a:rPr lang="en-US" altLang="zh-CN" sz="1800" dirty="0">
+                <a:latin typeface="Consolas" panose="020B0609020204030204" pitchFamily="49" charset="0"/>
+              </a:rPr>
+              <a:t>        </a:t>
+            </a:r>
+            <a:r>
+              <a:rPr lang="zh-CN" altLang="en-US" sz="1800" dirty="0">
                 <a:latin typeface="Consolas" panose="020B0609020204030204" pitchFamily="49" charset="0"/>
               </a:rPr>
               <a:t>局部变量指向表</a:t>
             </a:r>
             <a:r>
-              <a:rPr lang="en-US" altLang="zh-CN" sz="1100" dirty="0">
-                <a:latin typeface="Consolas" panose="020B0609020204030204" pitchFamily="49" charset="0"/>
-              </a:rPr>
-              <a:t>.ret = </a:t>
-            </a:r>
-            <a:r>
-              <a:rPr lang="zh-CN" altLang="en-US" sz="1100" dirty="0">
-                <a:latin typeface="Consolas" panose="020B0609020204030204" pitchFamily="49" charset="0"/>
-              </a:rPr>
-              <a:t>返回值可能指向的位置</a:t>
-            </a:r>
+              <a:rPr lang="en-US" altLang="zh-CN" sz="1800" dirty="0">
+                <a:latin typeface="Consolas" panose="020B0609020204030204" pitchFamily="49" charset="0"/>
+              </a:rPr>
+              <a:t>.</a:t>
+            </a:r>
+            <a:r>
+              <a:rPr lang="zh-CN" altLang="en-US" sz="1800" dirty="0">
+                <a:latin typeface="Consolas" panose="020B0609020204030204" pitchFamily="49" charset="0"/>
+              </a:rPr>
+              <a:t>返回值变量 </a:t>
+            </a:r>
+            <a:endParaRPr lang="en-US" altLang="zh-CN" sz="1800" dirty="0">
+              <a:latin typeface="Consolas" panose="020B0609020204030204" pitchFamily="49" charset="0"/>
+            </a:endParaRPr>
           </a:p>
           <a:p>
             <a:pPr marL="0" indent="0">
               <a:lnSpc>
-                <a:spcPct val="100000"/>
+                <a:spcPts val="1300"/>
               </a:lnSpc>
               <a:buNone/>
             </a:pPr>
             <a:r>
-              <a:rPr lang="zh-CN" altLang="en-US" sz="1100" dirty="0">
-                <a:latin typeface="Consolas" panose="020B0609020204030204" pitchFamily="49" charset="0"/>
-              </a:rPr>
-              <a:t>      最终状态与当前状态合并</a:t>
+              <a:rPr lang="zh-CN" altLang="en-US" sz="1800" dirty="0">
+                <a:latin typeface="Consolas" panose="020B0609020204030204" pitchFamily="49" charset="0"/>
+              </a:rPr>
+              <a:t>           </a:t>
+            </a:r>
+            <a:r>
+              <a:rPr lang="en-US" altLang="zh-CN" sz="1800" dirty="0">
+                <a:latin typeface="Consolas" panose="020B0609020204030204" pitchFamily="49" charset="0"/>
+              </a:rPr>
+              <a:t>= </a:t>
+            </a:r>
+            <a:r>
+              <a:rPr lang="zh-CN" altLang="en-US" sz="1800" dirty="0">
+                <a:latin typeface="Consolas" panose="020B0609020204030204" pitchFamily="49" charset="0"/>
+              </a:rPr>
+              <a:t>状态</a:t>
+            </a:r>
+            <a:r>
+              <a:rPr lang="en-US" altLang="zh-CN" sz="1800" dirty="0">
+                <a:latin typeface="Consolas" panose="020B0609020204030204" pitchFamily="49" charset="0"/>
+              </a:rPr>
+              <a:t>X.</a:t>
+            </a:r>
+            <a:r>
+              <a:rPr lang="zh-CN" altLang="en-US" sz="1800" dirty="0">
+                <a:latin typeface="Consolas" panose="020B0609020204030204" pitchFamily="49" charset="0"/>
+              </a:rPr>
+              <a:t>局部变量指向表</a:t>
+            </a:r>
+            <a:r>
+              <a:rPr lang="en-US" altLang="zh-CN" sz="1800" dirty="0">
+                <a:latin typeface="Consolas" panose="020B0609020204030204" pitchFamily="49" charset="0"/>
+              </a:rPr>
+              <a:t>.ret</a:t>
             </a:r>
           </a:p>
           <a:p>
             <a:pPr marL="0" indent="0">
               <a:lnSpc>
-                <a:spcPts val="700"/>
+                <a:spcPts val="1300"/>
               </a:lnSpc>
               <a:buNone/>
             </a:pPr>
             <a:r>
-              <a:rPr lang="en-US" altLang="zh-CN" sz="1000" dirty="0" smtClean="0"/>
+              <a:rPr lang="en-US" altLang="zh-CN" sz="1800" dirty="0">
+                <a:latin typeface="Consolas" panose="020B0609020204030204" pitchFamily="49" charset="0"/>
+              </a:rPr>
+              <a:t>        </a:t>
+            </a:r>
+            <a:r>
+              <a:rPr lang="zh-CN" altLang="en-US" sz="1800" dirty="0">
+                <a:latin typeface="Consolas" panose="020B0609020204030204" pitchFamily="49" charset="0"/>
+              </a:rPr>
+              <a:t>堆变量指向表与状态</a:t>
+            </a:r>
+            <a:r>
+              <a:rPr lang="en-US" altLang="zh-CN" sz="1800" dirty="0">
+                <a:latin typeface="Consolas" panose="020B0609020204030204" pitchFamily="49" charset="0"/>
+              </a:rPr>
+              <a:t>X</a:t>
+            </a:r>
+            <a:r>
+              <a:rPr lang="zh-CN" altLang="en-US" sz="1800" dirty="0">
+                <a:latin typeface="Consolas" panose="020B0609020204030204" pitchFamily="49" charset="0"/>
+              </a:rPr>
+              <a:t>的堆变量指向表合并</a:t>
+            </a:r>
+          </a:p>
+          <a:p>
+            <a:pPr marL="0" indent="0">
+              <a:lnSpc>
+                <a:spcPts val="1300"/>
+              </a:lnSpc>
+              <a:buNone/>
+            </a:pPr>
+            <a:r>
+              <a:rPr lang="zh-CN" altLang="en-US" sz="1800" dirty="0">
+                <a:latin typeface="Consolas" panose="020B0609020204030204" pitchFamily="49" charset="0"/>
+              </a:rPr>
               <a:t>    </a:t>
             </a:r>
-            <a:endParaRPr lang="zh-CN" altLang="en-US" sz="1000" dirty="0"/>
+            <a:r>
+              <a:rPr lang="en-US" altLang="zh-CN" sz="1800" dirty="0" err="1">
+                <a:latin typeface="Consolas" panose="020B0609020204030204" pitchFamily="49" charset="0"/>
+              </a:rPr>
+              <a:t>elif</a:t>
+            </a:r>
+            <a:r>
+              <a:rPr lang="en-US" altLang="zh-CN" sz="1800" dirty="0">
+                <a:latin typeface="Consolas" panose="020B0609020204030204" pitchFamily="49" charset="0"/>
+              </a:rPr>
+              <a:t> u</a:t>
+            </a:r>
+            <a:r>
+              <a:rPr lang="zh-CN" altLang="en-US" sz="1800" dirty="0">
+                <a:latin typeface="Consolas" panose="020B0609020204030204" pitchFamily="49" charset="0"/>
+              </a:rPr>
+              <a:t>是返回语句</a:t>
+            </a:r>
+            <a:r>
+              <a:rPr lang="en-US" altLang="zh-CN" sz="1800" dirty="0">
+                <a:latin typeface="Consolas" panose="020B0609020204030204" pitchFamily="49" charset="0"/>
+              </a:rPr>
+              <a:t>:</a:t>
+            </a:r>
+          </a:p>
+          <a:p>
+            <a:pPr marL="0" indent="0">
+              <a:lnSpc>
+                <a:spcPts val="1300"/>
+              </a:lnSpc>
+              <a:buNone/>
+            </a:pPr>
+            <a:r>
+              <a:rPr lang="en-US" altLang="zh-CN" sz="1800" dirty="0">
+                <a:latin typeface="Consolas" panose="020B0609020204030204" pitchFamily="49" charset="0"/>
+              </a:rPr>
+              <a:t>      </a:t>
+            </a:r>
+            <a:r>
+              <a:rPr lang="zh-CN" altLang="en-US" sz="1800" dirty="0">
+                <a:latin typeface="Consolas" panose="020B0609020204030204" pitchFamily="49" charset="0"/>
+              </a:rPr>
+              <a:t>状态</a:t>
+            </a:r>
+            <a:r>
+              <a:rPr lang="en-US" altLang="zh-CN" sz="1800" dirty="0">
+                <a:latin typeface="Consolas" panose="020B0609020204030204" pitchFamily="49" charset="0"/>
+              </a:rPr>
+              <a:t>A.</a:t>
+            </a:r>
+            <a:r>
+              <a:rPr lang="zh-CN" altLang="en-US" sz="1800" dirty="0">
+                <a:latin typeface="Consolas" panose="020B0609020204030204" pitchFamily="49" charset="0"/>
+              </a:rPr>
+              <a:t>局部变量指向表</a:t>
+            </a:r>
+            <a:r>
+              <a:rPr lang="en-US" altLang="zh-CN" sz="1800" dirty="0">
+                <a:latin typeface="Consolas" panose="020B0609020204030204" pitchFamily="49" charset="0"/>
+              </a:rPr>
+              <a:t>.ret </a:t>
+            </a:r>
+          </a:p>
+          <a:p>
+            <a:pPr marL="0" indent="0">
+              <a:lnSpc>
+                <a:spcPts val="1300"/>
+              </a:lnSpc>
+              <a:buNone/>
+            </a:pPr>
+            <a:r>
+              <a:rPr lang="zh-CN" altLang="en-US" sz="1800" dirty="0">
+                <a:latin typeface="Consolas" panose="020B0609020204030204" pitchFamily="49" charset="0"/>
+              </a:rPr>
+              <a:t>           </a:t>
+            </a:r>
+            <a:r>
+              <a:rPr lang="en-US" altLang="zh-CN" sz="1800" dirty="0">
+                <a:latin typeface="Consolas" panose="020B0609020204030204" pitchFamily="49" charset="0"/>
+              </a:rPr>
+              <a:t>= </a:t>
+            </a:r>
+            <a:r>
+              <a:rPr lang="zh-CN" altLang="en-US" sz="1800" dirty="0">
+                <a:latin typeface="Consolas" panose="020B0609020204030204" pitchFamily="49" charset="0"/>
+              </a:rPr>
+              <a:t>返回值可能指向的位置</a:t>
+            </a:r>
+          </a:p>
+          <a:p>
+            <a:pPr marL="0" indent="0">
+              <a:lnSpc>
+                <a:spcPts val="1300"/>
+              </a:lnSpc>
+              <a:buNone/>
+            </a:pPr>
+            <a:r>
+              <a:rPr lang="zh-CN" altLang="en-US" sz="1800" dirty="0">
+                <a:latin typeface="Consolas" panose="020B0609020204030204" pitchFamily="49" charset="0"/>
+              </a:rPr>
+              <a:t>      最终状态与当前状态合并</a:t>
+            </a:r>
+          </a:p>
+          <a:p>
+            <a:pPr marL="0" indent="0">
+              <a:lnSpc>
+                <a:spcPts val="1300"/>
+              </a:lnSpc>
+              <a:buNone/>
+            </a:pPr>
+            <a:r>
+              <a:rPr lang="en-US" altLang="zh-CN" sz="1400" dirty="0"/>
+              <a:t>    </a:t>
+            </a:r>
+            <a:endParaRPr lang="zh-CN" altLang="en-US" sz="1400" dirty="0"/>
           </a:p>
         </p:txBody>
       </p:sp>
@@ -4539,10 +4527,15 @@
             <p:ph sz="half" idx="2"/>
           </p:nvPr>
         </p:nvSpPr>
-        <p:spPr/>
+        <p:spPr>
+          <a:xfrm>
+            <a:off x="5531708" y="1343818"/>
+            <a:ext cx="5822092" cy="5390614"/>
+          </a:xfrm>
+        </p:spPr>
         <p:txBody>
           <a:bodyPr>
-            <a:normAutofit/>
+            <a:normAutofit fontScale="92500" lnSpcReduction="20000"/>
           </a:bodyPr>
           <a:lstStyle/>
           <a:p>
@@ -4550,55 +4543,43 @@
               <a:buNone/>
             </a:pPr>
             <a:r>
-              <a:rPr lang="en-US" altLang="zh-CN" sz="1100" dirty="0">
-                <a:latin typeface="Consolas" panose="020B0609020204030204" pitchFamily="49" charset="0"/>
-              </a:rPr>
-              <a:t> </a:t>
-            </a:r>
-            <a:r>
-              <a:rPr lang="en-US" altLang="zh-CN" sz="1100" dirty="0" smtClean="0">
-                <a:latin typeface="Consolas" panose="020B0609020204030204" pitchFamily="49" charset="0"/>
-              </a:rPr>
-              <a:t>  </a:t>
-            </a:r>
-            <a:r>
-              <a:rPr lang="en-US" altLang="zh-CN" sz="1100" dirty="0" err="1" smtClean="0">
+              <a:rPr lang="en-US" altLang="zh-CN" sz="1900" dirty="0">
+                <a:latin typeface="Consolas" panose="020B0609020204030204" pitchFamily="49" charset="0"/>
+              </a:rPr>
+              <a:t>   </a:t>
+            </a:r>
+            <a:r>
+              <a:rPr lang="en-US" altLang="zh-CN" sz="1900" dirty="0" err="1">
                 <a:latin typeface="Consolas" panose="020B0609020204030204" pitchFamily="49" charset="0"/>
               </a:rPr>
               <a:t>elif</a:t>
             </a:r>
             <a:r>
-              <a:rPr lang="en-US" altLang="zh-CN" sz="1100" dirty="0" smtClean="0">
-                <a:latin typeface="Consolas" panose="020B0609020204030204" pitchFamily="49" charset="0"/>
-              </a:rPr>
-              <a:t> </a:t>
-            </a:r>
-            <a:r>
-              <a:rPr lang="en-US" altLang="zh-CN" sz="1100" dirty="0">
-                <a:latin typeface="Consolas" panose="020B0609020204030204" pitchFamily="49" charset="0"/>
-              </a:rPr>
-              <a:t>u</a:t>
-            </a:r>
-            <a:r>
-              <a:rPr lang="zh-CN" altLang="en-US" sz="1100" dirty="0">
+              <a:rPr lang="en-US" altLang="zh-CN" sz="1900" dirty="0">
+                <a:latin typeface="Consolas" panose="020B0609020204030204" pitchFamily="49" charset="0"/>
+              </a:rPr>
+              <a:t> u</a:t>
+            </a:r>
+            <a:r>
+              <a:rPr lang="zh-CN" altLang="en-US" sz="1900" dirty="0">
                 <a:latin typeface="Consolas" panose="020B0609020204030204" pitchFamily="49" charset="0"/>
               </a:rPr>
               <a:t>是</a:t>
             </a:r>
             <a:r>
-              <a:rPr lang="en-US" altLang="zh-CN" sz="1100" dirty="0">
+              <a:rPr lang="en-US" altLang="zh-CN" sz="1900" dirty="0">
                 <a:latin typeface="Consolas" panose="020B0609020204030204" pitchFamily="49" charset="0"/>
               </a:rPr>
               <a:t>new</a:t>
             </a:r>
             <a:r>
-              <a:rPr lang="zh-CN" altLang="en-US" sz="1100" dirty="0">
+              <a:rPr lang="zh-CN" altLang="en-US" sz="1900" dirty="0">
                 <a:latin typeface="Consolas" panose="020B0609020204030204" pitchFamily="49" charset="0"/>
               </a:rPr>
               <a:t>语句</a:t>
             </a:r>
             <a:r>
-              <a:rPr lang="en-US" altLang="zh-CN" sz="1100" dirty="0">
+              <a:rPr lang="en-US" altLang="zh-CN" sz="1900" dirty="0">
                 <a:latin typeface="Consolas" panose="020B0609020204030204" pitchFamily="49" charset="0"/>
               </a:rPr>
               <a:t>:</a:t>
@@ -4609,36 +4590,36 @@
               <a:buNone/>
             </a:pPr>
             <a:r>
-              <a:rPr lang="en-US" altLang="zh-CN" sz="1100" dirty="0">
+              <a:rPr lang="en-US" altLang="zh-CN" sz="1900" dirty="0">
                 <a:latin typeface="Consolas" panose="020B0609020204030204" pitchFamily="49" charset="0"/>
               </a:rPr>
               <a:t>      </a:t>
             </a:r>
             <a:r>
-              <a:rPr lang="zh-CN" altLang="en-US" sz="1100" dirty="0">
+              <a:rPr lang="zh-CN" altLang="en-US" sz="1900" dirty="0">
                 <a:latin typeface="Consolas" panose="020B0609020204030204" pitchFamily="49" charset="0"/>
               </a:rPr>
               <a:t>获取这个</a:t>
             </a:r>
             <a:r>
-              <a:rPr lang="en-US" altLang="zh-CN" sz="1100" dirty="0">
+              <a:rPr lang="en-US" altLang="zh-CN" sz="1900" dirty="0">
                 <a:latin typeface="Consolas" panose="020B0609020204030204" pitchFamily="49" charset="0"/>
               </a:rPr>
               <a:t>new</a:t>
             </a:r>
             <a:r>
-              <a:rPr lang="zh-CN" altLang="en-US" sz="1100" dirty="0">
+              <a:rPr lang="zh-CN" altLang="en-US" sz="1900" dirty="0">
                 <a:latin typeface="Consolas" panose="020B0609020204030204" pitchFamily="49" charset="0"/>
               </a:rPr>
               <a:t>语句的</a:t>
             </a:r>
             <a:r>
-              <a:rPr lang="en-US" altLang="zh-CN" sz="1100" dirty="0" err="1">
+              <a:rPr lang="en-US" altLang="zh-CN" sz="1900" dirty="0" err="1">
                 <a:latin typeface="Consolas" panose="020B0609020204030204" pitchFamily="49" charset="0"/>
               </a:rPr>
               <a:t>allocId</a:t>
             </a:r>
-            <a:endParaRPr lang="en-US" altLang="zh-CN" sz="1100" dirty="0">
+            <a:endParaRPr lang="en-US" altLang="zh-CN" sz="1900" dirty="0">
               <a:latin typeface="Consolas" panose="020B0609020204030204" pitchFamily="49" charset="0"/>
             </a:endParaRPr>
           </a:p>
@@ -4647,19 +4628,19 @@
               <a:buNone/>
             </a:pPr>
             <a:r>
-              <a:rPr lang="en-US" altLang="zh-CN" sz="1100" dirty="0">
+              <a:rPr lang="en-US" altLang="zh-CN" sz="1900" dirty="0">
                 <a:latin typeface="Consolas" panose="020B0609020204030204" pitchFamily="49" charset="0"/>
               </a:rPr>
               <a:t>      if u</a:t>
             </a:r>
             <a:r>
-              <a:rPr lang="zh-CN" altLang="en-US" sz="1100" dirty="0">
+              <a:rPr lang="zh-CN" altLang="en-US" sz="1900" dirty="0">
                 <a:latin typeface="Consolas" panose="020B0609020204030204" pitchFamily="49" charset="0"/>
               </a:rPr>
               <a:t>形如</a:t>
             </a:r>
             <a:r>
-              <a:rPr lang="en-US" altLang="zh-CN" sz="1100" dirty="0">
+              <a:rPr lang="en-US" altLang="zh-CN" sz="1900" dirty="0">
                 <a:latin typeface="Consolas" panose="020B0609020204030204" pitchFamily="49" charset="0"/>
               </a:rPr>
               <a:t>a = new A():</a:t>
@@ -4670,31 +4651,31 @@
               <a:buNone/>
             </a:pPr>
             <a:r>
-              <a:rPr lang="en-US" altLang="zh-CN" sz="1100" dirty="0">
+              <a:rPr lang="en-US" altLang="zh-CN" sz="1900" dirty="0">
                 <a:latin typeface="Consolas" panose="020B0609020204030204" pitchFamily="49" charset="0"/>
               </a:rPr>
               <a:t>        </a:t>
             </a:r>
             <a:r>
-              <a:rPr lang="zh-CN" altLang="en-US" sz="1100" dirty="0">
+              <a:rPr lang="zh-CN" altLang="en-US" sz="1900" dirty="0">
                 <a:latin typeface="Consolas" panose="020B0609020204030204" pitchFamily="49" charset="0"/>
               </a:rPr>
               <a:t>局部变量指向表</a:t>
             </a:r>
             <a:r>
-              <a:rPr lang="en-US" altLang="zh-CN" sz="1100" dirty="0">
+              <a:rPr lang="en-US" altLang="zh-CN" sz="1900" dirty="0">
                 <a:latin typeface="Consolas" panose="020B0609020204030204" pitchFamily="49" charset="0"/>
               </a:rPr>
               <a:t>.a = { </a:t>
             </a:r>
             <a:r>
-              <a:rPr lang="en-US" altLang="zh-CN" sz="1100" dirty="0" err="1">
+              <a:rPr lang="en-US" altLang="zh-CN" sz="1900" dirty="0" err="1">
                 <a:latin typeface="Consolas" panose="020B0609020204030204" pitchFamily="49" charset="0"/>
               </a:rPr>
               <a:t>allocId</a:t>
             </a:r>
             <a:r>
-              <a:rPr lang="en-US" altLang="zh-CN" sz="1100" dirty="0">
+              <a:rPr lang="en-US" altLang="zh-CN" sz="1900" dirty="0">
                 <a:latin typeface="Consolas" panose="020B0609020204030204" pitchFamily="49" charset="0"/>
               </a:rPr>
               <a:t> }</a:t>
@@ -4705,37 +4686,37 @@
               <a:buNone/>
             </a:pPr>
             <a:r>
-              <a:rPr lang="en-US" altLang="zh-CN" sz="1100" dirty="0">
+              <a:rPr lang="en-US" altLang="zh-CN" sz="1900" dirty="0">
                 <a:latin typeface="Consolas" panose="020B0609020204030204" pitchFamily="49" charset="0"/>
               </a:rPr>
               <a:t>      </a:t>
             </a:r>
             <a:r>
-              <a:rPr lang="en-US" altLang="zh-CN" sz="1100" dirty="0" err="1">
+              <a:rPr lang="en-US" altLang="zh-CN" sz="1900" dirty="0" err="1">
                 <a:latin typeface="Consolas" panose="020B0609020204030204" pitchFamily="49" charset="0"/>
               </a:rPr>
               <a:t>elif</a:t>
             </a:r>
             <a:r>
-              <a:rPr lang="en-US" altLang="zh-CN" sz="1100" dirty="0">
+              <a:rPr lang="en-US" altLang="zh-CN" sz="1900" dirty="0">
                 <a:latin typeface="Consolas" panose="020B0609020204030204" pitchFamily="49" charset="0"/>
               </a:rPr>
               <a:t> u</a:t>
             </a:r>
             <a:r>
-              <a:rPr lang="zh-CN" altLang="en-US" sz="1100" dirty="0">
+              <a:rPr lang="zh-CN" altLang="en-US" sz="1900" dirty="0">
                 <a:latin typeface="Consolas" panose="020B0609020204030204" pitchFamily="49" charset="0"/>
               </a:rPr>
               <a:t>形如</a:t>
             </a:r>
             <a:r>
-              <a:rPr lang="en-US" altLang="zh-CN" sz="1100" dirty="0" err="1">
+              <a:rPr lang="en-US" altLang="zh-CN" sz="1900" dirty="0" err="1">
                 <a:latin typeface="Consolas" panose="020B0609020204030204" pitchFamily="49" charset="0"/>
               </a:rPr>
               <a:t>A.f</a:t>
             </a:r>
             <a:r>
-              <a:rPr lang="en-US" altLang="zh-CN" sz="1100" dirty="0">
+              <a:rPr lang="en-US" altLang="zh-CN" sz="1900" dirty="0">
                 <a:latin typeface="Consolas" panose="020B0609020204030204" pitchFamily="49" charset="0"/>
               </a:rPr>
               <a:t> = new A():</a:t>
@@ -4746,43 +4727,43 @@
               <a:buNone/>
             </a:pPr>
             <a:r>
-              <a:rPr lang="en-US" altLang="zh-CN" sz="1100" dirty="0">
+              <a:rPr lang="en-US" altLang="zh-CN" sz="1900" dirty="0">
                 <a:latin typeface="Consolas" panose="020B0609020204030204" pitchFamily="49" charset="0"/>
               </a:rPr>
               <a:t>        </a:t>
             </a:r>
             <a:r>
-              <a:rPr lang="zh-CN" altLang="en-US" sz="1100" dirty="0">
+              <a:rPr lang="zh-CN" altLang="en-US" sz="1900" dirty="0">
                 <a:latin typeface="Consolas" panose="020B0609020204030204" pitchFamily="49" charset="0"/>
               </a:rPr>
               <a:t>将</a:t>
             </a:r>
             <a:r>
-              <a:rPr lang="en-US" altLang="zh-CN" sz="1100" dirty="0" err="1">
+              <a:rPr lang="en-US" altLang="zh-CN" sz="1900" dirty="0" err="1">
                 <a:latin typeface="Consolas" panose="020B0609020204030204" pitchFamily="49" charset="0"/>
               </a:rPr>
               <a:t>allocId</a:t>
             </a:r>
             <a:r>
-              <a:rPr lang="zh-CN" altLang="en-US" sz="1100" dirty="0">
+              <a:rPr lang="zh-CN" altLang="en-US" sz="1900" dirty="0">
                 <a:latin typeface="Consolas" panose="020B0609020204030204" pitchFamily="49" charset="0"/>
               </a:rPr>
               <a:t>加入堆变量指向表</a:t>
             </a:r>
             <a:r>
-              <a:rPr lang="en-US" altLang="zh-CN" sz="1100" dirty="0">
+              <a:rPr lang="en-US" altLang="zh-CN" sz="1900" dirty="0">
                 <a:latin typeface="Consolas" panose="020B0609020204030204" pitchFamily="49" charset="0"/>
               </a:rPr>
               <a:t>.(</a:t>
             </a:r>
             <a:r>
-              <a:rPr lang="en-US" altLang="zh-CN" sz="1100" dirty="0" err="1">
+              <a:rPr lang="en-US" altLang="zh-CN" sz="1900" dirty="0" err="1">
                 <a:latin typeface="Consolas" panose="020B0609020204030204" pitchFamily="49" charset="0"/>
               </a:rPr>
               <a:t>A.f</a:t>
             </a:r>
             <a:r>
-              <a:rPr lang="en-US" altLang="zh-CN" sz="1100" dirty="0">
+              <a:rPr lang="en-US" altLang="zh-CN" sz="1900" dirty="0">
                 <a:latin typeface="Consolas" panose="020B0609020204030204" pitchFamily="49" charset="0"/>
               </a:rPr>
               <a:t>)    </a:t>
@@ -4793,37 +4774,31 @@
               <a:buNone/>
             </a:pPr>
             <a:r>
-              <a:rPr lang="en-US" altLang="zh-CN" sz="1100" dirty="0" smtClean="0">
+              <a:rPr lang="en-US" altLang="zh-CN" sz="1900" dirty="0">
                 <a:latin typeface="Consolas" panose="020B0609020204030204" pitchFamily="49" charset="0"/>
               </a:rPr>
               <a:t>   </a:t>
             </a:r>
             <a:r>
-              <a:rPr lang="en-US" altLang="zh-CN" sz="1100" dirty="0" err="1" smtClean="0">
+              <a:rPr lang="en-US" altLang="zh-CN" sz="1900" dirty="0" err="1">
                 <a:latin typeface="Consolas" panose="020B0609020204030204" pitchFamily="49" charset="0"/>
               </a:rPr>
               <a:t>elif</a:t>
             </a:r>
             <a:r>
-              <a:rPr lang="en-US" altLang="zh-CN" sz="1100" dirty="0" smtClean="0">
-                <a:latin typeface="Consolas" panose="020B0609020204030204" pitchFamily="49" charset="0"/>
-              </a:rPr>
-              <a:t> </a:t>
-            </a:r>
-            <a:r>
-              <a:rPr lang="en-US" altLang="zh-CN" sz="1100" dirty="0">
-                <a:latin typeface="Consolas" panose="020B0609020204030204" pitchFamily="49" charset="0"/>
-              </a:rPr>
-              <a:t>u</a:t>
-            </a:r>
-            <a:r>
-              <a:rPr lang="zh-CN" altLang="en-US" sz="1100" dirty="0">
+              <a:rPr lang="en-US" altLang="zh-CN" sz="1900" dirty="0">
+                <a:latin typeface="Consolas" panose="020B0609020204030204" pitchFamily="49" charset="0"/>
+              </a:rPr>
+              <a:t> u</a:t>
+            </a:r>
+            <a:r>
+              <a:rPr lang="zh-CN" altLang="en-US" sz="1900" dirty="0">
                 <a:latin typeface="Consolas" panose="020B0609020204030204" pitchFamily="49" charset="0"/>
               </a:rPr>
               <a:t>是各种赋值语句</a:t>
             </a:r>
             <a:r>
-              <a:rPr lang="en-US" altLang="zh-CN" sz="1100" dirty="0">
+              <a:rPr lang="en-US" altLang="zh-CN" sz="1900" dirty="0">
                 <a:latin typeface="Consolas" panose="020B0609020204030204" pitchFamily="49" charset="0"/>
               </a:rPr>
               <a:t>:</a:t>
@@ -4834,19 +4809,19 @@
               <a:buNone/>
             </a:pPr>
             <a:r>
-              <a:rPr lang="en-US" altLang="zh-CN" sz="1100" dirty="0">
+              <a:rPr lang="en-US" altLang="zh-CN" sz="1900" dirty="0">
                 <a:latin typeface="Consolas" panose="020B0609020204030204" pitchFamily="49" charset="0"/>
               </a:rPr>
               <a:t>      if u</a:t>
             </a:r>
             <a:r>
-              <a:rPr lang="zh-CN" altLang="en-US" sz="1100" dirty="0">
+              <a:rPr lang="zh-CN" altLang="en-US" sz="1900" dirty="0">
                 <a:latin typeface="Consolas" panose="020B0609020204030204" pitchFamily="49" charset="0"/>
               </a:rPr>
               <a:t>形如</a:t>
             </a:r>
             <a:r>
-              <a:rPr lang="en-US" altLang="zh-CN" sz="1100" dirty="0">
+              <a:rPr lang="en-US" altLang="zh-CN" sz="1900" dirty="0">
                 <a:latin typeface="Consolas" panose="020B0609020204030204" pitchFamily="49" charset="0"/>
               </a:rPr>
               <a:t>a = b:</a:t>
@@ -4857,37 +4832,37 @@
               <a:buNone/>
             </a:pPr>
             <a:r>
-              <a:rPr lang="en-US" altLang="zh-CN" sz="1100" dirty="0">
+              <a:rPr lang="en-US" altLang="zh-CN" sz="1900" dirty="0">
                 <a:latin typeface="Consolas" panose="020B0609020204030204" pitchFamily="49" charset="0"/>
               </a:rPr>
               <a:t>        </a:t>
             </a:r>
             <a:r>
-              <a:rPr lang="zh-CN" altLang="en-US" sz="1100" dirty="0">
+              <a:rPr lang="zh-CN" altLang="en-US" sz="1900" dirty="0">
                 <a:latin typeface="Consolas" panose="020B0609020204030204" pitchFamily="49" charset="0"/>
               </a:rPr>
               <a:t>用</a:t>
             </a:r>
             <a:r>
-              <a:rPr lang="en-US" altLang="zh-CN" sz="1100" dirty="0">
+              <a:rPr lang="en-US" altLang="zh-CN" sz="1900" dirty="0">
                 <a:latin typeface="Consolas" panose="020B0609020204030204" pitchFamily="49" charset="0"/>
               </a:rPr>
               <a:t>b</a:t>
             </a:r>
             <a:r>
-              <a:rPr lang="zh-CN" altLang="en-US" sz="1100" dirty="0">
+              <a:rPr lang="zh-CN" altLang="en-US" sz="1900" dirty="0">
                 <a:latin typeface="Consolas" panose="020B0609020204030204" pitchFamily="49" charset="0"/>
               </a:rPr>
               <a:t>指向的位置替换</a:t>
             </a:r>
             <a:r>
-              <a:rPr lang="en-US" altLang="zh-CN" sz="1100" dirty="0">
+              <a:rPr lang="en-US" altLang="zh-CN" sz="1900" dirty="0">
                 <a:latin typeface="Consolas" panose="020B0609020204030204" pitchFamily="49" charset="0"/>
               </a:rPr>
               <a:t>a</a:t>
             </a:r>
             <a:r>
-              <a:rPr lang="zh-CN" altLang="en-US" sz="1100" dirty="0">
+              <a:rPr lang="zh-CN" altLang="en-US" sz="1900" dirty="0">
                 <a:latin typeface="Consolas" panose="020B0609020204030204" pitchFamily="49" charset="0"/>
               </a:rPr>
               <a:t>指向的位置</a:t>
@@ -4898,37 +4873,37 @@
               <a:buNone/>
             </a:pPr>
             <a:r>
-              <a:rPr lang="zh-CN" altLang="en-US" sz="1100" dirty="0">
+              <a:rPr lang="zh-CN" altLang="en-US" sz="1900" dirty="0">
                 <a:latin typeface="Consolas" panose="020B0609020204030204" pitchFamily="49" charset="0"/>
               </a:rPr>
               <a:t>      </a:t>
             </a:r>
             <a:r>
-              <a:rPr lang="en-US" altLang="zh-CN" sz="1100" dirty="0" err="1">
+              <a:rPr lang="en-US" altLang="zh-CN" sz="1900" dirty="0" err="1">
                 <a:latin typeface="Consolas" panose="020B0609020204030204" pitchFamily="49" charset="0"/>
               </a:rPr>
               <a:t>elif</a:t>
             </a:r>
             <a:r>
-              <a:rPr lang="en-US" altLang="zh-CN" sz="1100" dirty="0">
+              <a:rPr lang="en-US" altLang="zh-CN" sz="1900" dirty="0">
                 <a:latin typeface="Consolas" panose="020B0609020204030204" pitchFamily="49" charset="0"/>
               </a:rPr>
               <a:t> u</a:t>
             </a:r>
             <a:r>
-              <a:rPr lang="zh-CN" altLang="en-US" sz="1100" dirty="0">
+              <a:rPr lang="zh-CN" altLang="en-US" sz="1900" dirty="0">
                 <a:latin typeface="Consolas" panose="020B0609020204030204" pitchFamily="49" charset="0"/>
               </a:rPr>
               <a:t>形如</a:t>
             </a:r>
             <a:r>
-              <a:rPr lang="en-US" altLang="zh-CN" sz="1100" dirty="0" err="1">
+              <a:rPr lang="en-US" altLang="zh-CN" sz="1900" dirty="0" err="1">
                 <a:latin typeface="Consolas" panose="020B0609020204030204" pitchFamily="49" charset="0"/>
               </a:rPr>
               <a:t>a.f</a:t>
             </a:r>
             <a:r>
-              <a:rPr lang="en-US" altLang="zh-CN" sz="1100" dirty="0">
+              <a:rPr lang="en-US" altLang="zh-CN" sz="1900" dirty="0">
                 <a:latin typeface="Consolas" panose="020B0609020204030204" pitchFamily="49" charset="0"/>
               </a:rPr>
               <a:t> = b:</a:t>
@@ -4939,52 +4914,34 @@
               <a:buNone/>
             </a:pPr>
             <a:r>
-              <a:rPr lang="en-US" altLang="zh-CN" sz="1100" b="1" dirty="0">
-                <a:latin typeface="Consolas" panose="020B0609020204030204" pitchFamily="49" charset="0"/>
-              </a:rPr>
-              <a:t>        </a:t>
-            </a:r>
-            <a:r>
-              <a:rPr lang="zh-CN" altLang="en-US" sz="1100" b="1" dirty="0">
-                <a:latin typeface="Consolas" panose="020B0609020204030204" pitchFamily="49" charset="0"/>
-              </a:rPr>
-              <a:t>如果</a:t>
-            </a:r>
-            <a:r>
-              <a:rPr lang="en-US" altLang="zh-CN" sz="1100" b="1" dirty="0">
+              <a:rPr lang="en-US" altLang="zh-CN" sz="1900" b="1" dirty="0">
+                <a:latin typeface="Consolas" panose="020B0609020204030204" pitchFamily="49" charset="0"/>
+              </a:rPr>
+              <a:t>        if</a:t>
+            </a:r>
+            <a:r>
+              <a:rPr lang="zh-CN" altLang="en-US" sz="1900" b="1" dirty="0">
+                <a:latin typeface="Consolas" panose="020B0609020204030204" pitchFamily="49" charset="0"/>
+              </a:rPr>
+              <a:t> </a:t>
+            </a:r>
+            <a:r>
+              <a:rPr lang="en-US" altLang="zh-CN" sz="1900" b="1" dirty="0">
                 <a:latin typeface="Consolas" panose="020B0609020204030204" pitchFamily="49" charset="0"/>
               </a:rPr>
               <a:t>a</a:t>
             </a:r>
             <a:r>
-              <a:rPr lang="zh-CN" altLang="en-US" sz="1100" b="1" dirty="0">
-                <a:latin typeface="Consolas" panose="020B0609020204030204" pitchFamily="49" charset="0"/>
-              </a:rPr>
-              <a:t>指向一个内存位置，则用</a:t>
-            </a:r>
-            <a:r>
-              <a:rPr lang="en-US" altLang="zh-CN" sz="1100" b="1" dirty="0">
-                <a:latin typeface="Consolas" panose="020B0609020204030204" pitchFamily="49" charset="0"/>
-              </a:rPr>
-              <a:t>b</a:t>
-            </a:r>
-            <a:r>
-              <a:rPr lang="zh-CN" altLang="en-US" sz="1100" b="1" dirty="0">
-                <a:latin typeface="Consolas" panose="020B0609020204030204" pitchFamily="49" charset="0"/>
-              </a:rPr>
-              <a:t>指向的位置替换</a:t>
-            </a:r>
-            <a:r>
-              <a:rPr lang="en-US" altLang="zh-CN" sz="1100" b="1" dirty="0" err="1">
-                <a:latin typeface="Consolas" panose="020B0609020204030204" pitchFamily="49" charset="0"/>
-              </a:rPr>
-              <a:t>a.f</a:t>
-            </a:r>
-            <a:r>
-              <a:rPr lang="zh-CN" altLang="en-US" sz="1100" b="1" dirty="0">
-                <a:latin typeface="Consolas" panose="020B0609020204030204" pitchFamily="49" charset="0"/>
-              </a:rPr>
-              <a:t>指向的位置</a:t>
+              <a:rPr lang="zh-CN" altLang="en-US" sz="1900" b="1" dirty="0">
+                <a:latin typeface="Consolas" panose="020B0609020204030204" pitchFamily="49" charset="0"/>
+              </a:rPr>
+              <a:t>指向一个内存位置</a:t>
+            </a:r>
+            <a:r>
+              <a:rPr lang="en-US" altLang="zh-CN" sz="1900" b="1" dirty="0">
+                <a:latin typeface="Consolas" panose="020B0609020204030204" pitchFamily="49" charset="0"/>
+              </a:rPr>
+              <a:t>:</a:t>
             </a:r>
           </a:p>
           <a:p>
@@ -4992,43 +4949,31 @@
               <a:buNone/>
             </a:pPr>
             <a:r>
-              <a:rPr lang="zh-CN" altLang="en-US" sz="1100" b="1" dirty="0">
-                <a:latin typeface="Consolas" panose="020B0609020204030204" pitchFamily="49" charset="0"/>
-              </a:rPr>
-              <a:t>        如果</a:t>
-            </a:r>
-            <a:r>
-              <a:rPr lang="en-US" altLang="zh-CN" sz="1100" b="1" dirty="0">
-                <a:latin typeface="Consolas" panose="020B0609020204030204" pitchFamily="49" charset="0"/>
-              </a:rPr>
-              <a:t>a</a:t>
-            </a:r>
-            <a:r>
-              <a:rPr lang="zh-CN" altLang="en-US" sz="1100" b="1" dirty="0">
-                <a:latin typeface="Consolas" panose="020B0609020204030204" pitchFamily="49" charset="0"/>
-              </a:rPr>
-              <a:t>指向多个内存位置，则将</a:t>
-            </a:r>
-            <a:r>
-              <a:rPr lang="en-US" altLang="zh-CN" sz="1100" b="1" dirty="0">
+              <a:rPr lang="zh-CN" altLang="en-US" sz="1900" b="1" dirty="0">
+                <a:latin typeface="Consolas" panose="020B0609020204030204" pitchFamily="49" charset="0"/>
+              </a:rPr>
+              <a:t>          则用</a:t>
+            </a:r>
+            <a:r>
+              <a:rPr lang="en-US" altLang="zh-CN" sz="1900" b="1" dirty="0">
                 <a:latin typeface="Consolas" panose="020B0609020204030204" pitchFamily="49" charset="0"/>
               </a:rPr>
               <a:t>b</a:t>
             </a:r>
             <a:r>
-              <a:rPr lang="zh-CN" altLang="en-US" sz="1100" b="1" dirty="0">
-                <a:latin typeface="Consolas" panose="020B0609020204030204" pitchFamily="49" charset="0"/>
-              </a:rPr>
-              <a:t>指向的位置加入所有</a:t>
-            </a:r>
-            <a:r>
-              <a:rPr lang="en-US" altLang="zh-CN" sz="1100" b="1" dirty="0" err="1">
+              <a:rPr lang="zh-CN" altLang="en-US" sz="1900" b="1" dirty="0">
+                <a:latin typeface="Consolas" panose="020B0609020204030204" pitchFamily="49" charset="0"/>
+              </a:rPr>
+              <a:t>指向的位置替换</a:t>
+            </a:r>
+            <a:r>
+              <a:rPr lang="en-US" altLang="zh-CN" sz="1900" b="1" dirty="0" err="1">
                 <a:latin typeface="Consolas" panose="020B0609020204030204" pitchFamily="49" charset="0"/>
               </a:rPr>
               <a:t>a.f</a:t>
             </a:r>
             <a:r>
-              <a:rPr lang="zh-CN" altLang="en-US" sz="1100" b="1" dirty="0">
+              <a:rPr lang="zh-CN" altLang="en-US" sz="1900" b="1" dirty="0">
                 <a:latin typeface="Consolas" panose="020B0609020204030204" pitchFamily="49" charset="0"/>
               </a:rPr>
               <a:t>指向的位置</a:t>
@@ -5039,43 +4984,37 @@
               <a:buNone/>
             </a:pPr>
             <a:r>
-              <a:rPr lang="zh-CN" altLang="en-US" sz="1100" dirty="0">
-                <a:latin typeface="Consolas" panose="020B0609020204030204" pitchFamily="49" charset="0"/>
-              </a:rPr>
-              <a:t>      </a:t>
-            </a:r>
-            <a:r>
-              <a:rPr lang="en-US" altLang="zh-CN" sz="1100" dirty="0" err="1">
-                <a:latin typeface="Consolas" panose="020B0609020204030204" pitchFamily="49" charset="0"/>
-              </a:rPr>
-              <a:t>elif</a:t>
-            </a:r>
-            <a:r>
-              <a:rPr lang="en-US" altLang="zh-CN" sz="1100" dirty="0">
-                <a:latin typeface="Consolas" panose="020B0609020204030204" pitchFamily="49" charset="0"/>
-              </a:rPr>
-              <a:t> u</a:t>
-            </a:r>
-            <a:r>
-              <a:rPr lang="zh-CN" altLang="en-US" sz="1100" dirty="0">
-                <a:latin typeface="Consolas" panose="020B0609020204030204" pitchFamily="49" charset="0"/>
-              </a:rPr>
-              <a:t>形如</a:t>
-            </a:r>
-            <a:r>
-              <a:rPr lang="en-US" altLang="zh-CN" sz="1100" dirty="0">
-                <a:latin typeface="Consolas" panose="020B0609020204030204" pitchFamily="49" charset="0"/>
-              </a:rPr>
-              <a:t>a = </a:t>
-            </a:r>
-            <a:r>
-              <a:rPr lang="en-US" altLang="zh-CN" sz="1100" dirty="0" err="1">
-                <a:latin typeface="Consolas" panose="020B0609020204030204" pitchFamily="49" charset="0"/>
-              </a:rPr>
-              <a:t>b.f</a:t>
-            </a:r>
-            <a:r>
-              <a:rPr lang="en-US" altLang="zh-CN" sz="1100" dirty="0">
+              <a:rPr lang="zh-CN" altLang="en-US" sz="1900" b="1" dirty="0">
+                <a:latin typeface="Consolas" panose="020B0609020204030204" pitchFamily="49" charset="0"/>
+              </a:rPr>
+              <a:t>        </a:t>
+            </a:r>
+            <a:r>
+              <a:rPr lang="en-US" altLang="zh-CN" sz="1900" b="1" dirty="0">
+                <a:latin typeface="Consolas" panose="020B0609020204030204" pitchFamily="49" charset="0"/>
+              </a:rPr>
+              <a:t>if</a:t>
+            </a:r>
+            <a:r>
+              <a:rPr lang="zh-CN" altLang="en-US" sz="1900" b="1" dirty="0">
+                <a:latin typeface="Consolas" panose="020B0609020204030204" pitchFamily="49" charset="0"/>
+              </a:rPr>
+              <a:t> </a:t>
+            </a:r>
+            <a:r>
+              <a:rPr lang="en-US" altLang="zh-CN" sz="1900" b="1" dirty="0">
+                <a:latin typeface="Consolas" panose="020B0609020204030204" pitchFamily="49" charset="0"/>
+              </a:rPr>
+              <a:t>a</a:t>
+            </a:r>
+            <a:r>
+              <a:rPr lang="zh-CN" altLang="en-US" sz="1900" b="1" dirty="0">
+                <a:latin typeface="Consolas" panose="020B0609020204030204" pitchFamily="49" charset="0"/>
+              </a:rPr>
+              <a:t>指向多个内存位置</a:t>
+            </a:r>
+            <a:r>
+              <a:rPr lang="en-US" altLang="zh-CN" sz="1900" b="1" dirty="0">
                 <a:latin typeface="Consolas" panose="020B0609020204030204" pitchFamily="49" charset="0"/>
               </a:rPr>
               <a:t>:</a:t>
@@ -5086,37 +5025,119 @@
               <a:buNone/>
             </a:pPr>
             <a:r>
-              <a:rPr lang="en-US" altLang="zh-CN" sz="1100" dirty="0">
+              <a:rPr lang="zh-CN" altLang="en-US" sz="1900" b="1" dirty="0">
+                <a:latin typeface="Consolas" panose="020B0609020204030204" pitchFamily="49" charset="0"/>
+              </a:rPr>
+              <a:t>          则将</a:t>
+            </a:r>
+            <a:r>
+              <a:rPr lang="en-US" altLang="zh-CN" sz="1900" b="1" dirty="0">
+                <a:latin typeface="Consolas" panose="020B0609020204030204" pitchFamily="49" charset="0"/>
+              </a:rPr>
+              <a:t>b</a:t>
+            </a:r>
+            <a:r>
+              <a:rPr lang="zh-CN" altLang="en-US" sz="1900" b="1" dirty="0">
+                <a:latin typeface="Consolas" panose="020B0609020204030204" pitchFamily="49" charset="0"/>
+              </a:rPr>
+              <a:t>指向的位置加入所有</a:t>
+            </a:r>
+            <a:r>
+              <a:rPr lang="en-US" altLang="zh-CN" sz="1900" b="1" dirty="0" err="1">
+                <a:latin typeface="Consolas" panose="020B0609020204030204" pitchFamily="49" charset="0"/>
+              </a:rPr>
+              <a:t>a.f</a:t>
+            </a:r>
+            <a:r>
+              <a:rPr lang="zh-CN" altLang="en-US" sz="1900" b="1" dirty="0">
+                <a:latin typeface="Consolas" panose="020B0609020204030204" pitchFamily="49" charset="0"/>
+              </a:rPr>
+              <a:t>指向的位置</a:t>
+            </a:r>
+          </a:p>
+          <a:p>
+            <a:pPr marL="0" indent="0">
+              <a:buNone/>
+            </a:pPr>
+            <a:r>
+              <a:rPr lang="zh-CN" altLang="en-US" sz="1900" dirty="0">
+                <a:latin typeface="Consolas" panose="020B0609020204030204" pitchFamily="49" charset="0"/>
+              </a:rPr>
+              <a:t>      </a:t>
+            </a:r>
+            <a:r>
+              <a:rPr lang="en-US" altLang="zh-CN" sz="1900" dirty="0" err="1">
+                <a:latin typeface="Consolas" panose="020B0609020204030204" pitchFamily="49" charset="0"/>
+              </a:rPr>
+              <a:t>elif</a:t>
+            </a:r>
+            <a:r>
+              <a:rPr lang="en-US" altLang="zh-CN" sz="1900" dirty="0">
+                <a:latin typeface="Consolas" panose="020B0609020204030204" pitchFamily="49" charset="0"/>
+              </a:rPr>
+              <a:t> u</a:t>
+            </a:r>
+            <a:r>
+              <a:rPr lang="zh-CN" altLang="en-US" sz="1900" dirty="0">
+                <a:latin typeface="Consolas" panose="020B0609020204030204" pitchFamily="49" charset="0"/>
+              </a:rPr>
+              <a:t>形如</a:t>
+            </a:r>
+            <a:r>
+              <a:rPr lang="en-US" altLang="zh-CN" sz="1900" dirty="0">
+                <a:latin typeface="Consolas" panose="020B0609020204030204" pitchFamily="49" charset="0"/>
+              </a:rPr>
+              <a:t>a = </a:t>
+            </a:r>
+            <a:r>
+              <a:rPr lang="en-US" altLang="zh-CN" sz="1900" dirty="0" err="1">
+                <a:latin typeface="Consolas" panose="020B0609020204030204" pitchFamily="49" charset="0"/>
+              </a:rPr>
+              <a:t>b.f</a:t>
+            </a:r>
+            <a:r>
+              <a:rPr lang="en-US" altLang="zh-CN" sz="1900" dirty="0">
+                <a:latin typeface="Consolas" panose="020B0609020204030204" pitchFamily="49" charset="0"/>
+              </a:rPr>
+              <a:t>:</a:t>
+            </a:r>
+          </a:p>
+          <a:p>
+            <a:pPr marL="0" indent="0">
+              <a:buNone/>
+            </a:pPr>
+            <a:r>
+              <a:rPr lang="en-US" altLang="zh-CN" sz="1900" dirty="0">
                 <a:latin typeface="Consolas" panose="020B0609020204030204" pitchFamily="49" charset="0"/>
               </a:rPr>
               <a:t>        </a:t>
             </a:r>
             <a:r>
-              <a:rPr lang="zh-CN" altLang="en-US" sz="1100" dirty="0">
+              <a:rPr lang="zh-CN" altLang="en-US" sz="1900" dirty="0">
                 <a:latin typeface="Consolas" panose="020B0609020204030204" pitchFamily="49" charset="0"/>
               </a:rPr>
               <a:t>用</a:t>
             </a:r>
             <a:r>
-              <a:rPr lang="en-US" altLang="zh-CN" sz="1100" dirty="0" err="1">
+              <a:rPr lang="en-US" altLang="zh-CN" sz="1900" dirty="0" err="1">
                 <a:latin typeface="Consolas" panose="020B0609020204030204" pitchFamily="49" charset="0"/>
               </a:rPr>
               <a:t>b.f</a:t>
             </a:r>
             <a:r>
-              <a:rPr lang="zh-CN" altLang="en-US" sz="1100" dirty="0">
+              <a:rPr lang="zh-CN" altLang="en-US" sz="1900" dirty="0">
                 <a:latin typeface="Consolas" panose="020B0609020204030204" pitchFamily="49" charset="0"/>
               </a:rPr>
               <a:t>指向的全部可能位置替换</a:t>
             </a:r>
             <a:r>
-              <a:rPr lang="en-US" altLang="zh-CN" sz="1100" dirty="0">
+              <a:rPr lang="en-US" altLang="zh-CN" sz="1900" dirty="0">
                 <a:latin typeface="Consolas" panose="020B0609020204030204" pitchFamily="49" charset="0"/>
               </a:rPr>
               <a:t>a</a:t>
             </a:r>
             <a:r>
-              <a:rPr lang="zh-CN" altLang="en-US" sz="1100" dirty="0">
+              <a:rPr lang="zh-CN" altLang="en-US" sz="1900" dirty="0">
                 <a:latin typeface="Consolas" panose="020B0609020204030204" pitchFamily="49" charset="0"/>
               </a:rPr>
               <a:t>指向的位置</a:t>
@@ -5135,8 +5156,8 @@
         </p:nvSpPr>
         <p:spPr>
           <a:xfrm>
-            <a:off x="9659908" y="4298638"/>
-            <a:ext cx="2138727" cy="307777"/>
+            <a:off x="9116219" y="4262808"/>
+            <a:ext cx="2970685" cy="400110"/>
           </a:xfrm>
           <a:prstGeom prst="rect">
             <a:avLst/>
@@ -5150,14 +5171,14 @@
           <a:lstStyle/>
           <a:p>
             <a:r>
-              <a:rPr lang="en-US" altLang="zh-CN" sz="1400" dirty="0" smtClean="0">
+              <a:rPr lang="en-US" altLang="zh-CN" sz="2000" dirty="0">
                 <a:solidFill>
                   <a:srgbClr val="FF0000"/>
                 </a:solidFill>
               </a:rPr>
               <a:t>Strong and Weak Update</a:t>
             </a:r>
-            <a:endParaRPr lang="zh-CN" altLang="en-US" sz="1400" dirty="0">
+            <a:endParaRPr lang="zh-CN" altLang="en-US" sz="2000" dirty="0">
               <a:solidFill>
                 <a:srgbClr val="FF0000"/>
               </a:solidFill>
@@ -5175,13 +5196,6 @@
   <p:clrMapOvr>
     <a:masterClrMapping/>
   </p:clrMapOvr>
-  <p:timing>
-    <p:tnLst>
-      <p:par>
-        <p:cTn id="1" dur="indefinite" restart="never" nodeType="tmRoot"/>
-      </p:par>
-    </p:tnLst>
-  </p:timing>
 </p:sld>
 </file>
 
@@ -5218,12 +5232,8 @@
           <a:lstStyle/>
           <a:p>
             <a:r>
-              <a:rPr lang="zh-CN" altLang="en-US" dirty="0" smtClean="0"/>
-              <a:t>数据流分析：</a:t>
-            </a:r>
-            <a:r>
               <a:rPr lang="zh-CN" altLang="en-US" dirty="0"/>
-              <a:t>实现架构</a:t>
+              <a:t>数据流分析：实现架构</a:t>
             </a:r>
           </a:p>
         </p:txBody>
@@ -5263,7 +5273,7 @@
           <a:p>
             <a:pPr algn="ctr"/>
             <a:r>
-              <a:rPr lang="en-US" altLang="zh-CN" dirty="0" smtClean="0">
+              <a:rPr lang="en-US" altLang="zh-CN" dirty="0">
                 <a:latin typeface="Consolas" panose="020B0609020204030204" pitchFamily="49" charset="0"/>
               </a:rPr>
               <a:t>WholeProgramTransformer</a:t>
@@ -5309,13 +5319,13 @@
           <a:p>
             <a:pPr algn="ctr"/>
             <a:r>
-              <a:rPr lang="en-US" altLang="zh-CN" sz="1600" dirty="0" err="1" smtClean="0">
+              <a:rPr lang="en-US" altLang="zh-CN" sz="1600" dirty="0" err="1">
                 <a:latin typeface="Consolas" panose="020B0609020204030204" pitchFamily="49" charset="0"/>
               </a:rPr>
               <a:t>internalTransform</a:t>
             </a:r>
             <a:r>
-              <a:rPr lang="en-US" altLang="zh-CN" sz="1600" dirty="0" smtClean="0">
+              <a:rPr lang="en-US" altLang="zh-CN" sz="1600" dirty="0">
                 <a:latin typeface="Consolas" panose="020B0609020204030204" pitchFamily="49" charset="0"/>
               </a:rPr>
               <a:t>()</a:t>
@@ -5361,7 +5371,7 @@
           <a:p>
             <a:pPr algn="ctr"/>
             <a:r>
-              <a:rPr lang="en-US" altLang="zh-CN" dirty="0" smtClean="0">
+              <a:rPr lang="en-US" altLang="zh-CN" dirty="0">
                 <a:latin typeface="Consolas" panose="020B0609020204030204" pitchFamily="49" charset="0"/>
               </a:rPr>
               <a:t>AndersonFlowAnalysis</a:t>
@@ -5370,7 +5380,7 @@
           <a:p>
             <a:pPr algn="ctr"/>
             <a:r>
-              <a:rPr lang="en-US" altLang="zh-CN" dirty="0" smtClean="0">
+              <a:rPr lang="en-US" altLang="zh-CN" dirty="0">
                 <a:latin typeface="Consolas" panose="020B0609020204030204" pitchFamily="49" charset="0"/>
               </a:rPr>
               <a:t>&lt;Unit, Anderson&gt;</a:t>
@@ -5416,13 +5426,13 @@
           <a:p>
             <a:pPr algn="ctr"/>
             <a:r>
-              <a:rPr lang="en-US" altLang="zh-CN" sz="1600" dirty="0" err="1" smtClean="0">
+              <a:rPr lang="en-US" altLang="zh-CN" sz="1600" dirty="0" err="1">
                 <a:latin typeface="Consolas" panose="020B0609020204030204" pitchFamily="49" charset="0"/>
               </a:rPr>
               <a:t>initalState</a:t>
             </a:r>
             <a:r>
-              <a:rPr lang="en-US" altLang="zh-CN" sz="1600" dirty="0" smtClean="0">
+              <a:rPr lang="en-US" altLang="zh-CN" sz="1600" dirty="0">
                 <a:latin typeface="Consolas" panose="020B0609020204030204" pitchFamily="49" charset="0"/>
               </a:rPr>
               <a:t>()</a:t>
@@ -5434,13 +5444,7 @@
               <a:rPr lang="en-US" altLang="zh-CN" sz="1600" dirty="0">
                 <a:latin typeface="Consolas" panose="020B0609020204030204" pitchFamily="49" charset="0"/>
               </a:rPr>
-              <a:t>m</a:t>
-            </a:r>
-            <a:r>
-              <a:rPr lang="en-US" altLang="zh-CN" sz="1600" dirty="0" smtClean="0">
-                <a:latin typeface="Consolas" panose="020B0609020204030204" pitchFamily="49" charset="0"/>
-              </a:rPr>
-              <a:t>erge()</a:t>
+              <a:t>merge()</a:t>
             </a:r>
           </a:p>
           <a:p>
@@ -5449,25 +5453,19 @@
               <a:rPr lang="en-US" altLang="zh-CN" sz="1600" dirty="0">
                 <a:latin typeface="Consolas" panose="020B0609020204030204" pitchFamily="49" charset="0"/>
               </a:rPr>
-              <a:t>c</a:t>
-            </a:r>
-            <a:r>
-              <a:rPr lang="en-US" altLang="zh-CN" sz="1600" dirty="0" smtClean="0">
-                <a:latin typeface="Consolas" panose="020B0609020204030204" pitchFamily="49" charset="0"/>
-              </a:rPr>
-              <a:t>opy()</a:t>
+              <a:t>copy()</a:t>
             </a:r>
           </a:p>
           <a:p>
             <a:pPr algn="ctr"/>
             <a:r>
-              <a:rPr lang="en-US" altLang="zh-CN" sz="1600" dirty="0" err="1" smtClean="0">
+              <a:rPr lang="en-US" altLang="zh-CN" sz="1600" dirty="0" err="1">
                 <a:latin typeface="Consolas" panose="020B0609020204030204" pitchFamily="49" charset="0"/>
               </a:rPr>
               <a:t>flowThrough</a:t>
             </a:r>
             <a:r>
-              <a:rPr lang="en-US" altLang="zh-CN" sz="1600" dirty="0" smtClean="0">
+              <a:rPr lang="en-US" altLang="zh-CN" sz="1600" dirty="0">
                 <a:latin typeface="Consolas" panose="020B0609020204030204" pitchFamily="49" charset="0"/>
               </a:rPr>
               <a:t>()</a:t>
@@ -5476,7 +5474,7 @@
           <a:p>
             <a:pPr algn="ctr"/>
             <a:r>
-              <a:rPr lang="en-US" altLang="zh-CN" sz="1600" dirty="0" smtClean="0">
+              <a:rPr lang="en-US" altLang="zh-CN" sz="1600" dirty="0">
                 <a:latin typeface="Consolas" panose="020B0609020204030204" pitchFamily="49" charset="0"/>
               </a:rPr>
               <a:t>……</a:t>
@@ -5519,7 +5517,7 @@
           <a:p>
             <a:pPr algn="ctr"/>
             <a:r>
-              <a:rPr lang="en-US" altLang="zh-CN" dirty="0" smtClean="0">
+              <a:rPr lang="en-US" altLang="zh-CN" dirty="0">
                 <a:latin typeface="Consolas" panose="020B0609020204030204" pitchFamily="49" charset="0"/>
               </a:rPr>
               <a:t>Anderson</a:t>
@@ -5565,13 +5563,13 @@
           <a:p>
             <a:pPr algn="ctr"/>
             <a:r>
-              <a:rPr lang="zh-CN" altLang="en-US" sz="1600" dirty="0" smtClean="0">
+              <a:rPr lang="zh-CN" altLang="en-US" sz="1600" dirty="0">
                 <a:latin typeface="Consolas" panose="020B0609020204030204" pitchFamily="49" charset="0"/>
               </a:rPr>
               <a:t>局部变量指向表 </a:t>
             </a:r>
             <a:r>
-              <a:rPr lang="en-US" altLang="zh-CN" sz="1600" dirty="0" smtClean="0">
+              <a:rPr lang="en-US" altLang="zh-CN" sz="1600" dirty="0">
                 <a:latin typeface="Consolas" panose="020B0609020204030204" pitchFamily="49" charset="0"/>
               </a:rPr>
               <a:t>pts</a:t>
@@ -5580,13 +5578,13 @@
           <a:p>
             <a:pPr algn="ctr"/>
             <a:r>
-              <a:rPr lang="en-US" altLang="zh-CN" sz="1600" dirty="0" err="1" smtClean="0">
+              <a:rPr lang="en-US" altLang="zh-CN" sz="1600" dirty="0" err="1">
                 <a:latin typeface="Consolas" panose="020B0609020204030204" pitchFamily="49" charset="0"/>
               </a:rPr>
               <a:t>MemoryManager</a:t>
             </a:r>
             <a:r>
-              <a:rPr lang="en-US" altLang="zh-CN" sz="1600" dirty="0" smtClean="0">
+              <a:rPr lang="en-US" altLang="zh-CN" sz="1600" dirty="0">
                 <a:latin typeface="Consolas" panose="020B0609020204030204" pitchFamily="49" charset="0"/>
               </a:rPr>
               <a:t> memory</a:t>
@@ -5632,14 +5630,11 @@
           <a:p>
             <a:pPr algn="ctr"/>
             <a:r>
-              <a:rPr lang="zh-CN" altLang="en-US" sz="1600" dirty="0" smtClean="0">
+              <a:rPr lang="zh-CN" altLang="en-US" sz="1600" dirty="0">
                 <a:latin typeface="Consolas" panose="020B0609020204030204" pitchFamily="49" charset="0"/>
               </a:rPr>
               <a:t>各种修改方法</a:t>
             </a:r>
-            <a:endParaRPr lang="zh-CN" altLang="en-US" sz="1600" dirty="0">
-              <a:latin typeface="Consolas" panose="020B0609020204030204" pitchFamily="49" charset="0"/>
-            </a:endParaRPr>
           </a:p>
         </p:txBody>
       </p:sp>
@@ -5699,18 +5694,17 @@
           <a:lstStyle/>
           <a:p>
             <a:r>
-              <a:rPr lang="zh-CN" altLang="en-US" dirty="0" smtClean="0"/>
+              <a:rPr lang="zh-CN" altLang="en-US" dirty="0"/>
               <a:t>对</a:t>
             </a:r>
             <a:r>
-              <a:rPr lang="en-US" altLang="zh-CN" dirty="0" smtClean="0"/>
+              <a:rPr lang="en-US" altLang="zh-CN" dirty="0"/>
               <a:t>main()</a:t>
             </a:r>
             <a:r>
-              <a:rPr lang="zh-CN" altLang="en-US" dirty="0" smtClean="0"/>
+              <a:rPr lang="zh-CN" altLang="en-US" dirty="0"/>
               <a:t>进行数据流分析</a:t>
             </a:r>
-            <a:endParaRPr lang="zh-CN" altLang="en-US" dirty="0"/>
           </a:p>
         </p:txBody>
       </p:sp>
@@ -5749,66 +5743,66 @@
           <a:p>
             <a:pPr algn="ctr"/>
             <a:r>
-              <a:rPr lang="en-US" altLang="zh-CN" sz="1600" dirty="0" smtClean="0">
+              <a:rPr lang="en-US" altLang="zh-CN" sz="1600" dirty="0">
                 <a:latin typeface="Consolas" panose="020B0609020204030204" pitchFamily="49" charset="0"/>
               </a:rPr>
               <a:t>List&lt;</a:t>
             </a:r>
             <a:r>
-              <a:rPr lang="en-US" altLang="zh-CN" sz="1600" dirty="0" err="1" smtClean="0">
+              <a:rPr lang="en-US" altLang="zh-CN" sz="1600" dirty="0" err="1">
                 <a:latin typeface="Consolas" panose="020B0609020204030204" pitchFamily="49" charset="0"/>
               </a:rPr>
               <a:t>SootMethod</a:t>
             </a:r>
             <a:r>
-              <a:rPr lang="en-US" altLang="zh-CN" sz="1600" dirty="0" smtClean="0">
+              <a:rPr lang="en-US" altLang="zh-CN" sz="1600" dirty="0">
                 <a:latin typeface="Consolas" panose="020B0609020204030204" pitchFamily="49" charset="0"/>
               </a:rPr>
               <a:t>&gt; </a:t>
             </a:r>
             <a:r>
-              <a:rPr lang="en-US" altLang="zh-CN" sz="1600" dirty="0" err="1" smtClean="0">
+              <a:rPr lang="en-US" altLang="zh-CN" sz="1600" dirty="0" err="1">
                 <a:latin typeface="Consolas" panose="020B0609020204030204" pitchFamily="49" charset="0"/>
               </a:rPr>
               <a:t>callStack</a:t>
             </a:r>
-            <a:endParaRPr lang="en-US" altLang="zh-CN" sz="1600" dirty="0" smtClean="0">
+            <a:endParaRPr lang="en-US" altLang="zh-CN" sz="1600" dirty="0">
               <a:latin typeface="Consolas" panose="020B0609020204030204" pitchFamily="49" charset="0"/>
             </a:endParaRPr>
           </a:p>
           <a:p>
             <a:pPr algn="ctr"/>
             <a:r>
-              <a:rPr lang="en-US" altLang="zh-CN" sz="1600" dirty="0" smtClean="0">
+              <a:rPr lang="en-US" altLang="zh-CN" sz="1600" dirty="0">
                 <a:latin typeface="Consolas" panose="020B0609020204030204" pitchFamily="49" charset="0"/>
               </a:rPr>
               <a:t>Anderson </a:t>
             </a:r>
             <a:r>
-              <a:rPr lang="en-US" altLang="zh-CN" sz="1600" dirty="0" err="1" smtClean="0">
+              <a:rPr lang="en-US" altLang="zh-CN" sz="1600" dirty="0" err="1">
                 <a:latin typeface="Consolas" panose="020B0609020204030204" pitchFamily="49" charset="0"/>
               </a:rPr>
               <a:t>initialAnderson</a:t>
             </a:r>
-            <a:endParaRPr lang="en-US" altLang="zh-CN" sz="1600" dirty="0" smtClean="0">
+            <a:endParaRPr lang="en-US" altLang="zh-CN" sz="1600" dirty="0">
               <a:latin typeface="Consolas" panose="020B0609020204030204" pitchFamily="49" charset="0"/>
             </a:endParaRPr>
           </a:p>
           <a:p>
             <a:pPr algn="ctr"/>
             <a:r>
-              <a:rPr lang="en-US" altLang="zh-CN" sz="1600" dirty="0" smtClean="0">
+              <a:rPr lang="en-US" altLang="zh-CN" sz="1600" dirty="0">
                 <a:latin typeface="Consolas" panose="020B0609020204030204" pitchFamily="49" charset="0"/>
               </a:rPr>
               <a:t>Anderson </a:t>
             </a:r>
             <a:r>
-              <a:rPr lang="en-US" altLang="zh-CN" sz="1600" dirty="0" err="1" smtClean="0">
+              <a:rPr lang="en-US" altLang="zh-CN" sz="1600" dirty="0" err="1">
                 <a:latin typeface="Consolas" panose="020B0609020204030204" pitchFamily="49" charset="0"/>
               </a:rPr>
               <a:t>finalAnderson</a:t>
             </a:r>
-            <a:endParaRPr lang="en-US" altLang="zh-CN" sz="1600" dirty="0" smtClean="0">
+            <a:endParaRPr lang="en-US" altLang="zh-CN" sz="1600" dirty="0">
               <a:latin typeface="Consolas" panose="020B0609020204030204" pitchFamily="49" charset="0"/>
             </a:endParaRPr>
           </a:p>
@@ -5885,24 +5879,23 @@
           <a:lstStyle/>
           <a:p>
             <a:r>
-              <a:rPr lang="zh-CN" altLang="en-US" dirty="0" smtClean="0"/>
+              <a:rPr lang="zh-CN" altLang="en-US" dirty="0"/>
               <a:t>对调用的函数进行新的数据流分析</a:t>
             </a:r>
-            <a:endParaRPr lang="en-US" altLang="zh-CN" dirty="0" smtClean="0"/>
-          </a:p>
-          <a:p>
-            <a:r>
-              <a:rPr lang="zh-CN" altLang="en-US" dirty="0" smtClean="0"/>
+            <a:endParaRPr lang="en-US" altLang="zh-CN" dirty="0"/>
+          </a:p>
+          <a:p>
+            <a:r>
+              <a:rPr lang="zh-CN" altLang="en-US" dirty="0"/>
               <a:t>并根据调用的函数结束时的状态，</a:t>
             </a:r>
-            <a:endParaRPr lang="en-US" altLang="zh-CN" dirty="0" smtClean="0"/>
-          </a:p>
-          <a:p>
-            <a:r>
-              <a:rPr lang="zh-CN" altLang="en-US" dirty="0" smtClean="0"/>
+            <a:endParaRPr lang="en-US" altLang="zh-CN" dirty="0"/>
+          </a:p>
+          <a:p>
+            <a:r>
+              <a:rPr lang="zh-CN" altLang="en-US" dirty="0"/>
               <a:t>更新当前函数的状态</a:t>
             </a:r>
-            <a:endParaRPr lang="zh-CN" altLang="en-US" dirty="0"/>
           </a:p>
         </p:txBody>
       </p:sp>
@@ -5974,7 +5967,7 @@
           <a:p>
             <a:pPr algn="ctr"/>
             <a:r>
-              <a:rPr lang="en-US" altLang="zh-CN" dirty="0" err="1" smtClean="0">
+              <a:rPr lang="en-US" altLang="zh-CN" dirty="0" err="1">
                 <a:latin typeface="Consolas" panose="020B0609020204030204" pitchFamily="49" charset="0"/>
               </a:rPr>
               <a:t>MemoryManager</a:t>
@@ -6032,25 +6025,25 @@
               <a:t> </a:t>
             </a:r>
             <a:r>
-              <a:rPr lang="en-US" altLang="zh-CN" sz="1600" dirty="0" err="1" smtClean="0">
+              <a:rPr lang="en-US" altLang="zh-CN" sz="1600" dirty="0" err="1">
                 <a:latin typeface="Consolas" panose="020B0609020204030204" pitchFamily="49" charset="0"/>
               </a:rPr>
               <a:t>nextAllocId</a:t>
             </a:r>
-            <a:endParaRPr lang="en-US" altLang="zh-CN" sz="1600" dirty="0" smtClean="0">
+            <a:endParaRPr lang="en-US" altLang="zh-CN" sz="1600" dirty="0">
               <a:latin typeface="Consolas" panose="020B0609020204030204" pitchFamily="49" charset="0"/>
             </a:endParaRPr>
           </a:p>
           <a:p>
             <a:pPr algn="ctr"/>
             <a:r>
-              <a:rPr lang="zh-CN" altLang="en-US" sz="1600" dirty="0" smtClean="0">
+              <a:rPr lang="zh-CN" altLang="en-US" sz="1600" dirty="0">
                 <a:latin typeface="Consolas" panose="020B0609020204030204" pitchFamily="49" charset="0"/>
               </a:rPr>
               <a:t>堆变量指向表 </a:t>
             </a:r>
             <a:r>
-              <a:rPr lang="en-US" altLang="zh-CN" sz="1600" dirty="0" smtClean="0">
+              <a:rPr lang="en-US" altLang="zh-CN" sz="1600" dirty="0">
                 <a:latin typeface="Consolas" panose="020B0609020204030204" pitchFamily="49" charset="0"/>
               </a:rPr>
               <a:t>id2f2s</a:t>
@@ -6059,62 +6052,59 @@
           <a:p>
             <a:pPr algn="ctr"/>
             <a:r>
-              <a:rPr lang="en-US" altLang="zh-CN" sz="1600" dirty="0" smtClean="0">
+              <a:rPr lang="en-US" altLang="zh-CN" sz="1600" dirty="0">
                 <a:latin typeface="Consolas" panose="020B0609020204030204" pitchFamily="49" charset="0"/>
               </a:rPr>
               <a:t>new()</a:t>
             </a:r>
             <a:r>
-              <a:rPr lang="zh-CN" altLang="en-US" sz="1600" dirty="0" smtClean="0">
+              <a:rPr lang="zh-CN" altLang="en-US" sz="1600" dirty="0">
                 <a:latin typeface="Consolas" panose="020B0609020204030204" pitchFamily="49" charset="0"/>
               </a:rPr>
               <a:t>语句的</a:t>
             </a:r>
             <a:r>
-              <a:rPr lang="en-US" altLang="zh-CN" sz="1600" dirty="0" err="1" smtClean="0">
+              <a:rPr lang="en-US" altLang="zh-CN" sz="1600" dirty="0" err="1">
                 <a:latin typeface="Consolas" panose="020B0609020204030204" pitchFamily="49" charset="0"/>
               </a:rPr>
               <a:t>allocId</a:t>
             </a:r>
             <a:r>
-              <a:rPr lang="zh-CN" altLang="en-US" sz="1600" dirty="0" smtClean="0">
+              <a:rPr lang="zh-CN" altLang="en-US" sz="1600" dirty="0">
                 <a:latin typeface="Consolas" panose="020B0609020204030204" pitchFamily="49" charset="0"/>
               </a:rPr>
               <a:t>表</a:t>
             </a:r>
-            <a:endParaRPr lang="en-US" altLang="zh-CN" sz="1600" dirty="0" smtClean="0">
+            <a:endParaRPr lang="en-US" altLang="zh-CN" sz="1600" dirty="0">
               <a:latin typeface="Consolas" panose="020B0609020204030204" pitchFamily="49" charset="0"/>
             </a:endParaRPr>
           </a:p>
           <a:p>
             <a:pPr algn="ctr"/>
             <a:r>
-              <a:rPr lang="en-US" altLang="zh-CN" sz="1600" dirty="0" smtClean="0">
+              <a:rPr lang="en-US" altLang="zh-CN" sz="1600" dirty="0">
                 <a:latin typeface="Consolas" panose="020B0609020204030204" pitchFamily="49" charset="0"/>
               </a:rPr>
               <a:t>static</a:t>
             </a:r>
             <a:r>
-              <a:rPr lang="zh-CN" altLang="en-US" sz="1600" dirty="0" smtClean="0">
+              <a:rPr lang="zh-CN" altLang="en-US" sz="1600" dirty="0">
                 <a:latin typeface="Consolas" panose="020B0609020204030204" pitchFamily="49" charset="0"/>
               </a:rPr>
               <a:t>变量的</a:t>
             </a:r>
             <a:r>
-              <a:rPr lang="en-US" altLang="zh-CN" sz="1600" dirty="0" err="1" smtClean="0">
+              <a:rPr lang="en-US" altLang="zh-CN" sz="1600" dirty="0" err="1">
                 <a:latin typeface="Consolas" panose="020B0609020204030204" pitchFamily="49" charset="0"/>
               </a:rPr>
               <a:t>allocId</a:t>
             </a:r>
             <a:r>
-              <a:rPr lang="zh-CN" altLang="en-US" sz="1600" dirty="0" smtClean="0">
+              <a:rPr lang="zh-CN" altLang="en-US" sz="1600" dirty="0">
                 <a:latin typeface="Consolas" panose="020B0609020204030204" pitchFamily="49" charset="0"/>
               </a:rPr>
               <a:t>表</a:t>
             </a:r>
-            <a:endParaRPr lang="zh-CN" altLang="en-US" sz="1600" dirty="0">
-              <a:latin typeface="Consolas" panose="020B0609020204030204" pitchFamily="49" charset="0"/>
-            </a:endParaRPr>
           </a:p>
         </p:txBody>
       </p:sp>
@@ -6153,14 +6143,11 @@
           <a:p>
             <a:pPr algn="ctr"/>
             <a:r>
-              <a:rPr lang="zh-CN" altLang="en-US" sz="1600" dirty="0" smtClean="0">
+              <a:rPr lang="zh-CN" altLang="en-US" sz="1600" dirty="0">
                 <a:latin typeface="Consolas" panose="020B0609020204030204" pitchFamily="49" charset="0"/>
               </a:rPr>
               <a:t>各种修改方法</a:t>
             </a:r>
-            <a:endParaRPr lang="zh-CN" altLang="en-US" sz="1600" dirty="0">
-              <a:latin typeface="Consolas" panose="020B0609020204030204" pitchFamily="49" charset="0"/>
-            </a:endParaRPr>
           </a:p>
         </p:txBody>
       </p:sp>
@@ -6222,10 +6209,9 @@
           <a:lstStyle/>
           <a:p>
             <a:r>
-              <a:rPr lang="zh-CN" altLang="en-US" dirty="0" smtClean="0"/>
+              <a:rPr lang="zh-CN" altLang="en-US" dirty="0"/>
               <a:t>生成大量数据流中间状态</a:t>
             </a:r>
-            <a:endParaRPr lang="zh-CN" altLang="en-US" dirty="0"/>
           </a:p>
         </p:txBody>
       </p:sp>
@@ -6239,13 +6225,6 @@
   <p:clrMapOvr>
     <a:masterClrMapping/>
   </p:clrMapOvr>
-  <p:timing>
-    <p:tnLst>
-      <p:par>
-        <p:cTn id="1" dur="indefinite" restart="never" nodeType="tmRoot"/>
-      </p:par>
-    </p:tnLst>
-  </p:timing>
 </p:sld>
 </file>
 
@@ -6283,15 +6262,7 @@
           <a:p>
             <a:r>
               <a:rPr lang="zh-CN" altLang="en-US" dirty="0"/>
-              <a:t>数据流分析：</a:t>
-            </a:r>
-            <a:r>
-              <a:rPr lang="zh-CN" altLang="en-US" dirty="0" smtClean="0"/>
-              <a:t>实现</a:t>
-            </a:r>
-            <a:r>
-              <a:rPr lang="zh-CN" altLang="en-US" dirty="0"/>
-              <a:t>细节</a:t>
+              <a:t>数据流分析：实现细节</a:t>
             </a:r>
           </a:p>
         </p:txBody>
@@ -6314,29 +6285,21 @@
           <a:lstStyle/>
           <a:p>
             <a:r>
-              <a:rPr lang="zh-CN" altLang="en-US" dirty="0" smtClean="0"/>
+              <a:rPr lang="zh-CN" altLang="en-US" dirty="0"/>
               <a:t>对状态进行深拷贝</a:t>
             </a:r>
-            <a:endParaRPr lang="en-US" altLang="zh-CN" dirty="0" smtClean="0"/>
-          </a:p>
-          <a:p>
-            <a:r>
-              <a:rPr lang="zh-CN" altLang="en-US" dirty="0" smtClean="0"/>
-              <a:t>超时</a:t>
-            </a:r>
+            <a:endParaRPr lang="en-US" altLang="zh-CN" dirty="0"/>
+          </a:p>
+          <a:p>
             <a:r>
               <a:rPr lang="zh-CN" altLang="en-US" dirty="0"/>
-              <a:t>或者抛出异常，则输出最保守的分析结果</a:t>
-            </a:r>
-          </a:p>
-          <a:p>
-            <a:r>
-              <a:rPr lang="zh-CN" altLang="en-US" dirty="0" smtClean="0"/>
-              <a:t>数据流分析漏掉</a:t>
-            </a:r>
+              <a:t>超时或者抛出异常，则输出最保守的分析结果</a:t>
+            </a:r>
+          </a:p>
+          <a:p>
             <a:r>
               <a:rPr lang="zh-CN" altLang="en-US" dirty="0"/>
-              <a:t>了某些</a:t>
+              <a:t>数据流分析漏掉了某些</a:t>
             </a:r>
             <a:r>
               <a:rPr lang="en-US" altLang="zh-CN" dirty="0"/>
@@ -6349,27 +6312,15 @@
           </a:p>
           <a:p>
             <a:r>
-              <a:rPr lang="zh-CN" altLang="en-US" dirty="0" smtClean="0"/>
-              <a:t>保存</a:t>
-            </a:r>
-            <a:r>
               <a:rPr lang="zh-CN" altLang="en-US" dirty="0"/>
-              <a:t>调用栈</a:t>
-            </a:r>
-            <a:r>
-              <a:rPr lang="zh-CN" altLang="en-US" dirty="0" smtClean="0"/>
-              <a:t>，避免递归时死循环</a:t>
-            </a:r>
-            <a:endParaRPr lang="en-US" altLang="zh-CN" dirty="0" smtClean="0"/>
-          </a:p>
-          <a:p>
-            <a:r>
-              <a:rPr lang="zh-CN" altLang="en-US" dirty="0" smtClean="0"/>
-              <a:t>维护</a:t>
-            </a:r>
+              <a:t>保存调用栈，避免递归时死循环</a:t>
+            </a:r>
+            <a:endParaRPr lang="en-US" altLang="zh-CN" dirty="0"/>
+          </a:p>
+          <a:p>
             <a:r>
               <a:rPr lang="zh-CN" altLang="en-US" dirty="0"/>
-              <a:t>堆变量指向表的时候，需要为没有</a:t>
+              <a:t>维护堆变量指向表的时候，需要为没有</a:t>
             </a:r>
             <a:r>
               <a:rPr lang="en-US" altLang="zh-CN" dirty="0"/>
@@ -6422,12 +6373,8 @@
           </a:p>
           <a:p>
             <a:r>
-              <a:rPr lang="zh-CN" altLang="en-US" dirty="0" smtClean="0"/>
-              <a:t>在</a:t>
-            </a:r>
-            <a:r>
               <a:rPr lang="zh-CN" altLang="en-US" dirty="0"/>
-              <a:t>非静态方法调用中，额外维护一个</a:t>
+              <a:t>在非静态方法调用中，额外维护一个</a:t>
             </a:r>
             <a:r>
               <a:rPr lang="en-US" altLang="zh-CN" dirty="0"/>
@@ -6458,13 +6405,6 @@
   <p:clrMapOvr>
     <a:masterClrMapping/>
   </p:clrMapOvr>
-  <p:timing>
-    <p:tnLst>
-      <p:par>
-        <p:cTn id="1" dur="indefinite" restart="never" nodeType="tmRoot"/>
-      </p:par>
-    </p:tnLst>
-  </p:timing>
 </p:sld>
 </file>
 
@@ -6501,10 +6441,9 @@
           <a:lstStyle/>
           <a:p>
             <a:r>
-              <a:rPr lang="zh-CN" altLang="en-US" dirty="0" smtClean="0"/>
+              <a:rPr lang="zh-CN" altLang="en-US" dirty="0"/>
               <a:t>数据流分析：已知问题</a:t>
             </a:r>
-            <a:endParaRPr lang="zh-CN" altLang="en-US" dirty="0"/>
           </a:p>
         </p:txBody>
       </p:sp>
@@ -6521,17 +6460,13 @@
         <p:spPr/>
         <p:txBody>
           <a:bodyPr>
-            <a:normAutofit/>
+            <a:normAutofit fontScale="92500" lnSpcReduction="10000"/>
           </a:bodyPr>
           <a:lstStyle/>
           <a:p>
             <a:r>
-              <a:rPr lang="zh-CN" altLang="en-US" dirty="0" smtClean="0"/>
-              <a:t>不</a:t>
-            </a:r>
-            <a:r>
               <a:rPr lang="zh-CN" altLang="en-US" dirty="0"/>
-              <a:t>支持数组和</a:t>
+              <a:t>不支持数组和</a:t>
             </a:r>
             <a:r>
               <a:rPr lang="en-US" altLang="zh-CN" dirty="0"/>
@@ -6539,45 +6474,43 @@
             </a:r>
             <a:r>
               <a:rPr lang="zh-CN" altLang="en-US" dirty="0"/>
-              <a:t>自带的集合</a:t>
-            </a:r>
-            <a:r>
-              <a:rPr lang="zh-CN" altLang="en-US" dirty="0" smtClean="0"/>
-              <a:t>类</a:t>
-            </a:r>
-            <a:endParaRPr lang="zh-CN" altLang="en-US" dirty="0"/>
-          </a:p>
-          <a:p>
-            <a:r>
-              <a:rPr lang="zh-CN" altLang="en-US" dirty="0" smtClean="0"/>
-              <a:t>在</a:t>
-            </a:r>
+              <a:t>自带的集合类</a:t>
+            </a:r>
+          </a:p>
+          <a:p>
             <a:r>
               <a:rPr lang="zh-CN" altLang="en-US" dirty="0"/>
-              <a:t>处理方法调用时不支持</a:t>
-            </a:r>
-            <a:r>
-              <a:rPr lang="zh-CN" altLang="en-US" dirty="0" smtClean="0"/>
-              <a:t>多态</a:t>
-            </a:r>
-            <a:endParaRPr lang="en-US" altLang="zh-CN" dirty="0" smtClean="0"/>
+              <a:t>在处理方法调用时不支持多</a:t>
+            </a:r>
+            <a:r>
+              <a:rPr lang="zh-CN" altLang="en-US"/>
+              <a:t>态和接口 </a:t>
+            </a:r>
+            <a:r>
+              <a:rPr lang="en-US" altLang="zh-CN" dirty="0"/>
+              <a:t>-&gt;</a:t>
+            </a:r>
+            <a:r>
+              <a:rPr lang="zh-CN" altLang="en-US" dirty="0"/>
+              <a:t> </a:t>
+            </a:r>
+            <a:r>
+              <a:rPr lang="en-US" altLang="zh-CN" dirty="0"/>
+              <a:t>unsound</a:t>
+            </a:r>
           </a:p>
           <a:p>
             <a:pPr lvl="1"/>
             <a:r>
-              <a:rPr lang="zh-CN" altLang="en-US" dirty="0" smtClean="0"/>
+              <a:rPr lang="zh-CN" altLang="en-US" dirty="0"/>
               <a:t>可能漏掉分析某些函数，或者分析成错误的函数</a:t>
             </a:r>
-            <a:endParaRPr lang="en-US" altLang="zh-CN" dirty="0" smtClean="0"/>
-          </a:p>
-          <a:p>
-            <a:r>
-              <a:rPr lang="zh-CN" altLang="en-US" dirty="0" smtClean="0"/>
-              <a:t>不</a:t>
-            </a:r>
+            <a:endParaRPr lang="en-US" altLang="zh-CN" dirty="0"/>
+          </a:p>
+          <a:p>
             <a:r>
               <a:rPr lang="zh-CN" altLang="en-US" dirty="0"/>
-              <a:t>分析</a:t>
+              <a:t>不分析</a:t>
             </a:r>
             <a:r>
               <a:rPr lang="en-US" altLang="zh-CN" dirty="0"/>
@@ -6590,67 +6523,85 @@
           </a:p>
           <a:p>
             <a:r>
-              <a:rPr lang="zh-CN" altLang="en-US" dirty="0" smtClean="0"/>
-              <a:t>不</a:t>
-            </a:r>
-            <a:r>
               <a:rPr lang="zh-CN" altLang="en-US" dirty="0"/>
-              <a:t>支持异常等特殊控制流</a:t>
-            </a:r>
-          </a:p>
-          <a:p>
-            <a:r>
-              <a:rPr lang="zh-CN" altLang="en-US" dirty="0" smtClean="0"/>
-              <a:t>没有</a:t>
+              <a:t>不支持异常等特殊控制流 </a:t>
+            </a:r>
+            <a:r>
+              <a:rPr lang="en-US" altLang="zh-CN" dirty="0"/>
+              <a:t>-&gt;</a:t>
             </a:r>
             <a:r>
               <a:rPr lang="zh-CN" altLang="en-US" dirty="0"/>
-              <a:t>分析静态初始化</a:t>
-            </a:r>
-            <a:r>
-              <a:rPr lang="zh-CN" altLang="en-US" dirty="0" smtClean="0"/>
-              <a:t>代码</a:t>
-            </a:r>
-            <a:endParaRPr lang="en-US" altLang="zh-CN" dirty="0"/>
+              <a:t> </a:t>
+            </a:r>
+            <a:r>
+              <a:rPr lang="en-US" altLang="zh-CN" dirty="0"/>
+              <a:t>unsound</a:t>
+            </a:r>
+            <a:endParaRPr lang="zh-CN" altLang="en-US" dirty="0"/>
+          </a:p>
+          <a:p>
+            <a:r>
+              <a:rPr lang="zh-CN" altLang="en-US" dirty="0"/>
+              <a:t>没有分析静态初始化代码 </a:t>
+            </a:r>
+            <a:r>
+              <a:rPr lang="en-US" altLang="zh-CN" dirty="0"/>
+              <a:t>-&gt;</a:t>
+            </a:r>
+            <a:r>
+              <a:rPr lang="zh-CN" altLang="en-US" dirty="0"/>
+              <a:t> </a:t>
+            </a:r>
+            <a:r>
+              <a:rPr lang="en-US" altLang="zh-CN" dirty="0"/>
+              <a:t>unsound</a:t>
+            </a:r>
           </a:p>
           <a:p>
             <a:pPr lvl="1"/>
             <a:r>
-              <a:rPr lang="zh-CN" altLang="en-US" dirty="0" smtClean="0"/>
-              <a:t>静态</a:t>
-            </a:r>
-            <a:r>
               <a:rPr lang="zh-CN" altLang="en-US" dirty="0"/>
-              <a:t>变量的</a:t>
+              <a:t>静态变量的</a:t>
             </a:r>
             <a:r>
               <a:rPr lang="en-US" altLang="zh-CN" dirty="0"/>
               <a:t>new</a:t>
             </a:r>
             <a:r>
-              <a:rPr lang="zh-CN" altLang="en-US" dirty="0" smtClean="0"/>
-              <a:t>，类</a:t>
-            </a:r>
-            <a:r>
               <a:rPr lang="zh-CN" altLang="en-US" dirty="0"/>
-              <a:t>的静态初始化代码</a:t>
-            </a:r>
-            <a:r>
-              <a:rPr lang="zh-CN" altLang="en-US" dirty="0" smtClean="0"/>
-              <a:t>块</a:t>
-            </a:r>
-            <a:endParaRPr lang="en-US" altLang="zh-CN" dirty="0" smtClean="0"/>
-          </a:p>
-          <a:p>
+              <a:t>，类的静态初始化代码块</a:t>
+            </a:r>
             <a:endParaRPr lang="en-US" altLang="zh-CN" dirty="0"/>
           </a:p>
           <a:p>
             <a:r>
-              <a:rPr lang="zh-CN" altLang="en-US" dirty="0" smtClean="0"/>
+              <a:rPr lang="zh-CN" altLang="en-US" dirty="0"/>
+              <a:t>不支持反射 </a:t>
+            </a:r>
+            <a:r>
+              <a:rPr lang="en-US" altLang="zh-CN" dirty="0"/>
+              <a:t>-&gt;</a:t>
+            </a:r>
+            <a:r>
+              <a:rPr lang="zh-CN" altLang="en-US" dirty="0"/>
+              <a:t> </a:t>
+            </a:r>
+            <a:r>
+              <a:rPr lang="en-US" altLang="zh-CN" dirty="0"/>
+              <a:t>unsound</a:t>
+            </a:r>
+          </a:p>
+          <a:p>
+            <a:endParaRPr lang="en-US" altLang="zh-CN" dirty="0"/>
+          </a:p>
+          <a:p>
+            <a:r>
+              <a:rPr lang="zh-CN" altLang="en-US" dirty="0"/>
               <a:t>实在是卷不动了</a:t>
             </a:r>
             <a:r>
-              <a:rPr lang="en-US" altLang="zh-CN" dirty="0" smtClean="0"/>
+              <a:rPr lang="en-US" altLang="zh-CN" dirty="0"/>
               <a:t>……</a:t>
             </a:r>
             <a:endParaRPr lang="zh-CN" altLang="en-US" dirty="0"/>
@@ -6691,13 +6642,6 @@
   <p:clrMapOvr>
     <a:masterClrMapping/>
   </p:clrMapOvr>
-  <p:timing>
-    <p:tnLst>
-      <p:par>
-        <p:cTn id="1" dur="indefinite" restart="never" nodeType="tmRoot"/>
-      </p:par>
-    </p:tnLst>
-  </p:timing>
 </p:sld>
 </file>
 
@@ -6734,10 +6678,9 @@
           <a:lstStyle/>
           <a:p>
             <a:r>
-              <a:rPr lang="zh-CN" altLang="en-US" dirty="0" smtClean="0"/>
+              <a:rPr lang="zh-CN" altLang="en-US" dirty="0"/>
               <a:t>性能测试</a:t>
             </a:r>
-            <a:endParaRPr lang="zh-CN" altLang="en-US" dirty="0"/>
           </a:p>
         </p:txBody>
       </p:sp>
@@ -6814,7 +6757,7 @@
               <a:tabLst/>
             </a:pPr>
             <a:r>
-              <a:rPr kumimoji="0" lang="zh-CN" altLang="zh-CN" sz="900" b="0" i="0" u="none" strike="noStrike" cap="none" normalizeH="0" baseline="0" dirty="0" smtClean="0">
+              <a:rPr kumimoji="0" lang="zh-CN" altLang="zh-CN" sz="900" b="0" i="0" u="none" strike="noStrike" cap="none" normalizeH="0" baseline="0" dirty="0">
                 <a:ln>
                   <a:noFill/>
                 </a:ln>
@@ -6828,7 +6771,7 @@
               <a:t>package </a:t>
             </a:r>
             <a:r>
-              <a:rPr kumimoji="0" lang="zh-CN" altLang="zh-CN" sz="900" b="0" i="0" u="none" strike="noStrike" cap="none" normalizeH="0" baseline="0" dirty="0" smtClean="0">
+              <a:rPr kumimoji="0" lang="zh-CN" altLang="zh-CN" sz="900" b="0" i="0" u="none" strike="noStrike" cap="none" normalizeH="0" baseline="0" dirty="0">
                 <a:ln>
                   <a:noFill/>
                 </a:ln>
@@ -6842,7 +6785,7 @@
               <a:t>test</a:t>
             </a:r>
             <a:r>
-              <a:rPr kumimoji="0" lang="zh-CN" altLang="zh-CN" sz="900" b="0" i="0" u="none" strike="noStrike" cap="none" normalizeH="0" baseline="0" dirty="0" smtClean="0">
+              <a:rPr kumimoji="0" lang="zh-CN" altLang="zh-CN" sz="900" b="0" i="0" u="none" strike="noStrike" cap="none" normalizeH="0" baseline="0" dirty="0">
                 <a:ln>
                   <a:noFill/>
                 </a:ln>
@@ -6856,7 +6799,7 @@
               <a:t>;</a:t>
             </a:r>
             <a:br>
-              <a:rPr kumimoji="0" lang="zh-CN" altLang="zh-CN" sz="900" b="0" i="0" u="none" strike="noStrike" cap="none" normalizeH="0" baseline="0" dirty="0" smtClean="0">
+              <a:rPr kumimoji="0" lang="zh-CN" altLang="zh-CN" sz="900" b="0" i="0" u="none" strike="noStrike" cap="none" normalizeH="0" baseline="0" dirty="0">
                 <a:ln>
                   <a:noFill/>
                 </a:ln>
@@ -6868,22 +6811,8 @@
                 <a:ea typeface="JetBrains Mono"/>
               </a:rPr>
             </a:br>
-            <a:r>
-              <a:rPr kumimoji="0" lang="zh-CN" altLang="zh-CN" sz="900" b="0" i="0" u="none" strike="noStrike" cap="none" normalizeH="0" baseline="0" dirty="0" smtClean="0">
-                <a:ln>
-                  <a:noFill/>
-                </a:ln>
-                <a:solidFill>
-                  <a:srgbClr val="CC7832"/>
-                </a:solidFill>
-                <a:effectLst/>
-                <a:latin typeface="Consolas" panose="020B0609020204030204" pitchFamily="49" charset="0"/>
-                <a:ea typeface="JetBrains Mono"/>
-              </a:rPr>
-              <a:t/>
-            </a:r>
             <a:br>
-              <a:rPr kumimoji="0" lang="zh-CN" altLang="zh-CN" sz="900" b="0" i="0" u="none" strike="noStrike" cap="none" normalizeH="0" baseline="0" dirty="0" smtClean="0">
+              <a:rPr kumimoji="0" lang="zh-CN" altLang="zh-CN" sz="900" b="0" i="0" u="none" strike="noStrike" cap="none" normalizeH="0" baseline="0" dirty="0">
                 <a:ln>
                   <a:noFill/>
                 </a:ln>
@@ -6896,7 +6825,7 @@
               </a:rPr>
             </a:br>
             <a:r>
-              <a:rPr kumimoji="0" lang="zh-CN" altLang="zh-CN" sz="900" b="0" i="0" u="none" strike="noStrike" cap="none" normalizeH="0" baseline="0" dirty="0" smtClean="0">
+              <a:rPr kumimoji="0" lang="zh-CN" altLang="zh-CN" sz="900" b="0" i="0" u="none" strike="noStrike" cap="none" normalizeH="0" baseline="0" dirty="0">
                 <a:ln>
                   <a:noFill/>
                 </a:ln>
@@ -6910,7 +6839,7 @@
               <a:t>import </a:t>
             </a:r>
             <a:r>
-              <a:rPr kumimoji="0" lang="zh-CN" altLang="zh-CN" sz="900" b="0" i="0" u="none" strike="noStrike" cap="none" normalizeH="0" baseline="0" dirty="0" smtClean="0">
+              <a:rPr kumimoji="0" lang="zh-CN" altLang="zh-CN" sz="900" b="0" i="0" u="none" strike="noStrike" cap="none" normalizeH="0" baseline="0" dirty="0">
                 <a:ln>
                   <a:noFill/>
                 </a:ln>
@@ -6924,7 +6853,7 @@
               <a:t>benchmark.internal.BenchmarkN</a:t>
             </a:r>
             <a:r>
-              <a:rPr kumimoji="0" lang="zh-CN" altLang="zh-CN" sz="900" b="0" i="0" u="none" strike="noStrike" cap="none" normalizeH="0" baseline="0" dirty="0" smtClean="0">
+              <a:rPr kumimoji="0" lang="zh-CN" altLang="zh-CN" sz="900" b="0" i="0" u="none" strike="noStrike" cap="none" normalizeH="0" baseline="0" dirty="0">
                 <a:ln>
                   <a:noFill/>
                 </a:ln>
@@ -6938,7 +6867,7 @@
               <a:t>;</a:t>
             </a:r>
             <a:br>
-              <a:rPr kumimoji="0" lang="zh-CN" altLang="zh-CN" sz="900" b="0" i="0" u="none" strike="noStrike" cap="none" normalizeH="0" baseline="0" dirty="0" smtClean="0">
+              <a:rPr kumimoji="0" lang="zh-CN" altLang="zh-CN" sz="900" b="0" i="0" u="none" strike="noStrike" cap="none" normalizeH="0" baseline="0" dirty="0">
                 <a:ln>
                   <a:noFill/>
                 </a:ln>
@@ -6951,7 +6880,7 @@
               </a:rPr>
             </a:br>
             <a:r>
-              <a:rPr kumimoji="0" lang="zh-CN" altLang="zh-CN" sz="900" b="0" i="0" u="none" strike="noStrike" cap="none" normalizeH="0" baseline="0" dirty="0" smtClean="0">
+              <a:rPr kumimoji="0" lang="zh-CN" altLang="zh-CN" sz="900" b="0" i="0" u="none" strike="noStrike" cap="none" normalizeH="0" baseline="0" dirty="0">
                 <a:ln>
                   <a:noFill/>
                 </a:ln>
@@ -6965,7 +6894,7 @@
               <a:t>import </a:t>
             </a:r>
             <a:r>
-              <a:rPr kumimoji="0" lang="zh-CN" altLang="zh-CN" sz="900" b="0" i="0" u="none" strike="noStrike" cap="none" normalizeH="0" baseline="0" dirty="0" smtClean="0">
+              <a:rPr kumimoji="0" lang="zh-CN" altLang="zh-CN" sz="900" b="0" i="0" u="none" strike="noStrike" cap="none" normalizeH="0" baseline="0" dirty="0">
                 <a:ln>
                   <a:noFill/>
                 </a:ln>
@@ -6979,7 +6908,7 @@
               <a:t>benchmark.objects.B</a:t>
             </a:r>
             <a:r>
-              <a:rPr kumimoji="0" lang="zh-CN" altLang="zh-CN" sz="900" b="0" i="0" u="none" strike="noStrike" cap="none" normalizeH="0" baseline="0" dirty="0" smtClean="0">
+              <a:rPr kumimoji="0" lang="zh-CN" altLang="zh-CN" sz="900" b="0" i="0" u="none" strike="noStrike" cap="none" normalizeH="0" baseline="0" dirty="0">
                 <a:ln>
                   <a:noFill/>
                 </a:ln>
@@ -6993,7 +6922,7 @@
               <a:t>;</a:t>
             </a:r>
             <a:br>
-              <a:rPr kumimoji="0" lang="zh-CN" altLang="zh-CN" sz="900" b="0" i="0" u="none" strike="noStrike" cap="none" normalizeH="0" baseline="0" dirty="0" smtClean="0">
+              <a:rPr kumimoji="0" lang="zh-CN" altLang="zh-CN" sz="900" b="0" i="0" u="none" strike="noStrike" cap="none" normalizeH="0" baseline="0" dirty="0">
                 <a:ln>
                   <a:noFill/>
                 </a:ln>
@@ -7005,22 +6934,8 @@
                 <a:ea typeface="JetBrains Mono"/>
               </a:rPr>
             </a:br>
-            <a:r>
-              <a:rPr kumimoji="0" lang="zh-CN" altLang="zh-CN" sz="900" b="0" i="0" u="none" strike="noStrike" cap="none" normalizeH="0" baseline="0" dirty="0" smtClean="0">
-                <a:ln>
-                  <a:noFill/>
-                </a:ln>
-                <a:solidFill>
-                  <a:srgbClr val="CC7832"/>
-                </a:solidFill>
-                <a:effectLst/>
-                <a:latin typeface="Consolas" panose="020B0609020204030204" pitchFamily="49" charset="0"/>
-                <a:ea typeface="JetBrains Mono"/>
-              </a:rPr>
-              <a:t/>
-            </a:r>
             <a:br>
-              <a:rPr kumimoji="0" lang="zh-CN" altLang="zh-CN" sz="900" b="0" i="0" u="none" strike="noStrike" cap="none" normalizeH="0" baseline="0" dirty="0" smtClean="0">
+              <a:rPr kumimoji="0" lang="zh-CN" altLang="zh-CN" sz="900" b="0" i="0" u="none" strike="noStrike" cap="none" normalizeH="0" baseline="0" dirty="0">
                 <a:ln>
                   <a:noFill/>
                 </a:ln>
@@ -7033,7 +6948,7 @@
               </a:rPr>
             </a:br>
             <a:r>
-              <a:rPr kumimoji="0" lang="zh-CN" altLang="zh-CN" sz="900" b="0" i="0" u="none" strike="noStrike" cap="none" normalizeH="0" baseline="0" dirty="0" smtClean="0">
+              <a:rPr kumimoji="0" lang="zh-CN" altLang="zh-CN" sz="900" b="0" i="0" u="none" strike="noStrike" cap="none" normalizeH="0" baseline="0" dirty="0">
                 <a:ln>
                   <a:noFill/>
                 </a:ln>
@@ -7047,7 +6962,7 @@
               <a:t>public class </a:t>
             </a:r>
             <a:r>
-              <a:rPr kumimoji="0" lang="zh-CN" altLang="zh-CN" sz="900" b="0" i="0" u="none" strike="noStrike" cap="none" normalizeH="0" baseline="0" dirty="0" smtClean="0">
+              <a:rPr kumimoji="0" lang="zh-CN" altLang="zh-CN" sz="900" b="0" i="0" u="none" strike="noStrike" cap="none" normalizeH="0" baseline="0" dirty="0">
                 <a:ln>
                   <a:noFill/>
                 </a:ln>
@@ -7061,7 +6976,7 @@
               <a:t>FinalTest {</a:t>
             </a:r>
             <a:br>
-              <a:rPr kumimoji="0" lang="zh-CN" altLang="zh-CN" sz="900" b="0" i="0" u="none" strike="noStrike" cap="none" normalizeH="0" baseline="0" dirty="0" smtClean="0">
+              <a:rPr kumimoji="0" lang="zh-CN" altLang="zh-CN" sz="900" b="0" i="0" u="none" strike="noStrike" cap="none" normalizeH="0" baseline="0" dirty="0">
                 <a:ln>
                   <a:noFill/>
                 </a:ln>
@@ -7073,22 +6988,8 @@
                 <a:ea typeface="JetBrains Mono"/>
               </a:rPr>
             </a:br>
-            <a:r>
-              <a:rPr kumimoji="0" lang="zh-CN" altLang="zh-CN" sz="900" b="0" i="0" u="none" strike="noStrike" cap="none" normalizeH="0" baseline="0" dirty="0" smtClean="0">
-                <a:ln>
-                  <a:noFill/>
-                </a:ln>
-                <a:solidFill>
-                  <a:srgbClr val="A9B7C6"/>
-                </a:solidFill>
-                <a:effectLst/>
-                <a:latin typeface="Consolas" panose="020B0609020204030204" pitchFamily="49" charset="0"/>
-                <a:ea typeface="JetBrains Mono"/>
-              </a:rPr>
-              <a:t/>
-            </a:r>
             <a:br>
-              <a:rPr kumimoji="0" lang="zh-CN" altLang="zh-CN" sz="900" b="0" i="0" u="none" strike="noStrike" cap="none" normalizeH="0" baseline="0" dirty="0" smtClean="0">
+              <a:rPr kumimoji="0" lang="zh-CN" altLang="zh-CN" sz="900" b="0" i="0" u="none" strike="noStrike" cap="none" normalizeH="0" baseline="0" dirty="0">
                 <a:ln>
                   <a:noFill/>
                 </a:ln>
@@ -7101,7 +7002,7 @@
               </a:rPr>
             </a:br>
             <a:r>
-              <a:rPr kumimoji="0" lang="zh-CN" altLang="zh-CN" sz="900" b="0" i="0" u="none" strike="noStrike" cap="none" normalizeH="0" baseline="0" dirty="0" smtClean="0">
+              <a:rPr kumimoji="0" lang="zh-CN" altLang="zh-CN" sz="900" b="0" i="0" u="none" strike="noStrike" cap="none" normalizeH="0" baseline="0" dirty="0">
                 <a:ln>
                   <a:noFill/>
                 </a:ln>
@@ -7115,7 +7016,7 @@
               <a:t>    </a:t>
             </a:r>
             <a:r>
-              <a:rPr kumimoji="0" lang="zh-CN" altLang="zh-CN" sz="900" b="0" i="0" u="none" strike="noStrike" cap="none" normalizeH="0" baseline="0" dirty="0" smtClean="0">
+              <a:rPr kumimoji="0" lang="zh-CN" altLang="zh-CN" sz="900" b="0" i="0" u="none" strike="noStrike" cap="none" normalizeH="0" baseline="0" dirty="0">
                 <a:ln>
                   <a:noFill/>
                 </a:ln>
@@ -7129,7 +7030,7 @@
               <a:t>public static class </a:t>
             </a:r>
             <a:r>
-              <a:rPr kumimoji="0" lang="zh-CN" altLang="zh-CN" sz="900" b="0" i="0" u="none" strike="noStrike" cap="none" normalizeH="0" baseline="0" dirty="0" smtClean="0">
+              <a:rPr kumimoji="0" lang="zh-CN" altLang="zh-CN" sz="900" b="0" i="0" u="none" strike="noStrike" cap="none" normalizeH="0" baseline="0" dirty="0">
                 <a:ln>
                   <a:noFill/>
                 </a:ln>
@@ -7143,7 +7044,7 @@
               <a:t>A {</a:t>
             </a:r>
             <a:br>
-              <a:rPr kumimoji="0" lang="zh-CN" altLang="zh-CN" sz="900" b="0" i="0" u="none" strike="noStrike" cap="none" normalizeH="0" baseline="0" dirty="0" smtClean="0">
+              <a:rPr kumimoji="0" lang="zh-CN" altLang="zh-CN" sz="900" b="0" i="0" u="none" strike="noStrike" cap="none" normalizeH="0" baseline="0" dirty="0">
                 <a:ln>
                   <a:noFill/>
                 </a:ln>
@@ -7156,7 +7057,7 @@
               </a:rPr>
             </a:br>
             <a:r>
-              <a:rPr kumimoji="0" lang="zh-CN" altLang="zh-CN" sz="900" b="0" i="0" u="none" strike="noStrike" cap="none" normalizeH="0" baseline="0" dirty="0" smtClean="0">
+              <a:rPr kumimoji="0" lang="zh-CN" altLang="zh-CN" sz="900" b="0" i="0" u="none" strike="noStrike" cap="none" normalizeH="0" baseline="0" dirty="0">
                 <a:ln>
                   <a:noFill/>
                 </a:ln>
@@ -7170,7 +7071,7 @@
               <a:t>        </a:t>
             </a:r>
             <a:r>
-              <a:rPr kumimoji="0" lang="zh-CN" altLang="zh-CN" sz="900" b="0" i="0" u="none" strike="noStrike" cap="none" normalizeH="0" baseline="0" dirty="0" smtClean="0">
+              <a:rPr kumimoji="0" lang="zh-CN" altLang="zh-CN" sz="900" b="0" i="0" u="none" strike="noStrike" cap="none" normalizeH="0" baseline="0" dirty="0">
                 <a:ln>
                   <a:noFill/>
                 </a:ln>
@@ -7184,7 +7085,7 @@
               <a:t>public </a:t>
             </a:r>
             <a:r>
-              <a:rPr kumimoji="0" lang="zh-CN" altLang="zh-CN" sz="900" b="0" i="0" u="none" strike="noStrike" cap="none" normalizeH="0" baseline="0" dirty="0" smtClean="0">
+              <a:rPr kumimoji="0" lang="zh-CN" altLang="zh-CN" sz="900" b="0" i="0" u="none" strike="noStrike" cap="none" normalizeH="0" baseline="0" dirty="0">
                 <a:ln>
                   <a:noFill/>
                 </a:ln>
@@ -7198,7 +7099,7 @@
               <a:t>B f</a:t>
             </a:r>
             <a:r>
-              <a:rPr kumimoji="0" lang="zh-CN" altLang="zh-CN" sz="900" b="0" i="0" u="none" strike="noStrike" cap="none" normalizeH="0" baseline="0" dirty="0" smtClean="0">
+              <a:rPr kumimoji="0" lang="zh-CN" altLang="zh-CN" sz="900" b="0" i="0" u="none" strike="noStrike" cap="none" normalizeH="0" baseline="0" dirty="0">
                 <a:ln>
                   <a:noFill/>
                 </a:ln>
@@ -7212,7 +7113,7 @@
               <a:t>;</a:t>
             </a:r>
             <a:br>
-              <a:rPr kumimoji="0" lang="zh-CN" altLang="zh-CN" sz="900" b="0" i="0" u="none" strike="noStrike" cap="none" normalizeH="0" baseline="0" dirty="0" smtClean="0">
+              <a:rPr kumimoji="0" lang="zh-CN" altLang="zh-CN" sz="900" b="0" i="0" u="none" strike="noStrike" cap="none" normalizeH="0" baseline="0" dirty="0">
                 <a:ln>
                   <a:noFill/>
                 </a:ln>
@@ -7225,7 +7126,7 @@
               </a:rPr>
             </a:br>
             <a:r>
-              <a:rPr kumimoji="0" lang="zh-CN" altLang="zh-CN" sz="900" b="0" i="0" u="none" strike="noStrike" cap="none" normalizeH="0" baseline="0" dirty="0" smtClean="0">
+              <a:rPr kumimoji="0" lang="zh-CN" altLang="zh-CN" sz="900" b="0" i="0" u="none" strike="noStrike" cap="none" normalizeH="0" baseline="0" dirty="0">
                 <a:ln>
                   <a:noFill/>
                 </a:ln>
@@ -7239,7 +7140,7 @@
               <a:t>        public </a:t>
             </a:r>
             <a:r>
-              <a:rPr kumimoji="0" lang="zh-CN" altLang="zh-CN" sz="900" b="0" i="0" u="none" strike="noStrike" cap="none" normalizeH="0" baseline="0" dirty="0" smtClean="0">
+              <a:rPr kumimoji="0" lang="zh-CN" altLang="zh-CN" sz="900" b="0" i="0" u="none" strike="noStrike" cap="none" normalizeH="0" baseline="0" dirty="0">
                 <a:ln>
                   <a:noFill/>
                 </a:ln>
@@ -7253,7 +7154,7 @@
               <a:t>A a</a:t>
             </a:r>
             <a:r>
-              <a:rPr kumimoji="0" lang="zh-CN" altLang="zh-CN" sz="900" b="0" i="0" u="none" strike="noStrike" cap="none" normalizeH="0" baseline="0" dirty="0" smtClean="0">
+              <a:rPr kumimoji="0" lang="zh-CN" altLang="zh-CN" sz="900" b="0" i="0" u="none" strike="noStrike" cap="none" normalizeH="0" baseline="0" dirty="0">
                 <a:ln>
                   <a:noFill/>
                 </a:ln>
@@ -7267,7 +7168,7 @@
               <a:t>;</a:t>
             </a:r>
             <a:br>
-              <a:rPr kumimoji="0" lang="zh-CN" altLang="zh-CN" sz="900" b="0" i="0" u="none" strike="noStrike" cap="none" normalizeH="0" baseline="0" dirty="0" smtClean="0">
+              <a:rPr kumimoji="0" lang="zh-CN" altLang="zh-CN" sz="900" b="0" i="0" u="none" strike="noStrike" cap="none" normalizeH="0" baseline="0" dirty="0">
                 <a:ln>
                   <a:noFill/>
                 </a:ln>
@@ -7280,7 +7181,7 @@
               </a:rPr>
             </a:br>
             <a:r>
-              <a:rPr kumimoji="0" lang="zh-CN" altLang="zh-CN" sz="900" b="0" i="0" u="none" strike="noStrike" cap="none" normalizeH="0" baseline="0" dirty="0" smtClean="0">
+              <a:rPr kumimoji="0" lang="zh-CN" altLang="zh-CN" sz="900" b="0" i="0" u="none" strike="noStrike" cap="none" normalizeH="0" baseline="0" dirty="0">
                 <a:ln>
                   <a:noFill/>
                 </a:ln>
@@ -7294,7 +7195,7 @@
               <a:t>    </a:t>
             </a:r>
             <a:r>
-              <a:rPr kumimoji="0" lang="zh-CN" altLang="zh-CN" sz="900" b="0" i="0" u="none" strike="noStrike" cap="none" normalizeH="0" baseline="0" dirty="0" smtClean="0">
+              <a:rPr kumimoji="0" lang="zh-CN" altLang="zh-CN" sz="900" b="0" i="0" u="none" strike="noStrike" cap="none" normalizeH="0" baseline="0" dirty="0">
                 <a:ln>
                   <a:noFill/>
                 </a:ln>
@@ -7308,7 +7209,7 @@
               <a:t>}</a:t>
             </a:r>
             <a:br>
-              <a:rPr kumimoji="0" lang="zh-CN" altLang="zh-CN" sz="900" b="0" i="0" u="none" strike="noStrike" cap="none" normalizeH="0" baseline="0" dirty="0" smtClean="0">
+              <a:rPr kumimoji="0" lang="zh-CN" altLang="zh-CN" sz="900" b="0" i="0" u="none" strike="noStrike" cap="none" normalizeH="0" baseline="0" dirty="0">
                 <a:ln>
                   <a:noFill/>
                 </a:ln>
@@ -7320,22 +7221,8 @@
                 <a:ea typeface="JetBrains Mono"/>
               </a:rPr>
             </a:br>
-            <a:r>
-              <a:rPr kumimoji="0" lang="zh-CN" altLang="zh-CN" sz="900" b="0" i="0" u="none" strike="noStrike" cap="none" normalizeH="0" baseline="0" dirty="0" smtClean="0">
-                <a:ln>
-                  <a:noFill/>
-                </a:ln>
-                <a:solidFill>
-                  <a:srgbClr val="A9B7C6"/>
-                </a:solidFill>
-                <a:effectLst/>
-                <a:latin typeface="Consolas" panose="020B0609020204030204" pitchFamily="49" charset="0"/>
-                <a:ea typeface="JetBrains Mono"/>
-              </a:rPr>
-              <a:t/>
-            </a:r>
             <a:br>
-              <a:rPr kumimoji="0" lang="zh-CN" altLang="zh-CN" sz="900" b="0" i="0" u="none" strike="noStrike" cap="none" normalizeH="0" baseline="0" dirty="0" smtClean="0">
+              <a:rPr kumimoji="0" lang="zh-CN" altLang="zh-CN" sz="900" b="0" i="0" u="none" strike="noStrike" cap="none" normalizeH="0" baseline="0" dirty="0">
                 <a:ln>
                   <a:noFill/>
                 </a:ln>
@@ -7348,7 +7235,7 @@
               </a:rPr>
             </a:br>
             <a:r>
-              <a:rPr kumimoji="0" lang="zh-CN" altLang="zh-CN" sz="900" b="0" i="0" u="none" strike="noStrike" cap="none" normalizeH="0" baseline="0" dirty="0" smtClean="0">
+              <a:rPr kumimoji="0" lang="zh-CN" altLang="zh-CN" sz="900" b="0" i="0" u="none" strike="noStrike" cap="none" normalizeH="0" baseline="0" dirty="0">
                 <a:ln>
                   <a:noFill/>
                 </a:ln>
@@ -7362,7 +7249,7 @@
               <a:t>    </a:t>
             </a:r>
             <a:r>
-              <a:rPr kumimoji="0" lang="zh-CN" altLang="zh-CN" sz="900" b="0" i="0" u="none" strike="noStrike" cap="none" normalizeH="0" baseline="0" dirty="0" smtClean="0">
+              <a:rPr kumimoji="0" lang="zh-CN" altLang="zh-CN" sz="900" b="0" i="0" u="none" strike="noStrike" cap="none" normalizeH="0" baseline="0" dirty="0">
                 <a:ln>
                   <a:noFill/>
                 </a:ln>
@@ -7376,7 +7263,7 @@
               <a:t>public static </a:t>
             </a:r>
             <a:r>
-              <a:rPr kumimoji="0" lang="zh-CN" altLang="zh-CN" sz="900" b="0" i="0" u="none" strike="noStrike" cap="none" normalizeH="0" baseline="0" dirty="0" smtClean="0">
+              <a:rPr kumimoji="0" lang="zh-CN" altLang="zh-CN" sz="900" b="0" i="0" u="none" strike="noStrike" cap="none" normalizeH="0" baseline="0" dirty="0">
                 <a:ln>
                   <a:noFill/>
                 </a:ln>
@@ -7390,7 +7277,7 @@
               <a:t>B x</a:t>
             </a:r>
             <a:r>
-              <a:rPr kumimoji="0" lang="zh-CN" altLang="zh-CN" sz="900" b="0" i="0" u="none" strike="noStrike" cap="none" normalizeH="0" baseline="0" dirty="0" smtClean="0">
+              <a:rPr kumimoji="0" lang="zh-CN" altLang="zh-CN" sz="900" b="0" i="0" u="none" strike="noStrike" cap="none" normalizeH="0" baseline="0" dirty="0">
                 <a:ln>
                   <a:noFill/>
                 </a:ln>
@@ -7404,7 +7291,7 @@
               <a:t>;</a:t>
             </a:r>
             <a:br>
-              <a:rPr kumimoji="0" lang="zh-CN" altLang="zh-CN" sz="900" b="0" i="0" u="none" strike="noStrike" cap="none" normalizeH="0" baseline="0" dirty="0" smtClean="0">
+              <a:rPr kumimoji="0" lang="zh-CN" altLang="zh-CN" sz="900" b="0" i="0" u="none" strike="noStrike" cap="none" normalizeH="0" baseline="0" dirty="0">
                 <a:ln>
                   <a:noFill/>
                 </a:ln>
@@ -7417,7 +7304,7 @@
               </a:rPr>
             </a:br>
             <a:r>
-              <a:rPr kumimoji="0" lang="zh-CN" altLang="zh-CN" sz="900" b="0" i="0" u="none" strike="noStrike" cap="none" normalizeH="0" baseline="0" dirty="0" smtClean="0">
+              <a:rPr kumimoji="0" lang="zh-CN" altLang="zh-CN" sz="900" b="0" i="0" u="none" strike="noStrike" cap="none" normalizeH="0" baseline="0" dirty="0">
                 <a:ln>
                   <a:noFill/>
                 </a:ln>
@@ -7431,7 +7318,7 @@
               <a:t>    public static </a:t>
             </a:r>
             <a:r>
-              <a:rPr kumimoji="0" lang="zh-CN" altLang="zh-CN" sz="900" b="0" i="0" u="none" strike="noStrike" cap="none" normalizeH="0" baseline="0" dirty="0" smtClean="0">
+              <a:rPr kumimoji="0" lang="zh-CN" altLang="zh-CN" sz="900" b="0" i="0" u="none" strike="noStrike" cap="none" normalizeH="0" baseline="0" dirty="0">
                 <a:ln>
                   <a:noFill/>
                 </a:ln>
@@ -7445,7 +7332,7 @@
               <a:t>B y</a:t>
             </a:r>
             <a:r>
-              <a:rPr kumimoji="0" lang="zh-CN" altLang="zh-CN" sz="900" b="0" i="0" u="none" strike="noStrike" cap="none" normalizeH="0" baseline="0" dirty="0" smtClean="0">
+              <a:rPr kumimoji="0" lang="zh-CN" altLang="zh-CN" sz="900" b="0" i="0" u="none" strike="noStrike" cap="none" normalizeH="0" baseline="0" dirty="0">
                 <a:ln>
                   <a:noFill/>
                 </a:ln>
@@ -7459,7 +7346,7 @@
               <a:t>;</a:t>
             </a:r>
             <a:br>
-              <a:rPr kumimoji="0" lang="zh-CN" altLang="zh-CN" sz="900" b="0" i="0" u="none" strike="noStrike" cap="none" normalizeH="0" baseline="0" dirty="0" smtClean="0">
+              <a:rPr kumimoji="0" lang="zh-CN" altLang="zh-CN" sz="900" b="0" i="0" u="none" strike="noStrike" cap="none" normalizeH="0" baseline="0" dirty="0">
                 <a:ln>
                   <a:noFill/>
                 </a:ln>
@@ -7472,7 +7359,7 @@
               </a:rPr>
             </a:br>
             <a:r>
-              <a:rPr kumimoji="0" lang="zh-CN" altLang="zh-CN" sz="900" b="0" i="0" u="none" strike="noStrike" cap="none" normalizeH="0" baseline="0" dirty="0" smtClean="0">
+              <a:rPr kumimoji="0" lang="zh-CN" altLang="zh-CN" sz="900" b="0" i="0" u="none" strike="noStrike" cap="none" normalizeH="0" baseline="0" dirty="0">
                 <a:ln>
                   <a:noFill/>
                 </a:ln>
@@ -7486,7 +7373,7 @@
               <a:t>    public static </a:t>
             </a:r>
             <a:r>
-              <a:rPr kumimoji="0" lang="zh-CN" altLang="zh-CN" sz="900" b="0" i="0" u="none" strike="noStrike" cap="none" normalizeH="0" baseline="0" dirty="0" smtClean="0">
+              <a:rPr kumimoji="0" lang="zh-CN" altLang="zh-CN" sz="900" b="0" i="0" u="none" strike="noStrike" cap="none" normalizeH="0" baseline="0" dirty="0">
                 <a:ln>
                   <a:noFill/>
                 </a:ln>
@@ -7500,7 +7387,7 @@
               <a:t>A a</a:t>
             </a:r>
             <a:r>
-              <a:rPr kumimoji="0" lang="zh-CN" altLang="zh-CN" sz="900" b="0" i="0" u="none" strike="noStrike" cap="none" normalizeH="0" baseline="0" dirty="0" smtClean="0">
+              <a:rPr kumimoji="0" lang="zh-CN" altLang="zh-CN" sz="900" b="0" i="0" u="none" strike="noStrike" cap="none" normalizeH="0" baseline="0" dirty="0">
                 <a:ln>
                   <a:noFill/>
                 </a:ln>
@@ -7514,7 +7401,7 @@
               <a:t>;</a:t>
             </a:r>
             <a:br>
-              <a:rPr kumimoji="0" lang="zh-CN" altLang="zh-CN" sz="900" b="0" i="0" u="none" strike="noStrike" cap="none" normalizeH="0" baseline="0" dirty="0" smtClean="0">
+              <a:rPr kumimoji="0" lang="zh-CN" altLang="zh-CN" sz="900" b="0" i="0" u="none" strike="noStrike" cap="none" normalizeH="0" baseline="0" dirty="0">
                 <a:ln>
                   <a:noFill/>
                 </a:ln>
@@ -7526,22 +7413,8 @@
                 <a:ea typeface="JetBrains Mono"/>
               </a:rPr>
             </a:br>
-            <a:r>
-              <a:rPr kumimoji="0" lang="zh-CN" altLang="zh-CN" sz="900" b="0" i="0" u="none" strike="noStrike" cap="none" normalizeH="0" baseline="0" dirty="0" smtClean="0">
-                <a:ln>
-                  <a:noFill/>
-                </a:ln>
-                <a:solidFill>
-                  <a:srgbClr val="CC7832"/>
-                </a:solidFill>
-                <a:effectLst/>
-                <a:latin typeface="Consolas" panose="020B0609020204030204" pitchFamily="49" charset="0"/>
-                <a:ea typeface="JetBrains Mono"/>
-              </a:rPr>
-              <a:t/>
-            </a:r>
             <a:br>
-              <a:rPr kumimoji="0" lang="zh-CN" altLang="zh-CN" sz="900" b="0" i="0" u="none" strike="noStrike" cap="none" normalizeH="0" baseline="0" dirty="0" smtClean="0">
+              <a:rPr kumimoji="0" lang="zh-CN" altLang="zh-CN" sz="900" b="0" i="0" u="none" strike="noStrike" cap="none" normalizeH="0" baseline="0" dirty="0">
                 <a:ln>
                   <a:noFill/>
                 </a:ln>
@@ -7554,7 +7427,7 @@
               </a:rPr>
             </a:br>
             <a:r>
-              <a:rPr kumimoji="0" lang="zh-CN" altLang="zh-CN" sz="900" b="0" i="0" u="none" strike="noStrike" cap="none" normalizeH="0" baseline="0" dirty="0" smtClean="0">
+              <a:rPr kumimoji="0" lang="zh-CN" altLang="zh-CN" sz="900" b="0" i="0" u="none" strike="noStrike" cap="none" normalizeH="0" baseline="0" dirty="0">
                 <a:ln>
                   <a:noFill/>
                 </a:ln>
@@ -7568,7 +7441,7 @@
               <a:t>    public static </a:t>
             </a:r>
             <a:r>
-              <a:rPr kumimoji="0" lang="zh-CN" altLang="zh-CN" sz="900" b="0" i="0" u="none" strike="noStrike" cap="none" normalizeH="0" baseline="0" dirty="0" smtClean="0">
+              <a:rPr kumimoji="0" lang="zh-CN" altLang="zh-CN" sz="900" b="0" i="0" u="none" strike="noStrike" cap="none" normalizeH="0" baseline="0" dirty="0">
                 <a:ln>
                   <a:noFill/>
                 </a:ln>
@@ -7582,7 +7455,7 @@
               <a:t>B f1(B b</a:t>
             </a:r>
             <a:r>
-              <a:rPr kumimoji="0" lang="zh-CN" altLang="zh-CN" sz="900" b="0" i="0" u="none" strike="noStrike" cap="none" normalizeH="0" baseline="0" dirty="0" smtClean="0">
+              <a:rPr kumimoji="0" lang="zh-CN" altLang="zh-CN" sz="900" b="0" i="0" u="none" strike="noStrike" cap="none" normalizeH="0" baseline="0" dirty="0">
                 <a:ln>
                   <a:noFill/>
                 </a:ln>
@@ -7596,7 +7469,7 @@
               <a:t>, int </a:t>
             </a:r>
             <a:r>
-              <a:rPr kumimoji="0" lang="zh-CN" altLang="zh-CN" sz="900" b="0" i="0" u="none" strike="noStrike" cap="none" normalizeH="0" baseline="0" dirty="0" smtClean="0">
+              <a:rPr kumimoji="0" lang="zh-CN" altLang="zh-CN" sz="900" b="0" i="0" u="none" strike="noStrike" cap="none" normalizeH="0" baseline="0" dirty="0">
                 <a:ln>
                   <a:noFill/>
                 </a:ln>
@@ -7610,7 +7483,7 @@
               <a:t>i) {</a:t>
             </a:r>
             <a:br>
-              <a:rPr kumimoji="0" lang="zh-CN" altLang="zh-CN" sz="900" b="0" i="0" u="none" strike="noStrike" cap="none" normalizeH="0" baseline="0" dirty="0" smtClean="0">
+              <a:rPr kumimoji="0" lang="zh-CN" altLang="zh-CN" sz="900" b="0" i="0" u="none" strike="noStrike" cap="none" normalizeH="0" baseline="0" dirty="0">
                 <a:ln>
                   <a:noFill/>
                 </a:ln>
@@ -7623,7 +7496,7 @@
               </a:rPr>
             </a:br>
             <a:r>
-              <a:rPr kumimoji="0" lang="zh-CN" altLang="zh-CN" sz="900" b="0" i="0" u="none" strike="noStrike" cap="none" normalizeH="0" baseline="0" dirty="0" smtClean="0">
+              <a:rPr kumimoji="0" lang="zh-CN" altLang="zh-CN" sz="900" b="0" i="0" u="none" strike="noStrike" cap="none" normalizeH="0" baseline="0" dirty="0">
                 <a:ln>
                   <a:noFill/>
                 </a:ln>
@@ -7637,7 +7510,7 @@
               <a:t>        </a:t>
             </a:r>
             <a:r>
-              <a:rPr kumimoji="0" lang="zh-CN" altLang="zh-CN" sz="900" b="0" i="0" u="none" strike="noStrike" cap="none" normalizeH="0" baseline="0" dirty="0" smtClean="0">
+              <a:rPr kumimoji="0" lang="zh-CN" altLang="zh-CN" sz="900" b="0" i="0" u="none" strike="noStrike" cap="none" normalizeH="0" baseline="0" dirty="0">
                 <a:ln>
                   <a:noFill/>
                 </a:ln>
@@ -7651,7 +7524,7 @@
               <a:t>if </a:t>
             </a:r>
             <a:r>
-              <a:rPr kumimoji="0" lang="zh-CN" altLang="zh-CN" sz="900" b="0" i="0" u="none" strike="noStrike" cap="none" normalizeH="0" baseline="0" dirty="0" smtClean="0">
+              <a:rPr kumimoji="0" lang="zh-CN" altLang="zh-CN" sz="900" b="0" i="0" u="none" strike="noStrike" cap="none" normalizeH="0" baseline="0" dirty="0">
                 <a:ln>
                   <a:noFill/>
                 </a:ln>
@@ -7665,7 +7538,7 @@
               <a:t>(i % </a:t>
             </a:r>
             <a:r>
-              <a:rPr kumimoji="0" lang="zh-CN" altLang="zh-CN" sz="900" b="0" i="0" u="none" strike="noStrike" cap="none" normalizeH="0" baseline="0" dirty="0" smtClean="0">
+              <a:rPr kumimoji="0" lang="zh-CN" altLang="zh-CN" sz="900" b="0" i="0" u="none" strike="noStrike" cap="none" normalizeH="0" baseline="0" dirty="0">
                 <a:ln>
                   <a:noFill/>
                 </a:ln>
@@ -7679,7 +7552,7 @@
               <a:t>3 </a:t>
             </a:r>
             <a:r>
-              <a:rPr kumimoji="0" lang="zh-CN" altLang="zh-CN" sz="900" b="0" i="0" u="none" strike="noStrike" cap="none" normalizeH="0" baseline="0" dirty="0" smtClean="0">
+              <a:rPr kumimoji="0" lang="zh-CN" altLang="zh-CN" sz="900" b="0" i="0" u="none" strike="noStrike" cap="none" normalizeH="0" baseline="0" dirty="0">
                 <a:ln>
                   <a:noFill/>
                 </a:ln>
@@ -7693,7 +7566,7 @@
               <a:t>== </a:t>
             </a:r>
             <a:r>
-              <a:rPr kumimoji="0" lang="zh-CN" altLang="zh-CN" sz="900" b="0" i="0" u="none" strike="noStrike" cap="none" normalizeH="0" baseline="0" dirty="0" smtClean="0">
+              <a:rPr kumimoji="0" lang="zh-CN" altLang="zh-CN" sz="900" b="0" i="0" u="none" strike="noStrike" cap="none" normalizeH="0" baseline="0" dirty="0">
                 <a:ln>
                   <a:noFill/>
                 </a:ln>
@@ -7707,7 +7580,7 @@
               <a:t>1</a:t>
             </a:r>
             <a:r>
-              <a:rPr kumimoji="0" lang="zh-CN" altLang="zh-CN" sz="900" b="0" i="0" u="none" strike="noStrike" cap="none" normalizeH="0" baseline="0" dirty="0" smtClean="0">
+              <a:rPr kumimoji="0" lang="zh-CN" altLang="zh-CN" sz="900" b="0" i="0" u="none" strike="noStrike" cap="none" normalizeH="0" baseline="0" dirty="0">
                 <a:ln>
                   <a:noFill/>
                 </a:ln>
@@ -7721,7 +7594,7 @@
               <a:t>) {</a:t>
             </a:r>
             <a:br>
-              <a:rPr kumimoji="0" lang="zh-CN" altLang="zh-CN" sz="900" b="0" i="0" u="none" strike="noStrike" cap="none" normalizeH="0" baseline="0" dirty="0" smtClean="0">
+              <a:rPr kumimoji="0" lang="zh-CN" altLang="zh-CN" sz="900" b="0" i="0" u="none" strike="noStrike" cap="none" normalizeH="0" baseline="0" dirty="0">
                 <a:ln>
                   <a:noFill/>
                 </a:ln>
@@ -7734,7 +7607,7 @@
               </a:rPr>
             </a:br>
             <a:r>
-              <a:rPr kumimoji="0" lang="zh-CN" altLang="zh-CN" sz="900" b="0" i="0" u="none" strike="noStrike" cap="none" normalizeH="0" baseline="0" dirty="0" smtClean="0">
+              <a:rPr kumimoji="0" lang="zh-CN" altLang="zh-CN" sz="900" b="0" i="0" u="none" strike="noStrike" cap="none" normalizeH="0" baseline="0" dirty="0">
                 <a:ln>
                   <a:noFill/>
                 </a:ln>
@@ -7748,7 +7621,7 @@
               <a:t>            BenchmarkN.alloc(</a:t>
             </a:r>
             <a:r>
-              <a:rPr kumimoji="0" lang="zh-CN" altLang="zh-CN" sz="900" b="0" i="0" u="none" strike="noStrike" cap="none" normalizeH="0" baseline="0" dirty="0" smtClean="0">
+              <a:rPr kumimoji="0" lang="zh-CN" altLang="zh-CN" sz="900" b="0" i="0" u="none" strike="noStrike" cap="none" normalizeH="0" baseline="0" dirty="0">
                 <a:ln>
                   <a:noFill/>
                 </a:ln>
@@ -7762,7 +7635,7 @@
               <a:t>6</a:t>
             </a:r>
             <a:r>
-              <a:rPr kumimoji="0" lang="zh-CN" altLang="zh-CN" sz="900" b="0" i="0" u="none" strike="noStrike" cap="none" normalizeH="0" baseline="0" dirty="0" smtClean="0">
+              <a:rPr kumimoji="0" lang="zh-CN" altLang="zh-CN" sz="900" b="0" i="0" u="none" strike="noStrike" cap="none" normalizeH="0" baseline="0" dirty="0">
                 <a:ln>
                   <a:noFill/>
                 </a:ln>
@@ -7776,7 +7649,7 @@
               <a:t>)</a:t>
             </a:r>
             <a:r>
-              <a:rPr kumimoji="0" lang="zh-CN" altLang="zh-CN" sz="900" b="0" i="0" u="none" strike="noStrike" cap="none" normalizeH="0" baseline="0" dirty="0" smtClean="0">
+              <a:rPr kumimoji="0" lang="zh-CN" altLang="zh-CN" sz="900" b="0" i="0" u="none" strike="noStrike" cap="none" normalizeH="0" baseline="0" dirty="0">
                 <a:ln>
                   <a:noFill/>
                 </a:ln>
@@ -7790,7 +7663,7 @@
               <a:t>;</a:t>
             </a:r>
             <a:br>
-              <a:rPr kumimoji="0" lang="zh-CN" altLang="zh-CN" sz="900" b="0" i="0" u="none" strike="noStrike" cap="none" normalizeH="0" baseline="0" dirty="0" smtClean="0">
+              <a:rPr kumimoji="0" lang="zh-CN" altLang="zh-CN" sz="900" b="0" i="0" u="none" strike="noStrike" cap="none" normalizeH="0" baseline="0" dirty="0">
                 <a:ln>
                   <a:noFill/>
                 </a:ln>
@@ -7803,7 +7676,7 @@
               </a:rPr>
             </a:br>
             <a:r>
-              <a:rPr kumimoji="0" lang="zh-CN" altLang="zh-CN" sz="900" b="0" i="0" u="none" strike="noStrike" cap="none" normalizeH="0" baseline="0" dirty="0" smtClean="0">
+              <a:rPr kumimoji="0" lang="zh-CN" altLang="zh-CN" sz="900" b="0" i="0" u="none" strike="noStrike" cap="none" normalizeH="0" baseline="0" dirty="0">
                 <a:ln>
                   <a:noFill/>
                 </a:ln>
@@ -7817,7 +7690,7 @@
               <a:t>            </a:t>
             </a:r>
             <a:r>
-              <a:rPr kumimoji="0" lang="zh-CN" altLang="zh-CN" sz="900" b="0" i="0" u="none" strike="noStrike" cap="none" normalizeH="0" baseline="0" dirty="0" smtClean="0">
+              <a:rPr kumimoji="0" lang="zh-CN" altLang="zh-CN" sz="900" b="0" i="0" u="none" strike="noStrike" cap="none" normalizeH="0" baseline="0" dirty="0">
                 <a:ln>
                   <a:noFill/>
                 </a:ln>
@@ -7831,7 +7704,7 @@
               <a:t>B c = </a:t>
             </a:r>
             <a:r>
-              <a:rPr kumimoji="0" lang="zh-CN" altLang="zh-CN" sz="900" b="0" i="0" u="none" strike="noStrike" cap="none" normalizeH="0" baseline="0" dirty="0" smtClean="0">
+              <a:rPr kumimoji="0" lang="zh-CN" altLang="zh-CN" sz="900" b="0" i="0" u="none" strike="noStrike" cap="none" normalizeH="0" baseline="0" dirty="0">
                 <a:ln>
                   <a:noFill/>
                 </a:ln>
@@ -7845,7 +7718,7 @@
               <a:t>new </a:t>
             </a:r>
             <a:r>
-              <a:rPr kumimoji="0" lang="zh-CN" altLang="zh-CN" sz="900" b="0" i="0" u="none" strike="noStrike" cap="none" normalizeH="0" baseline="0" dirty="0" smtClean="0">
+              <a:rPr kumimoji="0" lang="zh-CN" altLang="zh-CN" sz="900" b="0" i="0" u="none" strike="noStrike" cap="none" normalizeH="0" baseline="0" dirty="0">
                 <a:ln>
                   <a:noFill/>
                 </a:ln>
@@ -7859,7 +7732,7 @@
               <a:t>B()</a:t>
             </a:r>
             <a:r>
-              <a:rPr kumimoji="0" lang="zh-CN" altLang="zh-CN" sz="900" b="0" i="0" u="none" strike="noStrike" cap="none" normalizeH="0" baseline="0" dirty="0" smtClean="0">
+              <a:rPr kumimoji="0" lang="zh-CN" altLang="zh-CN" sz="900" b="0" i="0" u="none" strike="noStrike" cap="none" normalizeH="0" baseline="0" dirty="0">
                 <a:ln>
                   <a:noFill/>
                 </a:ln>
@@ -7873,7 +7746,7 @@
               <a:t>;</a:t>
             </a:r>
             <a:br>
-              <a:rPr kumimoji="0" lang="zh-CN" altLang="zh-CN" sz="900" b="0" i="0" u="none" strike="noStrike" cap="none" normalizeH="0" baseline="0" dirty="0" smtClean="0">
+              <a:rPr kumimoji="0" lang="zh-CN" altLang="zh-CN" sz="900" b="0" i="0" u="none" strike="noStrike" cap="none" normalizeH="0" baseline="0" dirty="0">
                 <a:ln>
                   <a:noFill/>
                 </a:ln>
@@ -7886,7 +7759,7 @@
               </a:rPr>
             </a:br>
             <a:r>
-              <a:rPr kumimoji="0" lang="zh-CN" altLang="zh-CN" sz="900" b="0" i="0" u="none" strike="noStrike" cap="none" normalizeH="0" baseline="0" dirty="0" smtClean="0">
+              <a:rPr kumimoji="0" lang="zh-CN" altLang="zh-CN" sz="900" b="0" i="0" u="none" strike="noStrike" cap="none" normalizeH="0" baseline="0" dirty="0">
                 <a:ln>
                   <a:noFill/>
                 </a:ln>
@@ -7900,7 +7773,7 @@
               <a:t>            </a:t>
             </a:r>
             <a:r>
-              <a:rPr kumimoji="0" lang="zh-CN" altLang="zh-CN" sz="900" b="0" i="0" u="none" strike="noStrike" cap="none" normalizeH="0" baseline="0" dirty="0" smtClean="0">
+              <a:rPr kumimoji="0" lang="zh-CN" altLang="zh-CN" sz="900" b="0" i="0" u="none" strike="noStrike" cap="none" normalizeH="0" baseline="0" dirty="0">
                 <a:ln>
                   <a:noFill/>
                 </a:ln>
@@ -7914,7 +7787,7 @@
               <a:t>x = c</a:t>
             </a:r>
             <a:r>
-              <a:rPr kumimoji="0" lang="zh-CN" altLang="zh-CN" sz="900" b="0" i="0" u="none" strike="noStrike" cap="none" normalizeH="0" baseline="0" dirty="0" smtClean="0">
+              <a:rPr kumimoji="0" lang="zh-CN" altLang="zh-CN" sz="900" b="0" i="0" u="none" strike="noStrike" cap="none" normalizeH="0" baseline="0" dirty="0">
                 <a:ln>
                   <a:noFill/>
                 </a:ln>
@@ -7928,7 +7801,7 @@
               <a:t>;</a:t>
             </a:r>
             <a:br>
-              <a:rPr kumimoji="0" lang="zh-CN" altLang="zh-CN" sz="900" b="0" i="0" u="none" strike="noStrike" cap="none" normalizeH="0" baseline="0" dirty="0" smtClean="0">
+              <a:rPr kumimoji="0" lang="zh-CN" altLang="zh-CN" sz="900" b="0" i="0" u="none" strike="noStrike" cap="none" normalizeH="0" baseline="0" dirty="0">
                 <a:ln>
                   <a:noFill/>
                 </a:ln>
@@ -7941,7 +7814,7 @@
               </a:rPr>
             </a:br>
             <a:r>
-              <a:rPr kumimoji="0" lang="zh-CN" altLang="zh-CN" sz="900" b="0" i="0" u="none" strike="noStrike" cap="none" normalizeH="0" baseline="0" dirty="0" smtClean="0">
+              <a:rPr kumimoji="0" lang="zh-CN" altLang="zh-CN" sz="900" b="0" i="0" u="none" strike="noStrike" cap="none" normalizeH="0" baseline="0" dirty="0">
                 <a:ln>
                   <a:noFill/>
                 </a:ln>
@@ -7955,7 +7828,7 @@
               <a:t>            </a:t>
             </a:r>
             <a:r>
-              <a:rPr kumimoji="0" lang="zh-CN" altLang="zh-CN" sz="900" b="0" i="0" u="none" strike="noStrike" cap="none" normalizeH="0" baseline="0" dirty="0" smtClean="0">
+              <a:rPr kumimoji="0" lang="zh-CN" altLang="zh-CN" sz="900" b="0" i="0" u="none" strike="noStrike" cap="none" normalizeH="0" baseline="0" dirty="0">
                 <a:ln>
                   <a:noFill/>
                 </a:ln>
@@ -7969,7 +7842,7 @@
               <a:t>a.a.f = c</a:t>
             </a:r>
             <a:r>
-              <a:rPr kumimoji="0" lang="zh-CN" altLang="zh-CN" sz="900" b="0" i="0" u="none" strike="noStrike" cap="none" normalizeH="0" baseline="0" dirty="0" smtClean="0">
+              <a:rPr kumimoji="0" lang="zh-CN" altLang="zh-CN" sz="900" b="0" i="0" u="none" strike="noStrike" cap="none" normalizeH="0" baseline="0" dirty="0">
                 <a:ln>
                   <a:noFill/>
                 </a:ln>
@@ -7983,7 +7856,7 @@
               <a:t>;</a:t>
             </a:r>
             <a:br>
-              <a:rPr kumimoji="0" lang="zh-CN" altLang="zh-CN" sz="900" b="0" i="0" u="none" strike="noStrike" cap="none" normalizeH="0" baseline="0" dirty="0" smtClean="0">
+              <a:rPr kumimoji="0" lang="zh-CN" altLang="zh-CN" sz="900" b="0" i="0" u="none" strike="noStrike" cap="none" normalizeH="0" baseline="0" dirty="0">
                 <a:ln>
                   <a:noFill/>
                 </a:ln>
@@ -7996,7 +7869,7 @@
               </a:rPr>
             </a:br>
             <a:r>
-              <a:rPr kumimoji="0" lang="zh-CN" altLang="zh-CN" sz="900" b="0" i="0" u="none" strike="noStrike" cap="none" normalizeH="0" baseline="0" dirty="0" smtClean="0">
+              <a:rPr kumimoji="0" lang="zh-CN" altLang="zh-CN" sz="900" b="0" i="0" u="none" strike="noStrike" cap="none" normalizeH="0" baseline="0" dirty="0">
                 <a:ln>
                   <a:noFill/>
                 </a:ln>
@@ -8010,7 +7883,7 @@
               <a:t>            return </a:t>
             </a:r>
             <a:r>
-              <a:rPr kumimoji="0" lang="zh-CN" altLang="zh-CN" sz="900" b="0" i="0" u="none" strike="noStrike" cap="none" normalizeH="0" baseline="0" dirty="0" smtClean="0">
+              <a:rPr kumimoji="0" lang="zh-CN" altLang="zh-CN" sz="900" b="0" i="0" u="none" strike="noStrike" cap="none" normalizeH="0" baseline="0" dirty="0">
                 <a:ln>
                   <a:noFill/>
                 </a:ln>
@@ -8024,7 +7897,7 @@
               <a:t>c</a:t>
             </a:r>
             <a:r>
-              <a:rPr kumimoji="0" lang="zh-CN" altLang="zh-CN" sz="900" b="0" i="0" u="none" strike="noStrike" cap="none" normalizeH="0" baseline="0" dirty="0" smtClean="0">
+              <a:rPr kumimoji="0" lang="zh-CN" altLang="zh-CN" sz="900" b="0" i="0" u="none" strike="noStrike" cap="none" normalizeH="0" baseline="0" dirty="0">
                 <a:ln>
                   <a:noFill/>
                 </a:ln>
@@ -8038,7 +7911,7 @@
               <a:t>;</a:t>
             </a:r>
             <a:br>
-              <a:rPr kumimoji="0" lang="zh-CN" altLang="zh-CN" sz="900" b="0" i="0" u="none" strike="noStrike" cap="none" normalizeH="0" baseline="0" dirty="0" smtClean="0">
+              <a:rPr kumimoji="0" lang="zh-CN" altLang="zh-CN" sz="900" b="0" i="0" u="none" strike="noStrike" cap="none" normalizeH="0" baseline="0" dirty="0">
                 <a:ln>
                   <a:noFill/>
                 </a:ln>
@@ -8051,7 +7924,7 @@
               </a:rPr>
             </a:br>
             <a:r>
-              <a:rPr kumimoji="0" lang="zh-CN" altLang="zh-CN" sz="900" b="0" i="0" u="none" strike="noStrike" cap="none" normalizeH="0" baseline="0" dirty="0" smtClean="0">
+              <a:rPr kumimoji="0" lang="zh-CN" altLang="zh-CN" sz="900" b="0" i="0" u="none" strike="noStrike" cap="none" normalizeH="0" baseline="0" dirty="0">
                 <a:ln>
                   <a:noFill/>
                 </a:ln>
@@ -8065,7 +7938,7 @@
               <a:t>        </a:t>
             </a:r>
             <a:r>
-              <a:rPr kumimoji="0" lang="zh-CN" altLang="zh-CN" sz="900" b="0" i="0" u="none" strike="noStrike" cap="none" normalizeH="0" baseline="0" dirty="0" smtClean="0">
+              <a:rPr kumimoji="0" lang="zh-CN" altLang="zh-CN" sz="900" b="0" i="0" u="none" strike="noStrike" cap="none" normalizeH="0" baseline="0" dirty="0">
                 <a:ln>
                   <a:noFill/>
                 </a:ln>
@@ -8079,7 +7952,7 @@
               <a:t>}</a:t>
             </a:r>
             <a:br>
-              <a:rPr kumimoji="0" lang="zh-CN" altLang="zh-CN" sz="900" b="0" i="0" u="none" strike="noStrike" cap="none" normalizeH="0" baseline="0" dirty="0" smtClean="0">
+              <a:rPr kumimoji="0" lang="zh-CN" altLang="zh-CN" sz="900" b="0" i="0" u="none" strike="noStrike" cap="none" normalizeH="0" baseline="0" dirty="0">
                 <a:ln>
                   <a:noFill/>
                 </a:ln>
@@ -8092,7 +7965,7 @@
               </a:rPr>
             </a:br>
             <a:r>
-              <a:rPr kumimoji="0" lang="zh-CN" altLang="zh-CN" sz="900" b="0" i="0" u="none" strike="noStrike" cap="none" normalizeH="0" baseline="0" dirty="0" smtClean="0">
+              <a:rPr kumimoji="0" lang="zh-CN" altLang="zh-CN" sz="900" b="0" i="0" u="none" strike="noStrike" cap="none" normalizeH="0" baseline="0" dirty="0">
                 <a:ln>
                   <a:noFill/>
                 </a:ln>
@@ -8106,7 +7979,7 @@
               <a:t>        </a:t>
             </a:r>
             <a:r>
-              <a:rPr kumimoji="0" lang="zh-CN" altLang="zh-CN" sz="900" b="0" i="0" u="none" strike="noStrike" cap="none" normalizeH="0" baseline="0" dirty="0" smtClean="0">
+              <a:rPr kumimoji="0" lang="zh-CN" altLang="zh-CN" sz="900" b="0" i="0" u="none" strike="noStrike" cap="none" normalizeH="0" baseline="0" dirty="0">
                 <a:ln>
                   <a:noFill/>
                 </a:ln>
@@ -8120,7 +7993,7 @@
               <a:t>return </a:t>
             </a:r>
             <a:r>
-              <a:rPr kumimoji="0" lang="zh-CN" altLang="zh-CN" sz="900" b="0" i="0" u="none" strike="noStrike" cap="none" normalizeH="0" baseline="0" dirty="0" smtClean="0">
+              <a:rPr kumimoji="0" lang="zh-CN" altLang="zh-CN" sz="900" b="0" i="0" u="none" strike="noStrike" cap="none" normalizeH="0" baseline="0" dirty="0">
                 <a:ln>
                   <a:noFill/>
                 </a:ln>
@@ -8134,7 +8007,7 @@
               <a:t>b</a:t>
             </a:r>
             <a:r>
-              <a:rPr kumimoji="0" lang="zh-CN" altLang="zh-CN" sz="900" b="0" i="0" u="none" strike="noStrike" cap="none" normalizeH="0" baseline="0" dirty="0" smtClean="0">
+              <a:rPr kumimoji="0" lang="zh-CN" altLang="zh-CN" sz="900" b="0" i="0" u="none" strike="noStrike" cap="none" normalizeH="0" baseline="0" dirty="0">
                 <a:ln>
                   <a:noFill/>
                 </a:ln>
@@ -8148,7 +8021,7 @@
               <a:t>;</a:t>
             </a:r>
             <a:br>
-              <a:rPr kumimoji="0" lang="zh-CN" altLang="zh-CN" sz="900" b="0" i="0" u="none" strike="noStrike" cap="none" normalizeH="0" baseline="0" dirty="0" smtClean="0">
+              <a:rPr kumimoji="0" lang="zh-CN" altLang="zh-CN" sz="900" b="0" i="0" u="none" strike="noStrike" cap="none" normalizeH="0" baseline="0" dirty="0">
                 <a:ln>
                   <a:noFill/>
                 </a:ln>
@@ -8161,7 +8034,7 @@
               </a:rPr>
             </a:br>
             <a:r>
-              <a:rPr kumimoji="0" lang="zh-CN" altLang="zh-CN" sz="900" b="0" i="0" u="none" strike="noStrike" cap="none" normalizeH="0" baseline="0" dirty="0" smtClean="0">
+              <a:rPr kumimoji="0" lang="zh-CN" altLang="zh-CN" sz="900" b="0" i="0" u="none" strike="noStrike" cap="none" normalizeH="0" baseline="0" dirty="0">
                 <a:ln>
                   <a:noFill/>
                 </a:ln>
@@ -8175,7 +8048,7 @@
               <a:t>    </a:t>
             </a:r>
             <a:r>
-              <a:rPr kumimoji="0" lang="zh-CN" altLang="zh-CN" sz="900" b="0" i="0" u="none" strike="noStrike" cap="none" normalizeH="0" baseline="0" dirty="0" smtClean="0">
+              <a:rPr kumimoji="0" lang="zh-CN" altLang="zh-CN" sz="900" b="0" i="0" u="none" strike="noStrike" cap="none" normalizeH="0" baseline="0" dirty="0">
                 <a:ln>
                   <a:noFill/>
                 </a:ln>
@@ -8189,7 +8062,7 @@
               <a:t>}</a:t>
             </a:r>
             <a:br>
-              <a:rPr kumimoji="0" lang="zh-CN" altLang="zh-CN" sz="900" b="0" i="0" u="none" strike="noStrike" cap="none" normalizeH="0" baseline="0" dirty="0" smtClean="0">
+              <a:rPr kumimoji="0" lang="zh-CN" altLang="zh-CN" sz="900" b="0" i="0" u="none" strike="noStrike" cap="none" normalizeH="0" baseline="0" dirty="0">
                 <a:ln>
                   <a:noFill/>
                 </a:ln>
@@ -8201,22 +8074,8 @@
                 <a:ea typeface="JetBrains Mono"/>
               </a:rPr>
             </a:br>
-            <a:r>
-              <a:rPr kumimoji="0" lang="zh-CN" altLang="zh-CN" sz="900" b="0" i="0" u="none" strike="noStrike" cap="none" normalizeH="0" baseline="0" dirty="0" smtClean="0">
-                <a:ln>
-                  <a:noFill/>
-                </a:ln>
-                <a:solidFill>
-                  <a:srgbClr val="A9B7C6"/>
-                </a:solidFill>
-                <a:effectLst/>
-                <a:latin typeface="Consolas" panose="020B0609020204030204" pitchFamily="49" charset="0"/>
-                <a:ea typeface="JetBrains Mono"/>
-              </a:rPr>
-              <a:t/>
-            </a:r>
             <a:br>
-              <a:rPr kumimoji="0" lang="zh-CN" altLang="zh-CN" sz="900" b="0" i="0" u="none" strike="noStrike" cap="none" normalizeH="0" baseline="0" dirty="0" smtClean="0">
+              <a:rPr kumimoji="0" lang="zh-CN" altLang="zh-CN" sz="900" b="0" i="0" u="none" strike="noStrike" cap="none" normalizeH="0" baseline="0" dirty="0">
                 <a:ln>
                   <a:noFill/>
                 </a:ln>
@@ -8229,7 +8088,7 @@
               </a:rPr>
             </a:br>
             <a:r>
-              <a:rPr kumimoji="0" lang="zh-CN" altLang="zh-CN" sz="900" b="0" i="0" u="none" strike="noStrike" cap="none" normalizeH="0" baseline="0" dirty="0" smtClean="0">
+              <a:rPr kumimoji="0" lang="zh-CN" altLang="zh-CN" sz="900" b="0" i="0" u="none" strike="noStrike" cap="none" normalizeH="0" baseline="0" dirty="0">
                 <a:ln>
                   <a:noFill/>
                 </a:ln>
@@ -8243,7 +8102,7 @@
               <a:t>    </a:t>
             </a:r>
             <a:r>
-              <a:rPr kumimoji="0" lang="zh-CN" altLang="zh-CN" sz="900" b="0" i="0" u="none" strike="noStrike" cap="none" normalizeH="0" baseline="0" dirty="0" smtClean="0">
+              <a:rPr kumimoji="0" lang="zh-CN" altLang="zh-CN" sz="900" b="0" i="0" u="none" strike="noStrike" cap="none" normalizeH="0" baseline="0" dirty="0">
                 <a:ln>
                   <a:noFill/>
                 </a:ln>
@@ -8257,7 +8116,7 @@
               <a:t>public static </a:t>
             </a:r>
             <a:r>
-              <a:rPr kumimoji="0" lang="zh-CN" altLang="zh-CN" sz="900" b="0" i="0" u="none" strike="noStrike" cap="none" normalizeH="0" baseline="0" dirty="0" smtClean="0">
+              <a:rPr kumimoji="0" lang="zh-CN" altLang="zh-CN" sz="900" b="0" i="0" u="none" strike="noStrike" cap="none" normalizeH="0" baseline="0" dirty="0">
                 <a:ln>
                   <a:noFill/>
                 </a:ln>
@@ -8271,7 +8130,7 @@
               <a:t>B f2(B b) {</a:t>
             </a:r>
             <a:br>
-              <a:rPr kumimoji="0" lang="zh-CN" altLang="zh-CN" sz="900" b="0" i="0" u="none" strike="noStrike" cap="none" normalizeH="0" baseline="0" dirty="0" smtClean="0">
+              <a:rPr kumimoji="0" lang="zh-CN" altLang="zh-CN" sz="900" b="0" i="0" u="none" strike="noStrike" cap="none" normalizeH="0" baseline="0" dirty="0">
                 <a:ln>
                   <a:noFill/>
                 </a:ln>
@@ -8284,7 +8143,7 @@
               </a:rPr>
             </a:br>
             <a:r>
-              <a:rPr kumimoji="0" lang="zh-CN" altLang="zh-CN" sz="900" b="0" i="0" u="none" strike="noStrike" cap="none" normalizeH="0" baseline="0" dirty="0" smtClean="0">
+              <a:rPr kumimoji="0" lang="zh-CN" altLang="zh-CN" sz="900" b="0" i="0" u="none" strike="noStrike" cap="none" normalizeH="0" baseline="0" dirty="0">
                 <a:ln>
                   <a:noFill/>
                 </a:ln>
@@ -8298,7 +8157,7 @@
               <a:t>        BenchmarkN.alloc(</a:t>
             </a:r>
             <a:r>
-              <a:rPr kumimoji="0" lang="zh-CN" altLang="zh-CN" sz="900" b="0" i="0" u="none" strike="noStrike" cap="none" normalizeH="0" baseline="0" dirty="0" smtClean="0">
+              <a:rPr kumimoji="0" lang="zh-CN" altLang="zh-CN" sz="900" b="0" i="0" u="none" strike="noStrike" cap="none" normalizeH="0" baseline="0" dirty="0">
                 <a:ln>
                   <a:noFill/>
                 </a:ln>
@@ -8312,7 +8171,7 @@
               <a:t>7</a:t>
             </a:r>
             <a:r>
-              <a:rPr kumimoji="0" lang="zh-CN" altLang="zh-CN" sz="900" b="0" i="0" u="none" strike="noStrike" cap="none" normalizeH="0" baseline="0" dirty="0" smtClean="0">
+              <a:rPr kumimoji="0" lang="zh-CN" altLang="zh-CN" sz="900" b="0" i="0" u="none" strike="noStrike" cap="none" normalizeH="0" baseline="0" dirty="0">
                 <a:ln>
                   <a:noFill/>
                 </a:ln>
@@ -8326,7 +8185,7 @@
               <a:t>)</a:t>
             </a:r>
             <a:r>
-              <a:rPr kumimoji="0" lang="zh-CN" altLang="zh-CN" sz="900" b="0" i="0" u="none" strike="noStrike" cap="none" normalizeH="0" baseline="0" dirty="0" smtClean="0">
+              <a:rPr kumimoji="0" lang="zh-CN" altLang="zh-CN" sz="900" b="0" i="0" u="none" strike="noStrike" cap="none" normalizeH="0" baseline="0" dirty="0">
                 <a:ln>
                   <a:noFill/>
                 </a:ln>
@@ -8340,7 +8199,7 @@
               <a:t>;</a:t>
             </a:r>
             <a:br>
-              <a:rPr kumimoji="0" lang="zh-CN" altLang="zh-CN" sz="900" b="0" i="0" u="none" strike="noStrike" cap="none" normalizeH="0" baseline="0" dirty="0" smtClean="0">
+              <a:rPr kumimoji="0" lang="zh-CN" altLang="zh-CN" sz="900" b="0" i="0" u="none" strike="noStrike" cap="none" normalizeH="0" baseline="0" dirty="0">
                 <a:ln>
                   <a:noFill/>
                 </a:ln>
@@ -8353,7 +8212,7 @@
               </a:rPr>
             </a:br>
             <a:r>
-              <a:rPr kumimoji="0" lang="zh-CN" altLang="zh-CN" sz="900" b="0" i="0" u="none" strike="noStrike" cap="none" normalizeH="0" baseline="0" dirty="0" smtClean="0">
+              <a:rPr kumimoji="0" lang="zh-CN" altLang="zh-CN" sz="900" b="0" i="0" u="none" strike="noStrike" cap="none" normalizeH="0" baseline="0" dirty="0">
                 <a:ln>
                   <a:noFill/>
                 </a:ln>
@@ -8367,7 +8226,7 @@
               <a:t>        </a:t>
             </a:r>
             <a:r>
-              <a:rPr kumimoji="0" lang="zh-CN" altLang="zh-CN" sz="900" b="0" i="0" u="none" strike="noStrike" cap="none" normalizeH="0" baseline="0" dirty="0" smtClean="0">
+              <a:rPr kumimoji="0" lang="zh-CN" altLang="zh-CN" sz="900" b="0" i="0" u="none" strike="noStrike" cap="none" normalizeH="0" baseline="0" dirty="0">
                 <a:ln>
                   <a:noFill/>
                 </a:ln>
@@ -8381,7 +8240,7 @@
               <a:t>B c = </a:t>
             </a:r>
             <a:r>
-              <a:rPr kumimoji="0" lang="zh-CN" altLang="zh-CN" sz="900" b="0" i="0" u="none" strike="noStrike" cap="none" normalizeH="0" baseline="0" dirty="0" smtClean="0">
+              <a:rPr kumimoji="0" lang="zh-CN" altLang="zh-CN" sz="900" b="0" i="0" u="none" strike="noStrike" cap="none" normalizeH="0" baseline="0" dirty="0">
                 <a:ln>
                   <a:noFill/>
                 </a:ln>
@@ -8395,7 +8254,7 @@
               <a:t>new </a:t>
             </a:r>
             <a:r>
-              <a:rPr kumimoji="0" lang="zh-CN" altLang="zh-CN" sz="900" b="0" i="0" u="none" strike="noStrike" cap="none" normalizeH="0" baseline="0" dirty="0" smtClean="0">
+              <a:rPr kumimoji="0" lang="zh-CN" altLang="zh-CN" sz="900" b="0" i="0" u="none" strike="noStrike" cap="none" normalizeH="0" baseline="0" dirty="0">
                 <a:ln>
                   <a:noFill/>
                 </a:ln>
@@ -8409,7 +8268,7 @@
               <a:t>B()</a:t>
             </a:r>
             <a:r>
-              <a:rPr kumimoji="0" lang="zh-CN" altLang="zh-CN" sz="900" b="0" i="0" u="none" strike="noStrike" cap="none" normalizeH="0" baseline="0" dirty="0" smtClean="0">
+              <a:rPr kumimoji="0" lang="zh-CN" altLang="zh-CN" sz="900" b="0" i="0" u="none" strike="noStrike" cap="none" normalizeH="0" baseline="0" dirty="0">
                 <a:ln>
                   <a:noFill/>
                 </a:ln>
@@ -8423,7 +8282,7 @@
               <a:t>;</a:t>
             </a:r>
             <a:br>
-              <a:rPr kumimoji="0" lang="zh-CN" altLang="zh-CN" sz="900" b="0" i="0" u="none" strike="noStrike" cap="none" normalizeH="0" baseline="0" dirty="0" smtClean="0">
+              <a:rPr kumimoji="0" lang="zh-CN" altLang="zh-CN" sz="900" b="0" i="0" u="none" strike="noStrike" cap="none" normalizeH="0" baseline="0" dirty="0">
                 <a:ln>
                   <a:noFill/>
                 </a:ln>
@@ -8436,7 +8295,7 @@
               </a:rPr>
             </a:br>
             <a:r>
-              <a:rPr kumimoji="0" lang="zh-CN" altLang="zh-CN" sz="900" b="0" i="0" u="none" strike="noStrike" cap="none" normalizeH="0" baseline="0" dirty="0" smtClean="0">
+              <a:rPr kumimoji="0" lang="zh-CN" altLang="zh-CN" sz="900" b="0" i="0" u="none" strike="noStrike" cap="none" normalizeH="0" baseline="0" dirty="0">
                 <a:ln>
                   <a:noFill/>
                 </a:ln>
@@ -8450,7 +8309,7 @@
               <a:t>        </a:t>
             </a:r>
             <a:r>
-              <a:rPr kumimoji="0" lang="zh-CN" altLang="zh-CN" sz="900" b="0" i="0" u="none" strike="noStrike" cap="none" normalizeH="0" baseline="0" dirty="0" smtClean="0">
+              <a:rPr kumimoji="0" lang="zh-CN" altLang="zh-CN" sz="900" b="0" i="0" u="none" strike="noStrike" cap="none" normalizeH="0" baseline="0" dirty="0">
                 <a:ln>
                   <a:noFill/>
                 </a:ln>
@@ -8464,7 +8323,7 @@
               <a:t>x = c</a:t>
             </a:r>
             <a:r>
-              <a:rPr kumimoji="0" lang="zh-CN" altLang="zh-CN" sz="900" b="0" i="0" u="none" strike="noStrike" cap="none" normalizeH="0" baseline="0" dirty="0" smtClean="0">
+              <a:rPr kumimoji="0" lang="zh-CN" altLang="zh-CN" sz="900" b="0" i="0" u="none" strike="noStrike" cap="none" normalizeH="0" baseline="0" dirty="0">
                 <a:ln>
                   <a:noFill/>
                 </a:ln>
@@ -8478,7 +8337,7 @@
               <a:t>;</a:t>
             </a:r>
             <a:br>
-              <a:rPr kumimoji="0" lang="zh-CN" altLang="zh-CN" sz="900" b="0" i="0" u="none" strike="noStrike" cap="none" normalizeH="0" baseline="0" dirty="0" smtClean="0">
+              <a:rPr kumimoji="0" lang="zh-CN" altLang="zh-CN" sz="900" b="0" i="0" u="none" strike="noStrike" cap="none" normalizeH="0" baseline="0" dirty="0">
                 <a:ln>
                   <a:noFill/>
                 </a:ln>
@@ -8491,7 +8350,7 @@
               </a:rPr>
             </a:br>
             <a:r>
-              <a:rPr kumimoji="0" lang="zh-CN" altLang="zh-CN" sz="900" b="0" i="0" u="none" strike="noStrike" cap="none" normalizeH="0" baseline="0" dirty="0" smtClean="0">
+              <a:rPr kumimoji="0" lang="zh-CN" altLang="zh-CN" sz="900" b="0" i="0" u="none" strike="noStrike" cap="none" normalizeH="0" baseline="0" dirty="0">
                 <a:ln>
                   <a:noFill/>
                 </a:ln>
@@ -8505,7 +8364,7 @@
               <a:t>        </a:t>
             </a:r>
             <a:r>
-              <a:rPr kumimoji="0" lang="zh-CN" altLang="zh-CN" sz="900" b="0" i="0" u="none" strike="noStrike" cap="none" normalizeH="0" baseline="0" dirty="0" smtClean="0">
+              <a:rPr kumimoji="0" lang="zh-CN" altLang="zh-CN" sz="900" b="0" i="0" u="none" strike="noStrike" cap="none" normalizeH="0" baseline="0" dirty="0">
                 <a:ln>
                   <a:noFill/>
                 </a:ln>
@@ -8519,7 +8378,7 @@
               <a:t>a.a.f = c</a:t>
             </a:r>
             <a:r>
-              <a:rPr kumimoji="0" lang="zh-CN" altLang="zh-CN" sz="900" b="0" i="0" u="none" strike="noStrike" cap="none" normalizeH="0" baseline="0" dirty="0" smtClean="0">
+              <a:rPr kumimoji="0" lang="zh-CN" altLang="zh-CN" sz="900" b="0" i="0" u="none" strike="noStrike" cap="none" normalizeH="0" baseline="0" dirty="0">
                 <a:ln>
                   <a:noFill/>
                 </a:ln>
@@ -8533,7 +8392,7 @@
               <a:t>;</a:t>
             </a:r>
             <a:br>
-              <a:rPr kumimoji="0" lang="zh-CN" altLang="zh-CN" sz="900" b="0" i="0" u="none" strike="noStrike" cap="none" normalizeH="0" baseline="0" dirty="0" smtClean="0">
+              <a:rPr kumimoji="0" lang="zh-CN" altLang="zh-CN" sz="900" b="0" i="0" u="none" strike="noStrike" cap="none" normalizeH="0" baseline="0" dirty="0">
                 <a:ln>
                   <a:noFill/>
                 </a:ln>
@@ -8546,7 +8405,7 @@
               </a:rPr>
             </a:br>
             <a:r>
-              <a:rPr kumimoji="0" lang="zh-CN" altLang="zh-CN" sz="900" b="0" i="0" u="none" strike="noStrike" cap="none" normalizeH="0" baseline="0" dirty="0" smtClean="0">
+              <a:rPr kumimoji="0" lang="zh-CN" altLang="zh-CN" sz="900" b="0" i="0" u="none" strike="noStrike" cap="none" normalizeH="0" baseline="0" dirty="0">
                 <a:ln>
                   <a:noFill/>
                 </a:ln>
@@ -8560,7 +8419,7 @@
               <a:t>        return </a:t>
             </a:r>
             <a:r>
-              <a:rPr kumimoji="0" lang="zh-CN" altLang="zh-CN" sz="900" b="0" i="0" u="none" strike="noStrike" cap="none" normalizeH="0" baseline="0" dirty="0" smtClean="0">
+              <a:rPr kumimoji="0" lang="zh-CN" altLang="zh-CN" sz="900" b="0" i="0" u="none" strike="noStrike" cap="none" normalizeH="0" baseline="0" dirty="0">
                 <a:ln>
                   <a:noFill/>
                 </a:ln>
@@ -8574,7 +8433,7 @@
               <a:t>c</a:t>
             </a:r>
             <a:r>
-              <a:rPr kumimoji="0" lang="zh-CN" altLang="zh-CN" sz="900" b="0" i="0" u="none" strike="noStrike" cap="none" normalizeH="0" baseline="0" dirty="0" smtClean="0">
+              <a:rPr kumimoji="0" lang="zh-CN" altLang="zh-CN" sz="900" b="0" i="0" u="none" strike="noStrike" cap="none" normalizeH="0" baseline="0" dirty="0">
                 <a:ln>
                   <a:noFill/>
                 </a:ln>
@@ -8588,7 +8447,7 @@
               <a:t>;</a:t>
             </a:r>
             <a:br>
-              <a:rPr kumimoji="0" lang="zh-CN" altLang="zh-CN" sz="900" b="0" i="0" u="none" strike="noStrike" cap="none" normalizeH="0" baseline="0" dirty="0" smtClean="0">
+              <a:rPr kumimoji="0" lang="zh-CN" altLang="zh-CN" sz="900" b="0" i="0" u="none" strike="noStrike" cap="none" normalizeH="0" baseline="0" dirty="0">
                 <a:ln>
                   <a:noFill/>
                 </a:ln>
@@ -8601,7 +8460,7 @@
               </a:rPr>
             </a:br>
             <a:r>
-              <a:rPr kumimoji="0" lang="zh-CN" altLang="zh-CN" sz="900" b="0" i="0" u="none" strike="noStrike" cap="none" normalizeH="0" baseline="0" dirty="0" smtClean="0">
+              <a:rPr kumimoji="0" lang="zh-CN" altLang="zh-CN" sz="900" b="0" i="0" u="none" strike="noStrike" cap="none" normalizeH="0" baseline="0" dirty="0">
                 <a:ln>
                   <a:noFill/>
                 </a:ln>
@@ -8615,7 +8474,7 @@
               <a:t>    </a:t>
             </a:r>
             <a:r>
-              <a:rPr kumimoji="0" lang="zh-CN" altLang="zh-CN" sz="900" b="0" i="0" u="none" strike="noStrike" cap="none" normalizeH="0" baseline="0" dirty="0" smtClean="0">
+              <a:rPr kumimoji="0" lang="zh-CN" altLang="zh-CN" sz="900" b="0" i="0" u="none" strike="noStrike" cap="none" normalizeH="0" baseline="0" dirty="0">
                 <a:ln>
                   <a:noFill/>
                 </a:ln>
@@ -8629,7 +8488,7 @@
               <a:t>}</a:t>
             </a:r>
             <a:br>
-              <a:rPr kumimoji="0" lang="zh-CN" altLang="zh-CN" sz="900" b="0" i="0" u="none" strike="noStrike" cap="none" normalizeH="0" baseline="0" dirty="0" smtClean="0">
+              <a:rPr kumimoji="0" lang="zh-CN" altLang="zh-CN" sz="900" b="0" i="0" u="none" strike="noStrike" cap="none" normalizeH="0" baseline="0" dirty="0">
                 <a:ln>
                   <a:noFill/>
                 </a:ln>
@@ -8641,22 +8500,8 @@
                 <a:ea typeface="JetBrains Mono"/>
               </a:rPr>
             </a:br>
-            <a:r>
-              <a:rPr kumimoji="0" lang="zh-CN" altLang="zh-CN" sz="900" b="0" i="0" u="none" strike="noStrike" cap="none" normalizeH="0" baseline="0" dirty="0" smtClean="0">
-                <a:ln>
-                  <a:noFill/>
-                </a:ln>
-                <a:solidFill>
-                  <a:srgbClr val="A9B7C6"/>
-                </a:solidFill>
-                <a:effectLst/>
-                <a:latin typeface="Consolas" panose="020B0609020204030204" pitchFamily="49" charset="0"/>
-                <a:ea typeface="JetBrains Mono"/>
-              </a:rPr>
-              <a:t/>
-            </a:r>
             <a:br>
-              <a:rPr kumimoji="0" lang="zh-CN" altLang="zh-CN" sz="900" b="0" i="0" u="none" strike="noStrike" cap="none" normalizeH="0" baseline="0" dirty="0" smtClean="0">
+              <a:rPr kumimoji="0" lang="zh-CN" altLang="zh-CN" sz="900" b="0" i="0" u="none" strike="noStrike" cap="none" normalizeH="0" baseline="0" dirty="0">
                 <a:ln>
                   <a:noFill/>
                 </a:ln>
@@ -8669,7 +8514,7 @@
               </a:rPr>
             </a:br>
             <a:r>
-              <a:rPr kumimoji="0" lang="zh-CN" altLang="zh-CN" sz="900" b="0" i="0" u="none" strike="noStrike" cap="none" normalizeH="0" baseline="0" dirty="0" smtClean="0">
+              <a:rPr kumimoji="0" lang="zh-CN" altLang="zh-CN" sz="900" b="0" i="0" u="none" strike="noStrike" cap="none" normalizeH="0" baseline="0" dirty="0">
                 <a:ln>
                   <a:noFill/>
                 </a:ln>
@@ -8683,7 +8528,7 @@
               <a:t>    </a:t>
             </a:r>
             <a:r>
-              <a:rPr kumimoji="0" lang="zh-CN" altLang="zh-CN" sz="900" b="0" i="0" u="none" strike="noStrike" cap="none" normalizeH="0" baseline="0" dirty="0" smtClean="0">
+              <a:rPr kumimoji="0" lang="zh-CN" altLang="zh-CN" sz="900" b="0" i="0" u="none" strike="noStrike" cap="none" normalizeH="0" baseline="0" dirty="0">
                 <a:ln>
                   <a:noFill/>
                 </a:ln>
@@ -8697,7 +8542,7 @@
               <a:t>public static </a:t>
             </a:r>
             <a:r>
-              <a:rPr kumimoji="0" lang="zh-CN" altLang="zh-CN" sz="900" b="0" i="0" u="none" strike="noStrike" cap="none" normalizeH="0" baseline="0" dirty="0" smtClean="0">
+              <a:rPr kumimoji="0" lang="zh-CN" altLang="zh-CN" sz="900" b="0" i="0" u="none" strike="noStrike" cap="none" normalizeH="0" baseline="0" dirty="0">
                 <a:ln>
                   <a:noFill/>
                 </a:ln>
@@ -8711,7 +8556,7 @@
               <a:t>A bar(String[] args</a:t>
             </a:r>
             <a:r>
-              <a:rPr kumimoji="0" lang="zh-CN" altLang="zh-CN" sz="900" b="0" i="0" u="none" strike="noStrike" cap="none" normalizeH="0" baseline="0" dirty="0" smtClean="0">
+              <a:rPr kumimoji="0" lang="zh-CN" altLang="zh-CN" sz="900" b="0" i="0" u="none" strike="noStrike" cap="none" normalizeH="0" baseline="0" dirty="0">
                 <a:ln>
                   <a:noFill/>
                 </a:ln>
@@ -8725,7 +8570,7 @@
               <a:t>, </a:t>
             </a:r>
             <a:r>
-              <a:rPr kumimoji="0" lang="zh-CN" altLang="zh-CN" sz="900" b="0" i="0" u="none" strike="noStrike" cap="none" normalizeH="0" baseline="0" dirty="0" smtClean="0">
+              <a:rPr kumimoji="0" lang="zh-CN" altLang="zh-CN" sz="900" b="0" i="0" u="none" strike="noStrike" cap="none" normalizeH="0" baseline="0" dirty="0">
                 <a:ln>
                   <a:noFill/>
                 </a:ln>
@@ -8739,7 +8584,7 @@
               <a:t>A a1</a:t>
             </a:r>
             <a:r>
-              <a:rPr kumimoji="0" lang="zh-CN" altLang="zh-CN" sz="900" b="0" i="0" u="none" strike="noStrike" cap="none" normalizeH="0" baseline="0" dirty="0" smtClean="0">
+              <a:rPr kumimoji="0" lang="zh-CN" altLang="zh-CN" sz="900" b="0" i="0" u="none" strike="noStrike" cap="none" normalizeH="0" baseline="0" dirty="0">
                 <a:ln>
                   <a:noFill/>
                 </a:ln>
@@ -8753,7 +8598,7 @@
               <a:t>, </a:t>
             </a:r>
             <a:r>
-              <a:rPr kumimoji="0" lang="zh-CN" altLang="zh-CN" sz="900" b="0" i="0" u="none" strike="noStrike" cap="none" normalizeH="0" baseline="0" dirty="0" smtClean="0">
+              <a:rPr kumimoji="0" lang="zh-CN" altLang="zh-CN" sz="900" b="0" i="0" u="none" strike="noStrike" cap="none" normalizeH="0" baseline="0" dirty="0">
                 <a:ln>
                   <a:noFill/>
                 </a:ln>
@@ -8767,7 +8612,7 @@
               <a:t>A a2) {</a:t>
             </a:r>
             <a:br>
-              <a:rPr kumimoji="0" lang="zh-CN" altLang="zh-CN" sz="900" b="0" i="0" u="none" strike="noStrike" cap="none" normalizeH="0" baseline="0" dirty="0" smtClean="0">
+              <a:rPr kumimoji="0" lang="zh-CN" altLang="zh-CN" sz="900" b="0" i="0" u="none" strike="noStrike" cap="none" normalizeH="0" baseline="0" dirty="0">
                 <a:ln>
                   <a:noFill/>
                 </a:ln>
@@ -8780,7 +8625,7 @@
               </a:rPr>
             </a:br>
             <a:r>
-              <a:rPr kumimoji="0" lang="zh-CN" altLang="zh-CN" sz="900" b="0" i="0" u="none" strike="noStrike" cap="none" normalizeH="0" baseline="0" dirty="0" smtClean="0">
+              <a:rPr kumimoji="0" lang="zh-CN" altLang="zh-CN" sz="900" b="0" i="0" u="none" strike="noStrike" cap="none" normalizeH="0" baseline="0" dirty="0">
                 <a:ln>
                   <a:noFill/>
                 </a:ln>
@@ -8794,7 +8639,7 @@
               <a:t>        </a:t>
             </a:r>
             <a:r>
-              <a:rPr kumimoji="0" lang="zh-CN" altLang="zh-CN" sz="900" b="0" i="0" u="none" strike="noStrike" cap="none" normalizeH="0" baseline="0" dirty="0" smtClean="0">
+              <a:rPr kumimoji="0" lang="zh-CN" altLang="zh-CN" sz="900" b="0" i="0" u="none" strike="noStrike" cap="none" normalizeH="0" baseline="0" dirty="0">
                 <a:ln>
                   <a:noFill/>
                 </a:ln>
@@ -8808,7 +8653,7 @@
               <a:t>if </a:t>
             </a:r>
             <a:r>
-              <a:rPr kumimoji="0" lang="zh-CN" altLang="zh-CN" sz="900" b="0" i="0" u="none" strike="noStrike" cap="none" normalizeH="0" baseline="0" dirty="0" smtClean="0">
+              <a:rPr kumimoji="0" lang="zh-CN" altLang="zh-CN" sz="900" b="0" i="0" u="none" strike="noStrike" cap="none" normalizeH="0" baseline="0" dirty="0">
                 <a:ln>
                   <a:noFill/>
                 </a:ln>
@@ -8822,7 +8667,7 @@
               <a:t>(args.length &gt; </a:t>
             </a:r>
             <a:r>
-              <a:rPr kumimoji="0" lang="zh-CN" altLang="zh-CN" sz="900" b="0" i="0" u="none" strike="noStrike" cap="none" normalizeH="0" baseline="0" dirty="0" smtClean="0">
+              <a:rPr kumimoji="0" lang="zh-CN" altLang="zh-CN" sz="900" b="0" i="0" u="none" strike="noStrike" cap="none" normalizeH="0" baseline="0" dirty="0">
                 <a:ln>
                   <a:noFill/>
                 </a:ln>
@@ -8836,7 +8681,7 @@
               <a:t>4</a:t>
             </a:r>
             <a:r>
-              <a:rPr kumimoji="0" lang="zh-CN" altLang="zh-CN" sz="900" b="0" i="0" u="none" strike="noStrike" cap="none" normalizeH="0" baseline="0" dirty="0" smtClean="0">
+              <a:rPr kumimoji="0" lang="zh-CN" altLang="zh-CN" sz="900" b="0" i="0" u="none" strike="noStrike" cap="none" normalizeH="0" baseline="0" dirty="0">
                 <a:ln>
                   <a:noFill/>
                 </a:ln>
@@ -8850,7 +8695,7 @@
               <a:t>) {</a:t>
             </a:r>
             <a:br>
-              <a:rPr kumimoji="0" lang="zh-CN" altLang="zh-CN" sz="900" b="0" i="0" u="none" strike="noStrike" cap="none" normalizeH="0" baseline="0" dirty="0" smtClean="0">
+              <a:rPr kumimoji="0" lang="zh-CN" altLang="zh-CN" sz="900" b="0" i="0" u="none" strike="noStrike" cap="none" normalizeH="0" baseline="0" dirty="0">
                 <a:ln>
                   <a:noFill/>
                 </a:ln>
@@ -8863,7 +8708,7 @@
               </a:rPr>
             </a:br>
             <a:r>
-              <a:rPr kumimoji="0" lang="zh-CN" altLang="zh-CN" sz="900" b="0" i="0" u="none" strike="noStrike" cap="none" normalizeH="0" baseline="0" dirty="0" smtClean="0">
+              <a:rPr kumimoji="0" lang="zh-CN" altLang="zh-CN" sz="900" b="0" i="0" u="none" strike="noStrike" cap="none" normalizeH="0" baseline="0" dirty="0">
                 <a:ln>
                   <a:noFill/>
                 </a:ln>
@@ -8877,7 +8722,7 @@
               <a:t>            a1.a = a2</a:t>
             </a:r>
             <a:r>
-              <a:rPr kumimoji="0" lang="zh-CN" altLang="zh-CN" sz="900" b="0" i="0" u="none" strike="noStrike" cap="none" normalizeH="0" baseline="0" dirty="0" smtClean="0">
+              <a:rPr kumimoji="0" lang="zh-CN" altLang="zh-CN" sz="900" b="0" i="0" u="none" strike="noStrike" cap="none" normalizeH="0" baseline="0" dirty="0">
                 <a:ln>
                   <a:noFill/>
                 </a:ln>
@@ -8891,7 +8736,7 @@
               <a:t>;</a:t>
             </a:r>
             <a:br>
-              <a:rPr kumimoji="0" lang="zh-CN" altLang="zh-CN" sz="900" b="0" i="0" u="none" strike="noStrike" cap="none" normalizeH="0" baseline="0" dirty="0" smtClean="0">
+              <a:rPr kumimoji="0" lang="zh-CN" altLang="zh-CN" sz="900" b="0" i="0" u="none" strike="noStrike" cap="none" normalizeH="0" baseline="0" dirty="0">
                 <a:ln>
                   <a:noFill/>
                 </a:ln>
@@ -8904,7 +8749,7 @@
               </a:rPr>
             </a:br>
             <a:r>
-              <a:rPr kumimoji="0" lang="zh-CN" altLang="zh-CN" sz="900" b="0" i="0" u="none" strike="noStrike" cap="none" normalizeH="0" baseline="0" dirty="0" smtClean="0">
+              <a:rPr kumimoji="0" lang="zh-CN" altLang="zh-CN" sz="900" b="0" i="0" u="none" strike="noStrike" cap="none" normalizeH="0" baseline="0" dirty="0">
                 <a:ln>
                   <a:noFill/>
                 </a:ln>
@@ -8918,7 +8763,7 @@
               <a:t>            return </a:t>
             </a:r>
             <a:r>
-              <a:rPr kumimoji="0" lang="zh-CN" altLang="zh-CN" sz="900" b="0" i="0" u="none" strike="noStrike" cap="none" normalizeH="0" baseline="0" dirty="0" smtClean="0">
+              <a:rPr kumimoji="0" lang="zh-CN" altLang="zh-CN" sz="900" b="0" i="0" u="none" strike="noStrike" cap="none" normalizeH="0" baseline="0" dirty="0">
                 <a:ln>
                   <a:noFill/>
                 </a:ln>
@@ -8932,7 +8777,7 @@
               <a:t>a1</a:t>
             </a:r>
             <a:r>
-              <a:rPr kumimoji="0" lang="zh-CN" altLang="zh-CN" sz="900" b="0" i="0" u="none" strike="noStrike" cap="none" normalizeH="0" baseline="0" dirty="0" smtClean="0">
+              <a:rPr kumimoji="0" lang="zh-CN" altLang="zh-CN" sz="900" b="0" i="0" u="none" strike="noStrike" cap="none" normalizeH="0" baseline="0" dirty="0">
                 <a:ln>
                   <a:noFill/>
                 </a:ln>
@@ -8946,7 +8791,7 @@
               <a:t>;</a:t>
             </a:r>
             <a:br>
-              <a:rPr kumimoji="0" lang="zh-CN" altLang="zh-CN" sz="900" b="0" i="0" u="none" strike="noStrike" cap="none" normalizeH="0" baseline="0" dirty="0" smtClean="0">
+              <a:rPr kumimoji="0" lang="zh-CN" altLang="zh-CN" sz="900" b="0" i="0" u="none" strike="noStrike" cap="none" normalizeH="0" baseline="0" dirty="0">
                 <a:ln>
                   <a:noFill/>
                 </a:ln>
@@ -8959,7 +8804,7 @@
               </a:rPr>
             </a:br>
             <a:r>
-              <a:rPr kumimoji="0" lang="zh-CN" altLang="zh-CN" sz="900" b="0" i="0" u="none" strike="noStrike" cap="none" normalizeH="0" baseline="0" dirty="0" smtClean="0">
+              <a:rPr kumimoji="0" lang="zh-CN" altLang="zh-CN" sz="900" b="0" i="0" u="none" strike="noStrike" cap="none" normalizeH="0" baseline="0" dirty="0">
                 <a:ln>
                   <a:noFill/>
                 </a:ln>
@@ -8973,7 +8818,7 @@
               <a:t>        </a:t>
             </a:r>
             <a:r>
-              <a:rPr kumimoji="0" lang="zh-CN" altLang="zh-CN" sz="900" b="0" i="0" u="none" strike="noStrike" cap="none" normalizeH="0" baseline="0" dirty="0" smtClean="0">
+              <a:rPr kumimoji="0" lang="zh-CN" altLang="zh-CN" sz="900" b="0" i="0" u="none" strike="noStrike" cap="none" normalizeH="0" baseline="0" dirty="0">
                 <a:ln>
                   <a:noFill/>
                 </a:ln>
@@ -8987,7 +8832,7 @@
               <a:t>}</a:t>
             </a:r>
             <a:br>
-              <a:rPr kumimoji="0" lang="zh-CN" altLang="zh-CN" sz="900" b="0" i="0" u="none" strike="noStrike" cap="none" normalizeH="0" baseline="0" dirty="0" smtClean="0">
+              <a:rPr kumimoji="0" lang="zh-CN" altLang="zh-CN" sz="900" b="0" i="0" u="none" strike="noStrike" cap="none" normalizeH="0" baseline="0" dirty="0">
                 <a:ln>
                   <a:noFill/>
                 </a:ln>
@@ -9000,7 +8845,7 @@
               </a:rPr>
             </a:br>
             <a:r>
-              <a:rPr kumimoji="0" lang="zh-CN" altLang="zh-CN" sz="900" b="0" i="0" u="none" strike="noStrike" cap="none" normalizeH="0" baseline="0" dirty="0" smtClean="0">
+              <a:rPr kumimoji="0" lang="zh-CN" altLang="zh-CN" sz="900" b="0" i="0" u="none" strike="noStrike" cap="none" normalizeH="0" baseline="0" dirty="0">
                 <a:ln>
                   <a:noFill/>
                 </a:ln>
@@ -9014,7 +8859,7 @@
               <a:t>        a2.a = a1</a:t>
             </a:r>
             <a:r>
-              <a:rPr kumimoji="0" lang="zh-CN" altLang="zh-CN" sz="900" b="0" i="0" u="none" strike="noStrike" cap="none" normalizeH="0" baseline="0" dirty="0" smtClean="0">
+              <a:rPr kumimoji="0" lang="zh-CN" altLang="zh-CN" sz="900" b="0" i="0" u="none" strike="noStrike" cap="none" normalizeH="0" baseline="0" dirty="0">
                 <a:ln>
                   <a:noFill/>
                 </a:ln>
@@ -9028,7 +8873,7 @@
               <a:t>;</a:t>
             </a:r>
             <a:br>
-              <a:rPr kumimoji="0" lang="zh-CN" altLang="zh-CN" sz="900" b="0" i="0" u="none" strike="noStrike" cap="none" normalizeH="0" baseline="0" dirty="0" smtClean="0">
+              <a:rPr kumimoji="0" lang="zh-CN" altLang="zh-CN" sz="900" b="0" i="0" u="none" strike="noStrike" cap="none" normalizeH="0" baseline="0" dirty="0">
                 <a:ln>
                   <a:noFill/>
                 </a:ln>
@@ -9041,7 +8886,7 @@
               </a:rPr>
             </a:br>
             <a:r>
-              <a:rPr kumimoji="0" lang="zh-CN" altLang="zh-CN" sz="900" b="0" i="0" u="none" strike="noStrike" cap="none" normalizeH="0" baseline="0" dirty="0" smtClean="0">
+              <a:rPr kumimoji="0" lang="zh-CN" altLang="zh-CN" sz="900" b="0" i="0" u="none" strike="noStrike" cap="none" normalizeH="0" baseline="0" dirty="0">
                 <a:ln>
                   <a:noFill/>
                 </a:ln>
@@ -9055,7 +8900,7 @@
               <a:t>        return </a:t>
             </a:r>
             <a:r>
-              <a:rPr kumimoji="0" lang="zh-CN" altLang="zh-CN" sz="900" b="0" i="0" u="none" strike="noStrike" cap="none" normalizeH="0" baseline="0" dirty="0" smtClean="0">
+              <a:rPr kumimoji="0" lang="zh-CN" altLang="zh-CN" sz="900" b="0" i="0" u="none" strike="noStrike" cap="none" normalizeH="0" baseline="0" dirty="0">
                 <a:ln>
                   <a:noFill/>
                 </a:ln>
@@ -9069,7 +8914,7 @@
               <a:t>a2</a:t>
             </a:r>
             <a:r>
-              <a:rPr kumimoji="0" lang="zh-CN" altLang="zh-CN" sz="900" b="0" i="0" u="none" strike="noStrike" cap="none" normalizeH="0" baseline="0" dirty="0" smtClean="0">
+              <a:rPr kumimoji="0" lang="zh-CN" altLang="zh-CN" sz="900" b="0" i="0" u="none" strike="noStrike" cap="none" normalizeH="0" baseline="0" dirty="0">
                 <a:ln>
                   <a:noFill/>
                 </a:ln>
@@ -9083,7 +8928,7 @@
               <a:t>;</a:t>
             </a:r>
             <a:br>
-              <a:rPr kumimoji="0" lang="zh-CN" altLang="zh-CN" sz="900" b="0" i="0" u="none" strike="noStrike" cap="none" normalizeH="0" baseline="0" dirty="0" smtClean="0">
+              <a:rPr kumimoji="0" lang="zh-CN" altLang="zh-CN" sz="900" b="0" i="0" u="none" strike="noStrike" cap="none" normalizeH="0" baseline="0" dirty="0">
                 <a:ln>
                   <a:noFill/>
                 </a:ln>
@@ -9096,7 +8941,7 @@
               </a:rPr>
             </a:br>
             <a:r>
-              <a:rPr kumimoji="0" lang="zh-CN" altLang="zh-CN" sz="900" b="0" i="0" u="none" strike="noStrike" cap="none" normalizeH="0" baseline="0" dirty="0" smtClean="0">
+              <a:rPr kumimoji="0" lang="zh-CN" altLang="zh-CN" sz="900" b="0" i="0" u="none" strike="noStrike" cap="none" normalizeH="0" baseline="0" dirty="0">
                 <a:ln>
                   <a:noFill/>
                 </a:ln>
@@ -9110,7 +8955,7 @@
               <a:t>    </a:t>
             </a:r>
             <a:r>
-              <a:rPr kumimoji="0" lang="zh-CN" altLang="zh-CN" sz="900" b="0" i="0" u="none" strike="noStrike" cap="none" normalizeH="0" baseline="0" dirty="0" smtClean="0">
+              <a:rPr kumimoji="0" lang="zh-CN" altLang="zh-CN" sz="900" b="0" i="0" u="none" strike="noStrike" cap="none" normalizeH="0" baseline="0" dirty="0">
                 <a:ln>
                   <a:noFill/>
                 </a:ln>
@@ -9124,7 +8969,7 @@
               <a:t>}</a:t>
             </a:r>
             <a:br>
-              <a:rPr kumimoji="0" lang="zh-CN" altLang="zh-CN" sz="900" b="0" i="0" u="none" strike="noStrike" cap="none" normalizeH="0" baseline="0" dirty="0" smtClean="0">
+              <a:rPr kumimoji="0" lang="zh-CN" altLang="zh-CN" sz="900" b="0" i="0" u="none" strike="noStrike" cap="none" normalizeH="0" baseline="0" dirty="0">
                 <a:ln>
                   <a:noFill/>
                 </a:ln>
@@ -9136,7 +8981,7 @@
                 <a:ea typeface="JetBrains Mono"/>
               </a:rPr>
             </a:br>
-            <a:endParaRPr kumimoji="0" lang="en-US" altLang="zh-CN" sz="900" b="0" i="0" u="none" strike="noStrike" cap="none" normalizeH="0" baseline="0" dirty="0" smtClean="0">
+            <a:endParaRPr kumimoji="0" lang="en-US" altLang="zh-CN" sz="900" b="0" i="0" u="none" strike="noStrike" cap="none" normalizeH="0" baseline="0" dirty="0">
               <a:ln>
                 <a:noFill/>
               </a:ln>
@@ -9165,22 +9010,8 @@
               <a:buNone/>
               <a:tabLst/>
             </a:pPr>
-            <a:r>
-              <a:rPr kumimoji="0" lang="zh-CN" altLang="zh-CN" sz="900" b="0" i="0" u="none" strike="noStrike" cap="none" normalizeH="0" baseline="0" dirty="0" smtClean="0">
-                <a:ln>
-                  <a:noFill/>
-                </a:ln>
-                <a:solidFill>
-                  <a:srgbClr val="A9B7C6"/>
-                </a:solidFill>
-                <a:effectLst/>
-                <a:latin typeface="Consolas" panose="020B0609020204030204" pitchFamily="49" charset="0"/>
-                <a:ea typeface="JetBrains Mono"/>
-              </a:rPr>
-              <a:t/>
-            </a:r>
             <a:br>
-              <a:rPr kumimoji="0" lang="zh-CN" altLang="zh-CN" sz="900" b="0" i="0" u="none" strike="noStrike" cap="none" normalizeH="0" baseline="0" dirty="0" smtClean="0">
+              <a:rPr kumimoji="0" lang="zh-CN" altLang="zh-CN" sz="900" b="0" i="0" u="none" strike="noStrike" cap="none" normalizeH="0" baseline="0" dirty="0">
                 <a:ln>
                   <a:noFill/>
                 </a:ln>
@@ -9193,7 +9024,7 @@
               </a:rPr>
             </a:br>
             <a:r>
-              <a:rPr kumimoji="0" lang="zh-CN" altLang="zh-CN" sz="900" b="0" i="0" u="none" strike="noStrike" cap="none" normalizeH="0" baseline="0" dirty="0" smtClean="0">
+              <a:rPr kumimoji="0" lang="zh-CN" altLang="zh-CN" sz="900" b="0" i="0" u="none" strike="noStrike" cap="none" normalizeH="0" baseline="0" dirty="0">
                 <a:ln>
                   <a:noFill/>
                 </a:ln>
@@ -9207,7 +9038,7 @@
               <a:t>    </a:t>
             </a:r>
             <a:r>
-              <a:rPr kumimoji="0" lang="zh-CN" altLang="zh-CN" sz="900" b="0" i="0" u="none" strike="noStrike" cap="none" normalizeH="0" baseline="0" dirty="0" smtClean="0">
+              <a:rPr kumimoji="0" lang="zh-CN" altLang="zh-CN" sz="900" b="0" i="0" u="none" strike="noStrike" cap="none" normalizeH="0" baseline="0" dirty="0">
                 <a:ln>
                   <a:noFill/>
                 </a:ln>
@@ -9221,7 +9052,7 @@
               <a:t>public static void </a:t>
             </a:r>
             <a:r>
-              <a:rPr kumimoji="0" lang="zh-CN" altLang="zh-CN" sz="900" b="0" i="0" u="none" strike="noStrike" cap="none" normalizeH="0" baseline="0" dirty="0" smtClean="0">
+              <a:rPr kumimoji="0" lang="zh-CN" altLang="zh-CN" sz="900" b="0" i="0" u="none" strike="noStrike" cap="none" normalizeH="0" baseline="0" dirty="0">
                 <a:ln>
                   <a:noFill/>
                 </a:ln>
@@ -9235,7 +9066,7 @@
               <a:t>main(String[] args) {</a:t>
             </a:r>
             <a:br>
-              <a:rPr kumimoji="0" lang="zh-CN" altLang="zh-CN" sz="900" b="0" i="0" u="none" strike="noStrike" cap="none" normalizeH="0" baseline="0" dirty="0" smtClean="0">
+              <a:rPr kumimoji="0" lang="zh-CN" altLang="zh-CN" sz="900" b="0" i="0" u="none" strike="noStrike" cap="none" normalizeH="0" baseline="0" dirty="0">
                 <a:ln>
                   <a:noFill/>
                 </a:ln>
@@ -9248,7 +9079,7 @@
               </a:rPr>
             </a:br>
             <a:r>
-              <a:rPr kumimoji="0" lang="zh-CN" altLang="zh-CN" sz="900" b="0" i="0" u="none" strike="noStrike" cap="none" normalizeH="0" baseline="0" dirty="0" smtClean="0">
+              <a:rPr kumimoji="0" lang="zh-CN" altLang="zh-CN" sz="900" b="0" i="0" u="none" strike="noStrike" cap="none" normalizeH="0" baseline="0" dirty="0">
                 <a:ln>
                   <a:noFill/>
                 </a:ln>
@@ -9262,7 +9093,7 @@
               <a:t>        BenchmarkN.alloc(</a:t>
             </a:r>
             <a:r>
-              <a:rPr kumimoji="0" lang="zh-CN" altLang="zh-CN" sz="900" b="0" i="0" u="none" strike="noStrike" cap="none" normalizeH="0" baseline="0" dirty="0" smtClean="0">
+              <a:rPr kumimoji="0" lang="zh-CN" altLang="zh-CN" sz="900" b="0" i="0" u="none" strike="noStrike" cap="none" normalizeH="0" baseline="0" dirty="0">
                 <a:ln>
                   <a:noFill/>
                 </a:ln>
@@ -9276,7 +9107,7 @@
               <a:t>10</a:t>
             </a:r>
             <a:r>
-              <a:rPr kumimoji="0" lang="zh-CN" altLang="zh-CN" sz="900" b="0" i="0" u="none" strike="noStrike" cap="none" normalizeH="0" baseline="0" dirty="0" smtClean="0">
+              <a:rPr kumimoji="0" lang="zh-CN" altLang="zh-CN" sz="900" b="0" i="0" u="none" strike="noStrike" cap="none" normalizeH="0" baseline="0" dirty="0">
                 <a:ln>
                   <a:noFill/>
                 </a:ln>
@@ -9290,7 +9121,7 @@
               <a:t>)</a:t>
             </a:r>
             <a:r>
-              <a:rPr kumimoji="0" lang="zh-CN" altLang="zh-CN" sz="900" b="0" i="0" u="none" strike="noStrike" cap="none" normalizeH="0" baseline="0" dirty="0" smtClean="0">
+              <a:rPr kumimoji="0" lang="zh-CN" altLang="zh-CN" sz="900" b="0" i="0" u="none" strike="noStrike" cap="none" normalizeH="0" baseline="0" dirty="0">
                 <a:ln>
                   <a:noFill/>
                 </a:ln>
@@ -9304,7 +9135,7 @@
               <a:t>;</a:t>
             </a:r>
             <a:br>
-              <a:rPr kumimoji="0" lang="zh-CN" altLang="zh-CN" sz="900" b="0" i="0" u="none" strike="noStrike" cap="none" normalizeH="0" baseline="0" dirty="0" smtClean="0">
+              <a:rPr kumimoji="0" lang="zh-CN" altLang="zh-CN" sz="900" b="0" i="0" u="none" strike="noStrike" cap="none" normalizeH="0" baseline="0" dirty="0">
                 <a:ln>
                   <a:noFill/>
                 </a:ln>
@@ -9317,7 +9148,7 @@
               </a:rPr>
             </a:br>
             <a:r>
-              <a:rPr kumimoji="0" lang="zh-CN" altLang="zh-CN" sz="900" b="0" i="0" u="none" strike="noStrike" cap="none" normalizeH="0" baseline="0" dirty="0" smtClean="0">
+              <a:rPr kumimoji="0" lang="zh-CN" altLang="zh-CN" sz="900" b="0" i="0" u="none" strike="noStrike" cap="none" normalizeH="0" baseline="0" dirty="0">
                 <a:ln>
                   <a:noFill/>
                 </a:ln>
@@ -9331,7 +9162,7 @@
               <a:t>        </a:t>
             </a:r>
             <a:r>
-              <a:rPr kumimoji="0" lang="zh-CN" altLang="zh-CN" sz="900" b="0" i="0" u="none" strike="noStrike" cap="none" normalizeH="0" baseline="0" dirty="0" smtClean="0">
+              <a:rPr kumimoji="0" lang="zh-CN" altLang="zh-CN" sz="900" b="0" i="0" u="none" strike="noStrike" cap="none" normalizeH="0" baseline="0" dirty="0">
                 <a:ln>
                   <a:noFill/>
                 </a:ln>
@@ -9345,7 +9176,7 @@
               <a:t>A a1 = </a:t>
             </a:r>
             <a:r>
-              <a:rPr kumimoji="0" lang="zh-CN" altLang="zh-CN" sz="900" b="0" i="0" u="none" strike="noStrike" cap="none" normalizeH="0" baseline="0" dirty="0" smtClean="0">
+              <a:rPr kumimoji="0" lang="zh-CN" altLang="zh-CN" sz="900" b="0" i="0" u="none" strike="noStrike" cap="none" normalizeH="0" baseline="0" dirty="0">
                 <a:ln>
                   <a:noFill/>
                 </a:ln>
@@ -9359,7 +9190,7 @@
               <a:t>new </a:t>
             </a:r>
             <a:r>
-              <a:rPr kumimoji="0" lang="zh-CN" altLang="zh-CN" sz="900" b="0" i="0" u="none" strike="noStrike" cap="none" normalizeH="0" baseline="0" dirty="0" smtClean="0">
+              <a:rPr kumimoji="0" lang="zh-CN" altLang="zh-CN" sz="900" b="0" i="0" u="none" strike="noStrike" cap="none" normalizeH="0" baseline="0" dirty="0">
                 <a:ln>
                   <a:noFill/>
                 </a:ln>
@@ -9373,7 +9204,7 @@
               <a:t>A()</a:t>
             </a:r>
             <a:r>
-              <a:rPr kumimoji="0" lang="zh-CN" altLang="zh-CN" sz="900" b="0" i="0" u="none" strike="noStrike" cap="none" normalizeH="0" baseline="0" dirty="0" smtClean="0">
+              <a:rPr kumimoji="0" lang="zh-CN" altLang="zh-CN" sz="900" b="0" i="0" u="none" strike="noStrike" cap="none" normalizeH="0" baseline="0" dirty="0">
                 <a:ln>
                   <a:noFill/>
                 </a:ln>
@@ -9387,7 +9218,7 @@
               <a:t>;</a:t>
             </a:r>
             <a:br>
-              <a:rPr kumimoji="0" lang="zh-CN" altLang="zh-CN" sz="900" b="0" i="0" u="none" strike="noStrike" cap="none" normalizeH="0" baseline="0" dirty="0" smtClean="0">
+              <a:rPr kumimoji="0" lang="zh-CN" altLang="zh-CN" sz="900" b="0" i="0" u="none" strike="noStrike" cap="none" normalizeH="0" baseline="0" dirty="0">
                 <a:ln>
                   <a:noFill/>
                 </a:ln>
@@ -9400,7 +9231,7 @@
               </a:rPr>
             </a:br>
             <a:r>
-              <a:rPr kumimoji="0" lang="zh-CN" altLang="zh-CN" sz="900" b="0" i="0" u="none" strike="noStrike" cap="none" normalizeH="0" baseline="0" dirty="0" smtClean="0">
+              <a:rPr kumimoji="0" lang="zh-CN" altLang="zh-CN" sz="900" b="0" i="0" u="none" strike="noStrike" cap="none" normalizeH="0" baseline="0" dirty="0">
                 <a:ln>
                   <a:noFill/>
                 </a:ln>
@@ -9414,7 +9245,7 @@
               <a:t>        </a:t>
             </a:r>
             <a:r>
-              <a:rPr kumimoji="0" lang="zh-CN" altLang="zh-CN" sz="900" b="0" i="0" u="none" strike="noStrike" cap="none" normalizeH="0" baseline="0" dirty="0" smtClean="0">
+              <a:rPr kumimoji="0" lang="zh-CN" altLang="zh-CN" sz="900" b="0" i="0" u="none" strike="noStrike" cap="none" normalizeH="0" baseline="0" dirty="0">
                 <a:ln>
                   <a:noFill/>
                 </a:ln>
@@ -9428,7 +9259,7 @@
               <a:t>BenchmarkN.alloc(</a:t>
             </a:r>
             <a:r>
-              <a:rPr kumimoji="0" lang="zh-CN" altLang="zh-CN" sz="900" b="0" i="0" u="none" strike="noStrike" cap="none" normalizeH="0" baseline="0" dirty="0" smtClean="0">
+              <a:rPr kumimoji="0" lang="zh-CN" altLang="zh-CN" sz="900" b="0" i="0" u="none" strike="noStrike" cap="none" normalizeH="0" baseline="0" dirty="0">
                 <a:ln>
                   <a:noFill/>
                 </a:ln>
@@ -9442,7 +9273,7 @@
               <a:t>20</a:t>
             </a:r>
             <a:r>
-              <a:rPr kumimoji="0" lang="zh-CN" altLang="zh-CN" sz="900" b="0" i="0" u="none" strike="noStrike" cap="none" normalizeH="0" baseline="0" dirty="0" smtClean="0">
+              <a:rPr kumimoji="0" lang="zh-CN" altLang="zh-CN" sz="900" b="0" i="0" u="none" strike="noStrike" cap="none" normalizeH="0" baseline="0" dirty="0">
                 <a:ln>
                   <a:noFill/>
                 </a:ln>
@@ -9456,7 +9287,7 @@
               <a:t>)</a:t>
             </a:r>
             <a:r>
-              <a:rPr kumimoji="0" lang="zh-CN" altLang="zh-CN" sz="900" b="0" i="0" u="none" strike="noStrike" cap="none" normalizeH="0" baseline="0" dirty="0" smtClean="0">
+              <a:rPr kumimoji="0" lang="zh-CN" altLang="zh-CN" sz="900" b="0" i="0" u="none" strike="noStrike" cap="none" normalizeH="0" baseline="0" dirty="0">
                 <a:ln>
                   <a:noFill/>
                 </a:ln>
@@ -9470,7 +9301,7 @@
               <a:t>;</a:t>
             </a:r>
             <a:br>
-              <a:rPr kumimoji="0" lang="zh-CN" altLang="zh-CN" sz="900" b="0" i="0" u="none" strike="noStrike" cap="none" normalizeH="0" baseline="0" dirty="0" smtClean="0">
+              <a:rPr kumimoji="0" lang="zh-CN" altLang="zh-CN" sz="900" b="0" i="0" u="none" strike="noStrike" cap="none" normalizeH="0" baseline="0" dirty="0">
                 <a:ln>
                   <a:noFill/>
                 </a:ln>
@@ -9483,7 +9314,7 @@
               </a:rPr>
             </a:br>
             <a:r>
-              <a:rPr kumimoji="0" lang="zh-CN" altLang="zh-CN" sz="900" b="0" i="0" u="none" strike="noStrike" cap="none" normalizeH="0" baseline="0" dirty="0" smtClean="0">
+              <a:rPr kumimoji="0" lang="zh-CN" altLang="zh-CN" sz="900" b="0" i="0" u="none" strike="noStrike" cap="none" normalizeH="0" baseline="0" dirty="0">
                 <a:ln>
                   <a:noFill/>
                 </a:ln>
@@ -9497,7 +9328,7 @@
               <a:t>        </a:t>
             </a:r>
             <a:r>
-              <a:rPr kumimoji="0" lang="zh-CN" altLang="zh-CN" sz="900" b="0" i="0" u="none" strike="noStrike" cap="none" normalizeH="0" baseline="0" dirty="0" smtClean="0">
+              <a:rPr kumimoji="0" lang="zh-CN" altLang="zh-CN" sz="900" b="0" i="0" u="none" strike="noStrike" cap="none" normalizeH="0" baseline="0" dirty="0">
                 <a:ln>
                   <a:noFill/>
                 </a:ln>
@@ -9511,7 +9342,7 @@
               <a:t>A a2 = </a:t>
             </a:r>
             <a:r>
-              <a:rPr kumimoji="0" lang="zh-CN" altLang="zh-CN" sz="900" b="0" i="0" u="none" strike="noStrike" cap="none" normalizeH="0" baseline="0" dirty="0" smtClean="0">
+              <a:rPr kumimoji="0" lang="zh-CN" altLang="zh-CN" sz="900" b="0" i="0" u="none" strike="noStrike" cap="none" normalizeH="0" baseline="0" dirty="0">
                 <a:ln>
                   <a:noFill/>
                 </a:ln>
@@ -9525,7 +9356,7 @@
               <a:t>new </a:t>
             </a:r>
             <a:r>
-              <a:rPr kumimoji="0" lang="zh-CN" altLang="zh-CN" sz="900" b="0" i="0" u="none" strike="noStrike" cap="none" normalizeH="0" baseline="0" dirty="0" smtClean="0">
+              <a:rPr kumimoji="0" lang="zh-CN" altLang="zh-CN" sz="900" b="0" i="0" u="none" strike="noStrike" cap="none" normalizeH="0" baseline="0" dirty="0">
                 <a:ln>
                   <a:noFill/>
                 </a:ln>
@@ -9539,7 +9370,7 @@
               <a:t>A()</a:t>
             </a:r>
             <a:r>
-              <a:rPr kumimoji="0" lang="zh-CN" altLang="zh-CN" sz="900" b="0" i="0" u="none" strike="noStrike" cap="none" normalizeH="0" baseline="0" dirty="0" smtClean="0">
+              <a:rPr kumimoji="0" lang="zh-CN" altLang="zh-CN" sz="900" b="0" i="0" u="none" strike="noStrike" cap="none" normalizeH="0" baseline="0" dirty="0">
                 <a:ln>
                   <a:noFill/>
                 </a:ln>
@@ -9553,7 +9384,7 @@
               <a:t>;</a:t>
             </a:r>
             <a:br>
-              <a:rPr kumimoji="0" lang="zh-CN" altLang="zh-CN" sz="900" b="0" i="0" u="none" strike="noStrike" cap="none" normalizeH="0" baseline="0" dirty="0" smtClean="0">
+              <a:rPr kumimoji="0" lang="zh-CN" altLang="zh-CN" sz="900" b="0" i="0" u="none" strike="noStrike" cap="none" normalizeH="0" baseline="0" dirty="0">
                 <a:ln>
                   <a:noFill/>
                 </a:ln>
@@ -9566,7 +9397,7 @@
               </a:rPr>
             </a:br>
             <a:r>
-              <a:rPr kumimoji="0" lang="zh-CN" altLang="zh-CN" sz="900" b="0" i="0" u="none" strike="noStrike" cap="none" normalizeH="0" baseline="0" dirty="0" smtClean="0">
+              <a:rPr kumimoji="0" lang="zh-CN" altLang="zh-CN" sz="900" b="0" i="0" u="none" strike="noStrike" cap="none" normalizeH="0" baseline="0" dirty="0">
                 <a:ln>
                   <a:noFill/>
                 </a:ln>
@@ -9580,7 +9411,7 @@
               <a:t>        </a:t>
             </a:r>
             <a:r>
-              <a:rPr kumimoji="0" lang="zh-CN" altLang="zh-CN" sz="900" b="0" i="0" u="none" strike="noStrike" cap="none" normalizeH="0" baseline="0" dirty="0" smtClean="0">
+              <a:rPr kumimoji="0" lang="zh-CN" altLang="zh-CN" sz="900" b="0" i="0" u="none" strike="noStrike" cap="none" normalizeH="0" baseline="0" dirty="0">
                 <a:ln>
                   <a:noFill/>
                 </a:ln>
@@ -9594,7 +9425,7 @@
               <a:t>BenchmarkN.alloc(</a:t>
             </a:r>
             <a:r>
-              <a:rPr kumimoji="0" lang="zh-CN" altLang="zh-CN" sz="900" b="0" i="0" u="none" strike="noStrike" cap="none" normalizeH="0" baseline="0" dirty="0" smtClean="0">
+              <a:rPr kumimoji="0" lang="zh-CN" altLang="zh-CN" sz="900" b="0" i="0" u="none" strike="noStrike" cap="none" normalizeH="0" baseline="0" dirty="0">
                 <a:ln>
                   <a:noFill/>
                 </a:ln>
@@ -9608,7 +9439,7 @@
               <a:t>1</a:t>
             </a:r>
             <a:r>
-              <a:rPr kumimoji="0" lang="zh-CN" altLang="zh-CN" sz="900" b="0" i="0" u="none" strike="noStrike" cap="none" normalizeH="0" baseline="0" dirty="0" smtClean="0">
+              <a:rPr kumimoji="0" lang="zh-CN" altLang="zh-CN" sz="900" b="0" i="0" u="none" strike="noStrike" cap="none" normalizeH="0" baseline="0" dirty="0">
                 <a:ln>
                   <a:noFill/>
                 </a:ln>
@@ -9622,7 +9453,7 @@
               <a:t>)</a:t>
             </a:r>
             <a:r>
-              <a:rPr kumimoji="0" lang="zh-CN" altLang="zh-CN" sz="900" b="0" i="0" u="none" strike="noStrike" cap="none" normalizeH="0" baseline="0" dirty="0" smtClean="0">
+              <a:rPr kumimoji="0" lang="zh-CN" altLang="zh-CN" sz="900" b="0" i="0" u="none" strike="noStrike" cap="none" normalizeH="0" baseline="0" dirty="0">
                 <a:ln>
                   <a:noFill/>
                 </a:ln>
@@ -9636,7 +9467,7 @@
               <a:t>;</a:t>
             </a:r>
             <a:br>
-              <a:rPr kumimoji="0" lang="zh-CN" altLang="zh-CN" sz="900" b="0" i="0" u="none" strike="noStrike" cap="none" normalizeH="0" baseline="0" dirty="0" smtClean="0">
+              <a:rPr kumimoji="0" lang="zh-CN" altLang="zh-CN" sz="900" b="0" i="0" u="none" strike="noStrike" cap="none" normalizeH="0" baseline="0" dirty="0">
                 <a:ln>
                   <a:noFill/>
                 </a:ln>
@@ -9649,7 +9480,7 @@
               </a:rPr>
             </a:br>
             <a:r>
-              <a:rPr kumimoji="0" lang="zh-CN" altLang="zh-CN" sz="900" b="0" i="0" u="none" strike="noStrike" cap="none" normalizeH="0" baseline="0" dirty="0" smtClean="0">
+              <a:rPr kumimoji="0" lang="zh-CN" altLang="zh-CN" sz="900" b="0" i="0" u="none" strike="noStrike" cap="none" normalizeH="0" baseline="0" dirty="0">
                 <a:ln>
                   <a:noFill/>
                 </a:ln>
@@ -9663,7 +9494,7 @@
               <a:t>        </a:t>
             </a:r>
             <a:r>
-              <a:rPr kumimoji="0" lang="zh-CN" altLang="zh-CN" sz="900" b="0" i="0" u="none" strike="noStrike" cap="none" normalizeH="0" baseline="0" dirty="0" smtClean="0">
+              <a:rPr kumimoji="0" lang="zh-CN" altLang="zh-CN" sz="900" b="0" i="0" u="none" strike="noStrike" cap="none" normalizeH="0" baseline="0" dirty="0">
                 <a:ln>
                   <a:noFill/>
                 </a:ln>
@@ -9677,7 +9508,7 @@
               <a:t>B b1 = </a:t>
             </a:r>
             <a:r>
-              <a:rPr kumimoji="0" lang="zh-CN" altLang="zh-CN" sz="900" b="0" i="0" u="none" strike="noStrike" cap="none" normalizeH="0" baseline="0" dirty="0" smtClean="0">
+              <a:rPr kumimoji="0" lang="zh-CN" altLang="zh-CN" sz="900" b="0" i="0" u="none" strike="noStrike" cap="none" normalizeH="0" baseline="0" dirty="0">
                 <a:ln>
                   <a:noFill/>
                 </a:ln>
@@ -9691,7 +9522,7 @@
               <a:t>new </a:t>
             </a:r>
             <a:r>
-              <a:rPr kumimoji="0" lang="zh-CN" altLang="zh-CN" sz="900" b="0" i="0" u="none" strike="noStrike" cap="none" normalizeH="0" baseline="0" dirty="0" smtClean="0">
+              <a:rPr kumimoji="0" lang="zh-CN" altLang="zh-CN" sz="900" b="0" i="0" u="none" strike="noStrike" cap="none" normalizeH="0" baseline="0" dirty="0">
                 <a:ln>
                   <a:noFill/>
                 </a:ln>
@@ -9705,7 +9536,7 @@
               <a:t>B()</a:t>
             </a:r>
             <a:r>
-              <a:rPr kumimoji="0" lang="zh-CN" altLang="zh-CN" sz="900" b="0" i="0" u="none" strike="noStrike" cap="none" normalizeH="0" baseline="0" dirty="0" smtClean="0">
+              <a:rPr kumimoji="0" lang="zh-CN" altLang="zh-CN" sz="900" b="0" i="0" u="none" strike="noStrike" cap="none" normalizeH="0" baseline="0" dirty="0">
                 <a:ln>
                   <a:noFill/>
                 </a:ln>
@@ -9719,7 +9550,7 @@
               <a:t>;</a:t>
             </a:r>
             <a:br>
-              <a:rPr kumimoji="0" lang="zh-CN" altLang="zh-CN" sz="900" b="0" i="0" u="none" strike="noStrike" cap="none" normalizeH="0" baseline="0" dirty="0" smtClean="0">
+              <a:rPr kumimoji="0" lang="zh-CN" altLang="zh-CN" sz="900" b="0" i="0" u="none" strike="noStrike" cap="none" normalizeH="0" baseline="0" dirty="0">
                 <a:ln>
                   <a:noFill/>
                 </a:ln>
@@ -9732,7 +9563,7 @@
               </a:rPr>
             </a:br>
             <a:r>
-              <a:rPr kumimoji="0" lang="zh-CN" altLang="zh-CN" sz="900" b="0" i="0" u="none" strike="noStrike" cap="none" normalizeH="0" baseline="0" dirty="0" smtClean="0">
+              <a:rPr kumimoji="0" lang="zh-CN" altLang="zh-CN" sz="900" b="0" i="0" u="none" strike="noStrike" cap="none" normalizeH="0" baseline="0" dirty="0">
                 <a:ln>
                   <a:noFill/>
                 </a:ln>
@@ -9746,7 +9577,7 @@
               <a:t>        </a:t>
             </a:r>
             <a:r>
-              <a:rPr kumimoji="0" lang="zh-CN" altLang="zh-CN" sz="900" b="0" i="0" u="none" strike="noStrike" cap="none" normalizeH="0" baseline="0" dirty="0" smtClean="0">
+              <a:rPr kumimoji="0" lang="zh-CN" altLang="zh-CN" sz="900" b="0" i="0" u="none" strike="noStrike" cap="none" normalizeH="0" baseline="0" dirty="0">
                 <a:ln>
                   <a:noFill/>
                 </a:ln>
@@ -9760,7 +9591,7 @@
               <a:t>BenchmarkN.alloc(</a:t>
             </a:r>
             <a:r>
-              <a:rPr kumimoji="0" lang="zh-CN" altLang="zh-CN" sz="900" b="0" i="0" u="none" strike="noStrike" cap="none" normalizeH="0" baseline="0" dirty="0" smtClean="0">
+              <a:rPr kumimoji="0" lang="zh-CN" altLang="zh-CN" sz="900" b="0" i="0" u="none" strike="noStrike" cap="none" normalizeH="0" baseline="0" dirty="0">
                 <a:ln>
                   <a:noFill/>
                 </a:ln>
@@ -9774,7 +9605,7 @@
               <a:t>2</a:t>
             </a:r>
             <a:r>
-              <a:rPr kumimoji="0" lang="zh-CN" altLang="zh-CN" sz="900" b="0" i="0" u="none" strike="noStrike" cap="none" normalizeH="0" baseline="0" dirty="0" smtClean="0">
+              <a:rPr kumimoji="0" lang="zh-CN" altLang="zh-CN" sz="900" b="0" i="0" u="none" strike="noStrike" cap="none" normalizeH="0" baseline="0" dirty="0">
                 <a:ln>
                   <a:noFill/>
                 </a:ln>
@@ -9788,7 +9619,7 @@
               <a:t>)</a:t>
             </a:r>
             <a:r>
-              <a:rPr kumimoji="0" lang="zh-CN" altLang="zh-CN" sz="900" b="0" i="0" u="none" strike="noStrike" cap="none" normalizeH="0" baseline="0" dirty="0" smtClean="0">
+              <a:rPr kumimoji="0" lang="zh-CN" altLang="zh-CN" sz="900" b="0" i="0" u="none" strike="noStrike" cap="none" normalizeH="0" baseline="0" dirty="0">
                 <a:ln>
                   <a:noFill/>
                 </a:ln>
@@ -9802,7 +9633,7 @@
               <a:t>;</a:t>
             </a:r>
             <a:br>
-              <a:rPr kumimoji="0" lang="zh-CN" altLang="zh-CN" sz="900" b="0" i="0" u="none" strike="noStrike" cap="none" normalizeH="0" baseline="0" dirty="0" smtClean="0">
+              <a:rPr kumimoji="0" lang="zh-CN" altLang="zh-CN" sz="900" b="0" i="0" u="none" strike="noStrike" cap="none" normalizeH="0" baseline="0" dirty="0">
                 <a:ln>
                   <a:noFill/>
                 </a:ln>
@@ -9815,7 +9646,7 @@
               </a:rPr>
             </a:br>
             <a:r>
-              <a:rPr kumimoji="0" lang="zh-CN" altLang="zh-CN" sz="900" b="0" i="0" u="none" strike="noStrike" cap="none" normalizeH="0" baseline="0" dirty="0" smtClean="0">
+              <a:rPr kumimoji="0" lang="zh-CN" altLang="zh-CN" sz="900" b="0" i="0" u="none" strike="noStrike" cap="none" normalizeH="0" baseline="0" dirty="0">
                 <a:ln>
                   <a:noFill/>
                 </a:ln>
@@ -9829,7 +9660,7 @@
               <a:t>        </a:t>
             </a:r>
             <a:r>
-              <a:rPr kumimoji="0" lang="zh-CN" altLang="zh-CN" sz="900" b="0" i="0" u="none" strike="noStrike" cap="none" normalizeH="0" baseline="0" dirty="0" smtClean="0">
+              <a:rPr kumimoji="0" lang="zh-CN" altLang="zh-CN" sz="900" b="0" i="0" u="none" strike="noStrike" cap="none" normalizeH="0" baseline="0" dirty="0">
                 <a:ln>
                   <a:noFill/>
                 </a:ln>
@@ -9843,7 +9674,7 @@
               <a:t>B b2 = </a:t>
             </a:r>
             <a:r>
-              <a:rPr kumimoji="0" lang="zh-CN" altLang="zh-CN" sz="900" b="0" i="0" u="none" strike="noStrike" cap="none" normalizeH="0" baseline="0" dirty="0" smtClean="0">
+              <a:rPr kumimoji="0" lang="zh-CN" altLang="zh-CN" sz="900" b="0" i="0" u="none" strike="noStrike" cap="none" normalizeH="0" baseline="0" dirty="0">
                 <a:ln>
                   <a:noFill/>
                 </a:ln>
@@ -9857,7 +9688,7 @@
               <a:t>new </a:t>
             </a:r>
             <a:r>
-              <a:rPr kumimoji="0" lang="zh-CN" altLang="zh-CN" sz="900" b="0" i="0" u="none" strike="noStrike" cap="none" normalizeH="0" baseline="0" dirty="0" smtClean="0">
+              <a:rPr kumimoji="0" lang="zh-CN" altLang="zh-CN" sz="900" b="0" i="0" u="none" strike="noStrike" cap="none" normalizeH="0" baseline="0" dirty="0">
                 <a:ln>
                   <a:noFill/>
                 </a:ln>
@@ -9871,7 +9702,7 @@
               <a:t>B()</a:t>
             </a:r>
             <a:r>
-              <a:rPr kumimoji="0" lang="zh-CN" altLang="zh-CN" sz="900" b="0" i="0" u="none" strike="noStrike" cap="none" normalizeH="0" baseline="0" dirty="0" smtClean="0">
+              <a:rPr kumimoji="0" lang="zh-CN" altLang="zh-CN" sz="900" b="0" i="0" u="none" strike="noStrike" cap="none" normalizeH="0" baseline="0" dirty="0">
                 <a:ln>
                   <a:noFill/>
                 </a:ln>
@@ -9885,7 +9716,7 @@
               <a:t>;</a:t>
             </a:r>
             <a:br>
-              <a:rPr kumimoji="0" lang="zh-CN" altLang="zh-CN" sz="900" b="0" i="0" u="none" strike="noStrike" cap="none" normalizeH="0" baseline="0" dirty="0" smtClean="0">
+              <a:rPr kumimoji="0" lang="zh-CN" altLang="zh-CN" sz="900" b="0" i="0" u="none" strike="noStrike" cap="none" normalizeH="0" baseline="0" dirty="0">
                 <a:ln>
                   <a:noFill/>
                 </a:ln>
@@ -9898,7 +9729,7 @@
               </a:rPr>
             </a:br>
             <a:r>
-              <a:rPr kumimoji="0" lang="zh-CN" altLang="zh-CN" sz="900" b="0" i="0" u="none" strike="noStrike" cap="none" normalizeH="0" baseline="0" dirty="0" smtClean="0">
+              <a:rPr kumimoji="0" lang="zh-CN" altLang="zh-CN" sz="900" b="0" i="0" u="none" strike="noStrike" cap="none" normalizeH="0" baseline="0" dirty="0">
                 <a:ln>
                   <a:noFill/>
                 </a:ln>
@@ -9912,7 +9743,7 @@
               <a:t>        </a:t>
             </a:r>
             <a:r>
-              <a:rPr kumimoji="0" lang="zh-CN" altLang="zh-CN" sz="900" b="0" i="0" u="none" strike="noStrike" cap="none" normalizeH="0" baseline="0" dirty="0" smtClean="0">
+              <a:rPr kumimoji="0" lang="zh-CN" altLang="zh-CN" sz="900" b="0" i="0" u="none" strike="noStrike" cap="none" normalizeH="0" baseline="0" dirty="0">
                 <a:ln>
                   <a:noFill/>
                 </a:ln>
@@ -9926,7 +9757,7 @@
               <a:t>BenchmarkN.alloc(</a:t>
             </a:r>
             <a:r>
-              <a:rPr kumimoji="0" lang="zh-CN" altLang="zh-CN" sz="900" b="0" i="0" u="none" strike="noStrike" cap="none" normalizeH="0" baseline="0" dirty="0" smtClean="0">
+              <a:rPr kumimoji="0" lang="zh-CN" altLang="zh-CN" sz="900" b="0" i="0" u="none" strike="noStrike" cap="none" normalizeH="0" baseline="0" dirty="0">
                 <a:ln>
                   <a:noFill/>
                 </a:ln>
@@ -9940,7 +9771,7 @@
               <a:t>3</a:t>
             </a:r>
             <a:r>
-              <a:rPr kumimoji="0" lang="zh-CN" altLang="zh-CN" sz="900" b="0" i="0" u="none" strike="noStrike" cap="none" normalizeH="0" baseline="0" dirty="0" smtClean="0">
+              <a:rPr kumimoji="0" lang="zh-CN" altLang="zh-CN" sz="900" b="0" i="0" u="none" strike="noStrike" cap="none" normalizeH="0" baseline="0" dirty="0">
                 <a:ln>
                   <a:noFill/>
                 </a:ln>
@@ -9954,7 +9785,7 @@
               <a:t>)</a:t>
             </a:r>
             <a:r>
-              <a:rPr kumimoji="0" lang="zh-CN" altLang="zh-CN" sz="900" b="0" i="0" u="none" strike="noStrike" cap="none" normalizeH="0" baseline="0" dirty="0" smtClean="0">
+              <a:rPr kumimoji="0" lang="zh-CN" altLang="zh-CN" sz="900" b="0" i="0" u="none" strike="noStrike" cap="none" normalizeH="0" baseline="0" dirty="0">
                 <a:ln>
                   <a:noFill/>
                 </a:ln>
@@ -9968,7 +9799,7 @@
               <a:t>;</a:t>
             </a:r>
             <a:br>
-              <a:rPr kumimoji="0" lang="zh-CN" altLang="zh-CN" sz="900" b="0" i="0" u="none" strike="noStrike" cap="none" normalizeH="0" baseline="0" dirty="0" smtClean="0">
+              <a:rPr kumimoji="0" lang="zh-CN" altLang="zh-CN" sz="900" b="0" i="0" u="none" strike="noStrike" cap="none" normalizeH="0" baseline="0" dirty="0">
                 <a:ln>
                   <a:noFill/>
                 </a:ln>
@@ -9981,7 +9812,7 @@
               </a:rPr>
             </a:br>
             <a:r>
-              <a:rPr kumimoji="0" lang="zh-CN" altLang="zh-CN" sz="900" b="0" i="0" u="none" strike="noStrike" cap="none" normalizeH="0" baseline="0" dirty="0" smtClean="0">
+              <a:rPr kumimoji="0" lang="zh-CN" altLang="zh-CN" sz="900" b="0" i="0" u="none" strike="noStrike" cap="none" normalizeH="0" baseline="0" dirty="0">
                 <a:ln>
                   <a:noFill/>
                 </a:ln>
@@ -9995,7 +9826,7 @@
               <a:t>        </a:t>
             </a:r>
             <a:r>
-              <a:rPr kumimoji="0" lang="zh-CN" altLang="zh-CN" sz="900" b="0" i="0" u="none" strike="noStrike" cap="none" normalizeH="0" baseline="0" dirty="0" smtClean="0">
+              <a:rPr kumimoji="0" lang="zh-CN" altLang="zh-CN" sz="900" b="0" i="0" u="none" strike="noStrike" cap="none" normalizeH="0" baseline="0" dirty="0">
                 <a:ln>
                   <a:noFill/>
                 </a:ln>
@@ -10009,7 +9840,7 @@
               <a:t>B b3 = </a:t>
             </a:r>
             <a:r>
-              <a:rPr kumimoji="0" lang="zh-CN" altLang="zh-CN" sz="900" b="0" i="0" u="none" strike="noStrike" cap="none" normalizeH="0" baseline="0" dirty="0" smtClean="0">
+              <a:rPr kumimoji="0" lang="zh-CN" altLang="zh-CN" sz="900" b="0" i="0" u="none" strike="noStrike" cap="none" normalizeH="0" baseline="0" dirty="0">
                 <a:ln>
                   <a:noFill/>
                 </a:ln>
@@ -10023,7 +9854,7 @@
               <a:t>new </a:t>
             </a:r>
             <a:r>
-              <a:rPr kumimoji="0" lang="zh-CN" altLang="zh-CN" sz="900" b="0" i="0" u="none" strike="noStrike" cap="none" normalizeH="0" baseline="0" dirty="0" smtClean="0">
+              <a:rPr kumimoji="0" lang="zh-CN" altLang="zh-CN" sz="900" b="0" i="0" u="none" strike="noStrike" cap="none" normalizeH="0" baseline="0" dirty="0">
                 <a:ln>
                   <a:noFill/>
                 </a:ln>
@@ -10037,7 +9868,7 @@
               <a:t>B()</a:t>
             </a:r>
             <a:r>
-              <a:rPr kumimoji="0" lang="zh-CN" altLang="zh-CN" sz="900" b="0" i="0" u="none" strike="noStrike" cap="none" normalizeH="0" baseline="0" dirty="0" smtClean="0">
+              <a:rPr kumimoji="0" lang="zh-CN" altLang="zh-CN" sz="900" b="0" i="0" u="none" strike="noStrike" cap="none" normalizeH="0" baseline="0" dirty="0">
                 <a:ln>
                   <a:noFill/>
                 </a:ln>
@@ -10051,7 +9882,7 @@
               <a:t>;</a:t>
             </a:r>
             <a:br>
-              <a:rPr kumimoji="0" lang="zh-CN" altLang="zh-CN" sz="900" b="0" i="0" u="none" strike="noStrike" cap="none" normalizeH="0" baseline="0" dirty="0" smtClean="0">
+              <a:rPr kumimoji="0" lang="zh-CN" altLang="zh-CN" sz="900" b="0" i="0" u="none" strike="noStrike" cap="none" normalizeH="0" baseline="0" dirty="0">
                 <a:ln>
                   <a:noFill/>
                 </a:ln>
@@ -10064,7 +9895,7 @@
               </a:rPr>
             </a:br>
             <a:r>
-              <a:rPr kumimoji="0" lang="zh-CN" altLang="zh-CN" sz="900" b="0" i="0" u="none" strike="noStrike" cap="none" normalizeH="0" baseline="0" dirty="0" smtClean="0">
+              <a:rPr kumimoji="0" lang="zh-CN" altLang="zh-CN" sz="900" b="0" i="0" u="none" strike="noStrike" cap="none" normalizeH="0" baseline="0" dirty="0">
                 <a:ln>
                   <a:noFill/>
                 </a:ln>
@@ -10078,7 +9909,7 @@
               <a:t>        </a:t>
             </a:r>
             <a:r>
-              <a:rPr kumimoji="0" lang="zh-CN" altLang="zh-CN" sz="900" b="0" i="0" u="none" strike="noStrike" cap="none" normalizeH="0" baseline="0" dirty="0" smtClean="0">
+              <a:rPr kumimoji="0" lang="zh-CN" altLang="zh-CN" sz="900" b="0" i="0" u="none" strike="noStrike" cap="none" normalizeH="0" baseline="0" dirty="0">
                 <a:ln>
                   <a:noFill/>
                 </a:ln>
@@ -10092,7 +9923,7 @@
               <a:t>a1.f = b1</a:t>
             </a:r>
             <a:r>
-              <a:rPr kumimoji="0" lang="zh-CN" altLang="zh-CN" sz="900" b="0" i="0" u="none" strike="noStrike" cap="none" normalizeH="0" baseline="0" dirty="0" smtClean="0">
+              <a:rPr kumimoji="0" lang="zh-CN" altLang="zh-CN" sz="900" b="0" i="0" u="none" strike="noStrike" cap="none" normalizeH="0" baseline="0" dirty="0">
                 <a:ln>
                   <a:noFill/>
                 </a:ln>
@@ -10106,7 +9937,7 @@
               <a:t>;</a:t>
             </a:r>
             <a:br>
-              <a:rPr kumimoji="0" lang="zh-CN" altLang="zh-CN" sz="900" b="0" i="0" u="none" strike="noStrike" cap="none" normalizeH="0" baseline="0" dirty="0" smtClean="0">
+              <a:rPr kumimoji="0" lang="zh-CN" altLang="zh-CN" sz="900" b="0" i="0" u="none" strike="noStrike" cap="none" normalizeH="0" baseline="0" dirty="0">
                 <a:ln>
                   <a:noFill/>
                 </a:ln>
@@ -10119,7 +9950,7 @@
               </a:rPr>
             </a:br>
             <a:r>
-              <a:rPr kumimoji="0" lang="zh-CN" altLang="zh-CN" sz="900" b="0" i="0" u="none" strike="noStrike" cap="none" normalizeH="0" baseline="0" dirty="0" smtClean="0">
+              <a:rPr kumimoji="0" lang="zh-CN" altLang="zh-CN" sz="900" b="0" i="0" u="none" strike="noStrike" cap="none" normalizeH="0" baseline="0" dirty="0">
                 <a:ln>
                   <a:noFill/>
                 </a:ln>
@@ -10133,7 +9964,7 @@
               <a:t>        </a:t>
             </a:r>
             <a:r>
-              <a:rPr kumimoji="0" lang="zh-CN" altLang="zh-CN" sz="900" b="0" i="0" u="none" strike="noStrike" cap="none" normalizeH="0" baseline="0" dirty="0" smtClean="0">
+              <a:rPr kumimoji="0" lang="zh-CN" altLang="zh-CN" sz="900" b="0" i="0" u="none" strike="noStrike" cap="none" normalizeH="0" baseline="0" dirty="0">
                 <a:ln>
                   <a:noFill/>
                 </a:ln>
@@ -10147,7 +9978,7 @@
               <a:t>a2.f = b2</a:t>
             </a:r>
             <a:r>
-              <a:rPr kumimoji="0" lang="zh-CN" altLang="zh-CN" sz="900" b="0" i="0" u="none" strike="noStrike" cap="none" normalizeH="0" baseline="0" dirty="0" smtClean="0">
+              <a:rPr kumimoji="0" lang="zh-CN" altLang="zh-CN" sz="900" b="0" i="0" u="none" strike="noStrike" cap="none" normalizeH="0" baseline="0" dirty="0">
                 <a:ln>
                   <a:noFill/>
                 </a:ln>
@@ -10161,7 +9992,7 @@
               <a:t>;</a:t>
             </a:r>
             <a:br>
-              <a:rPr kumimoji="0" lang="zh-CN" altLang="zh-CN" sz="900" b="0" i="0" u="none" strike="noStrike" cap="none" normalizeH="0" baseline="0" dirty="0" smtClean="0">
+              <a:rPr kumimoji="0" lang="zh-CN" altLang="zh-CN" sz="900" b="0" i="0" u="none" strike="noStrike" cap="none" normalizeH="0" baseline="0" dirty="0">
                 <a:ln>
                   <a:noFill/>
                 </a:ln>
@@ -10173,22 +10004,8 @@
                 <a:ea typeface="JetBrains Mono"/>
               </a:rPr>
             </a:br>
-            <a:r>
-              <a:rPr kumimoji="0" lang="zh-CN" altLang="zh-CN" sz="900" b="0" i="0" u="none" strike="noStrike" cap="none" normalizeH="0" baseline="0" dirty="0" smtClean="0">
-                <a:ln>
-                  <a:noFill/>
-                </a:ln>
-                <a:solidFill>
-                  <a:srgbClr val="CC7832"/>
-                </a:solidFill>
-                <a:effectLst/>
-                <a:latin typeface="Consolas" panose="020B0609020204030204" pitchFamily="49" charset="0"/>
-                <a:ea typeface="JetBrains Mono"/>
-              </a:rPr>
-              <a:t/>
-            </a:r>
             <a:br>
-              <a:rPr kumimoji="0" lang="zh-CN" altLang="zh-CN" sz="900" b="0" i="0" u="none" strike="noStrike" cap="none" normalizeH="0" baseline="0" dirty="0" smtClean="0">
+              <a:rPr kumimoji="0" lang="zh-CN" altLang="zh-CN" sz="900" b="0" i="0" u="none" strike="noStrike" cap="none" normalizeH="0" baseline="0" dirty="0">
                 <a:ln>
                   <a:noFill/>
                 </a:ln>
@@ -10201,7 +10018,7 @@
               </a:rPr>
             </a:br>
             <a:r>
-              <a:rPr kumimoji="0" lang="zh-CN" altLang="zh-CN" sz="900" b="0" i="0" u="none" strike="noStrike" cap="none" normalizeH="0" baseline="0" dirty="0" smtClean="0">
+              <a:rPr kumimoji="0" lang="zh-CN" altLang="zh-CN" sz="900" b="0" i="0" u="none" strike="noStrike" cap="none" normalizeH="0" baseline="0" dirty="0">
                 <a:ln>
                   <a:noFill/>
                 </a:ln>
@@ -10215,7 +10032,7 @@
               <a:t>        </a:t>
             </a:r>
             <a:r>
-              <a:rPr kumimoji="0" lang="zh-CN" altLang="zh-CN" sz="900" b="0" i="0" u="none" strike="noStrike" cap="none" normalizeH="0" baseline="0" dirty="0" smtClean="0">
+              <a:rPr kumimoji="0" lang="zh-CN" altLang="zh-CN" sz="900" b="0" i="0" u="none" strike="noStrike" cap="none" normalizeH="0" baseline="0" dirty="0">
                 <a:ln>
                   <a:noFill/>
                 </a:ln>
@@ -10229,7 +10046,7 @@
               <a:t>a = bar(args</a:t>
             </a:r>
             <a:r>
-              <a:rPr kumimoji="0" lang="zh-CN" altLang="zh-CN" sz="900" b="0" i="0" u="none" strike="noStrike" cap="none" normalizeH="0" baseline="0" dirty="0" smtClean="0">
+              <a:rPr kumimoji="0" lang="zh-CN" altLang="zh-CN" sz="900" b="0" i="0" u="none" strike="noStrike" cap="none" normalizeH="0" baseline="0" dirty="0">
                 <a:ln>
                   <a:noFill/>
                 </a:ln>
@@ -10243,7 +10060,7 @@
               <a:t>, </a:t>
             </a:r>
             <a:r>
-              <a:rPr kumimoji="0" lang="zh-CN" altLang="zh-CN" sz="900" b="0" i="0" u="none" strike="noStrike" cap="none" normalizeH="0" baseline="0" dirty="0" smtClean="0">
+              <a:rPr kumimoji="0" lang="zh-CN" altLang="zh-CN" sz="900" b="0" i="0" u="none" strike="noStrike" cap="none" normalizeH="0" baseline="0" dirty="0">
                 <a:ln>
                   <a:noFill/>
                 </a:ln>
@@ -10257,7 +10074,7 @@
               <a:t>a1</a:t>
             </a:r>
             <a:r>
-              <a:rPr kumimoji="0" lang="zh-CN" altLang="zh-CN" sz="900" b="0" i="0" u="none" strike="noStrike" cap="none" normalizeH="0" baseline="0" dirty="0" smtClean="0">
+              <a:rPr kumimoji="0" lang="zh-CN" altLang="zh-CN" sz="900" b="0" i="0" u="none" strike="noStrike" cap="none" normalizeH="0" baseline="0" dirty="0">
                 <a:ln>
                   <a:noFill/>
                 </a:ln>
@@ -10271,7 +10088,7 @@
               <a:t>, </a:t>
             </a:r>
             <a:r>
-              <a:rPr kumimoji="0" lang="zh-CN" altLang="zh-CN" sz="900" b="0" i="0" u="none" strike="noStrike" cap="none" normalizeH="0" baseline="0" dirty="0" smtClean="0">
+              <a:rPr kumimoji="0" lang="zh-CN" altLang="zh-CN" sz="900" b="0" i="0" u="none" strike="noStrike" cap="none" normalizeH="0" baseline="0" dirty="0">
                 <a:ln>
                   <a:noFill/>
                 </a:ln>
@@ -10285,7 +10102,7 @@
               <a:t>a2)</a:t>
             </a:r>
             <a:r>
-              <a:rPr kumimoji="0" lang="zh-CN" altLang="zh-CN" sz="900" b="0" i="0" u="none" strike="noStrike" cap="none" normalizeH="0" baseline="0" dirty="0" smtClean="0">
+              <a:rPr kumimoji="0" lang="zh-CN" altLang="zh-CN" sz="900" b="0" i="0" u="none" strike="noStrike" cap="none" normalizeH="0" baseline="0" dirty="0">
                 <a:ln>
                   <a:noFill/>
                 </a:ln>
@@ -10299,7 +10116,7 @@
               <a:t>;</a:t>
             </a:r>
             <a:br>
-              <a:rPr kumimoji="0" lang="zh-CN" altLang="zh-CN" sz="900" b="0" i="0" u="none" strike="noStrike" cap="none" normalizeH="0" baseline="0" dirty="0" smtClean="0">
+              <a:rPr kumimoji="0" lang="zh-CN" altLang="zh-CN" sz="900" b="0" i="0" u="none" strike="noStrike" cap="none" normalizeH="0" baseline="0" dirty="0">
                 <a:ln>
                   <a:noFill/>
                 </a:ln>
@@ -10312,7 +10129,7 @@
               </a:rPr>
             </a:br>
             <a:r>
-              <a:rPr kumimoji="0" lang="zh-CN" altLang="zh-CN" sz="900" b="0" i="0" u="none" strike="noStrike" cap="none" normalizeH="0" baseline="0" dirty="0" smtClean="0">
+              <a:rPr kumimoji="0" lang="zh-CN" altLang="zh-CN" sz="900" b="0" i="0" u="none" strike="noStrike" cap="none" normalizeH="0" baseline="0" dirty="0">
                 <a:ln>
                   <a:noFill/>
                 </a:ln>
@@ -10326,7 +10143,7 @@
               <a:t>        </a:t>
             </a:r>
             <a:r>
-              <a:rPr kumimoji="0" lang="zh-CN" altLang="zh-CN" sz="900" b="0" i="0" u="none" strike="noStrike" cap="none" normalizeH="0" baseline="0" dirty="0" smtClean="0">
+              <a:rPr kumimoji="0" lang="zh-CN" altLang="zh-CN" sz="900" b="0" i="0" u="none" strike="noStrike" cap="none" normalizeH="0" baseline="0" dirty="0">
                 <a:ln>
                   <a:noFill/>
                 </a:ln>
@@ -10340,7 +10157,7 @@
               <a:t>a.f = b3</a:t>
             </a:r>
             <a:r>
-              <a:rPr kumimoji="0" lang="zh-CN" altLang="zh-CN" sz="900" b="0" i="0" u="none" strike="noStrike" cap="none" normalizeH="0" baseline="0" dirty="0" smtClean="0">
+              <a:rPr kumimoji="0" lang="zh-CN" altLang="zh-CN" sz="900" b="0" i="0" u="none" strike="noStrike" cap="none" normalizeH="0" baseline="0" dirty="0">
                 <a:ln>
                   <a:noFill/>
                 </a:ln>
@@ -10354,7 +10171,7 @@
               <a:t>;</a:t>
             </a:r>
             <a:br>
-              <a:rPr kumimoji="0" lang="zh-CN" altLang="zh-CN" sz="900" b="0" i="0" u="none" strike="noStrike" cap="none" normalizeH="0" baseline="0" dirty="0" smtClean="0">
+              <a:rPr kumimoji="0" lang="zh-CN" altLang="zh-CN" sz="900" b="0" i="0" u="none" strike="noStrike" cap="none" normalizeH="0" baseline="0" dirty="0">
                 <a:ln>
                   <a:noFill/>
                 </a:ln>
@@ -10367,7 +10184,7 @@
               </a:rPr>
             </a:br>
             <a:r>
-              <a:rPr kumimoji="0" lang="zh-CN" altLang="zh-CN" sz="900" b="0" i="0" u="none" strike="noStrike" cap="none" normalizeH="0" baseline="0" dirty="0" smtClean="0">
+              <a:rPr kumimoji="0" lang="zh-CN" altLang="zh-CN" sz="900" b="0" i="0" u="none" strike="noStrike" cap="none" normalizeH="0" baseline="0" dirty="0">
                 <a:ln>
                   <a:noFill/>
                 </a:ln>
@@ -10381,7 +10198,7 @@
               <a:t>        </a:t>
             </a:r>
             <a:r>
-              <a:rPr kumimoji="0" lang="zh-CN" altLang="zh-CN" sz="900" b="0" i="0" u="none" strike="noStrike" cap="none" normalizeH="0" baseline="0" dirty="0" smtClean="0">
+              <a:rPr kumimoji="0" lang="zh-CN" altLang="zh-CN" sz="900" b="0" i="0" u="none" strike="noStrike" cap="none" normalizeH="0" baseline="0" dirty="0">
                 <a:ln>
                   <a:noFill/>
                 </a:ln>
@@ -10395,7 +10212,7 @@
               <a:t>BenchmarkN.test(</a:t>
             </a:r>
             <a:r>
-              <a:rPr kumimoji="0" lang="zh-CN" altLang="zh-CN" sz="900" b="0" i="0" u="none" strike="noStrike" cap="none" normalizeH="0" baseline="0" dirty="0" smtClean="0">
+              <a:rPr kumimoji="0" lang="zh-CN" altLang="zh-CN" sz="900" b="0" i="0" u="none" strike="noStrike" cap="none" normalizeH="0" baseline="0" dirty="0">
                 <a:ln>
                   <a:noFill/>
                 </a:ln>
@@ -10409,7 +10226,7 @@
               <a:t>1</a:t>
             </a:r>
             <a:r>
-              <a:rPr kumimoji="0" lang="zh-CN" altLang="zh-CN" sz="900" b="0" i="0" u="none" strike="noStrike" cap="none" normalizeH="0" baseline="0" dirty="0" smtClean="0">
+              <a:rPr kumimoji="0" lang="zh-CN" altLang="zh-CN" sz="900" b="0" i="0" u="none" strike="noStrike" cap="none" normalizeH="0" baseline="0" dirty="0">
                 <a:ln>
                   <a:noFill/>
                 </a:ln>
@@ -10423,7 +10240,7 @@
               <a:t>, </a:t>
             </a:r>
             <a:r>
-              <a:rPr kumimoji="0" lang="zh-CN" altLang="zh-CN" sz="900" b="0" i="0" u="none" strike="noStrike" cap="none" normalizeH="0" baseline="0" dirty="0" smtClean="0">
+              <a:rPr kumimoji="0" lang="zh-CN" altLang="zh-CN" sz="900" b="0" i="0" u="none" strike="noStrike" cap="none" normalizeH="0" baseline="0" dirty="0">
                 <a:ln>
                   <a:noFill/>
                 </a:ln>
@@ -10437,7 +10254,7 @@
               <a:t>a1.f)</a:t>
             </a:r>
             <a:r>
-              <a:rPr kumimoji="0" lang="zh-CN" altLang="zh-CN" sz="900" b="0" i="0" u="none" strike="noStrike" cap="none" normalizeH="0" baseline="0" dirty="0" smtClean="0">
+              <a:rPr kumimoji="0" lang="zh-CN" altLang="zh-CN" sz="900" b="0" i="0" u="none" strike="noStrike" cap="none" normalizeH="0" baseline="0" dirty="0">
                 <a:ln>
                   <a:noFill/>
                 </a:ln>
@@ -10451,7 +10268,7 @@
               <a:t>;</a:t>
             </a:r>
             <a:br>
-              <a:rPr kumimoji="0" lang="zh-CN" altLang="zh-CN" sz="900" b="0" i="0" u="none" strike="noStrike" cap="none" normalizeH="0" baseline="0" dirty="0" smtClean="0">
+              <a:rPr kumimoji="0" lang="zh-CN" altLang="zh-CN" sz="900" b="0" i="0" u="none" strike="noStrike" cap="none" normalizeH="0" baseline="0" dirty="0">
                 <a:ln>
                   <a:noFill/>
                 </a:ln>
@@ -10464,7 +10281,7 @@
               </a:rPr>
             </a:br>
             <a:r>
-              <a:rPr kumimoji="0" lang="zh-CN" altLang="zh-CN" sz="900" b="0" i="0" u="none" strike="noStrike" cap="none" normalizeH="0" baseline="0" dirty="0" smtClean="0">
+              <a:rPr kumimoji="0" lang="zh-CN" altLang="zh-CN" sz="900" b="0" i="0" u="none" strike="noStrike" cap="none" normalizeH="0" baseline="0" dirty="0">
                 <a:ln>
                   <a:noFill/>
                 </a:ln>
@@ -10478,7 +10295,7 @@
               <a:t>        </a:t>
             </a:r>
             <a:r>
-              <a:rPr kumimoji="0" lang="zh-CN" altLang="zh-CN" sz="900" b="0" i="0" u="none" strike="noStrike" cap="none" normalizeH="0" baseline="0" dirty="0" smtClean="0">
+              <a:rPr kumimoji="0" lang="zh-CN" altLang="zh-CN" sz="900" b="0" i="0" u="none" strike="noStrike" cap="none" normalizeH="0" baseline="0" dirty="0">
                 <a:ln>
                   <a:noFill/>
                 </a:ln>
@@ -10492,7 +10309,7 @@
               <a:t>BenchmarkN.test(</a:t>
             </a:r>
             <a:r>
-              <a:rPr kumimoji="0" lang="zh-CN" altLang="zh-CN" sz="900" b="0" i="0" u="none" strike="noStrike" cap="none" normalizeH="0" baseline="0" dirty="0" smtClean="0">
+              <a:rPr kumimoji="0" lang="zh-CN" altLang="zh-CN" sz="900" b="0" i="0" u="none" strike="noStrike" cap="none" normalizeH="0" baseline="0" dirty="0">
                 <a:ln>
                   <a:noFill/>
                 </a:ln>
@@ -10506,7 +10323,7 @@
               <a:t>2</a:t>
             </a:r>
             <a:r>
-              <a:rPr kumimoji="0" lang="zh-CN" altLang="zh-CN" sz="900" b="0" i="0" u="none" strike="noStrike" cap="none" normalizeH="0" baseline="0" dirty="0" smtClean="0">
+              <a:rPr kumimoji="0" lang="zh-CN" altLang="zh-CN" sz="900" b="0" i="0" u="none" strike="noStrike" cap="none" normalizeH="0" baseline="0" dirty="0">
                 <a:ln>
                   <a:noFill/>
                 </a:ln>
@@ -10520,7 +10337,7 @@
               <a:t>, </a:t>
             </a:r>
             <a:r>
-              <a:rPr kumimoji="0" lang="zh-CN" altLang="zh-CN" sz="900" b="0" i="0" u="none" strike="noStrike" cap="none" normalizeH="0" baseline="0" dirty="0" smtClean="0">
+              <a:rPr kumimoji="0" lang="zh-CN" altLang="zh-CN" sz="900" b="0" i="0" u="none" strike="noStrike" cap="none" normalizeH="0" baseline="0" dirty="0">
                 <a:ln>
                   <a:noFill/>
                 </a:ln>
@@ -10534,7 +10351,7 @@
               <a:t>a2.f)</a:t>
             </a:r>
             <a:r>
-              <a:rPr kumimoji="0" lang="zh-CN" altLang="zh-CN" sz="900" b="0" i="0" u="none" strike="noStrike" cap="none" normalizeH="0" baseline="0" dirty="0" smtClean="0">
+              <a:rPr kumimoji="0" lang="zh-CN" altLang="zh-CN" sz="900" b="0" i="0" u="none" strike="noStrike" cap="none" normalizeH="0" baseline="0" dirty="0">
                 <a:ln>
                   <a:noFill/>
                 </a:ln>
@@ -10548,7 +10365,7 @@
               <a:t>;</a:t>
             </a:r>
             <a:br>
-              <a:rPr kumimoji="0" lang="zh-CN" altLang="zh-CN" sz="900" b="0" i="0" u="none" strike="noStrike" cap="none" normalizeH="0" baseline="0" dirty="0" smtClean="0">
+              <a:rPr kumimoji="0" lang="zh-CN" altLang="zh-CN" sz="900" b="0" i="0" u="none" strike="noStrike" cap="none" normalizeH="0" baseline="0" dirty="0">
                 <a:ln>
                   <a:noFill/>
                 </a:ln>
@@ -10561,7 +10378,7 @@
               </a:rPr>
             </a:br>
             <a:r>
-              <a:rPr kumimoji="0" lang="zh-CN" altLang="zh-CN" sz="900" b="0" i="0" u="none" strike="noStrike" cap="none" normalizeH="0" baseline="0" dirty="0" smtClean="0">
+              <a:rPr kumimoji="0" lang="zh-CN" altLang="zh-CN" sz="900" b="0" i="0" u="none" strike="noStrike" cap="none" normalizeH="0" baseline="0" dirty="0">
                 <a:ln>
                   <a:noFill/>
                 </a:ln>
@@ -10575,7 +10392,7 @@
               <a:t>        </a:t>
             </a:r>
             <a:r>
-              <a:rPr kumimoji="0" lang="zh-CN" altLang="zh-CN" sz="900" b="0" i="0" u="none" strike="noStrike" cap="none" normalizeH="0" baseline="0" dirty="0" smtClean="0">
+              <a:rPr kumimoji="0" lang="zh-CN" altLang="zh-CN" sz="900" b="0" i="0" u="none" strike="noStrike" cap="none" normalizeH="0" baseline="0" dirty="0">
                 <a:ln>
                   <a:noFill/>
                 </a:ln>
@@ -10589,7 +10406,7 @@
               <a:t>BenchmarkN.test(</a:t>
             </a:r>
             <a:r>
-              <a:rPr kumimoji="0" lang="zh-CN" altLang="zh-CN" sz="900" b="0" i="0" u="none" strike="noStrike" cap="none" normalizeH="0" baseline="0" dirty="0" smtClean="0">
+              <a:rPr kumimoji="0" lang="zh-CN" altLang="zh-CN" sz="900" b="0" i="0" u="none" strike="noStrike" cap="none" normalizeH="0" baseline="0" dirty="0">
                 <a:ln>
                   <a:noFill/>
                 </a:ln>
@@ -10603,7 +10420,7 @@
               <a:t>3</a:t>
             </a:r>
             <a:r>
-              <a:rPr kumimoji="0" lang="zh-CN" altLang="zh-CN" sz="900" b="0" i="0" u="none" strike="noStrike" cap="none" normalizeH="0" baseline="0" dirty="0" smtClean="0">
+              <a:rPr kumimoji="0" lang="zh-CN" altLang="zh-CN" sz="900" b="0" i="0" u="none" strike="noStrike" cap="none" normalizeH="0" baseline="0" dirty="0">
                 <a:ln>
                   <a:noFill/>
                 </a:ln>
@@ -10617,7 +10434,7 @@
               <a:t>, </a:t>
             </a:r>
             <a:r>
-              <a:rPr kumimoji="0" lang="zh-CN" altLang="zh-CN" sz="900" b="0" i="0" u="none" strike="noStrike" cap="none" normalizeH="0" baseline="0" dirty="0" smtClean="0">
+              <a:rPr kumimoji="0" lang="zh-CN" altLang="zh-CN" sz="900" b="0" i="0" u="none" strike="noStrike" cap="none" normalizeH="0" baseline="0" dirty="0">
                 <a:ln>
                   <a:noFill/>
                 </a:ln>
@@ -10631,7 +10448,7 @@
               <a:t>a.a)</a:t>
             </a:r>
             <a:r>
-              <a:rPr kumimoji="0" lang="zh-CN" altLang="zh-CN" sz="900" b="0" i="0" u="none" strike="noStrike" cap="none" normalizeH="0" baseline="0" dirty="0" smtClean="0">
+              <a:rPr kumimoji="0" lang="zh-CN" altLang="zh-CN" sz="900" b="0" i="0" u="none" strike="noStrike" cap="none" normalizeH="0" baseline="0" dirty="0">
                 <a:ln>
                   <a:noFill/>
                 </a:ln>
@@ -10645,7 +10462,7 @@
               <a:t>;</a:t>
             </a:r>
             <a:br>
-              <a:rPr kumimoji="0" lang="zh-CN" altLang="zh-CN" sz="900" b="0" i="0" u="none" strike="noStrike" cap="none" normalizeH="0" baseline="0" dirty="0" smtClean="0">
+              <a:rPr kumimoji="0" lang="zh-CN" altLang="zh-CN" sz="900" b="0" i="0" u="none" strike="noStrike" cap="none" normalizeH="0" baseline="0" dirty="0">
                 <a:ln>
                   <a:noFill/>
                 </a:ln>
@@ -10657,22 +10474,8 @@
                 <a:ea typeface="JetBrains Mono"/>
               </a:rPr>
             </a:br>
-            <a:r>
-              <a:rPr kumimoji="0" lang="zh-CN" altLang="zh-CN" sz="900" b="0" i="0" u="none" strike="noStrike" cap="none" normalizeH="0" baseline="0" dirty="0" smtClean="0">
-                <a:ln>
-                  <a:noFill/>
-                </a:ln>
-                <a:solidFill>
-                  <a:srgbClr val="CC7832"/>
-                </a:solidFill>
-                <a:effectLst/>
-                <a:latin typeface="Consolas" panose="020B0609020204030204" pitchFamily="49" charset="0"/>
-                <a:ea typeface="JetBrains Mono"/>
-              </a:rPr>
-              <a:t/>
-            </a:r>
             <a:br>
-              <a:rPr kumimoji="0" lang="zh-CN" altLang="zh-CN" sz="900" b="0" i="0" u="none" strike="noStrike" cap="none" normalizeH="0" baseline="0" dirty="0" smtClean="0">
+              <a:rPr kumimoji="0" lang="zh-CN" altLang="zh-CN" sz="900" b="0" i="0" u="none" strike="noStrike" cap="none" normalizeH="0" baseline="0" dirty="0">
                 <a:ln>
                   <a:noFill/>
                 </a:ln>
@@ -10685,7 +10488,7 @@
               </a:rPr>
             </a:br>
             <a:r>
-              <a:rPr kumimoji="0" lang="zh-CN" altLang="zh-CN" sz="900" b="0" i="0" u="none" strike="noStrike" cap="none" normalizeH="0" baseline="0" dirty="0" smtClean="0">
+              <a:rPr kumimoji="0" lang="zh-CN" altLang="zh-CN" sz="900" b="0" i="0" u="none" strike="noStrike" cap="none" normalizeH="0" baseline="0" dirty="0">
                 <a:ln>
                   <a:noFill/>
                 </a:ln>
@@ -10699,7 +10502,7 @@
               <a:t>        for </a:t>
             </a:r>
             <a:r>
-              <a:rPr kumimoji="0" lang="zh-CN" altLang="zh-CN" sz="900" b="0" i="0" u="none" strike="noStrike" cap="none" normalizeH="0" baseline="0" dirty="0" smtClean="0">
+              <a:rPr kumimoji="0" lang="zh-CN" altLang="zh-CN" sz="900" b="0" i="0" u="none" strike="noStrike" cap="none" normalizeH="0" baseline="0" dirty="0">
                 <a:ln>
                   <a:noFill/>
                 </a:ln>
@@ -10713,7 +10516,7 @@
               <a:t>(</a:t>
             </a:r>
             <a:r>
-              <a:rPr kumimoji="0" lang="zh-CN" altLang="zh-CN" sz="900" b="0" i="0" u="none" strike="noStrike" cap="none" normalizeH="0" baseline="0" dirty="0" smtClean="0">
+              <a:rPr kumimoji="0" lang="zh-CN" altLang="zh-CN" sz="900" b="0" i="0" u="none" strike="noStrike" cap="none" normalizeH="0" baseline="0" dirty="0">
                 <a:ln>
                   <a:noFill/>
                 </a:ln>
@@ -10727,7 +10530,7 @@
               <a:t>int </a:t>
             </a:r>
             <a:r>
-              <a:rPr kumimoji="0" lang="zh-CN" altLang="zh-CN" sz="900" b="0" i="0" u="none" strike="noStrike" cap="none" normalizeH="0" baseline="0" dirty="0" smtClean="0">
+              <a:rPr kumimoji="0" lang="zh-CN" altLang="zh-CN" sz="900" b="0" i="0" u="none" strike="noStrike" cap="none" normalizeH="0" baseline="0" dirty="0">
                 <a:ln>
                   <a:noFill/>
                 </a:ln>
@@ -10741,7 +10544,7 @@
               <a:t>i = </a:t>
             </a:r>
             <a:r>
-              <a:rPr kumimoji="0" lang="zh-CN" altLang="zh-CN" sz="900" b="0" i="0" u="none" strike="noStrike" cap="none" normalizeH="0" baseline="0" dirty="0" smtClean="0">
+              <a:rPr kumimoji="0" lang="zh-CN" altLang="zh-CN" sz="900" b="0" i="0" u="none" strike="noStrike" cap="none" normalizeH="0" baseline="0" dirty="0">
                 <a:ln>
                   <a:noFill/>
                 </a:ln>
@@ -10755,7 +10558,7 @@
               <a:t>0</a:t>
             </a:r>
             <a:r>
-              <a:rPr kumimoji="0" lang="zh-CN" altLang="zh-CN" sz="900" b="0" i="0" u="none" strike="noStrike" cap="none" normalizeH="0" baseline="0" dirty="0" smtClean="0">
+              <a:rPr kumimoji="0" lang="zh-CN" altLang="zh-CN" sz="900" b="0" i="0" u="none" strike="noStrike" cap="none" normalizeH="0" baseline="0" dirty="0">
                 <a:ln>
                   <a:noFill/>
                 </a:ln>
@@ -10769,7 +10572,7 @@
               <a:t>; </a:t>
             </a:r>
             <a:r>
-              <a:rPr kumimoji="0" lang="zh-CN" altLang="zh-CN" sz="900" b="0" i="0" u="none" strike="noStrike" cap="none" normalizeH="0" baseline="0" dirty="0" smtClean="0">
+              <a:rPr kumimoji="0" lang="zh-CN" altLang="zh-CN" sz="900" b="0" i="0" u="none" strike="noStrike" cap="none" normalizeH="0" baseline="0" dirty="0">
                 <a:ln>
                   <a:noFill/>
                 </a:ln>
@@ -10783,7 +10586,7 @@
               <a:t>i &lt; args.length</a:t>
             </a:r>
             <a:r>
-              <a:rPr kumimoji="0" lang="zh-CN" altLang="zh-CN" sz="900" b="0" i="0" u="none" strike="noStrike" cap="none" normalizeH="0" baseline="0" dirty="0" smtClean="0">
+              <a:rPr kumimoji="0" lang="zh-CN" altLang="zh-CN" sz="900" b="0" i="0" u="none" strike="noStrike" cap="none" normalizeH="0" baseline="0" dirty="0">
                 <a:ln>
                   <a:noFill/>
                 </a:ln>
@@ -10797,7 +10600,7 @@
               <a:t>; </a:t>
             </a:r>
             <a:r>
-              <a:rPr kumimoji="0" lang="zh-CN" altLang="zh-CN" sz="900" b="0" i="0" u="none" strike="noStrike" cap="none" normalizeH="0" baseline="0" dirty="0" smtClean="0">
+              <a:rPr kumimoji="0" lang="zh-CN" altLang="zh-CN" sz="900" b="0" i="0" u="none" strike="noStrike" cap="none" normalizeH="0" baseline="0" dirty="0">
                 <a:ln>
                   <a:noFill/>
                 </a:ln>
@@ -10811,7 +10614,7 @@
               <a:t>++i) {</a:t>
             </a:r>
             <a:br>
-              <a:rPr kumimoji="0" lang="zh-CN" altLang="zh-CN" sz="900" b="0" i="0" u="none" strike="noStrike" cap="none" normalizeH="0" baseline="0" dirty="0" smtClean="0">
+              <a:rPr kumimoji="0" lang="zh-CN" altLang="zh-CN" sz="900" b="0" i="0" u="none" strike="noStrike" cap="none" normalizeH="0" baseline="0" dirty="0">
                 <a:ln>
                   <a:noFill/>
                 </a:ln>
@@ -10824,7 +10627,7 @@
               </a:rPr>
             </a:br>
             <a:r>
-              <a:rPr kumimoji="0" lang="zh-CN" altLang="zh-CN" sz="900" b="0" i="0" u="none" strike="noStrike" cap="none" normalizeH="0" baseline="0" dirty="0" smtClean="0">
+              <a:rPr kumimoji="0" lang="zh-CN" altLang="zh-CN" sz="900" b="0" i="0" u="none" strike="noStrike" cap="none" normalizeH="0" baseline="0" dirty="0">
                 <a:ln>
                   <a:noFill/>
                 </a:ln>
@@ -10838,7 +10641,7 @@
               <a:t>            </a:t>
             </a:r>
             <a:r>
-              <a:rPr kumimoji="0" lang="zh-CN" altLang="zh-CN" sz="900" b="0" i="0" u="none" strike="noStrike" cap="none" normalizeH="0" baseline="0" dirty="0" smtClean="0">
+              <a:rPr kumimoji="0" lang="zh-CN" altLang="zh-CN" sz="900" b="0" i="0" u="none" strike="noStrike" cap="none" normalizeH="0" baseline="0" dirty="0">
                 <a:ln>
                   <a:noFill/>
                 </a:ln>
@@ -10852,7 +10655,7 @@
               <a:t>if </a:t>
             </a:r>
             <a:r>
-              <a:rPr kumimoji="0" lang="zh-CN" altLang="zh-CN" sz="900" b="0" i="0" u="none" strike="noStrike" cap="none" normalizeH="0" baseline="0" dirty="0" smtClean="0">
+              <a:rPr kumimoji="0" lang="zh-CN" altLang="zh-CN" sz="900" b="0" i="0" u="none" strike="noStrike" cap="none" normalizeH="0" baseline="0" dirty="0">
                 <a:ln>
                   <a:noFill/>
                 </a:ln>
@@ -10866,7 +10669,7 @@
               <a:t>(i % </a:t>
             </a:r>
             <a:r>
-              <a:rPr kumimoji="0" lang="zh-CN" altLang="zh-CN" sz="900" b="0" i="0" u="none" strike="noStrike" cap="none" normalizeH="0" baseline="0" dirty="0" smtClean="0">
+              <a:rPr kumimoji="0" lang="zh-CN" altLang="zh-CN" sz="900" b="0" i="0" u="none" strike="noStrike" cap="none" normalizeH="0" baseline="0" dirty="0">
                 <a:ln>
                   <a:noFill/>
                 </a:ln>
@@ -10880,7 +10683,7 @@
               <a:t>2 </a:t>
             </a:r>
             <a:r>
-              <a:rPr kumimoji="0" lang="zh-CN" altLang="zh-CN" sz="900" b="0" i="0" u="none" strike="noStrike" cap="none" normalizeH="0" baseline="0" dirty="0" smtClean="0">
+              <a:rPr kumimoji="0" lang="zh-CN" altLang="zh-CN" sz="900" b="0" i="0" u="none" strike="noStrike" cap="none" normalizeH="0" baseline="0" dirty="0">
                 <a:ln>
                   <a:noFill/>
                 </a:ln>
@@ -10894,7 +10697,7 @@
               <a:t>== </a:t>
             </a:r>
             <a:r>
-              <a:rPr kumimoji="0" lang="zh-CN" altLang="zh-CN" sz="900" b="0" i="0" u="none" strike="noStrike" cap="none" normalizeH="0" baseline="0" dirty="0" smtClean="0">
+              <a:rPr kumimoji="0" lang="zh-CN" altLang="zh-CN" sz="900" b="0" i="0" u="none" strike="noStrike" cap="none" normalizeH="0" baseline="0" dirty="0">
                 <a:ln>
                   <a:noFill/>
                 </a:ln>
@@ -10908,7 +10711,7 @@
               <a:t>0</a:t>
             </a:r>
             <a:r>
-              <a:rPr kumimoji="0" lang="zh-CN" altLang="zh-CN" sz="900" b="0" i="0" u="none" strike="noStrike" cap="none" normalizeH="0" baseline="0" dirty="0" smtClean="0">
+              <a:rPr kumimoji="0" lang="zh-CN" altLang="zh-CN" sz="900" b="0" i="0" u="none" strike="noStrike" cap="none" normalizeH="0" baseline="0" dirty="0">
                 <a:ln>
                   <a:noFill/>
                 </a:ln>
@@ -10922,7 +10725,7 @@
               <a:t>) {</a:t>
             </a:r>
             <a:br>
-              <a:rPr kumimoji="0" lang="zh-CN" altLang="zh-CN" sz="900" b="0" i="0" u="none" strike="noStrike" cap="none" normalizeH="0" baseline="0" dirty="0" smtClean="0">
+              <a:rPr kumimoji="0" lang="zh-CN" altLang="zh-CN" sz="900" b="0" i="0" u="none" strike="noStrike" cap="none" normalizeH="0" baseline="0" dirty="0">
                 <a:ln>
                   <a:noFill/>
                 </a:ln>
@@ -10935,7 +10738,7 @@
               </a:rPr>
             </a:br>
             <a:r>
-              <a:rPr kumimoji="0" lang="zh-CN" altLang="zh-CN" sz="900" b="0" i="0" u="none" strike="noStrike" cap="none" normalizeH="0" baseline="0" dirty="0" smtClean="0">
+              <a:rPr kumimoji="0" lang="zh-CN" altLang="zh-CN" sz="900" b="0" i="0" u="none" strike="noStrike" cap="none" normalizeH="0" baseline="0" dirty="0">
                 <a:ln>
                   <a:noFill/>
                 </a:ln>
@@ -10949,7 +10752,7 @@
               <a:t>                x = b2</a:t>
             </a:r>
             <a:r>
-              <a:rPr kumimoji="0" lang="zh-CN" altLang="zh-CN" sz="900" b="0" i="0" u="none" strike="noStrike" cap="none" normalizeH="0" baseline="0" dirty="0" smtClean="0">
+              <a:rPr kumimoji="0" lang="zh-CN" altLang="zh-CN" sz="900" b="0" i="0" u="none" strike="noStrike" cap="none" normalizeH="0" baseline="0" dirty="0">
                 <a:ln>
                   <a:noFill/>
                 </a:ln>
@@ -10963,7 +10766,7 @@
               <a:t>;</a:t>
             </a:r>
             <a:br>
-              <a:rPr kumimoji="0" lang="zh-CN" altLang="zh-CN" sz="900" b="0" i="0" u="none" strike="noStrike" cap="none" normalizeH="0" baseline="0" dirty="0" smtClean="0">
+              <a:rPr kumimoji="0" lang="zh-CN" altLang="zh-CN" sz="900" b="0" i="0" u="none" strike="noStrike" cap="none" normalizeH="0" baseline="0" dirty="0">
                 <a:ln>
                   <a:noFill/>
                 </a:ln>
@@ -10976,7 +10779,7 @@
               </a:rPr>
             </a:br>
             <a:r>
-              <a:rPr kumimoji="0" lang="zh-CN" altLang="zh-CN" sz="900" b="0" i="0" u="none" strike="noStrike" cap="none" normalizeH="0" baseline="0" dirty="0" smtClean="0">
+              <a:rPr kumimoji="0" lang="zh-CN" altLang="zh-CN" sz="900" b="0" i="0" u="none" strike="noStrike" cap="none" normalizeH="0" baseline="0" dirty="0">
                 <a:ln>
                   <a:noFill/>
                 </a:ln>
@@ -10990,7 +10793,7 @@
               <a:t>                </a:t>
             </a:r>
             <a:r>
-              <a:rPr kumimoji="0" lang="zh-CN" altLang="zh-CN" sz="900" b="0" i="0" u="none" strike="noStrike" cap="none" normalizeH="0" baseline="0" dirty="0" smtClean="0">
+              <a:rPr kumimoji="0" lang="zh-CN" altLang="zh-CN" sz="900" b="0" i="0" u="none" strike="noStrike" cap="none" normalizeH="0" baseline="0" dirty="0">
                 <a:ln>
                   <a:noFill/>
                 </a:ln>
@@ -11004,7 +10807,7 @@
               <a:t>y = b3</a:t>
             </a:r>
             <a:r>
-              <a:rPr kumimoji="0" lang="zh-CN" altLang="zh-CN" sz="900" b="0" i="0" u="none" strike="noStrike" cap="none" normalizeH="0" baseline="0" dirty="0" smtClean="0">
+              <a:rPr kumimoji="0" lang="zh-CN" altLang="zh-CN" sz="900" b="0" i="0" u="none" strike="noStrike" cap="none" normalizeH="0" baseline="0" dirty="0">
                 <a:ln>
                   <a:noFill/>
                 </a:ln>
@@ -11018,7 +10821,7 @@
               <a:t>;</a:t>
             </a:r>
             <a:br>
-              <a:rPr kumimoji="0" lang="zh-CN" altLang="zh-CN" sz="900" b="0" i="0" u="none" strike="noStrike" cap="none" normalizeH="0" baseline="0" dirty="0" smtClean="0">
+              <a:rPr kumimoji="0" lang="zh-CN" altLang="zh-CN" sz="900" b="0" i="0" u="none" strike="noStrike" cap="none" normalizeH="0" baseline="0" dirty="0">
                 <a:ln>
                   <a:noFill/>
                 </a:ln>
@@ -11031,7 +10834,7 @@
               </a:rPr>
             </a:br>
             <a:r>
-              <a:rPr kumimoji="0" lang="zh-CN" altLang="zh-CN" sz="900" b="0" i="0" u="none" strike="noStrike" cap="none" normalizeH="0" baseline="0" dirty="0" smtClean="0">
+              <a:rPr kumimoji="0" lang="zh-CN" altLang="zh-CN" sz="900" b="0" i="0" u="none" strike="noStrike" cap="none" normalizeH="0" baseline="0" dirty="0">
                 <a:ln>
                   <a:noFill/>
                 </a:ln>
@@ -11045,7 +10848,7 @@
               <a:t>                </a:t>
             </a:r>
             <a:r>
-              <a:rPr kumimoji="0" lang="zh-CN" altLang="zh-CN" sz="900" b="0" i="0" u="none" strike="noStrike" cap="none" normalizeH="0" baseline="0" dirty="0" smtClean="0">
+              <a:rPr kumimoji="0" lang="zh-CN" altLang="zh-CN" sz="900" b="0" i="0" u="none" strike="noStrike" cap="none" normalizeH="0" baseline="0" dirty="0">
                 <a:ln>
                   <a:noFill/>
                 </a:ln>
@@ -11059,7 +10862,7 @@
               <a:t>BenchmarkN.test(</a:t>
             </a:r>
             <a:r>
-              <a:rPr kumimoji="0" lang="zh-CN" altLang="zh-CN" sz="900" b="0" i="0" u="none" strike="noStrike" cap="none" normalizeH="0" baseline="0" dirty="0" smtClean="0">
+              <a:rPr kumimoji="0" lang="zh-CN" altLang="zh-CN" sz="900" b="0" i="0" u="none" strike="noStrike" cap="none" normalizeH="0" baseline="0" dirty="0">
                 <a:ln>
                   <a:noFill/>
                 </a:ln>
@@ -11073,7 +10876,7 @@
               <a:t>4</a:t>
             </a:r>
             <a:r>
-              <a:rPr kumimoji="0" lang="zh-CN" altLang="zh-CN" sz="900" b="0" i="0" u="none" strike="noStrike" cap="none" normalizeH="0" baseline="0" dirty="0" smtClean="0">
+              <a:rPr kumimoji="0" lang="zh-CN" altLang="zh-CN" sz="900" b="0" i="0" u="none" strike="noStrike" cap="none" normalizeH="0" baseline="0" dirty="0">
                 <a:ln>
                   <a:noFill/>
                 </a:ln>
@@ -11087,7 +10890,7 @@
               <a:t>, </a:t>
             </a:r>
             <a:r>
-              <a:rPr kumimoji="0" lang="zh-CN" altLang="zh-CN" sz="900" b="0" i="0" u="none" strike="noStrike" cap="none" normalizeH="0" baseline="0" dirty="0" smtClean="0">
+              <a:rPr kumimoji="0" lang="zh-CN" altLang="zh-CN" sz="900" b="0" i="0" u="none" strike="noStrike" cap="none" normalizeH="0" baseline="0" dirty="0">
                 <a:ln>
                   <a:noFill/>
                 </a:ln>
@@ -11101,7 +10904,7 @@
               <a:t>x)</a:t>
             </a:r>
             <a:r>
-              <a:rPr kumimoji="0" lang="zh-CN" altLang="zh-CN" sz="900" b="0" i="0" u="none" strike="noStrike" cap="none" normalizeH="0" baseline="0" dirty="0" smtClean="0">
+              <a:rPr kumimoji="0" lang="zh-CN" altLang="zh-CN" sz="900" b="0" i="0" u="none" strike="noStrike" cap="none" normalizeH="0" baseline="0" dirty="0">
                 <a:ln>
                   <a:noFill/>
                 </a:ln>
@@ -11115,7 +10918,7 @@
               <a:t>;</a:t>
             </a:r>
             <a:br>
-              <a:rPr kumimoji="0" lang="zh-CN" altLang="zh-CN" sz="900" b="0" i="0" u="none" strike="noStrike" cap="none" normalizeH="0" baseline="0" dirty="0" smtClean="0">
+              <a:rPr kumimoji="0" lang="zh-CN" altLang="zh-CN" sz="900" b="0" i="0" u="none" strike="noStrike" cap="none" normalizeH="0" baseline="0" dirty="0">
                 <a:ln>
                   <a:noFill/>
                 </a:ln>
@@ -11128,7 +10931,7 @@
               </a:rPr>
             </a:br>
             <a:r>
-              <a:rPr kumimoji="0" lang="zh-CN" altLang="zh-CN" sz="900" b="0" i="0" u="none" strike="noStrike" cap="none" normalizeH="0" baseline="0" dirty="0" smtClean="0">
+              <a:rPr kumimoji="0" lang="zh-CN" altLang="zh-CN" sz="900" b="0" i="0" u="none" strike="noStrike" cap="none" normalizeH="0" baseline="0" dirty="0">
                 <a:ln>
                   <a:noFill/>
                 </a:ln>
@@ -11142,7 +10945,7 @@
               <a:t>                </a:t>
             </a:r>
             <a:r>
-              <a:rPr kumimoji="0" lang="zh-CN" altLang="zh-CN" sz="900" b="0" i="0" u="none" strike="noStrike" cap="none" normalizeH="0" baseline="0" dirty="0" smtClean="0">
+              <a:rPr kumimoji="0" lang="zh-CN" altLang="zh-CN" sz="900" b="0" i="0" u="none" strike="noStrike" cap="none" normalizeH="0" baseline="0" dirty="0">
                 <a:ln>
                   <a:noFill/>
                 </a:ln>
@@ -11156,7 +10959,7 @@
               <a:t>BenchmarkN.test(</a:t>
             </a:r>
             <a:r>
-              <a:rPr kumimoji="0" lang="zh-CN" altLang="zh-CN" sz="900" b="0" i="0" u="none" strike="noStrike" cap="none" normalizeH="0" baseline="0" dirty="0" smtClean="0">
+              <a:rPr kumimoji="0" lang="zh-CN" altLang="zh-CN" sz="900" b="0" i="0" u="none" strike="noStrike" cap="none" normalizeH="0" baseline="0" dirty="0">
                 <a:ln>
                   <a:noFill/>
                 </a:ln>
@@ -11170,7 +10973,7 @@
               <a:t>5</a:t>
             </a:r>
             <a:r>
-              <a:rPr kumimoji="0" lang="zh-CN" altLang="zh-CN" sz="900" b="0" i="0" u="none" strike="noStrike" cap="none" normalizeH="0" baseline="0" dirty="0" smtClean="0">
+              <a:rPr kumimoji="0" lang="zh-CN" altLang="zh-CN" sz="900" b="0" i="0" u="none" strike="noStrike" cap="none" normalizeH="0" baseline="0" dirty="0">
                 <a:ln>
                   <a:noFill/>
                 </a:ln>
@@ -11184,7 +10987,7 @@
               <a:t>, </a:t>
             </a:r>
             <a:r>
-              <a:rPr kumimoji="0" lang="zh-CN" altLang="zh-CN" sz="900" b="0" i="0" u="none" strike="noStrike" cap="none" normalizeH="0" baseline="0" dirty="0" smtClean="0">
+              <a:rPr kumimoji="0" lang="zh-CN" altLang="zh-CN" sz="900" b="0" i="0" u="none" strike="noStrike" cap="none" normalizeH="0" baseline="0" dirty="0">
                 <a:ln>
                   <a:noFill/>
                 </a:ln>
@@ -11198,7 +11001,7 @@
               <a:t>y)</a:t>
             </a:r>
             <a:r>
-              <a:rPr kumimoji="0" lang="zh-CN" altLang="zh-CN" sz="900" b="0" i="0" u="none" strike="noStrike" cap="none" normalizeH="0" baseline="0" dirty="0" smtClean="0">
+              <a:rPr kumimoji="0" lang="zh-CN" altLang="zh-CN" sz="900" b="0" i="0" u="none" strike="noStrike" cap="none" normalizeH="0" baseline="0" dirty="0">
                 <a:ln>
                   <a:noFill/>
                 </a:ln>
@@ -11212,7 +11015,7 @@
               <a:t>;</a:t>
             </a:r>
             <a:br>
-              <a:rPr kumimoji="0" lang="zh-CN" altLang="zh-CN" sz="900" b="0" i="0" u="none" strike="noStrike" cap="none" normalizeH="0" baseline="0" dirty="0" smtClean="0">
+              <a:rPr kumimoji="0" lang="zh-CN" altLang="zh-CN" sz="900" b="0" i="0" u="none" strike="noStrike" cap="none" normalizeH="0" baseline="0" dirty="0">
                 <a:ln>
                   <a:noFill/>
                 </a:ln>
@@ -11225,7 +11028,7 @@
               </a:rPr>
             </a:br>
             <a:r>
-              <a:rPr kumimoji="0" lang="zh-CN" altLang="zh-CN" sz="900" b="0" i="0" u="none" strike="noStrike" cap="none" normalizeH="0" baseline="0" dirty="0" smtClean="0">
+              <a:rPr kumimoji="0" lang="zh-CN" altLang="zh-CN" sz="900" b="0" i="0" u="none" strike="noStrike" cap="none" normalizeH="0" baseline="0" dirty="0">
                 <a:ln>
                   <a:noFill/>
                 </a:ln>
@@ -11239,7 +11042,7 @@
               <a:t>                </a:t>
             </a:r>
             <a:r>
-              <a:rPr kumimoji="0" lang="zh-CN" altLang="zh-CN" sz="900" b="0" i="0" u="none" strike="noStrike" cap="none" normalizeH="0" baseline="0" dirty="0" smtClean="0">
+              <a:rPr kumimoji="0" lang="zh-CN" altLang="zh-CN" sz="900" b="0" i="0" u="none" strike="noStrike" cap="none" normalizeH="0" baseline="0" dirty="0">
                 <a:ln>
                   <a:noFill/>
                 </a:ln>
@@ -11253,7 +11056,7 @@
               <a:t>a.f = f1(x</a:t>
             </a:r>
             <a:r>
-              <a:rPr kumimoji="0" lang="zh-CN" altLang="zh-CN" sz="900" b="0" i="0" u="none" strike="noStrike" cap="none" normalizeH="0" baseline="0" dirty="0" smtClean="0">
+              <a:rPr kumimoji="0" lang="zh-CN" altLang="zh-CN" sz="900" b="0" i="0" u="none" strike="noStrike" cap="none" normalizeH="0" baseline="0" dirty="0">
                 <a:ln>
                   <a:noFill/>
                 </a:ln>
@@ -11267,7 +11070,7 @@
               <a:t>, </a:t>
             </a:r>
             <a:r>
-              <a:rPr kumimoji="0" lang="zh-CN" altLang="zh-CN" sz="900" b="0" i="0" u="none" strike="noStrike" cap="none" normalizeH="0" baseline="0" dirty="0" smtClean="0">
+              <a:rPr kumimoji="0" lang="zh-CN" altLang="zh-CN" sz="900" b="0" i="0" u="none" strike="noStrike" cap="none" normalizeH="0" baseline="0" dirty="0">
                 <a:ln>
                   <a:noFill/>
                 </a:ln>
@@ -11281,7 +11084,7 @@
               <a:t>i)</a:t>
             </a:r>
             <a:r>
-              <a:rPr kumimoji="0" lang="zh-CN" altLang="zh-CN" sz="900" b="0" i="0" u="none" strike="noStrike" cap="none" normalizeH="0" baseline="0" dirty="0" smtClean="0">
+              <a:rPr kumimoji="0" lang="zh-CN" altLang="zh-CN" sz="900" b="0" i="0" u="none" strike="noStrike" cap="none" normalizeH="0" baseline="0" dirty="0">
                 <a:ln>
                   <a:noFill/>
                 </a:ln>
@@ -11295,7 +11098,7 @@
               <a:t>;</a:t>
             </a:r>
             <a:br>
-              <a:rPr kumimoji="0" lang="zh-CN" altLang="zh-CN" sz="900" b="0" i="0" u="none" strike="noStrike" cap="none" normalizeH="0" baseline="0" dirty="0" smtClean="0">
+              <a:rPr kumimoji="0" lang="zh-CN" altLang="zh-CN" sz="900" b="0" i="0" u="none" strike="noStrike" cap="none" normalizeH="0" baseline="0" dirty="0">
                 <a:ln>
                   <a:noFill/>
                 </a:ln>
@@ -11308,7 +11111,7 @@
               </a:rPr>
             </a:br>
             <a:r>
-              <a:rPr kumimoji="0" lang="zh-CN" altLang="zh-CN" sz="900" b="0" i="0" u="none" strike="noStrike" cap="none" normalizeH="0" baseline="0" dirty="0" smtClean="0">
+              <a:rPr kumimoji="0" lang="zh-CN" altLang="zh-CN" sz="900" b="0" i="0" u="none" strike="noStrike" cap="none" normalizeH="0" baseline="0" dirty="0">
                 <a:ln>
                   <a:noFill/>
                 </a:ln>
@@ -11322,7 +11125,7 @@
               <a:t>                </a:t>
             </a:r>
             <a:r>
-              <a:rPr kumimoji="0" lang="zh-CN" altLang="zh-CN" sz="900" b="0" i="0" u="none" strike="noStrike" cap="none" normalizeH="0" baseline="0" dirty="0" smtClean="0">
+              <a:rPr kumimoji="0" lang="zh-CN" altLang="zh-CN" sz="900" b="0" i="0" u="none" strike="noStrike" cap="none" normalizeH="0" baseline="0" dirty="0">
                 <a:ln>
                   <a:noFill/>
                 </a:ln>
@@ -11336,7 +11139,7 @@
               <a:t>BenchmarkN.test(</a:t>
             </a:r>
             <a:r>
-              <a:rPr kumimoji="0" lang="zh-CN" altLang="zh-CN" sz="900" b="0" i="0" u="none" strike="noStrike" cap="none" normalizeH="0" baseline="0" dirty="0" smtClean="0">
+              <a:rPr kumimoji="0" lang="zh-CN" altLang="zh-CN" sz="900" b="0" i="0" u="none" strike="noStrike" cap="none" normalizeH="0" baseline="0" dirty="0">
                 <a:ln>
                   <a:noFill/>
                 </a:ln>
@@ -11350,7 +11153,7 @@
               <a:t>6</a:t>
             </a:r>
             <a:r>
-              <a:rPr kumimoji="0" lang="zh-CN" altLang="zh-CN" sz="900" b="0" i="0" u="none" strike="noStrike" cap="none" normalizeH="0" baseline="0" dirty="0" smtClean="0">
+              <a:rPr kumimoji="0" lang="zh-CN" altLang="zh-CN" sz="900" b="0" i="0" u="none" strike="noStrike" cap="none" normalizeH="0" baseline="0" dirty="0">
                 <a:ln>
                   <a:noFill/>
                 </a:ln>
@@ -11364,7 +11167,7 @@
               <a:t>, </a:t>
             </a:r>
             <a:r>
-              <a:rPr kumimoji="0" lang="zh-CN" altLang="zh-CN" sz="900" b="0" i="0" u="none" strike="noStrike" cap="none" normalizeH="0" baseline="0" dirty="0" smtClean="0">
+              <a:rPr kumimoji="0" lang="zh-CN" altLang="zh-CN" sz="900" b="0" i="0" u="none" strike="noStrike" cap="none" normalizeH="0" baseline="0" dirty="0">
                 <a:ln>
                   <a:noFill/>
                 </a:ln>
@@ -11378,7 +11181,7 @@
               <a:t>a1.f)</a:t>
             </a:r>
             <a:r>
-              <a:rPr kumimoji="0" lang="zh-CN" altLang="zh-CN" sz="900" b="0" i="0" u="none" strike="noStrike" cap="none" normalizeH="0" baseline="0" dirty="0" smtClean="0">
+              <a:rPr kumimoji="0" lang="zh-CN" altLang="zh-CN" sz="900" b="0" i="0" u="none" strike="noStrike" cap="none" normalizeH="0" baseline="0" dirty="0">
                 <a:ln>
                   <a:noFill/>
                 </a:ln>
@@ -11392,7 +11195,7 @@
               <a:t>;</a:t>
             </a:r>
             <a:br>
-              <a:rPr kumimoji="0" lang="zh-CN" altLang="zh-CN" sz="900" b="0" i="0" u="none" strike="noStrike" cap="none" normalizeH="0" baseline="0" dirty="0" smtClean="0">
+              <a:rPr kumimoji="0" lang="zh-CN" altLang="zh-CN" sz="900" b="0" i="0" u="none" strike="noStrike" cap="none" normalizeH="0" baseline="0" dirty="0">
                 <a:ln>
                   <a:noFill/>
                 </a:ln>
@@ -11405,7 +11208,7 @@
               </a:rPr>
             </a:br>
             <a:r>
-              <a:rPr kumimoji="0" lang="zh-CN" altLang="zh-CN" sz="900" b="0" i="0" u="none" strike="noStrike" cap="none" normalizeH="0" baseline="0" dirty="0" smtClean="0">
+              <a:rPr kumimoji="0" lang="zh-CN" altLang="zh-CN" sz="900" b="0" i="0" u="none" strike="noStrike" cap="none" normalizeH="0" baseline="0" dirty="0">
                 <a:ln>
                   <a:noFill/>
                 </a:ln>
@@ -11419,7 +11222,7 @@
               <a:t>            </a:t>
             </a:r>
             <a:r>
-              <a:rPr kumimoji="0" lang="zh-CN" altLang="zh-CN" sz="900" b="0" i="0" u="none" strike="noStrike" cap="none" normalizeH="0" baseline="0" dirty="0" smtClean="0">
+              <a:rPr kumimoji="0" lang="zh-CN" altLang="zh-CN" sz="900" b="0" i="0" u="none" strike="noStrike" cap="none" normalizeH="0" baseline="0" dirty="0">
                 <a:ln>
                   <a:noFill/>
                 </a:ln>
@@ -11433,7 +11236,7 @@
               <a:t>} </a:t>
             </a:r>
             <a:r>
-              <a:rPr kumimoji="0" lang="zh-CN" altLang="zh-CN" sz="900" b="0" i="0" u="none" strike="noStrike" cap="none" normalizeH="0" baseline="0" dirty="0" smtClean="0">
+              <a:rPr kumimoji="0" lang="zh-CN" altLang="zh-CN" sz="900" b="0" i="0" u="none" strike="noStrike" cap="none" normalizeH="0" baseline="0" dirty="0">
                 <a:ln>
                   <a:noFill/>
                 </a:ln>
@@ -11447,7 +11250,7 @@
               <a:t>else </a:t>
             </a:r>
             <a:r>
-              <a:rPr kumimoji="0" lang="zh-CN" altLang="zh-CN" sz="900" b="0" i="0" u="none" strike="noStrike" cap="none" normalizeH="0" baseline="0" dirty="0" smtClean="0">
+              <a:rPr kumimoji="0" lang="zh-CN" altLang="zh-CN" sz="900" b="0" i="0" u="none" strike="noStrike" cap="none" normalizeH="0" baseline="0" dirty="0">
                 <a:ln>
                   <a:noFill/>
                 </a:ln>
@@ -11461,7 +11264,7 @@
               <a:t>{</a:t>
             </a:r>
             <a:br>
-              <a:rPr kumimoji="0" lang="zh-CN" altLang="zh-CN" sz="900" b="0" i="0" u="none" strike="noStrike" cap="none" normalizeH="0" baseline="0" dirty="0" smtClean="0">
+              <a:rPr kumimoji="0" lang="zh-CN" altLang="zh-CN" sz="900" b="0" i="0" u="none" strike="noStrike" cap="none" normalizeH="0" baseline="0" dirty="0">
                 <a:ln>
                   <a:noFill/>
                 </a:ln>
@@ -11474,7 +11277,7 @@
               </a:rPr>
             </a:br>
             <a:r>
-              <a:rPr kumimoji="0" lang="zh-CN" altLang="zh-CN" sz="900" b="0" i="0" u="none" strike="noStrike" cap="none" normalizeH="0" baseline="0" dirty="0" smtClean="0">
+              <a:rPr kumimoji="0" lang="zh-CN" altLang="zh-CN" sz="900" b="0" i="0" u="none" strike="noStrike" cap="none" normalizeH="0" baseline="0" dirty="0">
                 <a:ln>
                   <a:noFill/>
                 </a:ln>
@@ -11488,7 +11291,7 @@
               <a:t>                x = b3</a:t>
             </a:r>
             <a:r>
-              <a:rPr kumimoji="0" lang="zh-CN" altLang="zh-CN" sz="900" b="0" i="0" u="none" strike="noStrike" cap="none" normalizeH="0" baseline="0" dirty="0" smtClean="0">
+              <a:rPr kumimoji="0" lang="zh-CN" altLang="zh-CN" sz="900" b="0" i="0" u="none" strike="noStrike" cap="none" normalizeH="0" baseline="0" dirty="0">
                 <a:ln>
                   <a:noFill/>
                 </a:ln>
@@ -11502,7 +11305,7 @@
               <a:t>;</a:t>
             </a:r>
             <a:br>
-              <a:rPr kumimoji="0" lang="zh-CN" altLang="zh-CN" sz="900" b="0" i="0" u="none" strike="noStrike" cap="none" normalizeH="0" baseline="0" dirty="0" smtClean="0">
+              <a:rPr kumimoji="0" lang="zh-CN" altLang="zh-CN" sz="900" b="0" i="0" u="none" strike="noStrike" cap="none" normalizeH="0" baseline="0" dirty="0">
                 <a:ln>
                   <a:noFill/>
                 </a:ln>
@@ -11515,7 +11318,7 @@
               </a:rPr>
             </a:br>
             <a:r>
-              <a:rPr kumimoji="0" lang="zh-CN" altLang="zh-CN" sz="900" b="0" i="0" u="none" strike="noStrike" cap="none" normalizeH="0" baseline="0" dirty="0" smtClean="0">
+              <a:rPr kumimoji="0" lang="zh-CN" altLang="zh-CN" sz="900" b="0" i="0" u="none" strike="noStrike" cap="none" normalizeH="0" baseline="0" dirty="0">
                 <a:ln>
                   <a:noFill/>
                 </a:ln>
@@ -11529,7 +11332,7 @@
               <a:t>                </a:t>
             </a:r>
             <a:r>
-              <a:rPr kumimoji="0" lang="zh-CN" altLang="zh-CN" sz="900" b="0" i="0" u="none" strike="noStrike" cap="none" normalizeH="0" baseline="0" dirty="0" smtClean="0">
+              <a:rPr kumimoji="0" lang="zh-CN" altLang="zh-CN" sz="900" b="0" i="0" u="none" strike="noStrike" cap="none" normalizeH="0" baseline="0" dirty="0">
                 <a:ln>
                   <a:noFill/>
                 </a:ln>
@@ -11543,7 +11346,7 @@
               <a:t>y = b2</a:t>
             </a:r>
             <a:r>
-              <a:rPr kumimoji="0" lang="zh-CN" altLang="zh-CN" sz="900" b="0" i="0" u="none" strike="noStrike" cap="none" normalizeH="0" baseline="0" dirty="0" smtClean="0">
+              <a:rPr kumimoji="0" lang="zh-CN" altLang="zh-CN" sz="900" b="0" i="0" u="none" strike="noStrike" cap="none" normalizeH="0" baseline="0" dirty="0">
                 <a:ln>
                   <a:noFill/>
                 </a:ln>
@@ -11557,7 +11360,7 @@
               <a:t>;</a:t>
             </a:r>
             <a:br>
-              <a:rPr kumimoji="0" lang="zh-CN" altLang="zh-CN" sz="900" b="0" i="0" u="none" strike="noStrike" cap="none" normalizeH="0" baseline="0" dirty="0" smtClean="0">
+              <a:rPr kumimoji="0" lang="zh-CN" altLang="zh-CN" sz="900" b="0" i="0" u="none" strike="noStrike" cap="none" normalizeH="0" baseline="0" dirty="0">
                 <a:ln>
                   <a:noFill/>
                 </a:ln>
@@ -11570,7 +11373,7 @@
               </a:rPr>
             </a:br>
             <a:r>
-              <a:rPr kumimoji="0" lang="zh-CN" altLang="zh-CN" sz="900" b="0" i="0" u="none" strike="noStrike" cap="none" normalizeH="0" baseline="0" dirty="0" smtClean="0">
+              <a:rPr kumimoji="0" lang="zh-CN" altLang="zh-CN" sz="900" b="0" i="0" u="none" strike="noStrike" cap="none" normalizeH="0" baseline="0" dirty="0">
                 <a:ln>
                   <a:noFill/>
                 </a:ln>
@@ -11584,7 +11387,7 @@
               <a:t>                </a:t>
             </a:r>
             <a:r>
-              <a:rPr kumimoji="0" lang="zh-CN" altLang="zh-CN" sz="900" b="0" i="0" u="none" strike="noStrike" cap="none" normalizeH="0" baseline="0" dirty="0" smtClean="0">
+              <a:rPr kumimoji="0" lang="zh-CN" altLang="zh-CN" sz="900" b="0" i="0" u="none" strike="noStrike" cap="none" normalizeH="0" baseline="0" dirty="0">
                 <a:ln>
                   <a:noFill/>
                 </a:ln>
@@ -11598,7 +11401,7 @@
               <a:t>BenchmarkN.test(</a:t>
             </a:r>
             <a:r>
-              <a:rPr kumimoji="0" lang="zh-CN" altLang="zh-CN" sz="900" b="0" i="0" u="none" strike="noStrike" cap="none" normalizeH="0" baseline="0" dirty="0" smtClean="0">
+              <a:rPr kumimoji="0" lang="zh-CN" altLang="zh-CN" sz="900" b="0" i="0" u="none" strike="noStrike" cap="none" normalizeH="0" baseline="0" dirty="0">
                 <a:ln>
                   <a:noFill/>
                 </a:ln>
@@ -11612,7 +11415,7 @@
               <a:t>7</a:t>
             </a:r>
             <a:r>
-              <a:rPr kumimoji="0" lang="zh-CN" altLang="zh-CN" sz="900" b="0" i="0" u="none" strike="noStrike" cap="none" normalizeH="0" baseline="0" dirty="0" smtClean="0">
+              <a:rPr kumimoji="0" lang="zh-CN" altLang="zh-CN" sz="900" b="0" i="0" u="none" strike="noStrike" cap="none" normalizeH="0" baseline="0" dirty="0">
                 <a:ln>
                   <a:noFill/>
                 </a:ln>
@@ -11626,7 +11429,7 @@
               <a:t>, </a:t>
             </a:r>
             <a:r>
-              <a:rPr kumimoji="0" lang="zh-CN" altLang="zh-CN" sz="900" b="0" i="0" u="none" strike="noStrike" cap="none" normalizeH="0" baseline="0" dirty="0" smtClean="0">
+              <a:rPr kumimoji="0" lang="zh-CN" altLang="zh-CN" sz="900" b="0" i="0" u="none" strike="noStrike" cap="none" normalizeH="0" baseline="0" dirty="0">
                 <a:ln>
                   <a:noFill/>
                 </a:ln>
@@ -11640,7 +11443,7 @@
               <a:t>x)</a:t>
             </a:r>
             <a:r>
-              <a:rPr kumimoji="0" lang="zh-CN" altLang="zh-CN" sz="900" b="0" i="0" u="none" strike="noStrike" cap="none" normalizeH="0" baseline="0" dirty="0" smtClean="0">
+              <a:rPr kumimoji="0" lang="zh-CN" altLang="zh-CN" sz="900" b="0" i="0" u="none" strike="noStrike" cap="none" normalizeH="0" baseline="0" dirty="0">
                 <a:ln>
                   <a:noFill/>
                 </a:ln>
@@ -11654,7 +11457,7 @@
               <a:t>;</a:t>
             </a:r>
             <a:br>
-              <a:rPr kumimoji="0" lang="zh-CN" altLang="zh-CN" sz="900" b="0" i="0" u="none" strike="noStrike" cap="none" normalizeH="0" baseline="0" dirty="0" smtClean="0">
+              <a:rPr kumimoji="0" lang="zh-CN" altLang="zh-CN" sz="900" b="0" i="0" u="none" strike="noStrike" cap="none" normalizeH="0" baseline="0" dirty="0">
                 <a:ln>
                   <a:noFill/>
                 </a:ln>
@@ -11667,7 +11470,7 @@
               </a:rPr>
             </a:br>
             <a:r>
-              <a:rPr kumimoji="0" lang="zh-CN" altLang="zh-CN" sz="900" b="0" i="0" u="none" strike="noStrike" cap="none" normalizeH="0" baseline="0" dirty="0" smtClean="0">
+              <a:rPr kumimoji="0" lang="zh-CN" altLang="zh-CN" sz="900" b="0" i="0" u="none" strike="noStrike" cap="none" normalizeH="0" baseline="0" dirty="0">
                 <a:ln>
                   <a:noFill/>
                 </a:ln>
@@ -11681,7 +11484,7 @@
               <a:t>                </a:t>
             </a:r>
             <a:r>
-              <a:rPr kumimoji="0" lang="zh-CN" altLang="zh-CN" sz="900" b="0" i="0" u="none" strike="noStrike" cap="none" normalizeH="0" baseline="0" dirty="0" smtClean="0">
+              <a:rPr kumimoji="0" lang="zh-CN" altLang="zh-CN" sz="900" b="0" i="0" u="none" strike="noStrike" cap="none" normalizeH="0" baseline="0" dirty="0">
                 <a:ln>
                   <a:noFill/>
                 </a:ln>
@@ -11695,7 +11498,7 @@
               <a:t>BenchmarkN.test(</a:t>
             </a:r>
             <a:r>
-              <a:rPr kumimoji="0" lang="zh-CN" altLang="zh-CN" sz="900" b="0" i="0" u="none" strike="noStrike" cap="none" normalizeH="0" baseline="0" dirty="0" smtClean="0">
+              <a:rPr kumimoji="0" lang="zh-CN" altLang="zh-CN" sz="900" b="0" i="0" u="none" strike="noStrike" cap="none" normalizeH="0" baseline="0" dirty="0">
                 <a:ln>
                   <a:noFill/>
                 </a:ln>
@@ -11709,7 +11512,7 @@
               <a:t>8</a:t>
             </a:r>
             <a:r>
-              <a:rPr kumimoji="0" lang="zh-CN" altLang="zh-CN" sz="900" b="0" i="0" u="none" strike="noStrike" cap="none" normalizeH="0" baseline="0" dirty="0" smtClean="0">
+              <a:rPr kumimoji="0" lang="zh-CN" altLang="zh-CN" sz="900" b="0" i="0" u="none" strike="noStrike" cap="none" normalizeH="0" baseline="0" dirty="0">
                 <a:ln>
                   <a:noFill/>
                 </a:ln>
@@ -11723,7 +11526,7 @@
               <a:t>, </a:t>
             </a:r>
             <a:r>
-              <a:rPr kumimoji="0" lang="zh-CN" altLang="zh-CN" sz="900" b="0" i="0" u="none" strike="noStrike" cap="none" normalizeH="0" baseline="0" dirty="0" smtClean="0">
+              <a:rPr kumimoji="0" lang="zh-CN" altLang="zh-CN" sz="900" b="0" i="0" u="none" strike="noStrike" cap="none" normalizeH="0" baseline="0" dirty="0">
                 <a:ln>
                   <a:noFill/>
                 </a:ln>
@@ -11737,7 +11540,7 @@
               <a:t>y)</a:t>
             </a:r>
             <a:r>
-              <a:rPr kumimoji="0" lang="zh-CN" altLang="zh-CN" sz="900" b="0" i="0" u="none" strike="noStrike" cap="none" normalizeH="0" baseline="0" dirty="0" smtClean="0">
+              <a:rPr kumimoji="0" lang="zh-CN" altLang="zh-CN" sz="900" b="0" i="0" u="none" strike="noStrike" cap="none" normalizeH="0" baseline="0" dirty="0">
                 <a:ln>
                   <a:noFill/>
                 </a:ln>
@@ -11751,7 +11554,7 @@
               <a:t>;</a:t>
             </a:r>
             <a:br>
-              <a:rPr kumimoji="0" lang="zh-CN" altLang="zh-CN" sz="900" b="0" i="0" u="none" strike="noStrike" cap="none" normalizeH="0" baseline="0" dirty="0" smtClean="0">
+              <a:rPr kumimoji="0" lang="zh-CN" altLang="zh-CN" sz="900" b="0" i="0" u="none" strike="noStrike" cap="none" normalizeH="0" baseline="0" dirty="0">
                 <a:ln>
                   <a:noFill/>
                 </a:ln>
@@ -11764,7 +11567,7 @@
               </a:rPr>
             </a:br>
             <a:r>
-              <a:rPr kumimoji="0" lang="zh-CN" altLang="zh-CN" sz="900" b="0" i="0" u="none" strike="noStrike" cap="none" normalizeH="0" baseline="0" dirty="0" smtClean="0">
+              <a:rPr kumimoji="0" lang="zh-CN" altLang="zh-CN" sz="900" b="0" i="0" u="none" strike="noStrike" cap="none" normalizeH="0" baseline="0" dirty="0">
                 <a:ln>
                   <a:noFill/>
                 </a:ln>
@@ -11778,7 +11581,7 @@
               <a:t>                </a:t>
             </a:r>
             <a:r>
-              <a:rPr kumimoji="0" lang="zh-CN" altLang="zh-CN" sz="900" b="0" i="0" u="none" strike="noStrike" cap="none" normalizeH="0" baseline="0" dirty="0" smtClean="0">
+              <a:rPr kumimoji="0" lang="zh-CN" altLang="zh-CN" sz="900" b="0" i="0" u="none" strike="noStrike" cap="none" normalizeH="0" baseline="0" dirty="0">
                 <a:ln>
                   <a:noFill/>
                 </a:ln>
@@ -11792,7 +11595,7 @@
               <a:t>a.f = f2(y)</a:t>
             </a:r>
             <a:r>
-              <a:rPr kumimoji="0" lang="zh-CN" altLang="zh-CN" sz="900" b="0" i="0" u="none" strike="noStrike" cap="none" normalizeH="0" baseline="0" dirty="0" smtClean="0">
+              <a:rPr kumimoji="0" lang="zh-CN" altLang="zh-CN" sz="900" b="0" i="0" u="none" strike="noStrike" cap="none" normalizeH="0" baseline="0" dirty="0">
                 <a:ln>
                   <a:noFill/>
                 </a:ln>
@@ -11806,7 +11609,7 @@
               <a:t>;</a:t>
             </a:r>
             <a:br>
-              <a:rPr kumimoji="0" lang="zh-CN" altLang="zh-CN" sz="900" b="0" i="0" u="none" strike="noStrike" cap="none" normalizeH="0" baseline="0" dirty="0" smtClean="0">
+              <a:rPr kumimoji="0" lang="zh-CN" altLang="zh-CN" sz="900" b="0" i="0" u="none" strike="noStrike" cap="none" normalizeH="0" baseline="0" dirty="0">
                 <a:ln>
                   <a:noFill/>
                 </a:ln>
@@ -11819,7 +11622,7 @@
               </a:rPr>
             </a:br>
             <a:r>
-              <a:rPr kumimoji="0" lang="zh-CN" altLang="zh-CN" sz="900" b="0" i="0" u="none" strike="noStrike" cap="none" normalizeH="0" baseline="0" dirty="0" smtClean="0">
+              <a:rPr kumimoji="0" lang="zh-CN" altLang="zh-CN" sz="900" b="0" i="0" u="none" strike="noStrike" cap="none" normalizeH="0" baseline="0" dirty="0">
                 <a:ln>
                   <a:noFill/>
                 </a:ln>
@@ -11833,7 +11636,7 @@
               <a:t>                </a:t>
             </a:r>
             <a:r>
-              <a:rPr kumimoji="0" lang="zh-CN" altLang="zh-CN" sz="900" b="0" i="0" u="none" strike="noStrike" cap="none" normalizeH="0" baseline="0" dirty="0" smtClean="0">
+              <a:rPr kumimoji="0" lang="zh-CN" altLang="zh-CN" sz="900" b="0" i="0" u="none" strike="noStrike" cap="none" normalizeH="0" baseline="0" dirty="0">
                 <a:ln>
                   <a:noFill/>
                 </a:ln>
@@ -11847,7 +11650,7 @@
               <a:t>BenchmarkN.test(</a:t>
             </a:r>
             <a:r>
-              <a:rPr kumimoji="0" lang="zh-CN" altLang="zh-CN" sz="900" b="0" i="0" u="none" strike="noStrike" cap="none" normalizeH="0" baseline="0" dirty="0" smtClean="0">
+              <a:rPr kumimoji="0" lang="zh-CN" altLang="zh-CN" sz="900" b="0" i="0" u="none" strike="noStrike" cap="none" normalizeH="0" baseline="0" dirty="0">
                 <a:ln>
                   <a:noFill/>
                 </a:ln>
@@ -11861,7 +11664,7 @@
               <a:t>9</a:t>
             </a:r>
             <a:r>
-              <a:rPr kumimoji="0" lang="zh-CN" altLang="zh-CN" sz="900" b="0" i="0" u="none" strike="noStrike" cap="none" normalizeH="0" baseline="0" dirty="0" smtClean="0">
+              <a:rPr kumimoji="0" lang="zh-CN" altLang="zh-CN" sz="900" b="0" i="0" u="none" strike="noStrike" cap="none" normalizeH="0" baseline="0" dirty="0">
                 <a:ln>
                   <a:noFill/>
                 </a:ln>
@@ -11875,7 +11678,7 @@
               <a:t>, </a:t>
             </a:r>
             <a:r>
-              <a:rPr kumimoji="0" lang="zh-CN" altLang="zh-CN" sz="900" b="0" i="0" u="none" strike="noStrike" cap="none" normalizeH="0" baseline="0" dirty="0" smtClean="0">
+              <a:rPr kumimoji="0" lang="zh-CN" altLang="zh-CN" sz="900" b="0" i="0" u="none" strike="noStrike" cap="none" normalizeH="0" baseline="0" dirty="0">
                 <a:ln>
                   <a:noFill/>
                 </a:ln>
@@ -11889,7 +11692,7 @@
               <a:t>a1.f)</a:t>
             </a:r>
             <a:r>
-              <a:rPr kumimoji="0" lang="zh-CN" altLang="zh-CN" sz="900" b="0" i="0" u="none" strike="noStrike" cap="none" normalizeH="0" baseline="0" dirty="0" smtClean="0">
+              <a:rPr kumimoji="0" lang="zh-CN" altLang="zh-CN" sz="900" b="0" i="0" u="none" strike="noStrike" cap="none" normalizeH="0" baseline="0" dirty="0">
                 <a:ln>
                   <a:noFill/>
                 </a:ln>
@@ -11903,7 +11706,7 @@
               <a:t>;</a:t>
             </a:r>
             <a:br>
-              <a:rPr kumimoji="0" lang="zh-CN" altLang="zh-CN" sz="900" b="0" i="0" u="none" strike="noStrike" cap="none" normalizeH="0" baseline="0" dirty="0" smtClean="0">
+              <a:rPr kumimoji="0" lang="zh-CN" altLang="zh-CN" sz="900" b="0" i="0" u="none" strike="noStrike" cap="none" normalizeH="0" baseline="0" dirty="0">
                 <a:ln>
                   <a:noFill/>
                 </a:ln>
@@ -11916,7 +11719,7 @@
               </a:rPr>
             </a:br>
             <a:r>
-              <a:rPr kumimoji="0" lang="zh-CN" altLang="zh-CN" sz="900" b="0" i="0" u="none" strike="noStrike" cap="none" normalizeH="0" baseline="0" dirty="0" smtClean="0">
+              <a:rPr kumimoji="0" lang="zh-CN" altLang="zh-CN" sz="900" b="0" i="0" u="none" strike="noStrike" cap="none" normalizeH="0" baseline="0" dirty="0">
                 <a:ln>
                   <a:noFill/>
                 </a:ln>
@@ -11930,7 +11733,7 @@
               <a:t>            </a:t>
             </a:r>
             <a:r>
-              <a:rPr kumimoji="0" lang="zh-CN" altLang="zh-CN" sz="900" b="0" i="0" u="none" strike="noStrike" cap="none" normalizeH="0" baseline="0" dirty="0" smtClean="0">
+              <a:rPr kumimoji="0" lang="zh-CN" altLang="zh-CN" sz="900" b="0" i="0" u="none" strike="noStrike" cap="none" normalizeH="0" baseline="0" dirty="0">
                 <a:ln>
                   <a:noFill/>
                 </a:ln>
@@ -11944,7 +11747,7 @@
               <a:t>}</a:t>
             </a:r>
             <a:br>
-              <a:rPr kumimoji="0" lang="zh-CN" altLang="zh-CN" sz="900" b="0" i="0" u="none" strike="noStrike" cap="none" normalizeH="0" baseline="0" dirty="0" smtClean="0">
+              <a:rPr kumimoji="0" lang="zh-CN" altLang="zh-CN" sz="900" b="0" i="0" u="none" strike="noStrike" cap="none" normalizeH="0" baseline="0" dirty="0">
                 <a:ln>
                   <a:noFill/>
                 </a:ln>
@@ -11957,7 +11760,7 @@
               </a:rPr>
             </a:br>
             <a:r>
-              <a:rPr kumimoji="0" lang="zh-CN" altLang="zh-CN" sz="900" b="0" i="0" u="none" strike="noStrike" cap="none" normalizeH="0" baseline="0" dirty="0" smtClean="0">
+              <a:rPr kumimoji="0" lang="zh-CN" altLang="zh-CN" sz="900" b="0" i="0" u="none" strike="noStrike" cap="none" normalizeH="0" baseline="0" dirty="0">
                 <a:ln>
                   <a:noFill/>
                 </a:ln>
@@ -11971,7 +11774,7 @@
               <a:t>        }</a:t>
             </a:r>
             <a:br>
-              <a:rPr kumimoji="0" lang="zh-CN" altLang="zh-CN" sz="900" b="0" i="0" u="none" strike="noStrike" cap="none" normalizeH="0" baseline="0" dirty="0" smtClean="0">
+              <a:rPr kumimoji="0" lang="zh-CN" altLang="zh-CN" sz="900" b="0" i="0" u="none" strike="noStrike" cap="none" normalizeH="0" baseline="0" dirty="0">
                 <a:ln>
                   <a:noFill/>
                 </a:ln>
@@ -11984,7 +11787,7 @@
               </a:rPr>
             </a:br>
             <a:r>
-              <a:rPr kumimoji="0" lang="zh-CN" altLang="zh-CN" sz="900" b="0" i="0" u="none" strike="noStrike" cap="none" normalizeH="0" baseline="0" dirty="0" smtClean="0">
+              <a:rPr kumimoji="0" lang="zh-CN" altLang="zh-CN" sz="900" b="0" i="0" u="none" strike="noStrike" cap="none" normalizeH="0" baseline="0" dirty="0">
                 <a:ln>
                   <a:noFill/>
                 </a:ln>
@@ -11998,7 +11801,7 @@
               <a:t>        BenchmarkN.test(</a:t>
             </a:r>
             <a:r>
-              <a:rPr kumimoji="0" lang="zh-CN" altLang="zh-CN" sz="900" b="0" i="0" u="none" strike="noStrike" cap="none" normalizeH="0" baseline="0" dirty="0" smtClean="0">
+              <a:rPr kumimoji="0" lang="zh-CN" altLang="zh-CN" sz="900" b="0" i="0" u="none" strike="noStrike" cap="none" normalizeH="0" baseline="0" dirty="0">
                 <a:ln>
                   <a:noFill/>
                 </a:ln>
@@ -12012,7 +11815,7 @@
               <a:t>10</a:t>
             </a:r>
             <a:r>
-              <a:rPr kumimoji="0" lang="zh-CN" altLang="zh-CN" sz="900" b="0" i="0" u="none" strike="noStrike" cap="none" normalizeH="0" baseline="0" dirty="0" smtClean="0">
+              <a:rPr kumimoji="0" lang="zh-CN" altLang="zh-CN" sz="900" b="0" i="0" u="none" strike="noStrike" cap="none" normalizeH="0" baseline="0" dirty="0">
                 <a:ln>
                   <a:noFill/>
                 </a:ln>
@@ -12026,7 +11829,7 @@
               <a:t>, </a:t>
             </a:r>
             <a:r>
-              <a:rPr kumimoji="0" lang="zh-CN" altLang="zh-CN" sz="900" b="0" i="0" u="none" strike="noStrike" cap="none" normalizeH="0" baseline="0" dirty="0" smtClean="0">
+              <a:rPr kumimoji="0" lang="zh-CN" altLang="zh-CN" sz="900" b="0" i="0" u="none" strike="noStrike" cap="none" normalizeH="0" baseline="0" dirty="0">
                 <a:ln>
                   <a:noFill/>
                 </a:ln>
@@ -12040,7 +11843,7 @@
               <a:t>a.f)</a:t>
             </a:r>
             <a:r>
-              <a:rPr kumimoji="0" lang="zh-CN" altLang="zh-CN" sz="900" b="0" i="0" u="none" strike="noStrike" cap="none" normalizeH="0" baseline="0" dirty="0" smtClean="0">
+              <a:rPr kumimoji="0" lang="zh-CN" altLang="zh-CN" sz="900" b="0" i="0" u="none" strike="noStrike" cap="none" normalizeH="0" baseline="0" dirty="0">
                 <a:ln>
                   <a:noFill/>
                 </a:ln>
@@ -12054,7 +11857,7 @@
               <a:t>;</a:t>
             </a:r>
             <a:br>
-              <a:rPr kumimoji="0" lang="zh-CN" altLang="zh-CN" sz="900" b="0" i="0" u="none" strike="noStrike" cap="none" normalizeH="0" baseline="0" dirty="0" smtClean="0">
+              <a:rPr kumimoji="0" lang="zh-CN" altLang="zh-CN" sz="900" b="0" i="0" u="none" strike="noStrike" cap="none" normalizeH="0" baseline="0" dirty="0">
                 <a:ln>
                   <a:noFill/>
                 </a:ln>
@@ -12067,7 +11870,7 @@
               </a:rPr>
             </a:br>
             <a:r>
-              <a:rPr kumimoji="0" lang="zh-CN" altLang="zh-CN" sz="900" b="0" i="0" u="none" strike="noStrike" cap="none" normalizeH="0" baseline="0" dirty="0" smtClean="0">
+              <a:rPr kumimoji="0" lang="zh-CN" altLang="zh-CN" sz="900" b="0" i="0" u="none" strike="noStrike" cap="none" normalizeH="0" baseline="0" dirty="0">
                 <a:ln>
                   <a:noFill/>
                 </a:ln>
@@ -12081,7 +11884,7 @@
               <a:t>        </a:t>
             </a:r>
             <a:r>
-              <a:rPr kumimoji="0" lang="zh-CN" altLang="zh-CN" sz="900" b="0" i="0" u="none" strike="noStrike" cap="none" normalizeH="0" baseline="0" dirty="0" smtClean="0">
+              <a:rPr kumimoji="0" lang="zh-CN" altLang="zh-CN" sz="900" b="0" i="0" u="none" strike="noStrike" cap="none" normalizeH="0" baseline="0" dirty="0">
                 <a:ln>
                   <a:noFill/>
                 </a:ln>
@@ -12095,7 +11898,7 @@
               <a:t>BenchmarkN.test(</a:t>
             </a:r>
             <a:r>
-              <a:rPr kumimoji="0" lang="zh-CN" altLang="zh-CN" sz="900" b="0" i="0" u="none" strike="noStrike" cap="none" normalizeH="0" baseline="0" dirty="0" smtClean="0">
+              <a:rPr kumimoji="0" lang="zh-CN" altLang="zh-CN" sz="900" b="0" i="0" u="none" strike="noStrike" cap="none" normalizeH="0" baseline="0" dirty="0">
                 <a:ln>
                   <a:noFill/>
                 </a:ln>
@@ -12109,7 +11912,7 @@
               <a:t>11</a:t>
             </a:r>
             <a:r>
-              <a:rPr kumimoji="0" lang="zh-CN" altLang="zh-CN" sz="900" b="0" i="0" u="none" strike="noStrike" cap="none" normalizeH="0" baseline="0" dirty="0" smtClean="0">
+              <a:rPr kumimoji="0" lang="zh-CN" altLang="zh-CN" sz="900" b="0" i="0" u="none" strike="noStrike" cap="none" normalizeH="0" baseline="0" dirty="0">
                 <a:ln>
                   <a:noFill/>
                 </a:ln>
@@ -12123,7 +11926,7 @@
               <a:t>, </a:t>
             </a:r>
             <a:r>
-              <a:rPr kumimoji="0" lang="zh-CN" altLang="zh-CN" sz="900" b="0" i="0" u="none" strike="noStrike" cap="none" normalizeH="0" baseline="0" dirty="0" smtClean="0">
+              <a:rPr kumimoji="0" lang="zh-CN" altLang="zh-CN" sz="900" b="0" i="0" u="none" strike="noStrike" cap="none" normalizeH="0" baseline="0" dirty="0">
                 <a:ln>
                   <a:noFill/>
                 </a:ln>
@@ -12137,7 +11940,7 @@
               <a:t>x)</a:t>
             </a:r>
             <a:r>
-              <a:rPr kumimoji="0" lang="zh-CN" altLang="zh-CN" sz="900" b="0" i="0" u="none" strike="noStrike" cap="none" normalizeH="0" baseline="0" dirty="0" smtClean="0">
+              <a:rPr kumimoji="0" lang="zh-CN" altLang="zh-CN" sz="900" b="0" i="0" u="none" strike="noStrike" cap="none" normalizeH="0" baseline="0" dirty="0">
                 <a:ln>
                   <a:noFill/>
                 </a:ln>
@@ -12151,7 +11954,7 @@
               <a:t>;</a:t>
             </a:r>
             <a:br>
-              <a:rPr kumimoji="0" lang="zh-CN" altLang="zh-CN" sz="900" b="0" i="0" u="none" strike="noStrike" cap="none" normalizeH="0" baseline="0" dirty="0" smtClean="0">
+              <a:rPr kumimoji="0" lang="zh-CN" altLang="zh-CN" sz="900" b="0" i="0" u="none" strike="noStrike" cap="none" normalizeH="0" baseline="0" dirty="0">
                 <a:ln>
                   <a:noFill/>
                 </a:ln>
@@ -12164,7 +11967,7 @@
               </a:rPr>
             </a:br>
             <a:r>
-              <a:rPr kumimoji="0" lang="zh-CN" altLang="zh-CN" sz="900" b="0" i="0" u="none" strike="noStrike" cap="none" normalizeH="0" baseline="0" dirty="0" smtClean="0">
+              <a:rPr kumimoji="0" lang="zh-CN" altLang="zh-CN" sz="900" b="0" i="0" u="none" strike="noStrike" cap="none" normalizeH="0" baseline="0" dirty="0">
                 <a:ln>
                   <a:noFill/>
                 </a:ln>
@@ -12178,7 +11981,7 @@
               <a:t>        </a:t>
             </a:r>
             <a:r>
-              <a:rPr kumimoji="0" lang="zh-CN" altLang="zh-CN" sz="900" b="0" i="0" u="none" strike="noStrike" cap="none" normalizeH="0" baseline="0" dirty="0" smtClean="0">
+              <a:rPr kumimoji="0" lang="zh-CN" altLang="zh-CN" sz="900" b="0" i="0" u="none" strike="noStrike" cap="none" normalizeH="0" baseline="0" dirty="0">
                 <a:ln>
                   <a:noFill/>
                 </a:ln>
@@ -12192,7 +11995,7 @@
               <a:t>BenchmarkN.test(</a:t>
             </a:r>
             <a:r>
-              <a:rPr kumimoji="0" lang="zh-CN" altLang="zh-CN" sz="900" b="0" i="0" u="none" strike="noStrike" cap="none" normalizeH="0" baseline="0" dirty="0" smtClean="0">
+              <a:rPr kumimoji="0" lang="zh-CN" altLang="zh-CN" sz="900" b="0" i="0" u="none" strike="noStrike" cap="none" normalizeH="0" baseline="0" dirty="0">
                 <a:ln>
                   <a:noFill/>
                 </a:ln>
@@ -12206,7 +12009,7 @@
               <a:t>12</a:t>
             </a:r>
             <a:r>
-              <a:rPr kumimoji="0" lang="zh-CN" altLang="zh-CN" sz="900" b="0" i="0" u="none" strike="noStrike" cap="none" normalizeH="0" baseline="0" dirty="0" smtClean="0">
+              <a:rPr kumimoji="0" lang="zh-CN" altLang="zh-CN" sz="900" b="0" i="0" u="none" strike="noStrike" cap="none" normalizeH="0" baseline="0" dirty="0">
                 <a:ln>
                   <a:noFill/>
                 </a:ln>
@@ -12220,7 +12023,7 @@
               <a:t>, </a:t>
             </a:r>
             <a:r>
-              <a:rPr kumimoji="0" lang="zh-CN" altLang="zh-CN" sz="900" b="0" i="0" u="none" strike="noStrike" cap="none" normalizeH="0" baseline="0" dirty="0" smtClean="0">
+              <a:rPr kumimoji="0" lang="zh-CN" altLang="zh-CN" sz="900" b="0" i="0" u="none" strike="noStrike" cap="none" normalizeH="0" baseline="0" dirty="0">
                 <a:ln>
                   <a:noFill/>
                 </a:ln>
@@ -12234,7 +12037,7 @@
               <a:t>y)</a:t>
             </a:r>
             <a:r>
-              <a:rPr kumimoji="0" lang="zh-CN" altLang="zh-CN" sz="900" b="0" i="0" u="none" strike="noStrike" cap="none" normalizeH="0" baseline="0" dirty="0" smtClean="0">
+              <a:rPr kumimoji="0" lang="zh-CN" altLang="zh-CN" sz="900" b="0" i="0" u="none" strike="noStrike" cap="none" normalizeH="0" baseline="0" dirty="0">
                 <a:ln>
                   <a:noFill/>
                 </a:ln>
@@ -12248,7 +12051,7 @@
               <a:t>;</a:t>
             </a:r>
             <a:br>
-              <a:rPr kumimoji="0" lang="zh-CN" altLang="zh-CN" sz="900" b="0" i="0" u="none" strike="noStrike" cap="none" normalizeH="0" baseline="0" dirty="0" smtClean="0">
+              <a:rPr kumimoji="0" lang="zh-CN" altLang="zh-CN" sz="900" b="0" i="0" u="none" strike="noStrike" cap="none" normalizeH="0" baseline="0" dirty="0">
                 <a:ln>
                   <a:noFill/>
                 </a:ln>
@@ -12261,7 +12064,7 @@
               </a:rPr>
             </a:br>
             <a:r>
-              <a:rPr kumimoji="0" lang="zh-CN" altLang="zh-CN" sz="900" b="0" i="0" u="none" strike="noStrike" cap="none" normalizeH="0" baseline="0" dirty="0" smtClean="0">
+              <a:rPr kumimoji="0" lang="zh-CN" altLang="zh-CN" sz="900" b="0" i="0" u="none" strike="noStrike" cap="none" normalizeH="0" baseline="0" dirty="0">
                 <a:ln>
                   <a:noFill/>
                 </a:ln>
@@ -12275,7 +12078,7 @@
               <a:t>        </a:t>
             </a:r>
             <a:r>
-              <a:rPr kumimoji="0" lang="zh-CN" altLang="zh-CN" sz="900" b="0" i="0" u="none" strike="noStrike" cap="none" normalizeH="0" baseline="0" dirty="0" smtClean="0">
+              <a:rPr kumimoji="0" lang="zh-CN" altLang="zh-CN" sz="900" b="0" i="0" u="none" strike="noStrike" cap="none" normalizeH="0" baseline="0" dirty="0">
                 <a:ln>
                   <a:noFill/>
                 </a:ln>
@@ -12289,7 +12092,7 @@
               <a:t>BenchmarkN.test(</a:t>
             </a:r>
             <a:r>
-              <a:rPr kumimoji="0" lang="zh-CN" altLang="zh-CN" sz="900" b="0" i="0" u="none" strike="noStrike" cap="none" normalizeH="0" baseline="0" dirty="0" smtClean="0">
+              <a:rPr kumimoji="0" lang="zh-CN" altLang="zh-CN" sz="900" b="0" i="0" u="none" strike="noStrike" cap="none" normalizeH="0" baseline="0" dirty="0">
                 <a:ln>
                   <a:noFill/>
                 </a:ln>
@@ -12303,7 +12106,7 @@
               <a:t>13</a:t>
             </a:r>
             <a:r>
-              <a:rPr kumimoji="0" lang="zh-CN" altLang="zh-CN" sz="900" b="0" i="0" u="none" strike="noStrike" cap="none" normalizeH="0" baseline="0" dirty="0" smtClean="0">
+              <a:rPr kumimoji="0" lang="zh-CN" altLang="zh-CN" sz="900" b="0" i="0" u="none" strike="noStrike" cap="none" normalizeH="0" baseline="0" dirty="0">
                 <a:ln>
                   <a:noFill/>
                 </a:ln>
@@ -12317,7 +12120,7 @@
               <a:t>, </a:t>
             </a:r>
             <a:r>
-              <a:rPr kumimoji="0" lang="zh-CN" altLang="zh-CN" sz="900" b="0" i="0" u="none" strike="noStrike" cap="none" normalizeH="0" baseline="0" dirty="0" smtClean="0">
+              <a:rPr kumimoji="0" lang="zh-CN" altLang="zh-CN" sz="900" b="0" i="0" u="none" strike="noStrike" cap="none" normalizeH="0" baseline="0" dirty="0">
                 <a:ln>
                   <a:noFill/>
                 </a:ln>
@@ -12331,7 +12134,7 @@
               <a:t>a.a.f)</a:t>
             </a:r>
             <a:r>
-              <a:rPr kumimoji="0" lang="zh-CN" altLang="zh-CN" sz="900" b="0" i="0" u="none" strike="noStrike" cap="none" normalizeH="0" baseline="0" dirty="0" smtClean="0">
+              <a:rPr kumimoji="0" lang="zh-CN" altLang="zh-CN" sz="900" b="0" i="0" u="none" strike="noStrike" cap="none" normalizeH="0" baseline="0" dirty="0">
                 <a:ln>
                   <a:noFill/>
                 </a:ln>
@@ -12345,7 +12148,7 @@
               <a:t>;</a:t>
             </a:r>
             <a:br>
-              <a:rPr kumimoji="0" lang="zh-CN" altLang="zh-CN" sz="900" b="0" i="0" u="none" strike="noStrike" cap="none" normalizeH="0" baseline="0" dirty="0" smtClean="0">
+              <a:rPr kumimoji="0" lang="zh-CN" altLang="zh-CN" sz="900" b="0" i="0" u="none" strike="noStrike" cap="none" normalizeH="0" baseline="0" dirty="0">
                 <a:ln>
                   <a:noFill/>
                 </a:ln>
@@ -12358,7 +12161,7 @@
               </a:rPr>
             </a:br>
             <a:r>
-              <a:rPr kumimoji="0" lang="zh-CN" altLang="zh-CN" sz="900" b="0" i="0" u="none" strike="noStrike" cap="none" normalizeH="0" baseline="0" dirty="0" smtClean="0">
+              <a:rPr kumimoji="0" lang="zh-CN" altLang="zh-CN" sz="900" b="0" i="0" u="none" strike="noStrike" cap="none" normalizeH="0" baseline="0" dirty="0">
                 <a:ln>
                   <a:noFill/>
                 </a:ln>
@@ -12372,7 +12175,7 @@
               <a:t>    </a:t>
             </a:r>
             <a:r>
-              <a:rPr kumimoji="0" lang="zh-CN" altLang="zh-CN" sz="900" b="0" i="0" u="none" strike="noStrike" cap="none" normalizeH="0" baseline="0" dirty="0" smtClean="0">
+              <a:rPr kumimoji="0" lang="zh-CN" altLang="zh-CN" sz="900" b="0" i="0" u="none" strike="noStrike" cap="none" normalizeH="0" baseline="0" dirty="0">
                 <a:ln>
                   <a:noFill/>
                 </a:ln>
@@ -12386,7 +12189,7 @@
               <a:t>}</a:t>
             </a:r>
             <a:br>
-              <a:rPr kumimoji="0" lang="zh-CN" altLang="zh-CN" sz="900" b="0" i="0" u="none" strike="noStrike" cap="none" normalizeH="0" baseline="0" dirty="0" smtClean="0">
+              <a:rPr kumimoji="0" lang="zh-CN" altLang="zh-CN" sz="900" b="0" i="0" u="none" strike="noStrike" cap="none" normalizeH="0" baseline="0" dirty="0">
                 <a:ln>
                   <a:noFill/>
                 </a:ln>
@@ -12399,7 +12202,7 @@
               </a:rPr>
             </a:br>
             <a:r>
-              <a:rPr kumimoji="0" lang="zh-CN" altLang="zh-CN" sz="900" b="0" i="0" u="none" strike="noStrike" cap="none" normalizeH="0" baseline="0" dirty="0" smtClean="0">
+              <a:rPr kumimoji="0" lang="zh-CN" altLang="zh-CN" sz="900" b="0" i="0" u="none" strike="noStrike" cap="none" normalizeH="0" baseline="0" dirty="0">
                 <a:ln>
                   <a:noFill/>
                 </a:ln>
@@ -12413,7 +12216,7 @@
               <a:t>}</a:t>
             </a:r>
             <a:br>
-              <a:rPr kumimoji="0" lang="zh-CN" altLang="zh-CN" sz="900" b="0" i="0" u="none" strike="noStrike" cap="none" normalizeH="0" baseline="0" dirty="0" smtClean="0">
+              <a:rPr kumimoji="0" lang="zh-CN" altLang="zh-CN" sz="900" b="0" i="0" u="none" strike="noStrike" cap="none" normalizeH="0" baseline="0" dirty="0">
                 <a:ln>
                   <a:noFill/>
                 </a:ln>
@@ -12425,7 +12228,7 @@
                 <a:ea typeface="JetBrains Mono"/>
               </a:rPr>
             </a:br>
-            <a:endParaRPr kumimoji="0" lang="zh-CN" altLang="zh-CN" sz="1800" b="0" i="0" u="none" strike="noStrike" cap="none" normalizeH="0" baseline="0" dirty="0" smtClean="0">
+            <a:endParaRPr kumimoji="0" lang="zh-CN" altLang="zh-CN" sz="1800" b="0" i="0" u="none" strike="noStrike" cap="none" normalizeH="0" baseline="0" dirty="0">
               <a:ln>
                 <a:noFill/>
               </a:ln>
@@ -12509,7 +12312,7 @@
               <a:tabLst/>
             </a:pPr>
             <a:r>
-              <a:rPr kumimoji="0" lang="zh-CN" altLang="zh-CN" sz="900" b="0" i="0" u="none" strike="noStrike" cap="none" normalizeH="0" baseline="0" dirty="0" smtClean="0">
+              <a:rPr kumimoji="0" lang="zh-CN" altLang="zh-CN" sz="900" b="0" i="0" u="none" strike="noStrike" cap="none" normalizeH="0" baseline="0" dirty="0">
                 <a:ln>
                   <a:noFill/>
                 </a:ln>
@@ -12523,7 +12326,7 @@
               <a:t>1: 1 3</a:t>
             </a:r>
             <a:br>
-              <a:rPr kumimoji="0" lang="zh-CN" altLang="zh-CN" sz="900" b="0" i="0" u="none" strike="noStrike" cap="none" normalizeH="0" baseline="0" dirty="0" smtClean="0">
+              <a:rPr kumimoji="0" lang="zh-CN" altLang="zh-CN" sz="900" b="0" i="0" u="none" strike="noStrike" cap="none" normalizeH="0" baseline="0" dirty="0">
                 <a:ln>
                   <a:noFill/>
                 </a:ln>
@@ -12536,7 +12339,7 @@
               </a:rPr>
             </a:br>
             <a:r>
-              <a:rPr kumimoji="0" lang="zh-CN" altLang="zh-CN" sz="900" b="0" i="0" strike="noStrike" cap="none" normalizeH="0" baseline="0" dirty="0" smtClean="0">
+              <a:rPr kumimoji="0" lang="zh-CN" altLang="zh-CN" sz="900" b="0" i="0" strike="noStrike" cap="none" normalizeH="0" baseline="0" dirty="0">
                 <a:ln>
                   <a:noFill/>
                 </a:ln>
@@ -12550,7 +12353,7 @@
               <a:t>2: 2 3</a:t>
             </a:r>
             <a:br>
-              <a:rPr kumimoji="0" lang="zh-CN" altLang="zh-CN" sz="900" b="0" i="0" strike="noStrike" cap="none" normalizeH="0" baseline="0" dirty="0" smtClean="0">
+              <a:rPr kumimoji="0" lang="zh-CN" altLang="zh-CN" sz="900" b="0" i="0" strike="noStrike" cap="none" normalizeH="0" baseline="0" dirty="0">
                 <a:ln>
                   <a:noFill/>
                 </a:ln>
@@ -12563,7 +12366,7 @@
               </a:rPr>
             </a:br>
             <a:r>
-              <a:rPr kumimoji="0" lang="zh-CN" altLang="zh-CN" sz="900" b="0" i="0" strike="noStrike" cap="none" normalizeH="0" baseline="0" dirty="0" smtClean="0">
+              <a:rPr kumimoji="0" lang="zh-CN" altLang="zh-CN" sz="900" b="0" i="0" strike="noStrike" cap="none" normalizeH="0" baseline="0" dirty="0">
                 <a:ln>
                   <a:noFill/>
                 </a:ln>
@@ -12577,7 +12380,7 @@
               <a:t>3: 10 20</a:t>
             </a:r>
             <a:br>
-              <a:rPr kumimoji="0" lang="zh-CN" altLang="zh-CN" sz="900" b="0" i="0" strike="noStrike" cap="none" normalizeH="0" baseline="0" dirty="0" smtClean="0">
+              <a:rPr kumimoji="0" lang="zh-CN" altLang="zh-CN" sz="900" b="0" i="0" strike="noStrike" cap="none" normalizeH="0" baseline="0" dirty="0">
                 <a:ln>
                   <a:noFill/>
                 </a:ln>
@@ -12590,7 +12393,7 @@
               </a:rPr>
             </a:br>
             <a:r>
-              <a:rPr kumimoji="0" lang="zh-CN" altLang="zh-CN" sz="900" b="0" i="0" strike="noStrike" cap="none" normalizeH="0" baseline="0" dirty="0" smtClean="0">
+              <a:rPr kumimoji="0" lang="zh-CN" altLang="zh-CN" sz="900" b="0" i="0" strike="noStrike" cap="none" normalizeH="0" baseline="0" dirty="0">
                 <a:ln>
                   <a:noFill/>
                 </a:ln>
@@ -12604,7 +12407,7 @@
               <a:t>4: 2</a:t>
             </a:r>
             <a:br>
-              <a:rPr kumimoji="0" lang="zh-CN" altLang="zh-CN" sz="900" b="0" i="0" strike="noStrike" cap="none" normalizeH="0" baseline="0" dirty="0" smtClean="0">
+              <a:rPr kumimoji="0" lang="zh-CN" altLang="zh-CN" sz="900" b="0" i="0" strike="noStrike" cap="none" normalizeH="0" baseline="0" dirty="0">
                 <a:ln>
                   <a:noFill/>
                 </a:ln>
@@ -12617,7 +12420,7 @@
               </a:rPr>
             </a:br>
             <a:r>
-              <a:rPr kumimoji="0" lang="zh-CN" altLang="zh-CN" sz="900" b="0" i="0" strike="noStrike" cap="none" normalizeH="0" baseline="0" dirty="0" smtClean="0">
+              <a:rPr kumimoji="0" lang="zh-CN" altLang="zh-CN" sz="900" b="0" i="0" strike="noStrike" cap="none" normalizeH="0" baseline="0" dirty="0">
                 <a:ln>
                   <a:noFill/>
                 </a:ln>
@@ -12631,7 +12434,7 @@
               <a:t>5: 3</a:t>
             </a:r>
             <a:br>
-              <a:rPr kumimoji="0" lang="zh-CN" altLang="zh-CN" sz="900" b="0" i="0" strike="noStrike" cap="none" normalizeH="0" baseline="0" dirty="0" smtClean="0">
+              <a:rPr kumimoji="0" lang="zh-CN" altLang="zh-CN" sz="900" b="0" i="0" strike="noStrike" cap="none" normalizeH="0" baseline="0" dirty="0">
                 <a:ln>
                   <a:noFill/>
                 </a:ln>
@@ -12644,7 +12447,7 @@
               </a:rPr>
             </a:br>
             <a:r>
-              <a:rPr kumimoji="0" lang="zh-CN" altLang="zh-CN" sz="900" b="0" i="0" strike="noStrike" cap="none" normalizeH="0" baseline="0" dirty="0" smtClean="0">
+              <a:rPr kumimoji="0" lang="zh-CN" altLang="zh-CN" sz="900" b="0" i="0" strike="noStrike" cap="none" normalizeH="0" baseline="0" dirty="0">
                 <a:ln>
                   <a:noFill/>
                 </a:ln>
@@ -12658,7 +12461,7 @@
               <a:t>6: 1 2 3 6 7</a:t>
             </a:r>
             <a:br>
-              <a:rPr kumimoji="0" lang="zh-CN" altLang="zh-CN" sz="900" b="0" i="0" strike="noStrike" cap="none" normalizeH="0" baseline="0" dirty="0" smtClean="0">
+              <a:rPr kumimoji="0" lang="zh-CN" altLang="zh-CN" sz="900" b="0" i="0" strike="noStrike" cap="none" normalizeH="0" baseline="0" dirty="0">
                 <a:ln>
                   <a:noFill/>
                 </a:ln>
@@ -12671,7 +12474,7 @@
               </a:rPr>
             </a:br>
             <a:r>
-              <a:rPr kumimoji="0" lang="zh-CN" altLang="zh-CN" sz="900" b="0" i="0" strike="noStrike" cap="none" normalizeH="0" baseline="0" dirty="0" smtClean="0">
+              <a:rPr kumimoji="0" lang="zh-CN" altLang="zh-CN" sz="900" b="0" i="0" strike="noStrike" cap="none" normalizeH="0" baseline="0" dirty="0">
                 <a:ln>
                   <a:noFill/>
                 </a:ln>
@@ -12685,7 +12488,7 @@
               <a:t>7: 3</a:t>
             </a:r>
             <a:br>
-              <a:rPr kumimoji="0" lang="zh-CN" altLang="zh-CN" sz="900" b="0" i="0" strike="noStrike" cap="none" normalizeH="0" baseline="0" dirty="0" smtClean="0">
+              <a:rPr kumimoji="0" lang="zh-CN" altLang="zh-CN" sz="900" b="0" i="0" strike="noStrike" cap="none" normalizeH="0" baseline="0" dirty="0">
                 <a:ln>
                   <a:noFill/>
                 </a:ln>
@@ -12698,7 +12501,7 @@
               </a:rPr>
             </a:br>
             <a:r>
-              <a:rPr kumimoji="0" lang="zh-CN" altLang="zh-CN" sz="900" b="0" i="0" strike="noStrike" cap="none" normalizeH="0" baseline="0" dirty="0" smtClean="0">
+              <a:rPr kumimoji="0" lang="zh-CN" altLang="zh-CN" sz="900" b="0" i="0" strike="noStrike" cap="none" normalizeH="0" baseline="0" dirty="0">
                 <a:ln>
                   <a:noFill/>
                 </a:ln>
@@ -12711,8 +12514,8 @@
               </a:rPr>
               <a:t>8: 2</a:t>
             </a:r>
-            <a:r>
-              <a:rPr kumimoji="0" lang="zh-CN" altLang="zh-CN" sz="900" b="0" i="0" u="none" strike="noStrike" cap="none" normalizeH="0" baseline="0" dirty="0" smtClean="0">
+            <a:br>
+              <a:rPr kumimoji="0" lang="zh-CN" altLang="zh-CN" sz="900" b="0" i="0" u="none" strike="noStrike" cap="none" normalizeH="0" baseline="0" dirty="0">
                 <a:ln>
                   <a:noFill/>
                 </a:ln>
@@ -12723,10 +12526,23 @@
                 <a:latin typeface="Arial Unicode MS"/>
                 <a:ea typeface="JetBrains Mono"/>
               </a:rPr>
-              <a:t/>
+            </a:br>
+            <a:r>
+              <a:rPr kumimoji="0" lang="zh-CN" altLang="zh-CN" sz="900" b="0" i="0" u="none" strike="noStrike" cap="none" normalizeH="0" baseline="0" dirty="0">
+                <a:ln>
+                  <a:noFill/>
+                </a:ln>
+                <a:solidFill>
+                  <a:srgbClr val="A9B7C6"/>
+                </a:solidFill>
+                <a:effectLst/>
+                <a:latin typeface="Arial Unicode MS"/>
+                <a:ea typeface="JetBrains Mono"/>
+              </a:rPr>
+              <a:t>9: 1 2 3 6 7</a:t>
             </a:r>
             <a:br>
-              <a:rPr kumimoji="0" lang="zh-CN" altLang="zh-CN" sz="900" b="0" i="0" u="none" strike="noStrike" cap="none" normalizeH="0" baseline="0" dirty="0" smtClean="0">
+              <a:rPr kumimoji="0" lang="zh-CN" altLang="zh-CN" sz="900" b="0" i="0" u="none" strike="noStrike" cap="none" normalizeH="0" baseline="0" dirty="0">
                 <a:ln>
                   <a:noFill/>
                 </a:ln>
@@ -12739,7 +12555,7 @@
               </a:rPr>
             </a:br>
             <a:r>
-              <a:rPr kumimoji="0" lang="zh-CN" altLang="zh-CN" sz="900" b="0" i="0" u="none" strike="noStrike" cap="none" normalizeH="0" baseline="0" dirty="0" smtClean="0">
+              <a:rPr kumimoji="0" lang="zh-CN" altLang="zh-CN" sz="900" b="0" i="0" u="none" strike="noStrike" cap="none" normalizeH="0" baseline="0" dirty="0">
                 <a:ln>
                   <a:noFill/>
                 </a:ln>
@@ -12750,10 +12566,10 @@
                 <a:latin typeface="Arial Unicode MS"/>
                 <a:ea typeface="JetBrains Mono"/>
               </a:rPr>
-              <a:t>9: 1 2 3 6 7</a:t>
+              <a:t>10: 1 2 3 6 7</a:t>
             </a:r>
             <a:br>
-              <a:rPr kumimoji="0" lang="zh-CN" altLang="zh-CN" sz="900" b="0" i="0" u="none" strike="noStrike" cap="none" normalizeH="0" baseline="0" dirty="0" smtClean="0">
+              <a:rPr kumimoji="0" lang="zh-CN" altLang="zh-CN" sz="900" b="0" i="0" u="none" strike="noStrike" cap="none" normalizeH="0" baseline="0" dirty="0">
                 <a:ln>
                   <a:noFill/>
                 </a:ln>
@@ -12766,7 +12582,7 @@
               </a:rPr>
             </a:br>
             <a:r>
-              <a:rPr kumimoji="0" lang="zh-CN" altLang="zh-CN" sz="900" b="0" i="0" u="none" strike="noStrike" cap="none" normalizeH="0" baseline="0" dirty="0" smtClean="0">
+              <a:rPr kumimoji="0" lang="zh-CN" altLang="zh-CN" sz="900" b="0" i="0" u="none" strike="noStrike" cap="none" normalizeH="0" baseline="0" dirty="0">
                 <a:ln>
                   <a:noFill/>
                 </a:ln>
@@ -12777,10 +12593,10 @@
                 <a:latin typeface="Arial Unicode MS"/>
                 <a:ea typeface="JetBrains Mono"/>
               </a:rPr>
-              <a:t>10: 1 2 3 6 7</a:t>
+              <a:t>11: 2 6 7</a:t>
             </a:r>
             <a:br>
-              <a:rPr kumimoji="0" lang="zh-CN" altLang="zh-CN" sz="900" b="0" i="0" u="none" strike="noStrike" cap="none" normalizeH="0" baseline="0" dirty="0" smtClean="0">
+              <a:rPr kumimoji="0" lang="zh-CN" altLang="zh-CN" sz="900" b="0" i="0" u="none" strike="noStrike" cap="none" normalizeH="0" baseline="0" dirty="0">
                 <a:ln>
                   <a:noFill/>
                 </a:ln>
@@ -12793,7 +12609,7 @@
               </a:rPr>
             </a:br>
             <a:r>
-              <a:rPr kumimoji="0" lang="zh-CN" altLang="zh-CN" sz="900" b="0" i="0" u="none" strike="noStrike" cap="none" normalizeH="0" baseline="0" dirty="0" smtClean="0">
+              <a:rPr kumimoji="0" lang="zh-CN" altLang="zh-CN" sz="900" b="0" i="0" u="none" strike="noStrike" cap="none" normalizeH="0" baseline="0" dirty="0">
                 <a:ln>
                   <a:noFill/>
                 </a:ln>
@@ -12804,10 +12620,10 @@
                 <a:latin typeface="Arial Unicode MS"/>
                 <a:ea typeface="JetBrains Mono"/>
               </a:rPr>
-              <a:t>11: 2 6 7</a:t>
+              <a:t>12: 2 3</a:t>
             </a:r>
             <a:br>
-              <a:rPr kumimoji="0" lang="zh-CN" altLang="zh-CN" sz="900" b="0" i="0" u="none" strike="noStrike" cap="none" normalizeH="0" baseline="0" dirty="0" smtClean="0">
+              <a:rPr kumimoji="0" lang="zh-CN" altLang="zh-CN" sz="900" b="0" i="0" u="none" strike="noStrike" cap="none" normalizeH="0" baseline="0" dirty="0">
                 <a:ln>
                   <a:noFill/>
                 </a:ln>
@@ -12820,7 +12636,7 @@
               </a:rPr>
             </a:br>
             <a:r>
-              <a:rPr kumimoji="0" lang="zh-CN" altLang="zh-CN" sz="900" b="0" i="0" u="none" strike="noStrike" cap="none" normalizeH="0" baseline="0" dirty="0" smtClean="0">
+              <a:rPr kumimoji="0" lang="zh-CN" altLang="zh-CN" sz="900" b="0" i="0" u="none" strike="noStrike" cap="none" normalizeH="0" baseline="0" dirty="0">
                 <a:ln>
                   <a:noFill/>
                 </a:ln>
@@ -12831,36 +12647,9 @@
                 <a:latin typeface="Arial Unicode MS"/>
                 <a:ea typeface="JetBrains Mono"/>
               </a:rPr>
-              <a:t>12: 2 3</a:t>
-            </a:r>
-            <a:br>
-              <a:rPr kumimoji="0" lang="zh-CN" altLang="zh-CN" sz="900" b="0" i="0" u="none" strike="noStrike" cap="none" normalizeH="0" baseline="0" dirty="0" smtClean="0">
-                <a:ln>
-                  <a:noFill/>
-                </a:ln>
-                <a:solidFill>
-                  <a:srgbClr val="A9B7C6"/>
-                </a:solidFill>
-                <a:effectLst/>
-                <a:latin typeface="Arial Unicode MS"/>
-                <a:ea typeface="JetBrains Mono"/>
-              </a:rPr>
-            </a:br>
-            <a:r>
-              <a:rPr kumimoji="0" lang="zh-CN" altLang="zh-CN" sz="900" b="0" i="0" u="none" strike="noStrike" cap="none" normalizeH="0" baseline="0" dirty="0" smtClean="0">
-                <a:ln>
-                  <a:noFill/>
-                </a:ln>
-                <a:solidFill>
-                  <a:srgbClr val="A9B7C6"/>
-                </a:solidFill>
-                <a:effectLst/>
-                <a:latin typeface="Arial Unicode MS"/>
-                <a:ea typeface="JetBrains Mono"/>
-              </a:rPr>
               <a:t>13: 1 2 3 6 7</a:t>
             </a:r>
-            <a:endParaRPr kumimoji="0" lang="zh-CN" altLang="zh-CN" sz="1800" b="0" i="0" u="none" strike="noStrike" cap="none" normalizeH="0" baseline="0" dirty="0" smtClean="0">
+            <a:endParaRPr kumimoji="0" lang="zh-CN" altLang="zh-CN" sz="1800" b="0" i="0" u="none" strike="noStrike" cap="none" normalizeH="0" baseline="0" dirty="0">
               <a:ln>
                 <a:noFill/>
               </a:ln>
@@ -12919,18 +12708,17 @@
           <a:lstStyle/>
           <a:p>
             <a:r>
-              <a:rPr lang="zh-CN" altLang="en-US" dirty="0" smtClean="0"/>
+              <a:rPr lang="zh-CN" altLang="en-US" dirty="0"/>
               <a:t>编写了</a:t>
             </a:r>
             <a:r>
-              <a:rPr lang="en-US" altLang="zh-CN" dirty="0" smtClean="0"/>
+              <a:rPr lang="en-US" altLang="zh-CN" dirty="0"/>
               <a:t>21</a:t>
             </a:r>
             <a:r>
-              <a:rPr lang="zh-CN" altLang="en-US" dirty="0" smtClean="0"/>
+              <a:rPr lang="zh-CN" altLang="en-US" dirty="0"/>
               <a:t>个测试用例，和自动化测试脚本</a:t>
             </a:r>
-            <a:endParaRPr lang="zh-CN" altLang="en-US" dirty="0"/>
           </a:p>
         </p:txBody>
       </p:sp>
@@ -12944,13 +12732,6 @@
   <p:clrMapOvr>
     <a:masterClrMapping/>
   </p:clrMapOvr>
-  <p:timing>
-    <p:tnLst>
-      <p:par>
-        <p:cTn id="1" dur="indefinite" restart="never" nodeType="tmRoot"/>
-      </p:par>
-    </p:tnLst>
-  </p:timing>
 </p:sld>
 </file>
 
@@ -12992,11 +12773,11 @@
           <a:lstStyle/>
           <a:p>
             <a:r>
-              <a:rPr lang="zh-CN" altLang="en-US" dirty="0" smtClean="0"/>
+              <a:rPr lang="zh-CN" altLang="en-US" dirty="0"/>
               <a:t>当前分数</a:t>
             </a:r>
             <a:r>
-              <a:rPr lang="en-US" altLang="zh-CN" dirty="0" smtClean="0"/>
+              <a:rPr lang="en-US" altLang="zh-CN" dirty="0"/>
               <a:t>2020.11.28</a:t>
             </a:r>
             <a:endParaRPr lang="zh-CN" altLang="en-US" dirty="0"/>
@@ -13037,13 +12818,6 @@
   <p:clrMapOvr>
     <a:masterClrMapping/>
   </p:clrMapOvr>
-  <p:timing>
-    <p:tnLst>
-      <p:par>
-        <p:cTn id="1" dur="indefinite" restart="never" nodeType="tmRoot"/>
-      </p:par>
-    </p:tnLst>
-  </p:timing>
 </p:sld>
 </file>
 
@@ -13080,10 +12854,9 @@
           <a:lstStyle/>
           <a:p>
             <a:r>
-              <a:rPr lang="zh-CN" altLang="en-US" dirty="0" smtClean="0"/>
+              <a:rPr lang="zh-CN" altLang="en-US" dirty="0"/>
               <a:t>谢谢！</a:t>
             </a:r>
-            <a:endParaRPr lang="zh-CN" altLang="en-US" dirty="0"/>
           </a:p>
         </p:txBody>
       </p:sp>
@@ -13116,13 +12889,6 @@
   <p:clrMapOvr>
     <a:masterClrMapping/>
   </p:clrMapOvr>
-  <p:timing>
-    <p:tnLst>
-      <p:par>
-        <p:cTn id="1" dur="indefinite" restart="never" nodeType="tmRoot"/>
-      </p:par>
-    </p:tnLst>
-  </p:timing>
 </p:sld>
 </file>
 
